--- a/CS449/Sane-idea.pptx
+++ b/CS449/Sane-idea.pptx
@@ -6,13 +6,14 @@
   </p:sldMasterIdLst>
   <p:sldIdLst>
     <p:sldId id="258" r:id="rId2"/>
-    <p:sldId id="263" r:id="rId3"/>
-    <p:sldId id="262" r:id="rId4"/>
-    <p:sldId id="260" r:id="rId5"/>
-    <p:sldId id="264" r:id="rId6"/>
-    <p:sldId id="256" r:id="rId7"/>
-    <p:sldId id="259" r:id="rId8"/>
-    <p:sldId id="257" r:id="rId9"/>
+    <p:sldId id="265" r:id="rId3"/>
+    <p:sldId id="263" r:id="rId4"/>
+    <p:sldId id="262" r:id="rId5"/>
+    <p:sldId id="260" r:id="rId6"/>
+    <p:sldId id="264" r:id="rId7"/>
+    <p:sldId id="256" r:id="rId8"/>
+    <p:sldId id="259" r:id="rId9"/>
+    <p:sldId id="257" r:id="rId10"/>
   </p:sldIdLst>
   <p:sldSz cx="12192000" cy="6858000"/>
   <p:notesSz cx="6858000" cy="9144000"/>
@@ -250,7 +251,7 @@
           <a:p>
             <a:fld id="{D5C493FA-C699-41EB-8AC3-3518242D2E74}" type="datetimeFigureOut">
               <a:rPr lang="en-US" smtClean="0"/>
-              <a:t>9/8/2015</a:t>
+              <a:t>11/14/2015</a:t>
             </a:fld>
             <a:endParaRPr lang="en-US"/>
           </a:p>
@@ -420,7 +421,7 @@
           <a:p>
             <a:fld id="{D5C493FA-C699-41EB-8AC3-3518242D2E74}" type="datetimeFigureOut">
               <a:rPr lang="en-US" smtClean="0"/>
-              <a:t>9/8/2015</a:t>
+              <a:t>11/14/2015</a:t>
             </a:fld>
             <a:endParaRPr lang="en-US"/>
           </a:p>
@@ -600,7 +601,7 @@
           <a:p>
             <a:fld id="{D5C493FA-C699-41EB-8AC3-3518242D2E74}" type="datetimeFigureOut">
               <a:rPr lang="en-US" smtClean="0"/>
-              <a:t>9/8/2015</a:t>
+              <a:t>11/14/2015</a:t>
             </a:fld>
             <a:endParaRPr lang="en-US"/>
           </a:p>
@@ -770,7 +771,7 @@
           <a:p>
             <a:fld id="{D5C493FA-C699-41EB-8AC3-3518242D2E74}" type="datetimeFigureOut">
               <a:rPr lang="en-US" smtClean="0"/>
-              <a:t>9/8/2015</a:t>
+              <a:t>11/14/2015</a:t>
             </a:fld>
             <a:endParaRPr lang="en-US"/>
           </a:p>
@@ -1016,7 +1017,7 @@
           <a:p>
             <a:fld id="{D5C493FA-C699-41EB-8AC3-3518242D2E74}" type="datetimeFigureOut">
               <a:rPr lang="en-US" smtClean="0"/>
-              <a:t>9/8/2015</a:t>
+              <a:t>11/14/2015</a:t>
             </a:fld>
             <a:endParaRPr lang="en-US"/>
           </a:p>
@@ -1248,7 +1249,7 @@
           <a:p>
             <a:fld id="{D5C493FA-C699-41EB-8AC3-3518242D2E74}" type="datetimeFigureOut">
               <a:rPr lang="en-US" smtClean="0"/>
-              <a:t>9/8/2015</a:t>
+              <a:t>11/14/2015</a:t>
             </a:fld>
             <a:endParaRPr lang="en-US"/>
           </a:p>
@@ -1615,7 +1616,7 @@
           <a:p>
             <a:fld id="{D5C493FA-C699-41EB-8AC3-3518242D2E74}" type="datetimeFigureOut">
               <a:rPr lang="en-US" smtClean="0"/>
-              <a:t>9/8/2015</a:t>
+              <a:t>11/14/2015</a:t>
             </a:fld>
             <a:endParaRPr lang="en-US"/>
           </a:p>
@@ -1733,7 +1734,7 @@
           <a:p>
             <a:fld id="{D5C493FA-C699-41EB-8AC3-3518242D2E74}" type="datetimeFigureOut">
               <a:rPr lang="en-US" smtClean="0"/>
-              <a:t>9/8/2015</a:t>
+              <a:t>11/14/2015</a:t>
             </a:fld>
             <a:endParaRPr lang="en-US"/>
           </a:p>
@@ -1828,7 +1829,7 @@
           <a:p>
             <a:fld id="{D5C493FA-C699-41EB-8AC3-3518242D2E74}" type="datetimeFigureOut">
               <a:rPr lang="en-US" smtClean="0"/>
-              <a:t>9/8/2015</a:t>
+              <a:t>11/14/2015</a:t>
             </a:fld>
             <a:endParaRPr lang="en-US"/>
           </a:p>
@@ -2105,7 +2106,7 @@
           <a:p>
             <a:fld id="{D5C493FA-C699-41EB-8AC3-3518242D2E74}" type="datetimeFigureOut">
               <a:rPr lang="en-US" smtClean="0"/>
-              <a:t>9/8/2015</a:t>
+              <a:t>11/14/2015</a:t>
             </a:fld>
             <a:endParaRPr lang="en-US"/>
           </a:p>
@@ -2358,7 +2359,7 @@
           <a:p>
             <a:fld id="{D5C493FA-C699-41EB-8AC3-3518242D2E74}" type="datetimeFigureOut">
               <a:rPr lang="en-US" smtClean="0"/>
-              <a:t>9/8/2015</a:t>
+              <a:t>11/14/2015</a:t>
             </a:fld>
             <a:endParaRPr lang="en-US"/>
           </a:p>
@@ -2571,7 +2572,7 @@
           <a:p>
             <a:fld id="{D5C493FA-C699-41EB-8AC3-3518242D2E74}" type="datetimeFigureOut">
               <a:rPr lang="en-US" smtClean="0"/>
-              <a:t>9/8/2015</a:t>
+              <a:t>11/14/2015</a:t>
             </a:fld>
             <a:endParaRPr lang="en-US"/>
           </a:p>
@@ -2978,7 +2979,7 @@
       </p:grpSpPr>
       <p:pic>
         <p:nvPicPr>
-          <p:cNvPr id="4" name="Picture 3"/>
+          <p:cNvPr id="6" name="Picture 5"/>
           <p:cNvPicPr>
             <a:picLocks noChangeAspect="1"/>
           </p:cNvPicPr>
@@ -2992,8 +2993,8 @@
         </p:blipFill>
         <p:spPr>
           <a:xfrm>
-            <a:off x="9313165" y="1939298"/>
-            <a:ext cx="1808525" cy="1203491"/>
+            <a:off x="6467863" y="4630490"/>
+            <a:ext cx="2857500" cy="1600200"/>
           </a:xfrm>
           <a:prstGeom prst="rect">
             <a:avLst/>
@@ -3002,7 +3003,7 @@
       </p:pic>
       <p:pic>
         <p:nvPicPr>
-          <p:cNvPr id="5" name="Picture 4"/>
+          <p:cNvPr id="7" name="Picture 6"/>
           <p:cNvPicPr>
             <a:picLocks noChangeAspect="1"/>
           </p:cNvPicPr>
@@ -3016,8 +3017,8 @@
         </p:blipFill>
         <p:spPr>
           <a:xfrm>
-            <a:off x="8993754" y="3324958"/>
-            <a:ext cx="2127936" cy="1410914"/>
+            <a:off x="8759825" y="3478648"/>
+            <a:ext cx="2619375" cy="1752600"/>
           </a:xfrm>
           <a:prstGeom prst="rect">
             <a:avLst/>
@@ -3026,7 +3027,7 @@
       </p:pic>
       <p:pic>
         <p:nvPicPr>
-          <p:cNvPr id="6" name="Picture 5"/>
+          <p:cNvPr id="9" name="Picture 8"/>
           <p:cNvPicPr>
             <a:picLocks noChangeAspect="1"/>
           </p:cNvPicPr>
@@ -3040,8 +3041,8 @@
         </p:blipFill>
         <p:spPr>
           <a:xfrm>
-            <a:off x="5424674" y="4581712"/>
-            <a:ext cx="2857500" cy="1600200"/>
+            <a:off x="5048638" y="3478648"/>
+            <a:ext cx="3314700" cy="1200150"/>
           </a:xfrm>
           <a:prstGeom prst="rect">
             <a:avLst/>
@@ -3050,7 +3051,7 @@
       </p:pic>
       <p:pic>
         <p:nvPicPr>
-          <p:cNvPr id="7" name="Picture 6"/>
+          <p:cNvPr id="2" name="Picture 1"/>
           <p:cNvPicPr>
             <a:picLocks noChangeAspect="1"/>
           </p:cNvPicPr>
@@ -3064,78 +3065,6 @@
         </p:blipFill>
         <p:spPr>
           <a:xfrm>
-            <a:off x="8418792" y="4429312"/>
-            <a:ext cx="2619375" cy="1752600"/>
-          </a:xfrm>
-          <a:prstGeom prst="rect">
-            <a:avLst/>
-          </a:prstGeom>
-        </p:spPr>
-      </p:pic>
-      <p:pic>
-        <p:nvPicPr>
-          <p:cNvPr id="8" name="Picture 7"/>
-          <p:cNvPicPr>
-            <a:picLocks noChangeAspect="1"/>
-          </p:cNvPicPr>
-          <p:nvPr/>
-        </p:nvPicPr>
-        <p:blipFill>
-          <a:blip r:embed="rId6"/>
-          <a:stretch>
-            <a:fillRect/>
-          </a:stretch>
-        </p:blipFill>
-        <p:spPr>
-          <a:xfrm>
-            <a:off x="6443256" y="2206698"/>
-            <a:ext cx="2466975" cy="1847850"/>
-          </a:xfrm>
-          <a:prstGeom prst="rect">
-            <a:avLst/>
-          </a:prstGeom>
-        </p:spPr>
-      </p:pic>
-      <p:pic>
-        <p:nvPicPr>
-          <p:cNvPr id="9" name="Picture 8"/>
-          <p:cNvPicPr>
-            <a:picLocks noChangeAspect="1"/>
-          </p:cNvPicPr>
-          <p:nvPr/>
-        </p:nvPicPr>
-        <p:blipFill>
-          <a:blip r:embed="rId7"/>
-          <a:stretch>
-            <a:fillRect/>
-          </a:stretch>
-        </p:blipFill>
-        <p:spPr>
-          <a:xfrm>
-            <a:off x="4967474" y="3430340"/>
-            <a:ext cx="3314700" cy="1200150"/>
-          </a:xfrm>
-          <a:prstGeom prst="rect">
-            <a:avLst/>
-          </a:prstGeom>
-        </p:spPr>
-      </p:pic>
-      <p:pic>
-        <p:nvPicPr>
-          <p:cNvPr id="2" name="Picture 1"/>
-          <p:cNvPicPr>
-            <a:picLocks noChangeAspect="1"/>
-          </p:cNvPicPr>
-          <p:nvPr/>
-        </p:nvPicPr>
-        <p:blipFill>
-          <a:blip r:embed="rId8"/>
-          <a:stretch>
-            <a:fillRect/>
-          </a:stretch>
-        </p:blipFill>
-        <p:spPr>
-          <a:xfrm>
             <a:off x="609600" y="3215008"/>
             <a:ext cx="4221256" cy="3419117"/>
           </a:xfrm>
@@ -3152,8 +3081,8 @@
         </p:nvSpPr>
         <p:spPr>
           <a:xfrm>
-            <a:off x="412236" y="330437"/>
-            <a:ext cx="10966964" cy="1938992"/>
+            <a:off x="283447" y="1367763"/>
+            <a:ext cx="11908553" cy="830997"/>
           </a:xfrm>
           <a:prstGeom prst="rect">
             <a:avLst/>
@@ -3165,112 +3094,76 @@
           </a:bodyPr>
           <a:lstStyle/>
           <a:p>
-            <a:r>
-              <a:rPr lang="en-US" sz="2400" b="1" dirty="0">
-                <a:ea typeface="Malgun Gothic" panose="020B0503020000020004" pitchFamily="34" charset="-127"/>
-                <a:cs typeface="Times New Roman" panose="02020603050405020304" pitchFamily="18" charset="0"/>
-              </a:rPr>
-              <a:t>Sexual </a:t>
-            </a:r>
+            <a:endParaRPr lang="en-US" sz="2400" dirty="0">
+              <a:solidFill>
+                <a:srgbClr val="000000"/>
+              </a:solidFill>
+              <a:ea typeface="Malgun Gothic" panose="020B0503020000020004" pitchFamily="34" charset="-127"/>
+              <a:cs typeface="Times New Roman" panose="02020603050405020304" pitchFamily="18" charset="0"/>
+            </a:endParaRPr>
+          </a:p>
+          <a:p>
             <a:r>
               <a:rPr lang="en-US" sz="2400" b="1" dirty="0" smtClean="0">
-                <a:ea typeface="Malgun Gothic" panose="020B0503020000020004" pitchFamily="34" charset="-127"/>
-                <a:cs typeface="Times New Roman" panose="02020603050405020304" pitchFamily="18" charset="0"/>
-              </a:rPr>
-              <a:t>Assaults </a:t>
-            </a:r>
-            <a:r>
-              <a:rPr lang="en-US" sz="2400" dirty="0">
-                <a:ea typeface="Malgun Gothic" panose="020B0503020000020004" pitchFamily="34" charset="-127"/>
-                <a:cs typeface="Times New Roman" panose="02020603050405020304" pitchFamily="18" charset="0"/>
-              </a:rPr>
-              <a:t>happen in many forms of relationship (i.e., spousal, dating, friends, business, colleague, and total strangers) with various types (i.e., obvious, ambiguous, and unconscious + verbal, verbal &amp; physical, physical</a:t>
-            </a:r>
-            <a:r>
-              <a:rPr lang="en-US" sz="2400" dirty="0" smtClean="0">
-                <a:ea typeface="Malgun Gothic" panose="020B0503020000020004" pitchFamily="34" charset="-127"/>
-                <a:cs typeface="Times New Roman" panose="02020603050405020304" pitchFamily="18" charset="0"/>
-              </a:rPr>
-              <a:t>).</a:t>
-            </a:r>
-          </a:p>
-          <a:p>
-            <a:r>
-              <a:rPr lang="en-US" sz="2400" dirty="0" smtClean="0">
-                <a:ea typeface="Malgun Gothic" panose="020B0503020000020004" pitchFamily="34" charset="-127"/>
-                <a:cs typeface="Times New Roman" panose="02020603050405020304" pitchFamily="18" charset="0"/>
-              </a:rPr>
-              <a:t>However, “</a:t>
-            </a:r>
-            <a:r>
-              <a:rPr lang="en-US" sz="2400" dirty="0">
                 <a:solidFill>
                   <a:srgbClr val="000000"/>
                 </a:solidFill>
                 <a:ea typeface="Malgun Gothic" panose="020B0503020000020004" pitchFamily="34" charset="-127"/>
                 <a:cs typeface="Times New Roman" panose="02020603050405020304" pitchFamily="18" charset="0"/>
               </a:rPr>
-              <a:t>Sexual assault is one of the most under reported crimes, with 68% still being left unreported.”</a:t>
-            </a:r>
-            <a:endParaRPr lang="en-US" sz="2400" dirty="0"/>
-          </a:p>
-        </p:txBody>
-      </p:sp>
-      <p:sp>
-        <p:nvSpPr>
-          <p:cNvPr id="10" name="Rectangle 9"/>
-          <p:cNvSpPr/>
-          <p:nvPr/>
-        </p:nvSpPr>
-        <p:spPr>
-          <a:xfrm>
-            <a:off x="5053292" y="6374184"/>
-            <a:ext cx="6731000" cy="388696"/>
-          </a:xfrm>
-          <a:prstGeom prst="rect">
-            <a:avLst/>
-          </a:prstGeom>
-        </p:spPr>
-        <p:txBody>
-          <a:bodyPr wrap="square">
-            <a:spAutoFit/>
-          </a:bodyPr>
-          <a:lstStyle/>
-          <a:p>
-            <a:pPr>
-              <a:lnSpc>
-                <a:spcPct val="107000"/>
-              </a:lnSpc>
-              <a:spcAft>
-                <a:spcPts val="800"/>
-              </a:spcAft>
-            </a:pPr>
-            <a:r>
-              <a:rPr lang="en-US" dirty="0">
-                <a:latin typeface="Calibri" panose="020F0502020204030204" pitchFamily="34" charset="0"/>
+              <a:t>Sexual Assault </a:t>
+            </a:r>
+            <a:r>
+              <a:rPr lang="en-US" sz="2400" b="1" dirty="0" smtClean="0">
+                <a:solidFill>
+                  <a:srgbClr val="000000"/>
+                </a:solidFill>
                 <a:ea typeface="Malgun Gothic" panose="020B0503020000020004" pitchFamily="34" charset="-127"/>
                 <a:cs typeface="Times New Roman" panose="02020603050405020304" pitchFamily="18" charset="0"/>
               </a:rPr>
-              <a:t>From </a:t>
-            </a:r>
-            <a:r>
-              <a:rPr lang="en-US" u="sng" dirty="0">
+              <a:t>is </a:t>
+            </a:r>
+            <a:r>
+              <a:rPr lang="en-US" sz="2400" b="1" dirty="0">
                 <a:solidFill>
-                  <a:srgbClr val="0563C1"/>
+                  <a:srgbClr val="000000"/>
                 </a:solidFill>
-                <a:latin typeface="Calibri" panose="020F0502020204030204" pitchFamily="34" charset="0"/>
                 <a:ea typeface="Malgun Gothic" panose="020B0503020000020004" pitchFamily="34" charset="-127"/>
                 <a:cs typeface="Times New Roman" panose="02020603050405020304" pitchFamily="18" charset="0"/>
-                <a:hlinkClick r:id="rId9"/>
               </a:rPr>
-              <a:t>https://rainn.org/get-information/statistics/reporting-rates</a:t>
-            </a:r>
-            <a:endParaRPr lang="en-US" dirty="0">
-              <a:effectLst/>
-              <a:latin typeface="Calibri" panose="020F0502020204030204" pitchFamily="34" charset="0"/>
-              <a:ea typeface="Malgun Gothic" panose="020B0503020000020004" pitchFamily="34" charset="-127"/>
-              <a:cs typeface="Times New Roman" panose="02020603050405020304" pitchFamily="18" charset="0"/>
-            </a:endParaRPr>
+              <a:t>one of the most under reported </a:t>
+            </a:r>
+            <a:r>
+              <a:rPr lang="en-US" sz="2400" b="1" dirty="0" smtClean="0">
+                <a:solidFill>
+                  <a:srgbClr val="000000"/>
+                </a:solidFill>
+                <a:ea typeface="Malgun Gothic" panose="020B0503020000020004" pitchFamily="34" charset="-127"/>
+                <a:cs typeface="Times New Roman" panose="02020603050405020304" pitchFamily="18" charset="0"/>
+              </a:rPr>
+              <a:t>crimes</a:t>
+            </a:r>
+            <a:r>
+              <a:rPr lang="en-US" sz="2400" b="1" dirty="0" smtClean="0">
+                <a:solidFill>
+                  <a:srgbClr val="000000"/>
+                </a:solidFill>
+                <a:ea typeface="Malgun Gothic" panose="020B0503020000020004" pitchFamily="34" charset="-127"/>
+                <a:cs typeface="Times New Roman" panose="02020603050405020304" pitchFamily="18" charset="0"/>
+              </a:rPr>
+              <a:t>. 68% of assaults go</a:t>
+            </a:r>
+            <a:r>
+              <a:rPr lang="en-US" sz="2400" b="1" dirty="0" smtClean="0">
+                <a:solidFill>
+                  <a:srgbClr val="000000"/>
+                </a:solidFill>
+                <a:ea typeface="Malgun Gothic" panose="020B0503020000020004" pitchFamily="34" charset="-127"/>
+                <a:cs typeface="Times New Roman" panose="02020603050405020304" pitchFamily="18" charset="0"/>
+              </a:rPr>
+              <a:t> unreported</a:t>
+            </a:r>
+            <a:endParaRPr lang="en-US" sz="2400" b="1" dirty="0"/>
           </a:p>
         </p:txBody>
       </p:sp>
@@ -3311,330 +3204,34 @@
           <a:chExt cx="0" cy="0"/>
         </a:xfrm>
       </p:grpSpPr>
-      <p:sp>
-        <p:nvSpPr>
-          <p:cNvPr id="2" name="Rectangle 1"/>
-          <p:cNvSpPr/>
-          <p:nvPr/>
-        </p:nvSpPr>
-        <p:spPr>
-          <a:xfrm>
-            <a:off x="419100" y="189789"/>
-            <a:ext cx="9804400" cy="5724644"/>
+      <p:pic>
+        <p:nvPicPr>
+          <p:cNvPr id="2" name="Picture 1"/>
+          <p:cNvPicPr>
+            <a:picLocks noChangeAspect="1"/>
+          </p:cNvPicPr>
+          <p:nvPr/>
+        </p:nvPicPr>
+        <p:blipFill>
+          <a:blip r:embed="rId2"/>
+          <a:stretch>
+            <a:fillRect/>
+          </a:stretch>
+        </p:blipFill>
+        <p:spPr>
+          <a:xfrm>
+            <a:off x="489397" y="673159"/>
+            <a:ext cx="7031865" cy="5695643"/>
           </a:xfrm>
           <a:prstGeom prst="rect">
             <a:avLst/>
           </a:prstGeom>
         </p:spPr>
-        <p:txBody>
-          <a:bodyPr wrap="square">
-            <a:spAutoFit/>
-          </a:bodyPr>
-          <a:lstStyle/>
-          <a:p>
-            <a:r>
-              <a:rPr lang="en-US" sz="2400" b="1" dirty="0"/>
-              <a:t>What are some common concerns about reporting</a:t>
-            </a:r>
-            <a:r>
-              <a:rPr lang="en-US" sz="2400" b="1" dirty="0" smtClean="0"/>
-              <a:t>?</a:t>
-            </a:r>
-          </a:p>
-          <a:p>
-            <a:endParaRPr lang="en-US" b="1" dirty="0"/>
-          </a:p>
-          <a:p>
-            <a:endParaRPr lang="en-US" b="1" dirty="0" smtClean="0"/>
-          </a:p>
-          <a:p>
-            <a:pPr marL="285750" indent="-285750">
-              <a:buFont typeface="Arial" panose="020B0604020202020204" pitchFamily="34" charset="0"/>
-              <a:buChar char="•"/>
-            </a:pPr>
-            <a:r>
-              <a:rPr lang="en-US" b="1" dirty="0">
-                <a:latin typeface="Calibri" panose="020F0502020204030204" pitchFamily="34" charset="0"/>
-                <a:ea typeface="Malgun Gothic" panose="020B0503020000020004" pitchFamily="34" charset="-127"/>
-                <a:cs typeface="Times New Roman" panose="02020603050405020304" pitchFamily="18" charset="0"/>
-              </a:rPr>
-              <a:t>Fear, embarrassment, and </a:t>
-            </a:r>
-            <a:r>
-              <a:rPr lang="en-US" b="1" dirty="0" smtClean="0">
-                <a:latin typeface="Calibri" panose="020F0502020204030204" pitchFamily="34" charset="0"/>
-                <a:ea typeface="Malgun Gothic" panose="020B0503020000020004" pitchFamily="34" charset="-127"/>
-                <a:cs typeface="Times New Roman" panose="02020603050405020304" pitchFamily="18" charset="0"/>
-              </a:rPr>
-              <a:t>shame.</a:t>
-            </a:r>
-          </a:p>
-          <a:p>
-            <a:pPr marL="285750" indent="-285750">
-              <a:buFont typeface="Arial" panose="020B0604020202020204" pitchFamily="34" charset="0"/>
-              <a:buChar char="•"/>
-            </a:pPr>
-            <a:r>
-              <a:rPr lang="en-US" b="1" dirty="0">
-                <a:latin typeface="Calibri" panose="020F0502020204030204" pitchFamily="34" charset="0"/>
-                <a:ea typeface="Malgun Gothic" panose="020B0503020000020004" pitchFamily="34" charset="-127"/>
-                <a:cs typeface="Times New Roman" panose="02020603050405020304" pitchFamily="18" charset="0"/>
-              </a:rPr>
-              <a:t>Hesitation until the statute of </a:t>
-            </a:r>
-            <a:r>
-              <a:rPr lang="en-US" b="1" dirty="0" smtClean="0">
-                <a:latin typeface="Calibri" panose="020F0502020204030204" pitchFamily="34" charset="0"/>
-                <a:ea typeface="Malgun Gothic" panose="020B0503020000020004" pitchFamily="34" charset="-127"/>
-                <a:cs typeface="Times New Roman" panose="02020603050405020304" pitchFamily="18" charset="0"/>
-              </a:rPr>
-              <a:t>limitations.</a:t>
-            </a:r>
-            <a:endParaRPr lang="en-US" b="1" dirty="0" smtClean="0"/>
-          </a:p>
-          <a:p>
-            <a:pPr marL="285750" indent="-285750">
-              <a:buFont typeface="Arial" panose="020B0604020202020204" pitchFamily="34" charset="0"/>
-              <a:buChar char="•"/>
-            </a:pPr>
-            <a:r>
-              <a:rPr lang="en-US" b="1" dirty="0" smtClean="0"/>
-              <a:t>The </a:t>
-            </a:r>
-            <a:r>
-              <a:rPr lang="en-US" b="1" dirty="0"/>
-              <a:t>perpetrator got scared away or stopped before finishing the assault.</a:t>
-            </a:r>
-            <a:r>
-              <a:rPr lang="en-US" dirty="0"/>
-              <a:t/>
-            </a:r>
-            <a:br>
-              <a:rPr lang="en-US" dirty="0"/>
-            </a:br>
-            <a:r>
-              <a:rPr lang="en-US" dirty="0"/>
-              <a:t>Attempted rape is a serious crime and can be reported. </a:t>
-            </a:r>
-          </a:p>
-          <a:p>
-            <a:pPr marL="285750" lvl="0" indent="-285750">
-              <a:buFont typeface="Arial" panose="020B0604020202020204" pitchFamily="34" charset="0"/>
-              <a:buChar char="•"/>
-            </a:pPr>
-            <a:r>
-              <a:rPr lang="en-US" b="1" dirty="0"/>
-              <a:t>I know the person who hurt me.</a:t>
-            </a:r>
-            <a:r>
-              <a:rPr lang="en-US" dirty="0"/>
-              <a:t/>
-            </a:r>
-            <a:br>
-              <a:rPr lang="en-US" dirty="0"/>
-            </a:br>
-            <a:r>
-              <a:rPr lang="en-US" dirty="0"/>
-              <a:t>About 2/3 of victims know the perpetrator. </a:t>
-            </a:r>
-            <a:endParaRPr lang="en-US" dirty="0" smtClean="0"/>
-          </a:p>
-          <a:p>
-            <a:pPr marL="285750" lvl="0" indent="-285750">
-              <a:buFont typeface="Arial" panose="020B0604020202020204" pitchFamily="34" charset="0"/>
-              <a:buChar char="•"/>
-            </a:pPr>
-            <a:r>
-              <a:rPr lang="en-US" b="1" dirty="0" smtClean="0"/>
-              <a:t>I’ve </a:t>
-            </a:r>
-            <a:r>
-              <a:rPr lang="en-US" b="1" dirty="0"/>
-              <a:t>been intimate with the perpetrator in the past, or am currently in a relationship with the perpetrator.</a:t>
-            </a:r>
-            <a:r>
-              <a:rPr lang="en-US" dirty="0"/>
-              <a:t/>
-            </a:r>
-            <a:br>
-              <a:rPr lang="en-US" dirty="0"/>
-            </a:br>
-            <a:r>
-              <a:rPr lang="en-US" u="sng" dirty="0">
-                <a:hlinkClick r:id="rId2"/>
-              </a:rPr>
-              <a:t>Sexual assault can occur within a relationship</a:t>
-            </a:r>
-            <a:r>
-              <a:rPr lang="en-US" dirty="0"/>
-              <a:t>. </a:t>
-            </a:r>
-            <a:endParaRPr lang="en-US" dirty="0" smtClean="0"/>
-          </a:p>
-          <a:p>
-            <a:pPr marL="285750" lvl="0" indent="-285750">
-              <a:buFont typeface="Arial" panose="020B0604020202020204" pitchFamily="34" charset="0"/>
-              <a:buChar char="•"/>
-            </a:pPr>
-            <a:r>
-              <a:rPr lang="en-US" b="1" dirty="0" smtClean="0"/>
-              <a:t>I </a:t>
-            </a:r>
-            <a:r>
-              <a:rPr lang="en-US" b="1" dirty="0"/>
-              <a:t>have no physical injuries, and I’m worried there’s not enough </a:t>
-            </a:r>
-            <a:r>
-              <a:rPr lang="en-US" b="1" dirty="0" smtClean="0"/>
-              <a:t>proof (ambiguity).</a:t>
-            </a:r>
-            <a:r>
-              <a:rPr lang="en-US" dirty="0"/>
-              <a:t/>
-            </a:r>
-            <a:br>
-              <a:rPr lang="en-US" dirty="0"/>
-            </a:br>
-            <a:r>
-              <a:rPr lang="en-US" dirty="0"/>
-              <a:t>Most sexual assaults do not result in external physical injuries. </a:t>
-            </a:r>
-          </a:p>
-          <a:p>
-            <a:pPr marL="285750" lvl="0" indent="-285750">
-              <a:buFont typeface="Arial" panose="020B0604020202020204" pitchFamily="34" charset="0"/>
-              <a:buChar char="•"/>
-            </a:pPr>
-            <a:r>
-              <a:rPr lang="en-US" b="1" dirty="0"/>
-              <a:t>I’m worried law enforcement won’t believe me (false </a:t>
-            </a:r>
-            <a:r>
-              <a:rPr lang="en-US" b="1" dirty="0" smtClean="0"/>
-              <a:t>accusation).</a:t>
-            </a:r>
-            <a:r>
-              <a:rPr lang="en-US" dirty="0"/>
-              <a:t/>
-            </a:r>
-            <a:br>
-              <a:rPr lang="en-US" dirty="0"/>
-            </a:br>
-            <a:r>
-              <a:rPr lang="en-US" dirty="0"/>
-              <a:t>There has been great investment in police training on this </a:t>
-            </a:r>
-            <a:r>
-              <a:rPr lang="en-US" dirty="0" smtClean="0"/>
-              <a:t>topic.</a:t>
-            </a:r>
-            <a:endParaRPr lang="en-US" dirty="0"/>
-          </a:p>
-          <a:p>
-            <a:pPr marL="285750" indent="-285750">
-              <a:buFont typeface="Arial" panose="020B0604020202020204" pitchFamily="34" charset="0"/>
-              <a:buChar char="•"/>
-            </a:pPr>
-            <a:r>
-              <a:rPr lang="en-US" b="1" dirty="0"/>
-              <a:t>Difficult and tedious process that never experienced </a:t>
-            </a:r>
-            <a:r>
-              <a:rPr lang="en-US" b="1" dirty="0" smtClean="0"/>
-              <a:t>before. I </a:t>
-            </a:r>
-            <a:r>
-              <a:rPr lang="en-US" b="1" dirty="0"/>
-              <a:t>don’t want to get in </a:t>
-            </a:r>
-            <a:r>
-              <a:rPr lang="en-US" b="1" dirty="0" smtClean="0"/>
-              <a:t>trouble.</a:t>
-            </a:r>
-            <a:r>
-              <a:rPr lang="en-US" dirty="0"/>
-              <a:t/>
-            </a:r>
-            <a:br>
-              <a:rPr lang="en-US" dirty="0"/>
-            </a:br>
-            <a:r>
-              <a:rPr lang="en-US" dirty="0"/>
-              <a:t>Sometimes minors are afraid of being disciplined, either by the law or by their parents, because they were doing something they shouldn’t have when the abuse occurred. </a:t>
-            </a:r>
-            <a:endParaRPr lang="en-US" dirty="0" smtClean="0"/>
-          </a:p>
-          <a:p>
-            <a:pPr marL="285750" lvl="0" indent="-285750">
-              <a:buFont typeface="Arial" panose="020B0604020202020204" pitchFamily="34" charset="0"/>
-              <a:buChar char="•"/>
-            </a:pPr>
-            <a:endParaRPr lang="en-US" dirty="0"/>
-          </a:p>
-        </p:txBody>
-      </p:sp>
-      <p:sp>
-        <p:nvSpPr>
-          <p:cNvPr id="3" name="Rectangle 2"/>
-          <p:cNvSpPr/>
-          <p:nvPr/>
-        </p:nvSpPr>
-        <p:spPr>
-          <a:xfrm>
-            <a:off x="3340100" y="6185271"/>
-            <a:ext cx="8293100" cy="388696"/>
-          </a:xfrm>
-          <a:prstGeom prst="rect">
-            <a:avLst/>
-          </a:prstGeom>
-        </p:spPr>
-        <p:txBody>
-          <a:bodyPr wrap="square">
-            <a:spAutoFit/>
-          </a:bodyPr>
-          <a:lstStyle/>
-          <a:p>
-            <a:pPr>
-              <a:lnSpc>
-                <a:spcPct val="107000"/>
-              </a:lnSpc>
-              <a:spcAft>
-                <a:spcPts val="800"/>
-              </a:spcAft>
-            </a:pPr>
-            <a:r>
-              <a:rPr lang="en-US" dirty="0">
-                <a:latin typeface="Calibri" panose="020F0502020204030204" pitchFamily="34" charset="0"/>
-                <a:ea typeface="Malgun Gothic" panose="020B0503020000020004" pitchFamily="34" charset="-127"/>
-                <a:cs typeface="Times New Roman" panose="02020603050405020304" pitchFamily="18" charset="0"/>
-              </a:rPr>
-              <a:t>Articles from </a:t>
-            </a:r>
-            <a:r>
-              <a:rPr lang="en-US" u="sng" dirty="0">
-                <a:solidFill>
-                  <a:srgbClr val="0563C1"/>
-                </a:solidFill>
-                <a:latin typeface="Calibri" panose="020F0502020204030204" pitchFamily="34" charset="0"/>
-                <a:ea typeface="Malgun Gothic" panose="020B0503020000020004" pitchFamily="34" charset="-127"/>
-                <a:cs typeface="Times New Roman" panose="02020603050405020304" pitchFamily="18" charset="0"/>
-                <a:hlinkClick r:id="rId3"/>
-              </a:rPr>
-              <a:t>https://rainn.org/get-information/legal-information/reporting-rape</a:t>
-            </a:r>
-            <a:endParaRPr lang="en-US" dirty="0">
-              <a:effectLst/>
-              <a:latin typeface="Calibri" panose="020F0502020204030204" pitchFamily="34" charset="0"/>
-              <a:ea typeface="Malgun Gothic" panose="020B0503020000020004" pitchFamily="34" charset="-127"/>
-              <a:cs typeface="Times New Roman" panose="02020603050405020304" pitchFamily="18" charset="0"/>
-            </a:endParaRPr>
-          </a:p>
-        </p:txBody>
-      </p:sp>
+      </p:pic>
     </p:spTree>
     <p:extLst>
       <p:ext uri="{BB962C8B-B14F-4D97-AF65-F5344CB8AC3E}">
-        <p14:creationId xmlns:p14="http://schemas.microsoft.com/office/powerpoint/2010/main" val="2776877095"/>
+        <p14:creationId xmlns:p14="http://schemas.microsoft.com/office/powerpoint/2010/main" val="3717895693"/>
       </p:ext>
     </p:extLst>
   </p:cSld>
@@ -3668,78 +3265,6 @@
           <a:chExt cx="0" cy="0"/>
         </a:xfrm>
       </p:grpSpPr>
-      <p:pic>
-        <p:nvPicPr>
-          <p:cNvPr id="4" name="Picture 3"/>
-          <p:cNvPicPr>
-            <a:picLocks noChangeAspect="1"/>
-          </p:cNvPicPr>
-          <p:nvPr/>
-        </p:nvPicPr>
-        <p:blipFill>
-          <a:blip r:embed="rId2"/>
-          <a:stretch>
-            <a:fillRect/>
-          </a:stretch>
-        </p:blipFill>
-        <p:spPr>
-          <a:xfrm>
-            <a:off x="9153460" y="1290137"/>
-            <a:ext cx="1808525" cy="1203491"/>
-          </a:xfrm>
-          <a:prstGeom prst="rect">
-            <a:avLst/>
-          </a:prstGeom>
-        </p:spPr>
-      </p:pic>
-      <p:pic>
-        <p:nvPicPr>
-          <p:cNvPr id="5" name="Picture 4"/>
-          <p:cNvPicPr>
-            <a:picLocks noChangeAspect="1"/>
-          </p:cNvPicPr>
-          <p:nvPr/>
-        </p:nvPicPr>
-        <p:blipFill>
-          <a:blip r:embed="rId3"/>
-          <a:stretch>
-            <a:fillRect/>
-          </a:stretch>
-        </p:blipFill>
-        <p:spPr>
-          <a:xfrm>
-            <a:off x="8910231" y="2724805"/>
-            <a:ext cx="2127936" cy="1410914"/>
-          </a:xfrm>
-          <a:prstGeom prst="rect">
-            <a:avLst/>
-          </a:prstGeom>
-        </p:spPr>
-      </p:pic>
-      <p:pic>
-        <p:nvPicPr>
-          <p:cNvPr id="7" name="Picture 6"/>
-          <p:cNvPicPr>
-            <a:picLocks noChangeAspect="1"/>
-          </p:cNvPicPr>
-          <p:nvPr/>
-        </p:nvPicPr>
-        <p:blipFill>
-          <a:blip r:embed="rId4"/>
-          <a:stretch>
-            <a:fillRect/>
-          </a:stretch>
-        </p:blipFill>
-        <p:spPr>
-          <a:xfrm>
-            <a:off x="9053792" y="4556312"/>
-            <a:ext cx="2619375" cy="1752600"/>
-          </a:xfrm>
-          <a:prstGeom prst="rect">
-            <a:avLst/>
-          </a:prstGeom>
-        </p:spPr>
-      </p:pic>
       <p:sp>
         <p:nvSpPr>
           <p:cNvPr id="2" name="Rectangle 1"/>
@@ -3748,8 +3273,270 @@
         </p:nvSpPr>
         <p:spPr>
           <a:xfrm>
-            <a:off x="520700" y="919479"/>
-            <a:ext cx="8737600" cy="1663597"/>
+            <a:off x="419100" y="189789"/>
+            <a:ext cx="9804400" cy="5724644"/>
+          </a:xfrm>
+          <a:prstGeom prst="rect">
+            <a:avLst/>
+          </a:prstGeom>
+        </p:spPr>
+        <p:txBody>
+          <a:bodyPr wrap="square">
+            <a:spAutoFit/>
+          </a:bodyPr>
+          <a:lstStyle/>
+          <a:p>
+            <a:r>
+              <a:rPr lang="en-US" sz="2400" b="1" dirty="0"/>
+              <a:t>What are some common concerns about reporting</a:t>
+            </a:r>
+            <a:r>
+              <a:rPr lang="en-US" sz="2400" b="1" dirty="0" smtClean="0"/>
+              <a:t>?</a:t>
+            </a:r>
+          </a:p>
+          <a:p>
+            <a:endParaRPr lang="en-US" b="1" dirty="0"/>
+          </a:p>
+          <a:p>
+            <a:endParaRPr lang="en-US" b="1" dirty="0" smtClean="0"/>
+          </a:p>
+          <a:p>
+            <a:pPr marL="285750" indent="-285750">
+              <a:buFont typeface="Arial" panose="020B0604020202020204" pitchFamily="34" charset="0"/>
+              <a:buChar char="•"/>
+            </a:pPr>
+            <a:r>
+              <a:rPr lang="en-US" b="1" dirty="0">
+                <a:latin typeface="Calibri" panose="020F0502020204030204" pitchFamily="34" charset="0"/>
+                <a:ea typeface="Malgun Gothic" panose="020B0503020000020004" pitchFamily="34" charset="-127"/>
+                <a:cs typeface="Times New Roman" panose="02020603050405020304" pitchFamily="18" charset="0"/>
+              </a:rPr>
+              <a:t>Fear, embarrassment, and </a:t>
+            </a:r>
+            <a:r>
+              <a:rPr lang="en-US" b="1" dirty="0" smtClean="0">
+                <a:latin typeface="Calibri" panose="020F0502020204030204" pitchFamily="34" charset="0"/>
+                <a:ea typeface="Malgun Gothic" panose="020B0503020000020004" pitchFamily="34" charset="-127"/>
+                <a:cs typeface="Times New Roman" panose="02020603050405020304" pitchFamily="18" charset="0"/>
+              </a:rPr>
+              <a:t>shame.</a:t>
+            </a:r>
+          </a:p>
+          <a:p>
+            <a:pPr marL="285750" indent="-285750">
+              <a:buFont typeface="Arial" panose="020B0604020202020204" pitchFamily="34" charset="0"/>
+              <a:buChar char="•"/>
+            </a:pPr>
+            <a:r>
+              <a:rPr lang="en-US" b="1" dirty="0">
+                <a:latin typeface="Calibri" panose="020F0502020204030204" pitchFamily="34" charset="0"/>
+                <a:ea typeface="Malgun Gothic" panose="020B0503020000020004" pitchFamily="34" charset="-127"/>
+                <a:cs typeface="Times New Roman" panose="02020603050405020304" pitchFamily="18" charset="0"/>
+              </a:rPr>
+              <a:t>Hesitation until the statute of </a:t>
+            </a:r>
+            <a:r>
+              <a:rPr lang="en-US" b="1" dirty="0" smtClean="0">
+                <a:latin typeface="Calibri" panose="020F0502020204030204" pitchFamily="34" charset="0"/>
+                <a:ea typeface="Malgun Gothic" panose="020B0503020000020004" pitchFamily="34" charset="-127"/>
+                <a:cs typeface="Times New Roman" panose="02020603050405020304" pitchFamily="18" charset="0"/>
+              </a:rPr>
+              <a:t>limitations.</a:t>
+            </a:r>
+            <a:endParaRPr lang="en-US" b="1" dirty="0" smtClean="0"/>
+          </a:p>
+          <a:p>
+            <a:pPr marL="285750" indent="-285750">
+              <a:buFont typeface="Arial" panose="020B0604020202020204" pitchFamily="34" charset="0"/>
+              <a:buChar char="•"/>
+            </a:pPr>
+            <a:r>
+              <a:rPr lang="en-US" b="1" dirty="0" smtClean="0"/>
+              <a:t>The </a:t>
+            </a:r>
+            <a:r>
+              <a:rPr lang="en-US" b="1" dirty="0"/>
+              <a:t>perpetrator got scared away or stopped before finishing the assault.</a:t>
+            </a:r>
+            <a:r>
+              <a:rPr lang="en-US" dirty="0"/>
+              <a:t/>
+            </a:r>
+            <a:br>
+              <a:rPr lang="en-US" dirty="0"/>
+            </a:br>
+            <a:r>
+              <a:rPr lang="en-US" dirty="0"/>
+              <a:t>Attempted rape is a serious crime and can be reported. </a:t>
+            </a:r>
+          </a:p>
+          <a:p>
+            <a:pPr marL="285750" lvl="0" indent="-285750">
+              <a:buFont typeface="Arial" panose="020B0604020202020204" pitchFamily="34" charset="0"/>
+              <a:buChar char="•"/>
+            </a:pPr>
+            <a:r>
+              <a:rPr lang="en-US" b="1" dirty="0"/>
+              <a:t>I know the person who hurt me.</a:t>
+            </a:r>
+            <a:r>
+              <a:rPr lang="en-US" dirty="0"/>
+              <a:t/>
+            </a:r>
+            <a:br>
+              <a:rPr lang="en-US" dirty="0"/>
+            </a:br>
+            <a:r>
+              <a:rPr lang="en-US" dirty="0"/>
+              <a:t>About 2/3 of victims know the perpetrator. </a:t>
+            </a:r>
+            <a:endParaRPr lang="en-US" dirty="0" smtClean="0"/>
+          </a:p>
+          <a:p>
+            <a:pPr marL="285750" lvl="0" indent="-285750">
+              <a:buFont typeface="Arial" panose="020B0604020202020204" pitchFamily="34" charset="0"/>
+              <a:buChar char="•"/>
+            </a:pPr>
+            <a:r>
+              <a:rPr lang="en-US" b="1" dirty="0" smtClean="0"/>
+              <a:t>I’ve </a:t>
+            </a:r>
+            <a:r>
+              <a:rPr lang="en-US" b="1" dirty="0"/>
+              <a:t>been intimate with the perpetrator in the past, or am currently in a relationship with the perpetrator.</a:t>
+            </a:r>
+            <a:r>
+              <a:rPr lang="en-US" dirty="0"/>
+              <a:t/>
+            </a:r>
+            <a:br>
+              <a:rPr lang="en-US" dirty="0"/>
+            </a:br>
+            <a:r>
+              <a:rPr lang="en-US" u="sng" dirty="0">
+                <a:hlinkClick r:id="rId2"/>
+              </a:rPr>
+              <a:t>Sexual assault can occur within a relationship</a:t>
+            </a:r>
+            <a:r>
+              <a:rPr lang="en-US" dirty="0"/>
+              <a:t>. </a:t>
+            </a:r>
+            <a:endParaRPr lang="en-US" dirty="0" smtClean="0"/>
+          </a:p>
+          <a:p>
+            <a:pPr marL="285750" lvl="0" indent="-285750">
+              <a:buFont typeface="Arial" panose="020B0604020202020204" pitchFamily="34" charset="0"/>
+              <a:buChar char="•"/>
+            </a:pPr>
+            <a:r>
+              <a:rPr lang="en-US" b="1" dirty="0" smtClean="0"/>
+              <a:t>I </a:t>
+            </a:r>
+            <a:r>
+              <a:rPr lang="en-US" b="1" dirty="0"/>
+              <a:t>have no physical injuries, and I’m worried there’s not enough </a:t>
+            </a:r>
+            <a:r>
+              <a:rPr lang="en-US" b="1" dirty="0" smtClean="0"/>
+              <a:t>proof (ambiguity).</a:t>
+            </a:r>
+            <a:r>
+              <a:rPr lang="en-US" dirty="0"/>
+              <a:t/>
+            </a:r>
+            <a:br>
+              <a:rPr lang="en-US" dirty="0"/>
+            </a:br>
+            <a:r>
+              <a:rPr lang="en-US" dirty="0"/>
+              <a:t>Most sexual assaults do not result in external physical injuries. </a:t>
+            </a:r>
+          </a:p>
+          <a:p>
+            <a:pPr marL="285750" lvl="0" indent="-285750">
+              <a:buFont typeface="Arial" panose="020B0604020202020204" pitchFamily="34" charset="0"/>
+              <a:buChar char="•"/>
+            </a:pPr>
+            <a:r>
+              <a:rPr lang="en-US" b="1" dirty="0"/>
+              <a:t>I’m worried law enforcement won’t believe me (false </a:t>
+            </a:r>
+            <a:r>
+              <a:rPr lang="en-US" b="1" dirty="0" smtClean="0"/>
+              <a:t>accusation).</a:t>
+            </a:r>
+            <a:r>
+              <a:rPr lang="en-US" dirty="0"/>
+              <a:t/>
+            </a:r>
+            <a:br>
+              <a:rPr lang="en-US" dirty="0"/>
+            </a:br>
+            <a:r>
+              <a:rPr lang="en-US" dirty="0"/>
+              <a:t>There has been great investment in police training on this </a:t>
+            </a:r>
+            <a:r>
+              <a:rPr lang="en-US" dirty="0" smtClean="0"/>
+              <a:t>topic.</a:t>
+            </a:r>
+            <a:endParaRPr lang="en-US" dirty="0"/>
+          </a:p>
+          <a:p>
+            <a:pPr marL="285750" indent="-285750">
+              <a:buFont typeface="Arial" panose="020B0604020202020204" pitchFamily="34" charset="0"/>
+              <a:buChar char="•"/>
+            </a:pPr>
+            <a:r>
+              <a:rPr lang="en-US" b="1" dirty="0"/>
+              <a:t>Difficult and tedious process that never experienced </a:t>
+            </a:r>
+            <a:r>
+              <a:rPr lang="en-US" b="1" dirty="0" smtClean="0"/>
+              <a:t>before. I </a:t>
+            </a:r>
+            <a:r>
+              <a:rPr lang="en-US" b="1" dirty="0"/>
+              <a:t>don’t want to get in </a:t>
+            </a:r>
+            <a:r>
+              <a:rPr lang="en-US" b="1" dirty="0" smtClean="0"/>
+              <a:t>trouble.</a:t>
+            </a:r>
+            <a:r>
+              <a:rPr lang="en-US" dirty="0"/>
+              <a:t/>
+            </a:r>
+            <a:br>
+              <a:rPr lang="en-US" dirty="0"/>
+            </a:br>
+            <a:r>
+              <a:rPr lang="en-US" dirty="0"/>
+              <a:t>Sometimes minors are afraid of being disciplined, either by the law or by their parents, because they were doing something they shouldn’t have when the abuse occurred. </a:t>
+            </a:r>
+            <a:endParaRPr lang="en-US" dirty="0" smtClean="0"/>
+          </a:p>
+          <a:p>
+            <a:pPr marL="285750" lvl="0" indent="-285750">
+              <a:buFont typeface="Arial" panose="020B0604020202020204" pitchFamily="34" charset="0"/>
+              <a:buChar char="•"/>
+            </a:pPr>
+            <a:endParaRPr lang="en-US" dirty="0"/>
+          </a:p>
+        </p:txBody>
+      </p:sp>
+      <p:sp>
+        <p:nvSpPr>
+          <p:cNvPr id="3" name="Rectangle 2"/>
+          <p:cNvSpPr/>
+          <p:nvPr/>
+        </p:nvSpPr>
+        <p:spPr>
+          <a:xfrm>
+            <a:off x="3340100" y="6185271"/>
+            <a:ext cx="8293100" cy="388696"/>
           </a:xfrm>
           <a:prstGeom prst="rect">
             <a:avLst/>
@@ -3775,42 +3562,21 @@
                 <a:ea typeface="Malgun Gothic" panose="020B0503020000020004" pitchFamily="34" charset="-127"/>
                 <a:cs typeface="Times New Roman" panose="02020603050405020304" pitchFamily="18" charset="0"/>
               </a:rPr>
-              <a:t>As the prevention of SAs is crucial for ensuring the social health and public safety, many entities try to search/analyze the SA related data from the light to severe cases in various forms to find any meaningful information for placing the efficient and effective protection, prediction, healing, and incentive mechanisms</a:t>
-            </a:r>
-            <a:r>
-              <a:rPr lang="en-US" dirty="0" smtClean="0">
+              <a:t>Articles from </a:t>
+            </a:r>
+            <a:r>
+              <a:rPr lang="en-US" u="sng" dirty="0">
+                <a:solidFill>
+                  <a:srgbClr val="0563C1"/>
+                </a:solidFill>
                 <a:latin typeface="Calibri" panose="020F0502020204030204" pitchFamily="34" charset="0"/>
                 <a:ea typeface="Malgun Gothic" panose="020B0503020000020004" pitchFamily="34" charset="-127"/>
                 <a:cs typeface="Times New Roman" panose="02020603050405020304" pitchFamily="18" charset="0"/>
+                <a:hlinkClick r:id="rId3"/>
               </a:rPr>
-              <a:t>.</a:t>
-            </a:r>
-          </a:p>
-          <a:p>
-            <a:pPr>
-              <a:lnSpc>
-                <a:spcPct val="107000"/>
-              </a:lnSpc>
-              <a:spcAft>
-                <a:spcPts val="800"/>
-              </a:spcAft>
-            </a:pPr>
-            <a:r>
-              <a:rPr lang="en-US" sz="1600" dirty="0" smtClean="0">
-                <a:solidFill>
-                  <a:srgbClr val="FF0000"/>
-                </a:solidFill>
-                <a:effectLst/>
-                <a:latin typeface="Calibri" panose="020F0502020204030204" pitchFamily="34" charset="0"/>
-                <a:ea typeface="Malgun Gothic" panose="020B0503020000020004" pitchFamily="34" charset="-127"/>
-                <a:cs typeface="Times New Roman" panose="02020603050405020304" pitchFamily="18" charset="0"/>
-              </a:rPr>
-              <a:t>Need more data</a:t>
-            </a:r>
-            <a:endParaRPr lang="en-US" sz="1600" dirty="0">
-              <a:solidFill>
-                <a:srgbClr val="FF0000"/>
-              </a:solidFill>
+              <a:t>https://rainn.org/get-information/legal-information/reporting-rape</a:t>
+            </a:r>
+            <a:endParaRPr lang="en-US" dirty="0">
               <a:effectLst/>
               <a:latin typeface="Calibri" panose="020F0502020204030204" pitchFamily="34" charset="0"/>
               <a:ea typeface="Malgun Gothic" panose="020B0503020000020004" pitchFamily="34" charset="-127"/>
@@ -3819,228 +3585,10 @@
           </a:p>
         </p:txBody>
       </p:sp>
-      <p:sp>
-        <p:nvSpPr>
-          <p:cNvPr id="3" name="Rectangle 2"/>
-          <p:cNvSpPr/>
-          <p:nvPr/>
-        </p:nvSpPr>
-        <p:spPr>
-          <a:xfrm>
-            <a:off x="317500" y="2724805"/>
-            <a:ext cx="8307108" cy="2554545"/>
-          </a:xfrm>
-          <a:prstGeom prst="rect">
-            <a:avLst/>
-          </a:prstGeom>
-        </p:spPr>
-        <p:txBody>
-          <a:bodyPr wrap="square">
-            <a:spAutoFit/>
-          </a:bodyPr>
-          <a:lstStyle/>
-          <a:p>
-            <a:pPr marL="285750" indent="-285750">
-              <a:buFont typeface="Arial" panose="020B0604020202020204" pitchFamily="34" charset="0"/>
-              <a:buChar char="•"/>
-            </a:pPr>
-            <a:r>
-              <a:rPr lang="en-US" sz="2000" dirty="0" smtClean="0"/>
-              <a:t>We need a system </a:t>
-            </a:r>
-          </a:p>
-          <a:p>
-            <a:pPr marL="742950" lvl="1" indent="-285750">
-              <a:buFont typeface="Wingdings" panose="05000000000000000000" pitchFamily="2" charset="2"/>
-              <a:buChar char="ü"/>
-            </a:pPr>
-            <a:r>
-              <a:rPr lang="en-US" sz="1600" dirty="0">
-                <a:solidFill>
-                  <a:srgbClr val="FF0000"/>
-                </a:solidFill>
-              </a:rPr>
-              <a:t>P</a:t>
-            </a:r>
-            <a:r>
-              <a:rPr lang="en-US" sz="1600" dirty="0" smtClean="0">
-                <a:solidFill>
-                  <a:srgbClr val="FF0000"/>
-                </a:solidFill>
-              </a:rPr>
-              <a:t>rovides easy-to-use diary style access.</a:t>
-            </a:r>
-          </a:p>
-          <a:p>
-            <a:pPr marL="742950" lvl="1" indent="-285750">
-              <a:buFont typeface="Wingdings" panose="05000000000000000000" pitchFamily="2" charset="2"/>
-              <a:buChar char="ü"/>
-            </a:pPr>
-            <a:r>
-              <a:rPr lang="en-US" sz="1600" dirty="0" smtClean="0">
-                <a:solidFill>
-                  <a:srgbClr val="FF0000"/>
-                </a:solidFill>
-              </a:rPr>
-              <a:t>Educates victims.</a:t>
-            </a:r>
-          </a:p>
-          <a:p>
-            <a:pPr marL="742950" lvl="1" indent="-285750">
-              <a:buFont typeface="Wingdings" panose="05000000000000000000" pitchFamily="2" charset="2"/>
-              <a:buChar char="ü"/>
-            </a:pPr>
-            <a:r>
-              <a:rPr lang="en-US" sz="1600" dirty="0">
-                <a:solidFill>
-                  <a:srgbClr val="FF0000"/>
-                </a:solidFill>
-              </a:rPr>
-              <a:t>E</a:t>
-            </a:r>
-            <a:r>
-              <a:rPr lang="en-US" sz="1600" dirty="0" smtClean="0">
-                <a:solidFill>
-                  <a:srgbClr val="FF0000"/>
-                </a:solidFill>
-              </a:rPr>
-              <a:t>nsures the privacy.</a:t>
-            </a:r>
-          </a:p>
-          <a:p>
-            <a:pPr marL="742950" lvl="1" indent="-285750">
-              <a:buFont typeface="Wingdings" panose="05000000000000000000" pitchFamily="2" charset="2"/>
-              <a:buChar char="ü"/>
-            </a:pPr>
-            <a:r>
-              <a:rPr lang="en-US" sz="1600" dirty="0">
-                <a:solidFill>
-                  <a:srgbClr val="FF0000"/>
-                </a:solidFill>
-              </a:rPr>
-              <a:t>C</a:t>
-            </a:r>
-            <a:r>
-              <a:rPr lang="en-US" sz="1600" dirty="0" smtClean="0">
-                <a:solidFill>
-                  <a:srgbClr val="FF0000"/>
-                </a:solidFill>
-              </a:rPr>
-              <a:t>reates anonymized SA related information.</a:t>
-            </a:r>
-          </a:p>
-          <a:p>
-            <a:pPr marL="742950" lvl="1" indent="-285750">
-              <a:buFont typeface="Wingdings" panose="05000000000000000000" pitchFamily="2" charset="2"/>
-              <a:buChar char="ü"/>
-            </a:pPr>
-            <a:endParaRPr lang="en-US" sz="1600" dirty="0"/>
-          </a:p>
-          <a:p>
-            <a:pPr marL="285750" indent="-285750">
-              <a:buFont typeface="Arial" panose="020B0604020202020204" pitchFamily="34" charset="0"/>
-              <a:buChar char="•"/>
-            </a:pPr>
-            <a:r>
-              <a:rPr lang="en-US" sz="2000" dirty="0" smtClean="0"/>
-              <a:t>A SANE (Sexual Assault Nurse Examiners) system </a:t>
-            </a:r>
-            <a:r>
-              <a:rPr lang="en-US" sz="2000" dirty="0"/>
-              <a:t>that consists of a </a:t>
-            </a:r>
-            <a:r>
-              <a:rPr lang="en-US" sz="2000" b="1" dirty="0"/>
-              <a:t>smartphone </a:t>
-            </a:r>
-            <a:r>
-              <a:rPr lang="en-US" sz="2000" b="1" dirty="0" smtClean="0"/>
-              <a:t>application </a:t>
-            </a:r>
-            <a:r>
-              <a:rPr lang="en-US" sz="2000" dirty="0" smtClean="0"/>
-              <a:t>as</a:t>
-            </a:r>
-            <a:r>
-              <a:rPr lang="en-US" sz="2000" b="1" dirty="0" smtClean="0"/>
-              <a:t> </a:t>
-            </a:r>
-            <a:r>
-              <a:rPr lang="en-US" sz="2000" dirty="0" smtClean="0"/>
-              <a:t>the front end system as well as  </a:t>
-            </a:r>
-            <a:r>
-              <a:rPr lang="en-US" sz="2000" dirty="0"/>
-              <a:t>a </a:t>
-            </a:r>
-            <a:r>
-              <a:rPr lang="en-US" sz="2000" b="1" dirty="0"/>
-              <a:t>secure cloud server</a:t>
-            </a:r>
-            <a:r>
-              <a:rPr lang="en-US" sz="2000" dirty="0"/>
-              <a:t>, and an </a:t>
-            </a:r>
-            <a:r>
-              <a:rPr lang="en-US" sz="2000" b="1" dirty="0"/>
-              <a:t>intelligent analysis </a:t>
-            </a:r>
-            <a:r>
-              <a:rPr lang="en-US" sz="2000" b="1" dirty="0" smtClean="0"/>
-              <a:t>tool </a:t>
-            </a:r>
-            <a:r>
-              <a:rPr lang="en-US" sz="2000" dirty="0" smtClean="0"/>
-              <a:t>as the backend system.</a:t>
-            </a:r>
-            <a:endParaRPr lang="en-US" sz="2000" dirty="0"/>
-          </a:p>
-        </p:txBody>
-      </p:sp>
-      <p:sp>
-        <p:nvSpPr>
-          <p:cNvPr id="10" name="Rectangle 9"/>
-          <p:cNvSpPr/>
-          <p:nvPr/>
-        </p:nvSpPr>
-        <p:spPr>
-          <a:xfrm>
-            <a:off x="532092" y="5302624"/>
-            <a:ext cx="2966261" cy="646331"/>
-          </a:xfrm>
-          <a:prstGeom prst="rect">
-            <a:avLst/>
-          </a:prstGeom>
-        </p:spPr>
-        <p:txBody>
-          <a:bodyPr wrap="none">
-            <a:spAutoFit/>
-          </a:bodyPr>
-          <a:lstStyle/>
-          <a:p>
-            <a:r>
-              <a:rPr lang="en-US" dirty="0">
-                <a:hlinkClick r:id="rId5"/>
-              </a:rPr>
-              <a:t>http://</a:t>
-            </a:r>
-            <a:r>
-              <a:rPr lang="en-US" dirty="0" smtClean="0">
-                <a:hlinkClick r:id="rId5"/>
-              </a:rPr>
-              <a:t>www.coversa.org/sane</a:t>
-            </a:r>
-            <a:endParaRPr lang="en-US" dirty="0" smtClean="0"/>
-          </a:p>
-          <a:p>
-            <a:endParaRPr lang="en-US" dirty="0"/>
-          </a:p>
-        </p:txBody>
-      </p:sp>
     </p:spTree>
     <p:extLst>
       <p:ext uri="{BB962C8B-B14F-4D97-AF65-F5344CB8AC3E}">
-        <p14:creationId xmlns:p14="http://schemas.microsoft.com/office/powerpoint/2010/main" val="2073218152"/>
+        <p14:creationId xmlns:p14="http://schemas.microsoft.com/office/powerpoint/2010/main" val="2776877095"/>
       </p:ext>
     </p:extLst>
   </p:cSld>
@@ -4074,37 +3622,147 @@
           <a:chExt cx="0" cy="0"/>
         </a:xfrm>
       </p:grpSpPr>
-      <p:sp>
-        <p:nvSpPr>
-          <p:cNvPr id="2" name="TextBox 1"/>
-          <p:cNvSpPr txBox="1"/>
-          <p:nvPr/>
-        </p:nvSpPr>
-        <p:spPr>
-          <a:xfrm>
-            <a:off x="495300" y="621632"/>
-            <a:ext cx="11013776" cy="5663089"/>
+      <p:pic>
+        <p:nvPicPr>
+          <p:cNvPr id="4" name="Picture 3"/>
+          <p:cNvPicPr>
+            <a:picLocks noChangeAspect="1"/>
+          </p:cNvPicPr>
+          <p:nvPr/>
+        </p:nvPicPr>
+        <p:blipFill>
+          <a:blip r:embed="rId2"/>
+          <a:stretch>
+            <a:fillRect/>
+          </a:stretch>
+        </p:blipFill>
+        <p:spPr>
+          <a:xfrm>
+            <a:off x="10133904" y="919479"/>
+            <a:ext cx="1808525" cy="1203491"/>
           </a:xfrm>
           <a:prstGeom prst="rect">
             <a:avLst/>
           </a:prstGeom>
-          <a:noFill/>
-        </p:spPr>
-        <p:txBody>
-          <a:bodyPr wrap="square" rtlCol="0">
+        </p:spPr>
+      </p:pic>
+      <p:pic>
+        <p:nvPicPr>
+          <p:cNvPr id="5" name="Picture 4"/>
+          <p:cNvPicPr>
+            <a:picLocks noChangeAspect="1"/>
+          </p:cNvPicPr>
+          <p:nvPr/>
+        </p:nvPicPr>
+        <p:blipFill>
+          <a:blip r:embed="rId3"/>
+          <a:stretch>
+            <a:fillRect/>
+          </a:stretch>
+        </p:blipFill>
+        <p:spPr>
+          <a:xfrm>
+            <a:off x="9305802" y="2591163"/>
+            <a:ext cx="2127936" cy="1410914"/>
+          </a:xfrm>
+          <a:prstGeom prst="rect">
+            <a:avLst/>
+          </a:prstGeom>
+        </p:spPr>
+      </p:pic>
+      <p:pic>
+        <p:nvPicPr>
+          <p:cNvPr id="7" name="Picture 6"/>
+          <p:cNvPicPr>
+            <a:picLocks noChangeAspect="1"/>
+          </p:cNvPicPr>
+          <p:nvPr/>
+        </p:nvPicPr>
+        <p:blipFill>
+          <a:blip r:embed="rId4"/>
+          <a:stretch>
+            <a:fillRect/>
+          </a:stretch>
+        </p:blipFill>
+        <p:spPr>
+          <a:xfrm>
+            <a:off x="8824216" y="4594949"/>
+            <a:ext cx="2619375" cy="1752600"/>
+          </a:xfrm>
+          <a:prstGeom prst="rect">
+            <a:avLst/>
+          </a:prstGeom>
+        </p:spPr>
+      </p:pic>
+      <p:sp>
+        <p:nvSpPr>
+          <p:cNvPr id="2" name="Rectangle 1"/>
+          <p:cNvSpPr/>
+          <p:nvPr/>
+        </p:nvSpPr>
+        <p:spPr>
+          <a:xfrm>
+            <a:off x="1396303" y="543927"/>
+            <a:ext cx="8737600" cy="470000"/>
+          </a:xfrm>
+          <a:prstGeom prst="rect">
+            <a:avLst/>
+          </a:prstGeom>
+        </p:spPr>
+        <p:txBody>
+          <a:bodyPr wrap="square">
             <a:spAutoFit/>
           </a:bodyPr>
           <a:lstStyle/>
           <a:p>
-            <a:r>
-              <a:rPr lang="en-US" sz="2000" b="1" dirty="0" smtClean="0"/>
-              <a:t>The SANE App Requirements</a:t>
-            </a:r>
-            <a:r>
-              <a:rPr lang="en-US" sz="2000" dirty="0" smtClean="0"/>
-              <a:t>:</a:t>
-            </a:r>
-          </a:p>
+            <a:pPr algn="ctr">
+              <a:lnSpc>
+                <a:spcPct val="107000"/>
+              </a:lnSpc>
+              <a:spcAft>
+                <a:spcPts val="800"/>
+              </a:spcAft>
+            </a:pPr>
+            <a:r>
+              <a:rPr lang="en-US" sz="2400" b="1" dirty="0" smtClean="0">
+                <a:latin typeface="Calibri" panose="020F0502020204030204" pitchFamily="34" charset="0"/>
+                <a:ea typeface="Malgun Gothic" panose="020B0503020000020004" pitchFamily="34" charset="-127"/>
+                <a:cs typeface="Times New Roman" panose="02020603050405020304" pitchFamily="18" charset="0"/>
+              </a:rPr>
+              <a:t>Breaking Down Barriers to Reporting </a:t>
+            </a:r>
+            <a:endParaRPr lang="en-US" sz="2400" b="1" dirty="0">
+              <a:solidFill>
+                <a:srgbClr val="FF0000"/>
+              </a:solidFill>
+              <a:effectLst/>
+              <a:latin typeface="Calibri" panose="020F0502020204030204" pitchFamily="34" charset="0"/>
+              <a:ea typeface="Malgun Gothic" panose="020B0503020000020004" pitchFamily="34" charset="-127"/>
+              <a:cs typeface="Times New Roman" panose="02020603050405020304" pitchFamily="18" charset="0"/>
+            </a:endParaRPr>
+          </a:p>
+        </p:txBody>
+      </p:sp>
+      <p:sp>
+        <p:nvSpPr>
+          <p:cNvPr id="3" name="Rectangle 2"/>
+          <p:cNvSpPr/>
+          <p:nvPr/>
+        </p:nvSpPr>
+        <p:spPr>
+          <a:xfrm>
+            <a:off x="317500" y="1013927"/>
+            <a:ext cx="8307108" cy="3724096"/>
+          </a:xfrm>
+          <a:prstGeom prst="rect">
+            <a:avLst/>
+          </a:prstGeom>
+        </p:spPr>
+        <p:txBody>
+          <a:bodyPr wrap="square">
+            <a:spAutoFit/>
+          </a:bodyPr>
+          <a:lstStyle/>
           <a:p>
             <a:endParaRPr lang="en-US" sz="2000" dirty="0" smtClean="0"/>
           </a:p>
@@ -4114,17 +3772,35 @@
               <a:buChar char="•"/>
             </a:pPr>
             <a:r>
-              <a:rPr lang="en-US" dirty="0" smtClean="0"/>
-              <a:t>The </a:t>
-            </a:r>
-            <a:r>
-              <a:rPr lang="en-US" dirty="0"/>
-              <a:t>privacy of both assaults and victims should be kept until a case is officially activated (by victims or law enforcement</a:t>
-            </a:r>
-            <a:r>
-              <a:rPr lang="en-US" dirty="0" smtClean="0"/>
-              <a:t>).</a:t>
-            </a:r>
+              <a:rPr lang="en-US" sz="2000" dirty="0" smtClean="0"/>
+              <a:t>Use technology to provide a compelling reason and a safe way to report</a:t>
+            </a:r>
+          </a:p>
+          <a:p>
+            <a:pPr marL="285750" indent="-285750">
+              <a:buFont typeface="Arial" panose="020B0604020202020204" pitchFamily="34" charset="0"/>
+              <a:buChar char="•"/>
+            </a:pPr>
+            <a:endParaRPr lang="en-US" sz="2000" dirty="0" smtClean="0"/>
+          </a:p>
+          <a:p>
+            <a:pPr marL="285750" indent="-285750">
+              <a:buFont typeface="Arial" panose="020B0604020202020204" pitchFamily="34" charset="0"/>
+              <a:buChar char="•"/>
+            </a:pPr>
+            <a:r>
+              <a:rPr lang="en-US" sz="2000" dirty="0" smtClean="0"/>
+              <a:t>We </a:t>
+            </a:r>
+            <a:r>
+              <a:rPr lang="en-US" sz="2000" dirty="0" smtClean="0"/>
+              <a:t>need a system </a:t>
+            </a:r>
+            <a:r>
+              <a:rPr lang="en-US" sz="2000" dirty="0" smtClean="0"/>
+              <a:t>that:</a:t>
+            </a:r>
+            <a:endParaRPr lang="en-US" sz="2000" dirty="0" smtClean="0"/>
           </a:p>
           <a:p>
             <a:pPr marL="742950" lvl="1" indent="-285750">
@@ -4132,26 +3808,61 @@
               <a:buChar char="ü"/>
             </a:pPr>
             <a:r>
-              <a:rPr lang="en-US" sz="1600" dirty="0" smtClean="0"/>
-              <a:t>The victim/reporter’s secrete key can be deposited into the Cloud (to retrieve the data in case of the reporter’s absence due to the crime).</a:t>
-            </a:r>
+              <a:rPr lang="en-US" sz="2000" dirty="0">
+                <a:solidFill>
+                  <a:srgbClr val="FF0000"/>
+                </a:solidFill>
+              </a:rPr>
+              <a:t>P</a:t>
+            </a:r>
+            <a:r>
+              <a:rPr lang="en-US" sz="2000" dirty="0" smtClean="0">
+                <a:solidFill>
+                  <a:srgbClr val="FF0000"/>
+                </a:solidFill>
+              </a:rPr>
+              <a:t>rovides easy-to-use diary style </a:t>
+            </a:r>
+            <a:r>
+              <a:rPr lang="en-US" sz="2000" dirty="0" smtClean="0">
+                <a:solidFill>
+                  <a:srgbClr val="FF0000"/>
+                </a:solidFill>
+              </a:rPr>
+              <a:t>access</a:t>
+            </a:r>
+            <a:endParaRPr lang="en-US" sz="2000" dirty="0" smtClean="0">
+              <a:solidFill>
+                <a:srgbClr val="FF0000"/>
+              </a:solidFill>
+            </a:endParaRPr>
           </a:p>
           <a:p>
             <a:pPr marL="742950" lvl="1" indent="-285750">
               <a:buFont typeface="Wingdings" panose="05000000000000000000" pitchFamily="2" charset="2"/>
               <a:buChar char="ü"/>
             </a:pPr>
-            <a:endParaRPr lang="en-US" sz="1600" dirty="0" smtClean="0"/>
-          </a:p>
-          <a:p>
-            <a:pPr marL="285750" indent="-285750">
-              <a:buFont typeface="Arial" panose="020B0604020202020204" pitchFamily="34" charset="0"/>
-              <a:buChar char="•"/>
-            </a:pPr>
-            <a:r>
-              <a:rPr lang="en-US" dirty="0" smtClean="0"/>
-              <a:t>The data should be kept in the Cloud</a:t>
-            </a:r>
+            <a:r>
+              <a:rPr lang="en-US" sz="2000" dirty="0" smtClean="0">
+                <a:solidFill>
+                  <a:srgbClr val="FF0000"/>
+                </a:solidFill>
+              </a:rPr>
+              <a:t>Educates </a:t>
+            </a:r>
+            <a:r>
+              <a:rPr lang="en-US" sz="2000" dirty="0" smtClean="0">
+                <a:solidFill>
+                  <a:srgbClr val="FF0000"/>
+                </a:solidFill>
+              </a:rPr>
+              <a:t>victims</a:t>
+            </a:r>
+            <a:endParaRPr lang="en-US" sz="2000" dirty="0" smtClean="0">
+              <a:solidFill>
+                <a:srgbClr val="FF0000"/>
+              </a:solidFill>
+            </a:endParaRPr>
           </a:p>
           <a:p>
             <a:pPr marL="742950" lvl="1" indent="-285750">
@@ -4159,9 +3870,34 @@
               <a:buChar char="ü"/>
             </a:pPr>
             <a:r>
-              <a:rPr lang="en-US" sz="1600" dirty="0"/>
-              <a:t>Make sure no data or secret information remained in the user’s smartphone.</a:t>
-            </a:r>
+              <a:rPr lang="en-US" sz="2000" dirty="0">
+                <a:solidFill>
+                  <a:srgbClr val="FF0000"/>
+                </a:solidFill>
+              </a:rPr>
+              <a:t>E</a:t>
+            </a:r>
+            <a:r>
+              <a:rPr lang="en-US" sz="2000" dirty="0" smtClean="0">
+                <a:solidFill>
+                  <a:srgbClr val="FF0000"/>
+                </a:solidFill>
+              </a:rPr>
+              <a:t>nsures the </a:t>
+            </a:r>
+            <a:r>
+              <a:rPr lang="en-US" sz="2000" dirty="0" smtClean="0">
+                <a:solidFill>
+                  <a:srgbClr val="FF0000"/>
+                </a:solidFill>
+              </a:rPr>
+              <a:t>privacy</a:t>
+            </a:r>
+            <a:endParaRPr lang="en-US" sz="2000" dirty="0" smtClean="0">
+              <a:solidFill>
+                <a:srgbClr val="FF0000"/>
+              </a:solidFill>
+            </a:endParaRPr>
           </a:p>
           <a:p>
             <a:pPr marL="742950" lvl="1" indent="-285750">
@@ -4169,23 +3905,34 @@
               <a:buChar char="ü"/>
             </a:pPr>
             <a:r>
-              <a:rPr lang="en-US" sz="1600" dirty="0"/>
-              <a:t>The information will be loaded and decrypted after a proper login.</a:t>
-            </a:r>
-          </a:p>
-          <a:p>
-            <a:pPr marL="742950" lvl="1" indent="-285750">
-              <a:buFont typeface="Wingdings" panose="05000000000000000000" pitchFamily="2" charset="2"/>
-              <a:buChar char="ü"/>
-            </a:pPr>
-            <a:r>
-              <a:rPr lang="en-US" sz="1600" dirty="0"/>
-              <a:t>Log out is required</a:t>
-            </a:r>
-            <a:r>
-              <a:rPr lang="en-US" sz="1600" dirty="0" smtClean="0"/>
-              <a:t>.</a:t>
-            </a:r>
+              <a:rPr lang="en-US" sz="2000" dirty="0">
+                <a:solidFill>
+                  <a:srgbClr val="FF0000"/>
+                </a:solidFill>
+              </a:rPr>
+              <a:t>C</a:t>
+            </a:r>
+            <a:r>
+              <a:rPr lang="en-US" sz="2000" dirty="0" smtClean="0">
+                <a:solidFill>
+                  <a:srgbClr val="FF0000"/>
+                </a:solidFill>
+              </a:rPr>
+              <a:t>reates anonymized </a:t>
+            </a:r>
+            <a:r>
+              <a:rPr lang="en-US" sz="2000" dirty="0" smtClean="0">
+                <a:solidFill>
+                  <a:srgbClr val="FF0000"/>
+                </a:solidFill>
+              </a:rPr>
+              <a:t>information</a:t>
+            </a:r>
+            <a:endParaRPr lang="en-US" sz="2000" dirty="0" smtClean="0">
+              <a:solidFill>
+                <a:srgbClr val="FF0000"/>
+              </a:solidFill>
+            </a:endParaRPr>
           </a:p>
           <a:p>
             <a:pPr marL="742950" lvl="1" indent="-285750">
@@ -4200,42 +3947,17 @@
               <a:buChar char="•"/>
             </a:pPr>
             <a:r>
-              <a:rPr lang="en-US" dirty="0" smtClean="0"/>
-              <a:t>The </a:t>
-            </a:r>
-            <a:r>
-              <a:rPr lang="en-US" dirty="0"/>
-              <a:t>data in the Cloud should be maintained in a strong </a:t>
-            </a:r>
-            <a:r>
-              <a:rPr lang="en-US" dirty="0" smtClean="0"/>
-              <a:t>security </a:t>
-            </a:r>
-            <a:r>
-              <a:rPr lang="en-US" dirty="0"/>
-              <a:t>(even some hackers steal the data, they are not supposed to be able to identify/alter any the meaningful case</a:t>
-            </a:r>
-            <a:r>
-              <a:rPr lang="en-US" dirty="0" smtClean="0"/>
-              <a:t>).</a:t>
-            </a:r>
-          </a:p>
-          <a:p>
-            <a:pPr marL="742950" lvl="1" indent="-285750">
-              <a:buFont typeface="Wingdings" panose="05000000000000000000" pitchFamily="2" charset="2"/>
-              <a:buChar char="ü"/>
-            </a:pPr>
-            <a:r>
-              <a:rPr lang="en-US" sz="1600" dirty="0"/>
-              <a:t>the SANE system as a distributed security system. As an analogy, it is very similar to the (private vaults) Bank Safe Deposit Box Rentals. Using one key (either a client or banker) alone, one cannot access to the deposits. Only if both the bank and renter agree, the box can be accessed.</a:t>
-            </a:r>
-          </a:p>
-          <a:p>
-            <a:pPr marL="742950" lvl="1" indent="-285750">
-              <a:buFont typeface="Arial" panose="020B0604020202020204" pitchFamily="34" charset="0"/>
-              <a:buChar char="•"/>
-            </a:pPr>
-            <a:endParaRPr lang="en-US" dirty="0"/>
+              <a:rPr lang="en-US" sz="2000" dirty="0" smtClean="0"/>
+              <a:t>Smartphone application </a:t>
+            </a:r>
+            <a:r>
+              <a:rPr lang="en-US" sz="2000" dirty="0" smtClean="0"/>
+              <a:t>front </a:t>
+            </a:r>
+            <a:r>
+              <a:rPr lang="en-US" sz="2000" dirty="0" smtClean="0"/>
+              <a:t>end</a:t>
+            </a:r>
           </a:p>
           <a:p>
             <a:pPr marL="285750" indent="-285750">
@@ -4243,12 +3965,20 @@
               <a:buChar char="•"/>
             </a:pPr>
             <a:r>
-              <a:rPr lang="en-US" dirty="0" smtClean="0"/>
-              <a:t>The </a:t>
-            </a:r>
-            <a:r>
-              <a:rPr lang="en-US" dirty="0"/>
-              <a:t>data should be also handled with a strong privacy. Any researcher’s access to the data should not be directed to compromise the privacy (the researcher should not be able to find the identity by analyzing the data alone).</a:t>
+              <a:rPr lang="en-US" sz="2000" dirty="0"/>
+              <a:t>S</a:t>
+            </a:r>
+            <a:r>
+              <a:rPr lang="en-US" sz="2000" dirty="0" smtClean="0"/>
+              <a:t>ecure </a:t>
+            </a:r>
+            <a:r>
+              <a:rPr lang="en-US" sz="2000" dirty="0"/>
+              <a:t>cloud </a:t>
+            </a:r>
+            <a:r>
+              <a:rPr lang="en-US" sz="2000" dirty="0" smtClean="0"/>
+              <a:t>server</a:t>
             </a:r>
           </a:p>
           <a:p>
@@ -4256,14 +3986,34 @@
               <a:buFont typeface="Arial" panose="020B0604020202020204" pitchFamily="34" charset="0"/>
               <a:buChar char="•"/>
             </a:pPr>
-            <a:endParaRPr lang="en-US" dirty="0" smtClean="0"/>
+            <a:r>
+              <a:rPr lang="en-US" sz="2000" dirty="0"/>
+              <a:t>I</a:t>
+            </a:r>
+            <a:r>
+              <a:rPr lang="en-US" sz="2000" dirty="0" smtClean="0"/>
+              <a:t>ntelligent </a:t>
+            </a:r>
+            <a:r>
+              <a:rPr lang="en-US" sz="2000" dirty="0"/>
+              <a:t>analysis </a:t>
+            </a:r>
+            <a:r>
+              <a:rPr lang="en-US" sz="2000" dirty="0" smtClean="0"/>
+              <a:t>tool as the backend </a:t>
+            </a:r>
+            <a:r>
+              <a:rPr lang="en-US" sz="2000" dirty="0" smtClean="0"/>
+              <a:t>system</a:t>
+            </a:r>
+            <a:endParaRPr lang="en-US" sz="2000" dirty="0"/>
           </a:p>
         </p:txBody>
       </p:sp>
     </p:spTree>
     <p:extLst>
       <p:ext uri="{BB962C8B-B14F-4D97-AF65-F5344CB8AC3E}">
-        <p14:creationId xmlns:p14="http://schemas.microsoft.com/office/powerpoint/2010/main" val="3601444379"/>
+        <p14:creationId xmlns:p14="http://schemas.microsoft.com/office/powerpoint/2010/main" val="2073218152"/>
       </p:ext>
     </p:extLst>
   </p:cSld>
@@ -4305,6 +4055,229 @@
         </p:nvSpPr>
         <p:spPr>
           <a:xfrm>
+            <a:off x="495300" y="621632"/>
+            <a:ext cx="11013776" cy="5663089"/>
+          </a:xfrm>
+          <a:prstGeom prst="rect">
+            <a:avLst/>
+          </a:prstGeom>
+          <a:noFill/>
+        </p:spPr>
+        <p:txBody>
+          <a:bodyPr wrap="square" rtlCol="0">
+            <a:spAutoFit/>
+          </a:bodyPr>
+          <a:lstStyle/>
+          <a:p>
+            <a:r>
+              <a:rPr lang="en-US" sz="2000" b="1" dirty="0" smtClean="0"/>
+              <a:t>The SANE App Requirements</a:t>
+            </a:r>
+            <a:r>
+              <a:rPr lang="en-US" sz="2000" dirty="0" smtClean="0"/>
+              <a:t>:</a:t>
+            </a:r>
+          </a:p>
+          <a:p>
+            <a:endParaRPr lang="en-US" sz="2000" dirty="0" smtClean="0"/>
+          </a:p>
+          <a:p>
+            <a:pPr marL="285750" indent="-285750">
+              <a:buFont typeface="Arial" panose="020B0604020202020204" pitchFamily="34" charset="0"/>
+              <a:buChar char="•"/>
+            </a:pPr>
+            <a:r>
+              <a:rPr lang="en-US" dirty="0" smtClean="0"/>
+              <a:t>The </a:t>
+            </a:r>
+            <a:r>
+              <a:rPr lang="en-US" dirty="0"/>
+              <a:t>privacy of both assaults and victims should be kept until a case is officially activated (by victims or law enforcement</a:t>
+            </a:r>
+            <a:r>
+              <a:rPr lang="en-US" dirty="0" smtClean="0"/>
+              <a:t>).</a:t>
+            </a:r>
+          </a:p>
+          <a:p>
+            <a:pPr marL="742950" lvl="1" indent="-285750">
+              <a:buFont typeface="Wingdings" panose="05000000000000000000" pitchFamily="2" charset="2"/>
+              <a:buChar char="ü"/>
+            </a:pPr>
+            <a:r>
+              <a:rPr lang="en-US" sz="1600" dirty="0" smtClean="0"/>
+              <a:t>The victim/reporter’s secrete key can be deposited into the Cloud (to retrieve the data in case of the reporter’s absence due to the crime).</a:t>
+            </a:r>
+          </a:p>
+          <a:p>
+            <a:pPr marL="742950" lvl="1" indent="-285750">
+              <a:buFont typeface="Wingdings" panose="05000000000000000000" pitchFamily="2" charset="2"/>
+              <a:buChar char="ü"/>
+            </a:pPr>
+            <a:endParaRPr lang="en-US" sz="1600" dirty="0" smtClean="0"/>
+          </a:p>
+          <a:p>
+            <a:pPr marL="285750" indent="-285750">
+              <a:buFont typeface="Arial" panose="020B0604020202020204" pitchFamily="34" charset="0"/>
+              <a:buChar char="•"/>
+            </a:pPr>
+            <a:r>
+              <a:rPr lang="en-US" dirty="0" smtClean="0"/>
+              <a:t>The data should be kept in the Cloud</a:t>
+            </a:r>
+          </a:p>
+          <a:p>
+            <a:pPr marL="742950" lvl="1" indent="-285750">
+              <a:buFont typeface="Wingdings" panose="05000000000000000000" pitchFamily="2" charset="2"/>
+              <a:buChar char="ü"/>
+            </a:pPr>
+            <a:r>
+              <a:rPr lang="en-US" sz="1600" dirty="0"/>
+              <a:t>Make sure no data or secret information remained in the user’s smartphone.</a:t>
+            </a:r>
+          </a:p>
+          <a:p>
+            <a:pPr marL="742950" lvl="1" indent="-285750">
+              <a:buFont typeface="Wingdings" panose="05000000000000000000" pitchFamily="2" charset="2"/>
+              <a:buChar char="ü"/>
+            </a:pPr>
+            <a:r>
+              <a:rPr lang="en-US" sz="1600" dirty="0"/>
+              <a:t>The information will be loaded and decrypted after a proper login.</a:t>
+            </a:r>
+          </a:p>
+          <a:p>
+            <a:pPr marL="742950" lvl="1" indent="-285750">
+              <a:buFont typeface="Wingdings" panose="05000000000000000000" pitchFamily="2" charset="2"/>
+              <a:buChar char="ü"/>
+            </a:pPr>
+            <a:r>
+              <a:rPr lang="en-US" sz="1600" dirty="0"/>
+              <a:t>Log out is required</a:t>
+            </a:r>
+            <a:r>
+              <a:rPr lang="en-US" sz="1600" dirty="0" smtClean="0"/>
+              <a:t>.</a:t>
+            </a:r>
+          </a:p>
+          <a:p>
+            <a:pPr marL="742950" lvl="1" indent="-285750">
+              <a:buFont typeface="Wingdings" panose="05000000000000000000" pitchFamily="2" charset="2"/>
+              <a:buChar char="ü"/>
+            </a:pPr>
+            <a:endParaRPr lang="en-US" sz="1600" dirty="0"/>
+          </a:p>
+          <a:p>
+            <a:pPr marL="285750" indent="-285750">
+              <a:buFont typeface="Arial" panose="020B0604020202020204" pitchFamily="34" charset="0"/>
+              <a:buChar char="•"/>
+            </a:pPr>
+            <a:r>
+              <a:rPr lang="en-US" dirty="0" smtClean="0"/>
+              <a:t>The </a:t>
+            </a:r>
+            <a:r>
+              <a:rPr lang="en-US" dirty="0"/>
+              <a:t>data in the Cloud should be maintained in a strong </a:t>
+            </a:r>
+            <a:r>
+              <a:rPr lang="en-US" dirty="0" smtClean="0"/>
+              <a:t>security </a:t>
+            </a:r>
+            <a:r>
+              <a:rPr lang="en-US" dirty="0"/>
+              <a:t>(even some hackers steal the data, they are not supposed to be able to identify/alter any the meaningful case</a:t>
+            </a:r>
+            <a:r>
+              <a:rPr lang="en-US" dirty="0" smtClean="0"/>
+              <a:t>).</a:t>
+            </a:r>
+          </a:p>
+          <a:p>
+            <a:pPr marL="742950" lvl="1" indent="-285750">
+              <a:buFont typeface="Wingdings" panose="05000000000000000000" pitchFamily="2" charset="2"/>
+              <a:buChar char="ü"/>
+            </a:pPr>
+            <a:r>
+              <a:rPr lang="en-US" sz="1600" dirty="0"/>
+              <a:t>the SANE system as a distributed security system. As an analogy, it is very similar to the (private vaults) Bank Safe Deposit Box Rentals. Using one key (either a client or banker) alone, one cannot access to the deposits. Only if both the bank and renter agree, the box can be accessed.</a:t>
+            </a:r>
+          </a:p>
+          <a:p>
+            <a:pPr marL="742950" lvl="1" indent="-285750">
+              <a:buFont typeface="Arial" panose="020B0604020202020204" pitchFamily="34" charset="0"/>
+              <a:buChar char="•"/>
+            </a:pPr>
+            <a:endParaRPr lang="en-US" dirty="0"/>
+          </a:p>
+          <a:p>
+            <a:pPr marL="285750" indent="-285750">
+              <a:buFont typeface="Arial" panose="020B0604020202020204" pitchFamily="34" charset="0"/>
+              <a:buChar char="•"/>
+            </a:pPr>
+            <a:r>
+              <a:rPr lang="en-US" dirty="0" smtClean="0"/>
+              <a:t>The </a:t>
+            </a:r>
+            <a:r>
+              <a:rPr lang="en-US" dirty="0"/>
+              <a:t>data should be also handled with a strong privacy. Any researcher’s access to the data should not be directed to compromise the privacy (the researcher should not be able to find the identity by analyzing the data alone).</a:t>
+            </a:r>
+          </a:p>
+          <a:p>
+            <a:pPr marL="285750" indent="-285750">
+              <a:buFont typeface="Arial" panose="020B0604020202020204" pitchFamily="34" charset="0"/>
+              <a:buChar char="•"/>
+            </a:pPr>
+            <a:endParaRPr lang="en-US" dirty="0" smtClean="0"/>
+          </a:p>
+        </p:txBody>
+      </p:sp>
+    </p:spTree>
+    <p:extLst>
+      <p:ext uri="{BB962C8B-B14F-4D97-AF65-F5344CB8AC3E}">
+        <p14:creationId xmlns:p14="http://schemas.microsoft.com/office/powerpoint/2010/main" val="3601444379"/>
+      </p:ext>
+    </p:extLst>
+  </p:cSld>
+  <p:clrMapOvr>
+    <a:masterClrMapping/>
+  </p:clrMapOvr>
+  <p:timing>
+    <p:tnLst>
+      <p:par>
+        <p:cTn id="1" dur="indefinite" restart="never" nodeType="tmRoot"/>
+      </p:par>
+    </p:tnLst>
+  </p:timing>
+</p:sld>
+</file>
+
+<file path=ppt/slides/slide6.xml><?xml version="1.0" encoding="utf-8"?>
+<p:sld xmlns:a="http://schemas.openxmlformats.org/drawingml/2006/main" xmlns:r="http://schemas.openxmlformats.org/officeDocument/2006/relationships" xmlns:p="http://schemas.openxmlformats.org/presentationml/2006/main">
+  <p:cSld>
+    <p:spTree>
+      <p:nvGrpSpPr>
+        <p:cNvPr id="1" name=""/>
+        <p:cNvGrpSpPr/>
+        <p:nvPr/>
+      </p:nvGrpSpPr>
+      <p:grpSpPr>
+        <a:xfrm>
+          <a:off x="0" y="0"/>
+          <a:ext cx="0" cy="0"/>
+          <a:chOff x="0" y="0"/>
+          <a:chExt cx="0" cy="0"/>
+        </a:xfrm>
+      </p:grpSpPr>
+      <p:sp>
+        <p:nvSpPr>
+          <p:cNvPr id="2" name="TextBox 1"/>
+          <p:cNvSpPr txBox="1"/>
+          <p:nvPr/>
+        </p:nvSpPr>
+        <p:spPr>
+          <a:xfrm>
             <a:off x="741872" y="735933"/>
             <a:ext cx="10843404" cy="4585871"/>
           </a:xfrm>
@@ -4447,7 +4420,7 @@
 </p:sld>
 </file>
 
-<file path=ppt/slides/slide6.xml><?xml version="1.0" encoding="utf-8"?>
+<file path=ppt/slides/slide7.xml><?xml version="1.0" encoding="utf-8"?>
 <p:sld xmlns:a="http://schemas.openxmlformats.org/drawingml/2006/main" xmlns:r="http://schemas.openxmlformats.org/officeDocument/2006/relationships" xmlns:p="http://schemas.openxmlformats.org/presentationml/2006/main">
   <p:cSld>
     <p:spTree>
@@ -5588,7 +5561,7 @@
 </p:sld>
 </file>
 
-<file path=ppt/slides/slide7.xml><?xml version="1.0" encoding="utf-8"?>
+<file path=ppt/slides/slide8.xml><?xml version="1.0" encoding="utf-8"?>
 <p:sld xmlns:a="http://schemas.openxmlformats.org/drawingml/2006/main" xmlns:r="http://schemas.openxmlformats.org/officeDocument/2006/relationships" xmlns:p="http://schemas.openxmlformats.org/presentationml/2006/main">
   <p:cSld>
     <p:spTree>
@@ -5614,7 +5587,7 @@
         <p:spPr>
           <a:xfrm>
             <a:off x="1009290" y="546152"/>
-            <a:ext cx="9118121" cy="1446550"/>
+            <a:ext cx="9118121" cy="1631216"/>
           </a:xfrm>
           <a:prstGeom prst="rect">
             <a:avLst/>
@@ -5628,9 +5601,14 @@
           <a:lstStyle/>
           <a:p>
             <a:r>
-              <a:rPr lang="en-US" dirty="0" smtClean="0"/>
-              <a:t>The SANE app can be used for the education purpose:</a:t>
-            </a:r>
+              <a:rPr lang="en-US" sz="2000" dirty="0" smtClean="0"/>
+              <a:t>The SANE app can be used for the </a:t>
+            </a:r>
+            <a:r>
+              <a:rPr lang="en-US" sz="2000" dirty="0" smtClean="0"/>
+              <a:t>educational purposes:</a:t>
+            </a:r>
+            <a:endParaRPr lang="en-US" sz="2000" dirty="0" smtClean="0"/>
           </a:p>
           <a:p>
             <a:pPr marL="285750" indent="-285750">
@@ -5638,9 +5616,18 @@
               <a:buChar char="•"/>
             </a:pPr>
             <a:r>
-              <a:rPr lang="en-US" sz="1400" dirty="0" smtClean="0"/>
-              <a:t>Especially, teenagers are not clear about the sexual assaulting situation. </a:t>
-            </a:r>
+              <a:rPr lang="en-US" sz="2000" dirty="0" smtClean="0"/>
+              <a:t>Minors may not understand consent and what </a:t>
+            </a:r>
+            <a:r>
+              <a:rPr lang="en-US" sz="2000" dirty="0" smtClean="0"/>
+              <a:t>sexual assault is</a:t>
+            </a:r>
+            <a:r>
+              <a:rPr lang="en-US" sz="2000" dirty="0" smtClean="0"/>
+              <a:t> </a:t>
+            </a:r>
+            <a:endParaRPr lang="en-US" sz="2000" dirty="0" smtClean="0"/>
           </a:p>
           <a:p>
             <a:pPr marL="285750" indent="-285750">
@@ -5648,9 +5635,26 @@
               <a:buChar char="•"/>
             </a:pPr>
             <a:r>
-              <a:rPr lang="en-US" sz="1400" dirty="0" smtClean="0"/>
-              <a:t>The app should have intelligence to ask questions.</a:t>
-            </a:r>
+              <a:rPr lang="en-US" sz="2000" dirty="0" smtClean="0"/>
+              <a:t>It </a:t>
+            </a:r>
+            <a:r>
+              <a:rPr lang="en-US" sz="2000" dirty="0" smtClean="0"/>
+              <a:t>starts </a:t>
+            </a:r>
+            <a:r>
+              <a:rPr lang="en-US" sz="2000" dirty="0" smtClean="0"/>
+              <a:t>with </a:t>
+            </a:r>
+            <a:r>
+              <a:rPr lang="en-US" sz="2000" dirty="0" smtClean="0"/>
+              <a:t>simple </a:t>
+            </a:r>
+            <a:r>
+              <a:rPr lang="en-US" sz="2000" dirty="0" smtClean="0"/>
+              <a:t>questions, leading to more targeted questions</a:t>
+            </a:r>
+            <a:endParaRPr lang="en-US" sz="2000" dirty="0" smtClean="0"/>
           </a:p>
           <a:p>
             <a:pPr marL="285750" indent="-285750">
@@ -5658,21 +5662,23 @@
               <a:buChar char="•"/>
             </a:pPr>
             <a:r>
-              <a:rPr lang="en-US" sz="1400" dirty="0" smtClean="0"/>
-              <a:t>It starts with a simple question, but to lead more specific questions.</a:t>
-            </a:r>
-          </a:p>
-          <a:p>
-            <a:pPr marL="285750" indent="-285750">
-              <a:buFont typeface="Arial" panose="020B0604020202020204" pitchFamily="34" charset="0"/>
-              <a:buChar char="•"/>
-            </a:pPr>
-            <a:r>
-              <a:rPr lang="en-US" sz="1400" dirty="0" smtClean="0"/>
-              <a:t>During the Q&amp;A process the screen color will be changed to “</a:t>
-            </a:r>
-            <a:r>
-              <a:rPr lang="en-US" sz="1400" dirty="0" smtClean="0">
+              <a:rPr lang="en-US" sz="2000" dirty="0" smtClean="0"/>
+              <a:t>During the Q&amp;A process the screen color will </a:t>
+            </a:r>
+            <a:r>
+              <a:rPr lang="en-US" sz="2000" dirty="0" smtClean="0"/>
+              <a:t>turn</a:t>
+            </a:r>
+            <a:r>
+              <a:rPr lang="en-US" sz="2000" dirty="0" smtClean="0"/>
+              <a:t> </a:t>
+            </a:r>
+            <a:r>
+              <a:rPr lang="en-US" sz="2000" dirty="0" smtClean="0"/>
+              <a:t>“</a:t>
+            </a:r>
+            <a:r>
+              <a:rPr lang="en-US" sz="2000" dirty="0" smtClean="0">
                 <a:solidFill>
                   <a:srgbClr val="FF0000"/>
                 </a:solidFill>
@@ -5680,20 +5686,17 @@
               <a:t>RED</a:t>
             </a:r>
             <a:r>
-              <a:rPr lang="en-US" sz="1400" dirty="0" smtClean="0"/>
-              <a:t>” if the situation is serious enough to report. </a:t>
-            </a:r>
-          </a:p>
-          <a:p>
-            <a:pPr marL="285750" indent="-285750">
-              <a:buFont typeface="Arial" panose="020B0604020202020204" pitchFamily="34" charset="0"/>
-              <a:buChar char="•"/>
-            </a:pPr>
-            <a:r>
-              <a:rPr lang="en-US" sz="1400" dirty="0" smtClean="0"/>
-              <a:t>Those questions and processes should be prepared by the experts. </a:t>
-            </a:r>
-            <a:endParaRPr lang="en-US" sz="1400" dirty="0"/>
+              <a:rPr lang="en-US" sz="2000" dirty="0" smtClean="0"/>
+              <a:t>” </a:t>
+            </a:r>
+            <a:r>
+              <a:rPr lang="en-US" sz="2000" dirty="0" smtClean="0"/>
+              <a:t>as the situation becomes serious enough </a:t>
+            </a:r>
+            <a:r>
+              <a:rPr lang="en-US" sz="2000" dirty="0" smtClean="0"/>
+              <a:t>to report</a:t>
+            </a:r>
           </a:p>
         </p:txBody>
       </p:sp>
@@ -6380,7 +6383,7 @@
 </p:sld>
 </file>
 
-<file path=ppt/slides/slide8.xml><?xml version="1.0" encoding="utf-8"?>
+<file path=ppt/slides/slide9.xml><?xml version="1.0" encoding="utf-8"?>
 <p:sld xmlns:a="http://schemas.openxmlformats.org/drawingml/2006/main" xmlns:r="http://schemas.openxmlformats.org/officeDocument/2006/relationships" xmlns:p="http://schemas.openxmlformats.org/presentationml/2006/main">
   <p:cSld>
     <p:spTree>

--- a/CS449/Sane-idea.pptx
+++ b/CS449/Sane-idea.pptx
@@ -11,9 +11,10 @@
     <p:sldId id="262" r:id="rId5"/>
     <p:sldId id="260" r:id="rId6"/>
     <p:sldId id="264" r:id="rId7"/>
-    <p:sldId id="256" r:id="rId8"/>
-    <p:sldId id="259" r:id="rId9"/>
-    <p:sldId id="257" r:id="rId10"/>
+    <p:sldId id="266" r:id="rId8"/>
+    <p:sldId id="256" r:id="rId9"/>
+    <p:sldId id="259" r:id="rId10"/>
+    <p:sldId id="257" r:id="rId11"/>
   </p:sldIdLst>
   <p:sldSz cx="12192000" cy="6858000"/>
   <p:notesSz cx="6858000" cy="9144000"/>
@@ -3111,17 +3112,7 @@
                 <a:ea typeface="Malgun Gothic" panose="020B0503020000020004" pitchFamily="34" charset="-127"/>
                 <a:cs typeface="Times New Roman" panose="02020603050405020304" pitchFamily="18" charset="0"/>
               </a:rPr>
-              <a:t>Sexual Assault </a:t>
-            </a:r>
-            <a:r>
-              <a:rPr lang="en-US" sz="2400" b="1" dirty="0" smtClean="0">
-                <a:solidFill>
-                  <a:srgbClr val="000000"/>
-                </a:solidFill>
-                <a:ea typeface="Malgun Gothic" panose="020B0503020000020004" pitchFamily="34" charset="-127"/>
-                <a:cs typeface="Times New Roman" panose="02020603050405020304" pitchFamily="18" charset="0"/>
-              </a:rPr>
-              <a:t>is </a:t>
+              <a:t>Sexual Assault is </a:t>
             </a:r>
             <a:r>
               <a:rPr lang="en-US" sz="2400" b="1" dirty="0">
@@ -3141,27 +3132,7 @@
                 <a:ea typeface="Malgun Gothic" panose="020B0503020000020004" pitchFamily="34" charset="-127"/>
                 <a:cs typeface="Times New Roman" panose="02020603050405020304" pitchFamily="18" charset="0"/>
               </a:rPr>
-              <a:t>crimes</a:t>
-            </a:r>
-            <a:r>
-              <a:rPr lang="en-US" sz="2400" b="1" dirty="0" smtClean="0">
-                <a:solidFill>
-                  <a:srgbClr val="000000"/>
-                </a:solidFill>
-                <a:ea typeface="Malgun Gothic" panose="020B0503020000020004" pitchFamily="34" charset="-127"/>
-                <a:cs typeface="Times New Roman" panose="02020603050405020304" pitchFamily="18" charset="0"/>
-              </a:rPr>
-              <a:t>. 68% of assaults go</a:t>
-            </a:r>
-            <a:r>
-              <a:rPr lang="en-US" sz="2400" b="1" dirty="0" smtClean="0">
-                <a:solidFill>
-                  <a:srgbClr val="000000"/>
-                </a:solidFill>
-                <a:ea typeface="Malgun Gothic" panose="020B0503020000020004" pitchFamily="34" charset="-127"/>
-                <a:cs typeface="Times New Roman" panose="02020603050405020304" pitchFamily="18" charset="0"/>
-              </a:rPr>
-              <a:t> unreported</a:t>
+              <a:t>crimes. 68% of assaults go unreported</a:t>
             </a:r>
             <a:endParaRPr lang="en-US" sz="2400" b="1" dirty="0"/>
           </a:p>
@@ -3187,7 +3158,7 @@
 </p:sld>
 </file>
 
-<file path=ppt/slides/slide2.xml><?xml version="1.0" encoding="utf-8"?>
+<file path=ppt/slides/slide10.xml><?xml version="1.0" encoding="utf-8"?>
 <p:sld xmlns:a="http://schemas.openxmlformats.org/drawingml/2006/main" xmlns:r="http://schemas.openxmlformats.org/officeDocument/2006/relationships" xmlns:p="http://schemas.openxmlformats.org/presentationml/2006/main">
   <p:cSld>
     <p:spTree>
@@ -3204,9 +3175,182 @@
           <a:chExt cx="0" cy="0"/>
         </a:xfrm>
       </p:grpSpPr>
+      <p:sp>
+        <p:nvSpPr>
+          <p:cNvPr id="5" name="Can 4"/>
+          <p:cNvSpPr/>
+          <p:nvPr/>
+        </p:nvSpPr>
+        <p:spPr>
+          <a:xfrm>
+            <a:off x="4755244" y="2344644"/>
+            <a:ext cx="1562777" cy="676152"/>
+          </a:xfrm>
+          <a:prstGeom prst="can">
+            <a:avLst/>
+          </a:prstGeom>
+        </p:spPr>
+        <p:style>
+          <a:lnRef idx="2">
+            <a:schemeClr val="accent1">
+              <a:shade val="50000"/>
+            </a:schemeClr>
+          </a:lnRef>
+          <a:fillRef idx="1">
+            <a:schemeClr val="accent1"/>
+          </a:fillRef>
+          <a:effectRef idx="0">
+            <a:schemeClr val="accent1"/>
+          </a:effectRef>
+          <a:fontRef idx="minor">
+            <a:schemeClr val="lt1"/>
+          </a:fontRef>
+        </p:style>
+        <p:txBody>
+          <a:bodyPr rtlCol="0" anchor="ctr"/>
+          <a:lstStyle/>
+          <a:p>
+            <a:pPr algn="ctr"/>
+            <a:endParaRPr lang="en-US"/>
+          </a:p>
+        </p:txBody>
+      </p:sp>
+      <p:sp>
+        <p:nvSpPr>
+          <p:cNvPr id="6" name="Can 5"/>
+          <p:cNvSpPr/>
+          <p:nvPr/>
+        </p:nvSpPr>
+        <p:spPr>
+          <a:xfrm>
+            <a:off x="6680620" y="1881051"/>
+            <a:ext cx="1443793" cy="644435"/>
+          </a:xfrm>
+          <a:prstGeom prst="can">
+            <a:avLst/>
+          </a:prstGeom>
+          <a:solidFill>
+            <a:srgbClr val="FFC000"/>
+          </a:solidFill>
+        </p:spPr>
+        <p:style>
+          <a:lnRef idx="2">
+            <a:schemeClr val="accent1">
+              <a:shade val="50000"/>
+            </a:schemeClr>
+          </a:lnRef>
+          <a:fillRef idx="1">
+            <a:schemeClr val="accent1"/>
+          </a:fillRef>
+          <a:effectRef idx="0">
+            <a:schemeClr val="accent1"/>
+          </a:effectRef>
+          <a:fontRef idx="minor">
+            <a:schemeClr val="lt1"/>
+          </a:fontRef>
+        </p:style>
+        <p:txBody>
+          <a:bodyPr rtlCol="0" anchor="ctr"/>
+          <a:lstStyle/>
+          <a:p>
+            <a:pPr algn="ctr"/>
+            <a:endParaRPr lang="en-US"/>
+          </a:p>
+        </p:txBody>
+      </p:sp>
+      <p:sp>
+        <p:nvSpPr>
+          <p:cNvPr id="7" name="TextBox 6"/>
+          <p:cNvSpPr txBox="1"/>
+          <p:nvPr/>
+        </p:nvSpPr>
+        <p:spPr>
+          <a:xfrm>
+            <a:off x="6698039" y="2107474"/>
+            <a:ext cx="1538370" cy="307777"/>
+          </a:xfrm>
+          <a:prstGeom prst="rect">
+            <a:avLst/>
+          </a:prstGeom>
+          <a:noFill/>
+        </p:spPr>
+        <p:txBody>
+          <a:bodyPr wrap="none" rtlCol="0">
+            <a:spAutoFit/>
+          </a:bodyPr>
+          <a:lstStyle/>
+          <a:p>
+            <a:r>
+              <a:rPr lang="en-US" sz="1400" dirty="0" smtClean="0"/>
+              <a:t>Secured Identities </a:t>
+            </a:r>
+            <a:endParaRPr lang="en-US" sz="1400" dirty="0"/>
+          </a:p>
+        </p:txBody>
+      </p:sp>
+      <p:sp>
+        <p:nvSpPr>
+          <p:cNvPr id="8" name="TextBox 7"/>
+          <p:cNvSpPr txBox="1"/>
+          <p:nvPr/>
+        </p:nvSpPr>
+        <p:spPr>
+          <a:xfrm>
+            <a:off x="4907504" y="2596118"/>
+            <a:ext cx="1153631" cy="307777"/>
+          </a:xfrm>
+          <a:prstGeom prst="rect">
+            <a:avLst/>
+          </a:prstGeom>
+          <a:noFill/>
+        </p:spPr>
+        <p:txBody>
+          <a:bodyPr wrap="square" rtlCol="0">
+            <a:spAutoFit/>
+          </a:bodyPr>
+          <a:lstStyle/>
+          <a:p>
+            <a:r>
+              <a:rPr lang="en-US" sz="1400" dirty="0" smtClean="0"/>
+              <a:t>General Data </a:t>
+            </a:r>
+            <a:endParaRPr lang="en-US" sz="1400" dirty="0"/>
+          </a:p>
+        </p:txBody>
+      </p:sp>
+      <p:sp>
+        <p:nvSpPr>
+          <p:cNvPr id="11" name="TextBox 10"/>
+          <p:cNvSpPr txBox="1"/>
+          <p:nvPr/>
+        </p:nvSpPr>
+        <p:spPr>
+          <a:xfrm>
+            <a:off x="6015688" y="798329"/>
+            <a:ext cx="683136" cy="369332"/>
+          </a:xfrm>
+          <a:prstGeom prst="rect">
+            <a:avLst/>
+          </a:prstGeom>
+          <a:noFill/>
+        </p:spPr>
+        <p:txBody>
+          <a:bodyPr wrap="none" rtlCol="0">
+            <a:spAutoFit/>
+          </a:bodyPr>
+          <a:lstStyle/>
+          <a:p>
+            <a:r>
+              <a:rPr lang="en-US" dirty="0" smtClean="0"/>
+              <a:t>SANE</a:t>
+            </a:r>
+            <a:endParaRPr lang="en-US" dirty="0"/>
+          </a:p>
+        </p:txBody>
+      </p:sp>
       <p:pic>
         <p:nvPicPr>
-          <p:cNvPr id="2" name="Picture 1"/>
+          <p:cNvPr id="13" name="Picture 12"/>
           <p:cNvPicPr>
             <a:picLocks noChangeAspect="1"/>
           </p:cNvPicPr>
@@ -3220,426 +3364,8 @@
         </p:blipFill>
         <p:spPr>
           <a:xfrm>
-            <a:off x="489397" y="673159"/>
-            <a:ext cx="7031865" cy="5695643"/>
-          </a:xfrm>
-          <a:prstGeom prst="rect">
-            <a:avLst/>
-          </a:prstGeom>
-        </p:spPr>
-      </p:pic>
-    </p:spTree>
-    <p:extLst>
-      <p:ext uri="{BB962C8B-B14F-4D97-AF65-F5344CB8AC3E}">
-        <p14:creationId xmlns:p14="http://schemas.microsoft.com/office/powerpoint/2010/main" val="3717895693"/>
-      </p:ext>
-    </p:extLst>
-  </p:cSld>
-  <p:clrMapOvr>
-    <a:masterClrMapping/>
-  </p:clrMapOvr>
-  <p:timing>
-    <p:tnLst>
-      <p:par>
-        <p:cTn id="1" dur="indefinite" restart="never" nodeType="tmRoot"/>
-      </p:par>
-    </p:tnLst>
-  </p:timing>
-</p:sld>
-</file>
-
-<file path=ppt/slides/slide3.xml><?xml version="1.0" encoding="utf-8"?>
-<p:sld xmlns:a="http://schemas.openxmlformats.org/drawingml/2006/main" xmlns:r="http://schemas.openxmlformats.org/officeDocument/2006/relationships" xmlns:p="http://schemas.openxmlformats.org/presentationml/2006/main">
-  <p:cSld>
-    <p:spTree>
-      <p:nvGrpSpPr>
-        <p:cNvPr id="1" name=""/>
-        <p:cNvGrpSpPr/>
-        <p:nvPr/>
-      </p:nvGrpSpPr>
-      <p:grpSpPr>
-        <a:xfrm>
-          <a:off x="0" y="0"/>
-          <a:ext cx="0" cy="0"/>
-          <a:chOff x="0" y="0"/>
-          <a:chExt cx="0" cy="0"/>
-        </a:xfrm>
-      </p:grpSpPr>
-      <p:sp>
-        <p:nvSpPr>
-          <p:cNvPr id="2" name="Rectangle 1"/>
-          <p:cNvSpPr/>
-          <p:nvPr/>
-        </p:nvSpPr>
-        <p:spPr>
-          <a:xfrm>
-            <a:off x="419100" y="189789"/>
-            <a:ext cx="9804400" cy="5724644"/>
-          </a:xfrm>
-          <a:prstGeom prst="rect">
-            <a:avLst/>
-          </a:prstGeom>
-        </p:spPr>
-        <p:txBody>
-          <a:bodyPr wrap="square">
-            <a:spAutoFit/>
-          </a:bodyPr>
-          <a:lstStyle/>
-          <a:p>
-            <a:r>
-              <a:rPr lang="en-US" sz="2400" b="1" dirty="0"/>
-              <a:t>What are some common concerns about reporting</a:t>
-            </a:r>
-            <a:r>
-              <a:rPr lang="en-US" sz="2400" b="1" dirty="0" smtClean="0"/>
-              <a:t>?</a:t>
-            </a:r>
-          </a:p>
-          <a:p>
-            <a:endParaRPr lang="en-US" b="1" dirty="0"/>
-          </a:p>
-          <a:p>
-            <a:endParaRPr lang="en-US" b="1" dirty="0" smtClean="0"/>
-          </a:p>
-          <a:p>
-            <a:pPr marL="285750" indent="-285750">
-              <a:buFont typeface="Arial" panose="020B0604020202020204" pitchFamily="34" charset="0"/>
-              <a:buChar char="•"/>
-            </a:pPr>
-            <a:r>
-              <a:rPr lang="en-US" b="1" dirty="0">
-                <a:latin typeface="Calibri" panose="020F0502020204030204" pitchFamily="34" charset="0"/>
-                <a:ea typeface="Malgun Gothic" panose="020B0503020000020004" pitchFamily="34" charset="-127"/>
-                <a:cs typeface="Times New Roman" panose="02020603050405020304" pitchFamily="18" charset="0"/>
-              </a:rPr>
-              <a:t>Fear, embarrassment, and </a:t>
-            </a:r>
-            <a:r>
-              <a:rPr lang="en-US" b="1" dirty="0" smtClean="0">
-                <a:latin typeface="Calibri" panose="020F0502020204030204" pitchFamily="34" charset="0"/>
-                <a:ea typeface="Malgun Gothic" panose="020B0503020000020004" pitchFamily="34" charset="-127"/>
-                <a:cs typeface="Times New Roman" panose="02020603050405020304" pitchFamily="18" charset="0"/>
-              </a:rPr>
-              <a:t>shame.</a:t>
-            </a:r>
-          </a:p>
-          <a:p>
-            <a:pPr marL="285750" indent="-285750">
-              <a:buFont typeface="Arial" panose="020B0604020202020204" pitchFamily="34" charset="0"/>
-              <a:buChar char="•"/>
-            </a:pPr>
-            <a:r>
-              <a:rPr lang="en-US" b="1" dirty="0">
-                <a:latin typeface="Calibri" panose="020F0502020204030204" pitchFamily="34" charset="0"/>
-                <a:ea typeface="Malgun Gothic" panose="020B0503020000020004" pitchFamily="34" charset="-127"/>
-                <a:cs typeface="Times New Roman" panose="02020603050405020304" pitchFamily="18" charset="0"/>
-              </a:rPr>
-              <a:t>Hesitation until the statute of </a:t>
-            </a:r>
-            <a:r>
-              <a:rPr lang="en-US" b="1" dirty="0" smtClean="0">
-                <a:latin typeface="Calibri" panose="020F0502020204030204" pitchFamily="34" charset="0"/>
-                <a:ea typeface="Malgun Gothic" panose="020B0503020000020004" pitchFamily="34" charset="-127"/>
-                <a:cs typeface="Times New Roman" panose="02020603050405020304" pitchFamily="18" charset="0"/>
-              </a:rPr>
-              <a:t>limitations.</a:t>
-            </a:r>
-            <a:endParaRPr lang="en-US" b="1" dirty="0" smtClean="0"/>
-          </a:p>
-          <a:p>
-            <a:pPr marL="285750" indent="-285750">
-              <a:buFont typeface="Arial" panose="020B0604020202020204" pitchFamily="34" charset="0"/>
-              <a:buChar char="•"/>
-            </a:pPr>
-            <a:r>
-              <a:rPr lang="en-US" b="1" dirty="0" smtClean="0"/>
-              <a:t>The </a:t>
-            </a:r>
-            <a:r>
-              <a:rPr lang="en-US" b="1" dirty="0"/>
-              <a:t>perpetrator got scared away or stopped before finishing the assault.</a:t>
-            </a:r>
-            <a:r>
-              <a:rPr lang="en-US" dirty="0"/>
-              <a:t/>
-            </a:r>
-            <a:br>
-              <a:rPr lang="en-US" dirty="0"/>
-            </a:br>
-            <a:r>
-              <a:rPr lang="en-US" dirty="0"/>
-              <a:t>Attempted rape is a serious crime and can be reported. </a:t>
-            </a:r>
-          </a:p>
-          <a:p>
-            <a:pPr marL="285750" lvl="0" indent="-285750">
-              <a:buFont typeface="Arial" panose="020B0604020202020204" pitchFamily="34" charset="0"/>
-              <a:buChar char="•"/>
-            </a:pPr>
-            <a:r>
-              <a:rPr lang="en-US" b="1" dirty="0"/>
-              <a:t>I know the person who hurt me.</a:t>
-            </a:r>
-            <a:r>
-              <a:rPr lang="en-US" dirty="0"/>
-              <a:t/>
-            </a:r>
-            <a:br>
-              <a:rPr lang="en-US" dirty="0"/>
-            </a:br>
-            <a:r>
-              <a:rPr lang="en-US" dirty="0"/>
-              <a:t>About 2/3 of victims know the perpetrator. </a:t>
-            </a:r>
-            <a:endParaRPr lang="en-US" dirty="0" smtClean="0"/>
-          </a:p>
-          <a:p>
-            <a:pPr marL="285750" lvl="0" indent="-285750">
-              <a:buFont typeface="Arial" panose="020B0604020202020204" pitchFamily="34" charset="0"/>
-              <a:buChar char="•"/>
-            </a:pPr>
-            <a:r>
-              <a:rPr lang="en-US" b="1" dirty="0" smtClean="0"/>
-              <a:t>I’ve </a:t>
-            </a:r>
-            <a:r>
-              <a:rPr lang="en-US" b="1" dirty="0"/>
-              <a:t>been intimate with the perpetrator in the past, or am currently in a relationship with the perpetrator.</a:t>
-            </a:r>
-            <a:r>
-              <a:rPr lang="en-US" dirty="0"/>
-              <a:t/>
-            </a:r>
-            <a:br>
-              <a:rPr lang="en-US" dirty="0"/>
-            </a:br>
-            <a:r>
-              <a:rPr lang="en-US" u="sng" dirty="0">
-                <a:hlinkClick r:id="rId2"/>
-              </a:rPr>
-              <a:t>Sexual assault can occur within a relationship</a:t>
-            </a:r>
-            <a:r>
-              <a:rPr lang="en-US" dirty="0"/>
-              <a:t>. </a:t>
-            </a:r>
-            <a:endParaRPr lang="en-US" dirty="0" smtClean="0"/>
-          </a:p>
-          <a:p>
-            <a:pPr marL="285750" lvl="0" indent="-285750">
-              <a:buFont typeface="Arial" panose="020B0604020202020204" pitchFamily="34" charset="0"/>
-              <a:buChar char="•"/>
-            </a:pPr>
-            <a:r>
-              <a:rPr lang="en-US" b="1" dirty="0" smtClean="0"/>
-              <a:t>I </a:t>
-            </a:r>
-            <a:r>
-              <a:rPr lang="en-US" b="1" dirty="0"/>
-              <a:t>have no physical injuries, and I’m worried there’s not enough </a:t>
-            </a:r>
-            <a:r>
-              <a:rPr lang="en-US" b="1" dirty="0" smtClean="0"/>
-              <a:t>proof (ambiguity).</a:t>
-            </a:r>
-            <a:r>
-              <a:rPr lang="en-US" dirty="0"/>
-              <a:t/>
-            </a:r>
-            <a:br>
-              <a:rPr lang="en-US" dirty="0"/>
-            </a:br>
-            <a:r>
-              <a:rPr lang="en-US" dirty="0"/>
-              <a:t>Most sexual assaults do not result in external physical injuries. </a:t>
-            </a:r>
-          </a:p>
-          <a:p>
-            <a:pPr marL="285750" lvl="0" indent="-285750">
-              <a:buFont typeface="Arial" panose="020B0604020202020204" pitchFamily="34" charset="0"/>
-              <a:buChar char="•"/>
-            </a:pPr>
-            <a:r>
-              <a:rPr lang="en-US" b="1" dirty="0"/>
-              <a:t>I’m worried law enforcement won’t believe me (false </a:t>
-            </a:r>
-            <a:r>
-              <a:rPr lang="en-US" b="1" dirty="0" smtClean="0"/>
-              <a:t>accusation).</a:t>
-            </a:r>
-            <a:r>
-              <a:rPr lang="en-US" dirty="0"/>
-              <a:t/>
-            </a:r>
-            <a:br>
-              <a:rPr lang="en-US" dirty="0"/>
-            </a:br>
-            <a:r>
-              <a:rPr lang="en-US" dirty="0"/>
-              <a:t>There has been great investment in police training on this </a:t>
-            </a:r>
-            <a:r>
-              <a:rPr lang="en-US" dirty="0" smtClean="0"/>
-              <a:t>topic.</a:t>
-            </a:r>
-            <a:endParaRPr lang="en-US" dirty="0"/>
-          </a:p>
-          <a:p>
-            <a:pPr marL="285750" indent="-285750">
-              <a:buFont typeface="Arial" panose="020B0604020202020204" pitchFamily="34" charset="0"/>
-              <a:buChar char="•"/>
-            </a:pPr>
-            <a:r>
-              <a:rPr lang="en-US" b="1" dirty="0"/>
-              <a:t>Difficult and tedious process that never experienced </a:t>
-            </a:r>
-            <a:r>
-              <a:rPr lang="en-US" b="1" dirty="0" smtClean="0"/>
-              <a:t>before. I </a:t>
-            </a:r>
-            <a:r>
-              <a:rPr lang="en-US" b="1" dirty="0"/>
-              <a:t>don’t want to get in </a:t>
-            </a:r>
-            <a:r>
-              <a:rPr lang="en-US" b="1" dirty="0" smtClean="0"/>
-              <a:t>trouble.</a:t>
-            </a:r>
-            <a:r>
-              <a:rPr lang="en-US" dirty="0"/>
-              <a:t/>
-            </a:r>
-            <a:br>
-              <a:rPr lang="en-US" dirty="0"/>
-            </a:br>
-            <a:r>
-              <a:rPr lang="en-US" dirty="0"/>
-              <a:t>Sometimes minors are afraid of being disciplined, either by the law or by their parents, because they were doing something they shouldn’t have when the abuse occurred. </a:t>
-            </a:r>
-            <a:endParaRPr lang="en-US" dirty="0" smtClean="0"/>
-          </a:p>
-          <a:p>
-            <a:pPr marL="285750" lvl="0" indent="-285750">
-              <a:buFont typeface="Arial" panose="020B0604020202020204" pitchFamily="34" charset="0"/>
-              <a:buChar char="•"/>
-            </a:pPr>
-            <a:endParaRPr lang="en-US" dirty="0"/>
-          </a:p>
-        </p:txBody>
-      </p:sp>
-      <p:sp>
-        <p:nvSpPr>
-          <p:cNvPr id="3" name="Rectangle 2"/>
-          <p:cNvSpPr/>
-          <p:nvPr/>
-        </p:nvSpPr>
-        <p:spPr>
-          <a:xfrm>
-            <a:off x="3340100" y="6185271"/>
-            <a:ext cx="8293100" cy="388696"/>
-          </a:xfrm>
-          <a:prstGeom prst="rect">
-            <a:avLst/>
-          </a:prstGeom>
-        </p:spPr>
-        <p:txBody>
-          <a:bodyPr wrap="square">
-            <a:spAutoFit/>
-          </a:bodyPr>
-          <a:lstStyle/>
-          <a:p>
-            <a:pPr>
-              <a:lnSpc>
-                <a:spcPct val="107000"/>
-              </a:lnSpc>
-              <a:spcAft>
-                <a:spcPts val="800"/>
-              </a:spcAft>
-            </a:pPr>
-            <a:r>
-              <a:rPr lang="en-US" dirty="0">
-                <a:latin typeface="Calibri" panose="020F0502020204030204" pitchFamily="34" charset="0"/>
-                <a:ea typeface="Malgun Gothic" panose="020B0503020000020004" pitchFamily="34" charset="-127"/>
-                <a:cs typeface="Times New Roman" panose="02020603050405020304" pitchFamily="18" charset="0"/>
-              </a:rPr>
-              <a:t>Articles from </a:t>
-            </a:r>
-            <a:r>
-              <a:rPr lang="en-US" u="sng" dirty="0">
-                <a:solidFill>
-                  <a:srgbClr val="0563C1"/>
-                </a:solidFill>
-                <a:latin typeface="Calibri" panose="020F0502020204030204" pitchFamily="34" charset="0"/>
-                <a:ea typeface="Malgun Gothic" panose="020B0503020000020004" pitchFamily="34" charset="-127"/>
-                <a:cs typeface="Times New Roman" panose="02020603050405020304" pitchFamily="18" charset="0"/>
-                <a:hlinkClick r:id="rId3"/>
-              </a:rPr>
-              <a:t>https://rainn.org/get-information/legal-information/reporting-rape</a:t>
-            </a:r>
-            <a:endParaRPr lang="en-US" dirty="0">
-              <a:effectLst/>
-              <a:latin typeface="Calibri" panose="020F0502020204030204" pitchFamily="34" charset="0"/>
-              <a:ea typeface="Malgun Gothic" panose="020B0503020000020004" pitchFamily="34" charset="-127"/>
-              <a:cs typeface="Times New Roman" panose="02020603050405020304" pitchFamily="18" charset="0"/>
-            </a:endParaRPr>
-          </a:p>
-        </p:txBody>
-      </p:sp>
-    </p:spTree>
-    <p:extLst>
-      <p:ext uri="{BB962C8B-B14F-4D97-AF65-F5344CB8AC3E}">
-        <p14:creationId xmlns:p14="http://schemas.microsoft.com/office/powerpoint/2010/main" val="2776877095"/>
-      </p:ext>
-    </p:extLst>
-  </p:cSld>
-  <p:clrMapOvr>
-    <a:masterClrMapping/>
-  </p:clrMapOvr>
-  <p:timing>
-    <p:tnLst>
-      <p:par>
-        <p:cTn id="1" dur="indefinite" restart="never" nodeType="tmRoot"/>
-      </p:par>
-    </p:tnLst>
-  </p:timing>
-</p:sld>
-</file>
-
-<file path=ppt/slides/slide4.xml><?xml version="1.0" encoding="utf-8"?>
-<p:sld xmlns:a="http://schemas.openxmlformats.org/drawingml/2006/main" xmlns:r="http://schemas.openxmlformats.org/officeDocument/2006/relationships" xmlns:p="http://schemas.openxmlformats.org/presentationml/2006/main">
-  <p:cSld>
-    <p:spTree>
-      <p:nvGrpSpPr>
-        <p:cNvPr id="1" name=""/>
-        <p:cNvGrpSpPr/>
-        <p:nvPr/>
-      </p:nvGrpSpPr>
-      <p:grpSpPr>
-        <a:xfrm>
-          <a:off x="0" y="0"/>
-          <a:ext cx="0" cy="0"/>
-          <a:chOff x="0" y="0"/>
-          <a:chExt cx="0" cy="0"/>
-        </a:xfrm>
-      </p:grpSpPr>
-      <p:pic>
-        <p:nvPicPr>
-          <p:cNvPr id="4" name="Picture 3"/>
-          <p:cNvPicPr>
-            <a:picLocks noChangeAspect="1"/>
-          </p:cNvPicPr>
-          <p:nvPr/>
-        </p:nvPicPr>
-        <p:blipFill>
-          <a:blip r:embed="rId2"/>
-          <a:stretch>
-            <a:fillRect/>
-          </a:stretch>
-        </p:blipFill>
-        <p:spPr>
-          <a:xfrm>
-            <a:off x="10133904" y="919479"/>
-            <a:ext cx="1808525" cy="1203491"/>
+            <a:off x="1035610" y="1149641"/>
+            <a:ext cx="1222067" cy="1222067"/>
           </a:xfrm>
           <a:prstGeom prst="rect">
             <a:avLst/>
@@ -3648,7 +3374,7 @@
       </p:pic>
       <p:pic>
         <p:nvPicPr>
-          <p:cNvPr id="5" name="Picture 4"/>
+          <p:cNvPr id="14" name="Picture 13"/>
           <p:cNvPicPr>
             <a:picLocks noChangeAspect="1"/>
           </p:cNvPicPr>
@@ -3662,8 +3388,8 @@
         </p:blipFill>
         <p:spPr>
           <a:xfrm>
-            <a:off x="9305802" y="2591163"/>
-            <a:ext cx="2127936" cy="1410914"/>
+            <a:off x="2681773" y="1654025"/>
+            <a:ext cx="750581" cy="1340323"/>
           </a:xfrm>
           <a:prstGeom prst="rect">
             <a:avLst/>
@@ -3672,7 +3398,7 @@
       </p:pic>
       <p:pic>
         <p:nvPicPr>
-          <p:cNvPr id="7" name="Picture 6"/>
+          <p:cNvPr id="15" name="Picture 14"/>
           <p:cNvPicPr>
             <a:picLocks noChangeAspect="1"/>
           </p:cNvPicPr>
@@ -3686,994 +3412,6 @@
         </p:blipFill>
         <p:spPr>
           <a:xfrm>
-            <a:off x="8824216" y="4594949"/>
-            <a:ext cx="2619375" cy="1752600"/>
-          </a:xfrm>
-          <a:prstGeom prst="rect">
-            <a:avLst/>
-          </a:prstGeom>
-        </p:spPr>
-      </p:pic>
-      <p:sp>
-        <p:nvSpPr>
-          <p:cNvPr id="2" name="Rectangle 1"/>
-          <p:cNvSpPr/>
-          <p:nvPr/>
-        </p:nvSpPr>
-        <p:spPr>
-          <a:xfrm>
-            <a:off x="1396303" y="543927"/>
-            <a:ext cx="8737600" cy="470000"/>
-          </a:xfrm>
-          <a:prstGeom prst="rect">
-            <a:avLst/>
-          </a:prstGeom>
-        </p:spPr>
-        <p:txBody>
-          <a:bodyPr wrap="square">
-            <a:spAutoFit/>
-          </a:bodyPr>
-          <a:lstStyle/>
-          <a:p>
-            <a:pPr algn="ctr">
-              <a:lnSpc>
-                <a:spcPct val="107000"/>
-              </a:lnSpc>
-              <a:spcAft>
-                <a:spcPts val="800"/>
-              </a:spcAft>
-            </a:pPr>
-            <a:r>
-              <a:rPr lang="en-US" sz="2400" b="1" dirty="0" smtClean="0">
-                <a:latin typeface="Calibri" panose="020F0502020204030204" pitchFamily="34" charset="0"/>
-                <a:ea typeface="Malgun Gothic" panose="020B0503020000020004" pitchFamily="34" charset="-127"/>
-                <a:cs typeface="Times New Roman" panose="02020603050405020304" pitchFamily="18" charset="0"/>
-              </a:rPr>
-              <a:t>Breaking Down Barriers to Reporting </a:t>
-            </a:r>
-            <a:endParaRPr lang="en-US" sz="2400" b="1" dirty="0">
-              <a:solidFill>
-                <a:srgbClr val="FF0000"/>
-              </a:solidFill>
-              <a:effectLst/>
-              <a:latin typeface="Calibri" panose="020F0502020204030204" pitchFamily="34" charset="0"/>
-              <a:ea typeface="Malgun Gothic" panose="020B0503020000020004" pitchFamily="34" charset="-127"/>
-              <a:cs typeface="Times New Roman" panose="02020603050405020304" pitchFamily="18" charset="0"/>
-            </a:endParaRPr>
-          </a:p>
-        </p:txBody>
-      </p:sp>
-      <p:sp>
-        <p:nvSpPr>
-          <p:cNvPr id="3" name="Rectangle 2"/>
-          <p:cNvSpPr/>
-          <p:nvPr/>
-        </p:nvSpPr>
-        <p:spPr>
-          <a:xfrm>
-            <a:off x="317500" y="1013927"/>
-            <a:ext cx="8307108" cy="3724096"/>
-          </a:xfrm>
-          <a:prstGeom prst="rect">
-            <a:avLst/>
-          </a:prstGeom>
-        </p:spPr>
-        <p:txBody>
-          <a:bodyPr wrap="square">
-            <a:spAutoFit/>
-          </a:bodyPr>
-          <a:lstStyle/>
-          <a:p>
-            <a:endParaRPr lang="en-US" sz="2000" dirty="0" smtClean="0"/>
-          </a:p>
-          <a:p>
-            <a:pPr marL="285750" indent="-285750">
-              <a:buFont typeface="Arial" panose="020B0604020202020204" pitchFamily="34" charset="0"/>
-              <a:buChar char="•"/>
-            </a:pPr>
-            <a:r>
-              <a:rPr lang="en-US" sz="2000" dirty="0" smtClean="0"/>
-              <a:t>Use technology to provide a compelling reason and a safe way to report</a:t>
-            </a:r>
-          </a:p>
-          <a:p>
-            <a:pPr marL="285750" indent="-285750">
-              <a:buFont typeface="Arial" panose="020B0604020202020204" pitchFamily="34" charset="0"/>
-              <a:buChar char="•"/>
-            </a:pPr>
-            <a:endParaRPr lang="en-US" sz="2000" dirty="0" smtClean="0"/>
-          </a:p>
-          <a:p>
-            <a:pPr marL="285750" indent="-285750">
-              <a:buFont typeface="Arial" panose="020B0604020202020204" pitchFamily="34" charset="0"/>
-              <a:buChar char="•"/>
-            </a:pPr>
-            <a:r>
-              <a:rPr lang="en-US" sz="2000" dirty="0" smtClean="0"/>
-              <a:t>We </a:t>
-            </a:r>
-            <a:r>
-              <a:rPr lang="en-US" sz="2000" dirty="0" smtClean="0"/>
-              <a:t>need a system </a:t>
-            </a:r>
-            <a:r>
-              <a:rPr lang="en-US" sz="2000" dirty="0" smtClean="0"/>
-              <a:t>that:</a:t>
-            </a:r>
-            <a:endParaRPr lang="en-US" sz="2000" dirty="0" smtClean="0"/>
-          </a:p>
-          <a:p>
-            <a:pPr marL="742950" lvl="1" indent="-285750">
-              <a:buFont typeface="Wingdings" panose="05000000000000000000" pitchFamily="2" charset="2"/>
-              <a:buChar char="ü"/>
-            </a:pPr>
-            <a:r>
-              <a:rPr lang="en-US" sz="2000" dirty="0">
-                <a:solidFill>
-                  <a:srgbClr val="FF0000"/>
-                </a:solidFill>
-              </a:rPr>
-              <a:t>P</a:t>
-            </a:r>
-            <a:r>
-              <a:rPr lang="en-US" sz="2000" dirty="0" smtClean="0">
-                <a:solidFill>
-                  <a:srgbClr val="FF0000"/>
-                </a:solidFill>
-              </a:rPr>
-              <a:t>rovides easy-to-use diary style </a:t>
-            </a:r>
-            <a:r>
-              <a:rPr lang="en-US" sz="2000" dirty="0" smtClean="0">
-                <a:solidFill>
-                  <a:srgbClr val="FF0000"/>
-                </a:solidFill>
-              </a:rPr>
-              <a:t>access</a:t>
-            </a:r>
-            <a:endParaRPr lang="en-US" sz="2000" dirty="0" smtClean="0">
-              <a:solidFill>
-                <a:srgbClr val="FF0000"/>
-              </a:solidFill>
-            </a:endParaRPr>
-          </a:p>
-          <a:p>
-            <a:pPr marL="742950" lvl="1" indent="-285750">
-              <a:buFont typeface="Wingdings" panose="05000000000000000000" pitchFamily="2" charset="2"/>
-              <a:buChar char="ü"/>
-            </a:pPr>
-            <a:r>
-              <a:rPr lang="en-US" sz="2000" dirty="0" smtClean="0">
-                <a:solidFill>
-                  <a:srgbClr val="FF0000"/>
-                </a:solidFill>
-              </a:rPr>
-              <a:t>Educates </a:t>
-            </a:r>
-            <a:r>
-              <a:rPr lang="en-US" sz="2000" dirty="0" smtClean="0">
-                <a:solidFill>
-                  <a:srgbClr val="FF0000"/>
-                </a:solidFill>
-              </a:rPr>
-              <a:t>victims</a:t>
-            </a:r>
-            <a:endParaRPr lang="en-US" sz="2000" dirty="0" smtClean="0">
-              <a:solidFill>
-                <a:srgbClr val="FF0000"/>
-              </a:solidFill>
-            </a:endParaRPr>
-          </a:p>
-          <a:p>
-            <a:pPr marL="742950" lvl="1" indent="-285750">
-              <a:buFont typeface="Wingdings" panose="05000000000000000000" pitchFamily="2" charset="2"/>
-              <a:buChar char="ü"/>
-            </a:pPr>
-            <a:r>
-              <a:rPr lang="en-US" sz="2000" dirty="0">
-                <a:solidFill>
-                  <a:srgbClr val="FF0000"/>
-                </a:solidFill>
-              </a:rPr>
-              <a:t>E</a:t>
-            </a:r>
-            <a:r>
-              <a:rPr lang="en-US" sz="2000" dirty="0" smtClean="0">
-                <a:solidFill>
-                  <a:srgbClr val="FF0000"/>
-                </a:solidFill>
-              </a:rPr>
-              <a:t>nsures the </a:t>
-            </a:r>
-            <a:r>
-              <a:rPr lang="en-US" sz="2000" dirty="0" smtClean="0">
-                <a:solidFill>
-                  <a:srgbClr val="FF0000"/>
-                </a:solidFill>
-              </a:rPr>
-              <a:t>privacy</a:t>
-            </a:r>
-            <a:endParaRPr lang="en-US" sz="2000" dirty="0" smtClean="0">
-              <a:solidFill>
-                <a:srgbClr val="FF0000"/>
-              </a:solidFill>
-            </a:endParaRPr>
-          </a:p>
-          <a:p>
-            <a:pPr marL="742950" lvl="1" indent="-285750">
-              <a:buFont typeface="Wingdings" panose="05000000000000000000" pitchFamily="2" charset="2"/>
-              <a:buChar char="ü"/>
-            </a:pPr>
-            <a:r>
-              <a:rPr lang="en-US" sz="2000" dirty="0">
-                <a:solidFill>
-                  <a:srgbClr val="FF0000"/>
-                </a:solidFill>
-              </a:rPr>
-              <a:t>C</a:t>
-            </a:r>
-            <a:r>
-              <a:rPr lang="en-US" sz="2000" dirty="0" smtClean="0">
-                <a:solidFill>
-                  <a:srgbClr val="FF0000"/>
-                </a:solidFill>
-              </a:rPr>
-              <a:t>reates anonymized </a:t>
-            </a:r>
-            <a:r>
-              <a:rPr lang="en-US" sz="2000" dirty="0" smtClean="0">
-                <a:solidFill>
-                  <a:srgbClr val="FF0000"/>
-                </a:solidFill>
-              </a:rPr>
-              <a:t>information</a:t>
-            </a:r>
-            <a:endParaRPr lang="en-US" sz="2000" dirty="0" smtClean="0">
-              <a:solidFill>
-                <a:srgbClr val="FF0000"/>
-              </a:solidFill>
-            </a:endParaRPr>
-          </a:p>
-          <a:p>
-            <a:pPr marL="742950" lvl="1" indent="-285750">
-              <a:buFont typeface="Wingdings" panose="05000000000000000000" pitchFamily="2" charset="2"/>
-              <a:buChar char="ü"/>
-            </a:pPr>
-            <a:endParaRPr lang="en-US" sz="1600" dirty="0"/>
-          </a:p>
-          <a:p>
-            <a:pPr marL="285750" indent="-285750">
-              <a:buFont typeface="Arial" panose="020B0604020202020204" pitchFamily="34" charset="0"/>
-              <a:buChar char="•"/>
-            </a:pPr>
-            <a:r>
-              <a:rPr lang="en-US" sz="2000" dirty="0" smtClean="0"/>
-              <a:t>Smartphone application </a:t>
-            </a:r>
-            <a:r>
-              <a:rPr lang="en-US" sz="2000" dirty="0" smtClean="0"/>
-              <a:t>front </a:t>
-            </a:r>
-            <a:r>
-              <a:rPr lang="en-US" sz="2000" dirty="0" smtClean="0"/>
-              <a:t>end</a:t>
-            </a:r>
-          </a:p>
-          <a:p>
-            <a:pPr marL="285750" indent="-285750">
-              <a:buFont typeface="Arial" panose="020B0604020202020204" pitchFamily="34" charset="0"/>
-              <a:buChar char="•"/>
-            </a:pPr>
-            <a:r>
-              <a:rPr lang="en-US" sz="2000" dirty="0"/>
-              <a:t>S</a:t>
-            </a:r>
-            <a:r>
-              <a:rPr lang="en-US" sz="2000" dirty="0" smtClean="0"/>
-              <a:t>ecure </a:t>
-            </a:r>
-            <a:r>
-              <a:rPr lang="en-US" sz="2000" dirty="0"/>
-              <a:t>cloud </a:t>
-            </a:r>
-            <a:r>
-              <a:rPr lang="en-US" sz="2000" dirty="0" smtClean="0"/>
-              <a:t>server</a:t>
-            </a:r>
-          </a:p>
-          <a:p>
-            <a:pPr marL="285750" indent="-285750">
-              <a:buFont typeface="Arial" panose="020B0604020202020204" pitchFamily="34" charset="0"/>
-              <a:buChar char="•"/>
-            </a:pPr>
-            <a:r>
-              <a:rPr lang="en-US" sz="2000" dirty="0"/>
-              <a:t>I</a:t>
-            </a:r>
-            <a:r>
-              <a:rPr lang="en-US" sz="2000" dirty="0" smtClean="0"/>
-              <a:t>ntelligent </a:t>
-            </a:r>
-            <a:r>
-              <a:rPr lang="en-US" sz="2000" dirty="0"/>
-              <a:t>analysis </a:t>
-            </a:r>
-            <a:r>
-              <a:rPr lang="en-US" sz="2000" dirty="0" smtClean="0"/>
-              <a:t>tool as the backend </a:t>
-            </a:r>
-            <a:r>
-              <a:rPr lang="en-US" sz="2000" dirty="0" smtClean="0"/>
-              <a:t>system</a:t>
-            </a:r>
-            <a:endParaRPr lang="en-US" sz="2000" dirty="0"/>
-          </a:p>
-        </p:txBody>
-      </p:sp>
-    </p:spTree>
-    <p:extLst>
-      <p:ext uri="{BB962C8B-B14F-4D97-AF65-F5344CB8AC3E}">
-        <p14:creationId xmlns:p14="http://schemas.microsoft.com/office/powerpoint/2010/main" val="2073218152"/>
-      </p:ext>
-    </p:extLst>
-  </p:cSld>
-  <p:clrMapOvr>
-    <a:masterClrMapping/>
-  </p:clrMapOvr>
-  <p:timing>
-    <p:tnLst>
-      <p:par>
-        <p:cTn id="1" dur="indefinite" restart="never" nodeType="tmRoot"/>
-      </p:par>
-    </p:tnLst>
-  </p:timing>
-</p:sld>
-</file>
-
-<file path=ppt/slides/slide5.xml><?xml version="1.0" encoding="utf-8"?>
-<p:sld xmlns:a="http://schemas.openxmlformats.org/drawingml/2006/main" xmlns:r="http://schemas.openxmlformats.org/officeDocument/2006/relationships" xmlns:p="http://schemas.openxmlformats.org/presentationml/2006/main">
-  <p:cSld>
-    <p:spTree>
-      <p:nvGrpSpPr>
-        <p:cNvPr id="1" name=""/>
-        <p:cNvGrpSpPr/>
-        <p:nvPr/>
-      </p:nvGrpSpPr>
-      <p:grpSpPr>
-        <a:xfrm>
-          <a:off x="0" y="0"/>
-          <a:ext cx="0" cy="0"/>
-          <a:chOff x="0" y="0"/>
-          <a:chExt cx="0" cy="0"/>
-        </a:xfrm>
-      </p:grpSpPr>
-      <p:sp>
-        <p:nvSpPr>
-          <p:cNvPr id="2" name="TextBox 1"/>
-          <p:cNvSpPr txBox="1"/>
-          <p:nvPr/>
-        </p:nvSpPr>
-        <p:spPr>
-          <a:xfrm>
-            <a:off x="495300" y="621632"/>
-            <a:ext cx="11013776" cy="5663089"/>
-          </a:xfrm>
-          <a:prstGeom prst="rect">
-            <a:avLst/>
-          </a:prstGeom>
-          <a:noFill/>
-        </p:spPr>
-        <p:txBody>
-          <a:bodyPr wrap="square" rtlCol="0">
-            <a:spAutoFit/>
-          </a:bodyPr>
-          <a:lstStyle/>
-          <a:p>
-            <a:r>
-              <a:rPr lang="en-US" sz="2000" b="1" dirty="0" smtClean="0"/>
-              <a:t>The SANE App Requirements</a:t>
-            </a:r>
-            <a:r>
-              <a:rPr lang="en-US" sz="2000" dirty="0" smtClean="0"/>
-              <a:t>:</a:t>
-            </a:r>
-          </a:p>
-          <a:p>
-            <a:endParaRPr lang="en-US" sz="2000" dirty="0" smtClean="0"/>
-          </a:p>
-          <a:p>
-            <a:pPr marL="285750" indent="-285750">
-              <a:buFont typeface="Arial" panose="020B0604020202020204" pitchFamily="34" charset="0"/>
-              <a:buChar char="•"/>
-            </a:pPr>
-            <a:r>
-              <a:rPr lang="en-US" dirty="0" smtClean="0"/>
-              <a:t>The </a:t>
-            </a:r>
-            <a:r>
-              <a:rPr lang="en-US" dirty="0"/>
-              <a:t>privacy of both assaults and victims should be kept until a case is officially activated (by victims or law enforcement</a:t>
-            </a:r>
-            <a:r>
-              <a:rPr lang="en-US" dirty="0" smtClean="0"/>
-              <a:t>).</a:t>
-            </a:r>
-          </a:p>
-          <a:p>
-            <a:pPr marL="742950" lvl="1" indent="-285750">
-              <a:buFont typeface="Wingdings" panose="05000000000000000000" pitchFamily="2" charset="2"/>
-              <a:buChar char="ü"/>
-            </a:pPr>
-            <a:r>
-              <a:rPr lang="en-US" sz="1600" dirty="0" smtClean="0"/>
-              <a:t>The victim/reporter’s secrete key can be deposited into the Cloud (to retrieve the data in case of the reporter’s absence due to the crime).</a:t>
-            </a:r>
-          </a:p>
-          <a:p>
-            <a:pPr marL="742950" lvl="1" indent="-285750">
-              <a:buFont typeface="Wingdings" panose="05000000000000000000" pitchFamily="2" charset="2"/>
-              <a:buChar char="ü"/>
-            </a:pPr>
-            <a:endParaRPr lang="en-US" sz="1600" dirty="0" smtClean="0"/>
-          </a:p>
-          <a:p>
-            <a:pPr marL="285750" indent="-285750">
-              <a:buFont typeface="Arial" panose="020B0604020202020204" pitchFamily="34" charset="0"/>
-              <a:buChar char="•"/>
-            </a:pPr>
-            <a:r>
-              <a:rPr lang="en-US" dirty="0" smtClean="0"/>
-              <a:t>The data should be kept in the Cloud</a:t>
-            </a:r>
-          </a:p>
-          <a:p>
-            <a:pPr marL="742950" lvl="1" indent="-285750">
-              <a:buFont typeface="Wingdings" panose="05000000000000000000" pitchFamily="2" charset="2"/>
-              <a:buChar char="ü"/>
-            </a:pPr>
-            <a:r>
-              <a:rPr lang="en-US" sz="1600" dirty="0"/>
-              <a:t>Make sure no data or secret information remained in the user’s smartphone.</a:t>
-            </a:r>
-          </a:p>
-          <a:p>
-            <a:pPr marL="742950" lvl="1" indent="-285750">
-              <a:buFont typeface="Wingdings" panose="05000000000000000000" pitchFamily="2" charset="2"/>
-              <a:buChar char="ü"/>
-            </a:pPr>
-            <a:r>
-              <a:rPr lang="en-US" sz="1600" dirty="0"/>
-              <a:t>The information will be loaded and decrypted after a proper login.</a:t>
-            </a:r>
-          </a:p>
-          <a:p>
-            <a:pPr marL="742950" lvl="1" indent="-285750">
-              <a:buFont typeface="Wingdings" panose="05000000000000000000" pitchFamily="2" charset="2"/>
-              <a:buChar char="ü"/>
-            </a:pPr>
-            <a:r>
-              <a:rPr lang="en-US" sz="1600" dirty="0"/>
-              <a:t>Log out is required</a:t>
-            </a:r>
-            <a:r>
-              <a:rPr lang="en-US" sz="1600" dirty="0" smtClean="0"/>
-              <a:t>.</a:t>
-            </a:r>
-          </a:p>
-          <a:p>
-            <a:pPr marL="742950" lvl="1" indent="-285750">
-              <a:buFont typeface="Wingdings" panose="05000000000000000000" pitchFamily="2" charset="2"/>
-              <a:buChar char="ü"/>
-            </a:pPr>
-            <a:endParaRPr lang="en-US" sz="1600" dirty="0"/>
-          </a:p>
-          <a:p>
-            <a:pPr marL="285750" indent="-285750">
-              <a:buFont typeface="Arial" panose="020B0604020202020204" pitchFamily="34" charset="0"/>
-              <a:buChar char="•"/>
-            </a:pPr>
-            <a:r>
-              <a:rPr lang="en-US" dirty="0" smtClean="0"/>
-              <a:t>The </a:t>
-            </a:r>
-            <a:r>
-              <a:rPr lang="en-US" dirty="0"/>
-              <a:t>data in the Cloud should be maintained in a strong </a:t>
-            </a:r>
-            <a:r>
-              <a:rPr lang="en-US" dirty="0" smtClean="0"/>
-              <a:t>security </a:t>
-            </a:r>
-            <a:r>
-              <a:rPr lang="en-US" dirty="0"/>
-              <a:t>(even some hackers steal the data, they are not supposed to be able to identify/alter any the meaningful case</a:t>
-            </a:r>
-            <a:r>
-              <a:rPr lang="en-US" dirty="0" smtClean="0"/>
-              <a:t>).</a:t>
-            </a:r>
-          </a:p>
-          <a:p>
-            <a:pPr marL="742950" lvl="1" indent="-285750">
-              <a:buFont typeface="Wingdings" panose="05000000000000000000" pitchFamily="2" charset="2"/>
-              <a:buChar char="ü"/>
-            </a:pPr>
-            <a:r>
-              <a:rPr lang="en-US" sz="1600" dirty="0"/>
-              <a:t>the SANE system as a distributed security system. As an analogy, it is very similar to the (private vaults) Bank Safe Deposit Box Rentals. Using one key (either a client or banker) alone, one cannot access to the deposits. Only if both the bank and renter agree, the box can be accessed.</a:t>
-            </a:r>
-          </a:p>
-          <a:p>
-            <a:pPr marL="742950" lvl="1" indent="-285750">
-              <a:buFont typeface="Arial" panose="020B0604020202020204" pitchFamily="34" charset="0"/>
-              <a:buChar char="•"/>
-            </a:pPr>
-            <a:endParaRPr lang="en-US" dirty="0"/>
-          </a:p>
-          <a:p>
-            <a:pPr marL="285750" indent="-285750">
-              <a:buFont typeface="Arial" panose="020B0604020202020204" pitchFamily="34" charset="0"/>
-              <a:buChar char="•"/>
-            </a:pPr>
-            <a:r>
-              <a:rPr lang="en-US" dirty="0" smtClean="0"/>
-              <a:t>The </a:t>
-            </a:r>
-            <a:r>
-              <a:rPr lang="en-US" dirty="0"/>
-              <a:t>data should be also handled with a strong privacy. Any researcher’s access to the data should not be directed to compromise the privacy (the researcher should not be able to find the identity by analyzing the data alone).</a:t>
-            </a:r>
-          </a:p>
-          <a:p>
-            <a:pPr marL="285750" indent="-285750">
-              <a:buFont typeface="Arial" panose="020B0604020202020204" pitchFamily="34" charset="0"/>
-              <a:buChar char="•"/>
-            </a:pPr>
-            <a:endParaRPr lang="en-US" dirty="0" smtClean="0"/>
-          </a:p>
-        </p:txBody>
-      </p:sp>
-    </p:spTree>
-    <p:extLst>
-      <p:ext uri="{BB962C8B-B14F-4D97-AF65-F5344CB8AC3E}">
-        <p14:creationId xmlns:p14="http://schemas.microsoft.com/office/powerpoint/2010/main" val="3601444379"/>
-      </p:ext>
-    </p:extLst>
-  </p:cSld>
-  <p:clrMapOvr>
-    <a:masterClrMapping/>
-  </p:clrMapOvr>
-  <p:timing>
-    <p:tnLst>
-      <p:par>
-        <p:cTn id="1" dur="indefinite" restart="never" nodeType="tmRoot"/>
-      </p:par>
-    </p:tnLst>
-  </p:timing>
-</p:sld>
-</file>
-
-<file path=ppt/slides/slide6.xml><?xml version="1.0" encoding="utf-8"?>
-<p:sld xmlns:a="http://schemas.openxmlformats.org/drawingml/2006/main" xmlns:r="http://schemas.openxmlformats.org/officeDocument/2006/relationships" xmlns:p="http://schemas.openxmlformats.org/presentationml/2006/main">
-  <p:cSld>
-    <p:spTree>
-      <p:nvGrpSpPr>
-        <p:cNvPr id="1" name=""/>
-        <p:cNvGrpSpPr/>
-        <p:nvPr/>
-      </p:nvGrpSpPr>
-      <p:grpSpPr>
-        <a:xfrm>
-          <a:off x="0" y="0"/>
-          <a:ext cx="0" cy="0"/>
-          <a:chOff x="0" y="0"/>
-          <a:chExt cx="0" cy="0"/>
-        </a:xfrm>
-      </p:grpSpPr>
-      <p:sp>
-        <p:nvSpPr>
-          <p:cNvPr id="2" name="TextBox 1"/>
-          <p:cNvSpPr txBox="1"/>
-          <p:nvPr/>
-        </p:nvSpPr>
-        <p:spPr>
-          <a:xfrm>
-            <a:off x="741872" y="735933"/>
-            <a:ext cx="10843404" cy="4585871"/>
-          </a:xfrm>
-          <a:prstGeom prst="rect">
-            <a:avLst/>
-          </a:prstGeom>
-          <a:noFill/>
-        </p:spPr>
-        <p:txBody>
-          <a:bodyPr wrap="square" rtlCol="0">
-            <a:spAutoFit/>
-          </a:bodyPr>
-          <a:lstStyle/>
-          <a:p>
-            <a:r>
-              <a:rPr lang="en-US" sz="2800" dirty="0" smtClean="0"/>
-              <a:t>The SANE App functionalities:</a:t>
-            </a:r>
-          </a:p>
-          <a:p>
-            <a:endParaRPr lang="en-US" sz="2000" dirty="0" smtClean="0"/>
-          </a:p>
-          <a:p>
-            <a:pPr marL="285750" indent="-285750">
-              <a:buFont typeface="Arial" panose="020B0604020202020204" pitchFamily="34" charset="0"/>
-              <a:buChar char="•"/>
-            </a:pPr>
-            <a:r>
-              <a:rPr lang="en-US" sz="2000" dirty="0" smtClean="0"/>
-              <a:t>Nickname and profile setup (one time setup)</a:t>
-            </a:r>
-          </a:p>
-          <a:p>
-            <a:pPr marL="285750" indent="-285750">
-              <a:buFont typeface="Arial" panose="020B0604020202020204" pitchFamily="34" charset="0"/>
-              <a:buChar char="•"/>
-            </a:pPr>
-            <a:r>
-              <a:rPr lang="en-US" sz="2000" dirty="0" smtClean="0"/>
-              <a:t>Key deposit agreement (just incase of the absence of reporter (i.e., due to death, etc.), law enforcement can look up the record with warrant)</a:t>
-            </a:r>
-          </a:p>
-          <a:p>
-            <a:pPr marL="285750" indent="-285750">
-              <a:buFont typeface="Arial" panose="020B0604020202020204" pitchFamily="34" charset="0"/>
-              <a:buChar char="•"/>
-            </a:pPr>
-            <a:r>
-              <a:rPr lang="en-US" sz="2000" dirty="0" smtClean="0"/>
-              <a:t>Agreement of some of anonymized information sharing (for the prevention and protection research purpose)</a:t>
-            </a:r>
-          </a:p>
-          <a:p>
-            <a:pPr marL="285750" indent="-285750">
-              <a:buFont typeface="Arial" panose="020B0604020202020204" pitchFamily="34" charset="0"/>
-              <a:buChar char="•"/>
-            </a:pPr>
-            <a:r>
-              <a:rPr lang="en-US" sz="2000" dirty="0" smtClean="0"/>
-              <a:t>Diary (easy to record, texting style with some tagging (#”…”))</a:t>
-            </a:r>
-          </a:p>
-          <a:p>
-            <a:pPr marL="285750" indent="-285750">
-              <a:buFont typeface="Arial" panose="020B0604020202020204" pitchFamily="34" charset="0"/>
-              <a:buChar char="•"/>
-            </a:pPr>
-            <a:r>
-              <a:rPr lang="en-US" sz="2000" dirty="0" smtClean="0"/>
-              <a:t>Evidence recording (voice recording and picture)</a:t>
-            </a:r>
-          </a:p>
-          <a:p>
-            <a:pPr marL="285750" indent="-285750">
-              <a:buFont typeface="Arial" panose="020B0604020202020204" pitchFamily="34" charset="0"/>
-              <a:buChar char="•"/>
-            </a:pPr>
-            <a:r>
-              <a:rPr lang="en-US" sz="2000" dirty="0" smtClean="0"/>
-              <a:t>Q&amp;A (survey style to begin with, but Siri or Alexa Style after all)</a:t>
-            </a:r>
-          </a:p>
-          <a:p>
-            <a:pPr marL="285750" indent="-285750">
-              <a:buFont typeface="Arial" panose="020B0604020202020204" pitchFamily="34" charset="0"/>
-              <a:buChar char="•"/>
-            </a:pPr>
-            <a:r>
-              <a:rPr lang="en-US" sz="2000" dirty="0" smtClean="0"/>
-              <a:t>Need a good app name and mascot.</a:t>
-            </a:r>
-          </a:p>
-          <a:p>
-            <a:pPr marL="285750" indent="-285750">
-              <a:buFont typeface="Arial" panose="020B0604020202020204" pitchFamily="34" charset="0"/>
-              <a:buChar char="•"/>
-            </a:pPr>
-            <a:endParaRPr lang="en-US" sz="2000" dirty="0"/>
-          </a:p>
-          <a:p>
-            <a:pPr marL="285750" indent="-285750">
-              <a:buFont typeface="Arial" panose="020B0604020202020204" pitchFamily="34" charset="0"/>
-              <a:buChar char="•"/>
-            </a:pPr>
-            <a:endParaRPr lang="en-US" sz="1600" dirty="0" smtClean="0"/>
-          </a:p>
-          <a:p>
-            <a:pPr marL="285750" indent="-285750">
-              <a:buFont typeface="Arial" panose="020B0604020202020204" pitchFamily="34" charset="0"/>
-              <a:buChar char="•"/>
-            </a:pPr>
-            <a:endParaRPr lang="en-US" sz="1400" dirty="0"/>
-          </a:p>
-          <a:p>
-            <a:pPr marL="285750" indent="-285750">
-              <a:buFont typeface="Arial" panose="020B0604020202020204" pitchFamily="34" charset="0"/>
-              <a:buChar char="•"/>
-            </a:pPr>
-            <a:endParaRPr lang="en-US" sz="1400" dirty="0"/>
-          </a:p>
-        </p:txBody>
-      </p:sp>
-    </p:spTree>
-    <p:extLst>
-      <p:ext uri="{BB962C8B-B14F-4D97-AF65-F5344CB8AC3E}">
-        <p14:creationId xmlns:p14="http://schemas.microsoft.com/office/powerpoint/2010/main" val="1272998325"/>
-      </p:ext>
-    </p:extLst>
-  </p:cSld>
-  <p:clrMapOvr>
-    <a:masterClrMapping/>
-  </p:clrMapOvr>
-  <p:timing>
-    <p:tnLst>
-      <p:par>
-        <p:cTn id="1" dur="indefinite" restart="never" nodeType="tmRoot"/>
-      </p:par>
-    </p:tnLst>
-  </p:timing>
-</p:sld>
-</file>
-
-<file path=ppt/slides/slide7.xml><?xml version="1.0" encoding="utf-8"?>
-<p:sld xmlns:a="http://schemas.openxmlformats.org/drawingml/2006/main" xmlns:r="http://schemas.openxmlformats.org/officeDocument/2006/relationships" xmlns:p="http://schemas.openxmlformats.org/presentationml/2006/main">
-  <p:cSld>
-    <p:spTree>
-      <p:nvGrpSpPr>
-        <p:cNvPr id="1" name=""/>
-        <p:cNvGrpSpPr/>
-        <p:nvPr/>
-      </p:nvGrpSpPr>
-      <p:grpSpPr>
-        <a:xfrm>
-          <a:off x="0" y="0"/>
-          <a:ext cx="0" cy="0"/>
-          <a:chOff x="0" y="0"/>
-          <a:chExt cx="0" cy="0"/>
-        </a:xfrm>
-      </p:grpSpPr>
-      <p:sp>
-        <p:nvSpPr>
-          <p:cNvPr id="5" name="Can 4"/>
-          <p:cNvSpPr/>
-          <p:nvPr/>
-        </p:nvSpPr>
-        <p:spPr>
-          <a:xfrm>
-            <a:off x="4488382" y="1684199"/>
-            <a:ext cx="1599372" cy="841288"/>
-          </a:xfrm>
-          <a:prstGeom prst="can">
-            <a:avLst/>
-          </a:prstGeom>
-        </p:spPr>
-        <p:style>
-          <a:lnRef idx="2">
-            <a:schemeClr val="accent1">
-              <a:shade val="50000"/>
-            </a:schemeClr>
-          </a:lnRef>
-          <a:fillRef idx="1">
-            <a:schemeClr val="accent1"/>
-          </a:fillRef>
-          <a:effectRef idx="0">
-            <a:schemeClr val="accent1"/>
-          </a:effectRef>
-          <a:fontRef idx="minor">
-            <a:schemeClr val="lt1"/>
-          </a:fontRef>
-        </p:style>
-        <p:txBody>
-          <a:bodyPr rtlCol="0" anchor="ctr"/>
-          <a:lstStyle/>
-          <a:p>
-            <a:pPr algn="ctr"/>
-            <a:endParaRPr lang="en-US"/>
-          </a:p>
-        </p:txBody>
-      </p:sp>
-      <p:sp>
-        <p:nvSpPr>
-          <p:cNvPr id="6" name="Can 5"/>
-          <p:cNvSpPr/>
-          <p:nvPr/>
-        </p:nvSpPr>
-        <p:spPr>
-          <a:xfrm>
-            <a:off x="6680620" y="1881051"/>
-            <a:ext cx="1443793" cy="644435"/>
-          </a:xfrm>
-          <a:prstGeom prst="can">
-            <a:avLst/>
-          </a:prstGeom>
-          <a:solidFill>
-            <a:srgbClr val="FFC000"/>
-          </a:solidFill>
-        </p:spPr>
-        <p:style>
-          <a:lnRef idx="2">
-            <a:schemeClr val="accent1">
-              <a:shade val="50000"/>
-            </a:schemeClr>
-          </a:lnRef>
-          <a:fillRef idx="1">
-            <a:schemeClr val="accent1"/>
-          </a:fillRef>
-          <a:effectRef idx="0">
-            <a:schemeClr val="accent1"/>
-          </a:effectRef>
-          <a:fontRef idx="minor">
-            <a:schemeClr val="lt1"/>
-          </a:fontRef>
-        </p:style>
-        <p:txBody>
-          <a:bodyPr rtlCol="0" anchor="ctr"/>
-          <a:lstStyle/>
-          <a:p>
-            <a:pPr algn="ctr"/>
-            <a:endParaRPr lang="en-US"/>
-          </a:p>
-        </p:txBody>
-      </p:sp>
-      <p:sp>
-        <p:nvSpPr>
-          <p:cNvPr id="7" name="TextBox 6"/>
-          <p:cNvSpPr txBox="1"/>
-          <p:nvPr/>
-        </p:nvSpPr>
-        <p:spPr>
-          <a:xfrm>
-            <a:off x="6698039" y="2107474"/>
-            <a:ext cx="1538370" cy="307777"/>
-          </a:xfrm>
-          <a:prstGeom prst="rect">
-            <a:avLst/>
-          </a:prstGeom>
-          <a:noFill/>
-        </p:spPr>
-        <p:txBody>
-          <a:bodyPr wrap="none" rtlCol="0">
-            <a:spAutoFit/>
-          </a:bodyPr>
-          <a:lstStyle/>
-          <a:p>
-            <a:r>
-              <a:rPr lang="en-US" sz="1400" dirty="0" smtClean="0"/>
-              <a:t>Secured Identities </a:t>
-            </a:r>
-            <a:endParaRPr lang="en-US" sz="1400" dirty="0"/>
-          </a:p>
-        </p:txBody>
-      </p:sp>
-      <p:sp>
-        <p:nvSpPr>
-          <p:cNvPr id="8" name="TextBox 7"/>
-          <p:cNvSpPr txBox="1"/>
-          <p:nvPr/>
-        </p:nvSpPr>
-        <p:spPr>
-          <a:xfrm>
-            <a:off x="4693074" y="2029097"/>
-            <a:ext cx="1180644" cy="307777"/>
-          </a:xfrm>
-          <a:prstGeom prst="rect">
-            <a:avLst/>
-          </a:prstGeom>
-          <a:noFill/>
-        </p:spPr>
-        <p:txBody>
-          <a:bodyPr wrap="none" rtlCol="0">
-            <a:spAutoFit/>
-          </a:bodyPr>
-          <a:lstStyle/>
-          <a:p>
-            <a:r>
-              <a:rPr lang="en-US" sz="1400" dirty="0" smtClean="0"/>
-              <a:t>General Data </a:t>
-            </a:r>
-            <a:endParaRPr lang="en-US" sz="1400" dirty="0"/>
-          </a:p>
-        </p:txBody>
-      </p:sp>
-      <p:sp>
-        <p:nvSpPr>
-          <p:cNvPr id="11" name="TextBox 10"/>
-          <p:cNvSpPr txBox="1"/>
-          <p:nvPr/>
-        </p:nvSpPr>
-        <p:spPr>
-          <a:xfrm>
-            <a:off x="6015688" y="798329"/>
-            <a:ext cx="683136" cy="369332"/>
-          </a:xfrm>
-          <a:prstGeom prst="rect">
-            <a:avLst/>
-          </a:prstGeom>
-          <a:noFill/>
-        </p:spPr>
-        <p:txBody>
-          <a:bodyPr wrap="none" rtlCol="0">
-            <a:spAutoFit/>
-          </a:bodyPr>
-          <a:lstStyle/>
-          <a:p>
-            <a:r>
-              <a:rPr lang="en-US" dirty="0" smtClean="0"/>
-              <a:t>SANE</a:t>
-            </a:r>
-            <a:endParaRPr lang="en-US" dirty="0"/>
-          </a:p>
-        </p:txBody>
-      </p:sp>
-      <p:pic>
-        <p:nvPicPr>
-          <p:cNvPr id="13" name="Picture 12"/>
-          <p:cNvPicPr>
-            <a:picLocks noChangeAspect="1"/>
-          </p:cNvPicPr>
-          <p:nvPr/>
-        </p:nvPicPr>
-        <p:blipFill>
-          <a:blip r:embed="rId2"/>
-          <a:stretch>
-            <a:fillRect/>
-          </a:stretch>
-        </p:blipFill>
-        <p:spPr>
-          <a:xfrm>
-            <a:off x="1035610" y="1149641"/>
-            <a:ext cx="1222067" cy="1222067"/>
-          </a:xfrm>
-          <a:prstGeom prst="rect">
-            <a:avLst/>
-          </a:prstGeom>
-        </p:spPr>
-      </p:pic>
-      <p:pic>
-        <p:nvPicPr>
-          <p:cNvPr id="14" name="Picture 13"/>
-          <p:cNvPicPr>
-            <a:picLocks noChangeAspect="1"/>
-          </p:cNvPicPr>
-          <p:nvPr/>
-        </p:nvPicPr>
-        <p:blipFill>
-          <a:blip r:embed="rId3"/>
-          <a:stretch>
-            <a:fillRect/>
-          </a:stretch>
-        </p:blipFill>
-        <p:spPr>
-          <a:xfrm>
-            <a:off x="2681773" y="1654025"/>
-            <a:ext cx="750581" cy="1340323"/>
-          </a:xfrm>
-          <a:prstGeom prst="rect">
-            <a:avLst/>
-          </a:prstGeom>
-        </p:spPr>
-      </p:pic>
-      <p:pic>
-        <p:nvPicPr>
-          <p:cNvPr id="15" name="Picture 14"/>
-          <p:cNvPicPr>
-            <a:picLocks noChangeAspect="1"/>
-          </p:cNvPicPr>
-          <p:nvPr/>
-        </p:nvPicPr>
-        <p:blipFill>
-          <a:blip r:embed="rId4"/>
-          <a:stretch>
-            <a:fillRect/>
-          </a:stretch>
-        </p:blipFill>
-        <p:spPr>
-          <a:xfrm>
             <a:off x="980566" y="2792570"/>
             <a:ext cx="1534576" cy="1150932"/>
           </a:xfrm>
@@ -4682,53 +3420,6 @@
           </a:prstGeom>
         </p:spPr>
       </p:pic>
-      <p:sp>
-        <p:nvSpPr>
-          <p:cNvPr id="17" name="Oval 16"/>
-          <p:cNvSpPr/>
-          <p:nvPr/>
-        </p:nvSpPr>
-        <p:spPr>
-          <a:xfrm>
-            <a:off x="3997234" y="1282347"/>
-            <a:ext cx="4720045" cy="1958029"/>
-          </a:xfrm>
-          <a:prstGeom prst="ellipse">
-            <a:avLst/>
-          </a:prstGeom>
-          <a:noFill/>
-          <a:ln>
-            <a:solidFill>
-              <a:srgbClr val="FF0000"/>
-            </a:solidFill>
-            <a:prstDash val="dash"/>
-          </a:ln>
-        </p:spPr>
-        <p:style>
-          <a:lnRef idx="2">
-            <a:schemeClr val="accent1">
-              <a:shade val="50000"/>
-            </a:schemeClr>
-          </a:lnRef>
-          <a:fillRef idx="1">
-            <a:schemeClr val="accent1"/>
-          </a:fillRef>
-          <a:effectRef idx="0">
-            <a:schemeClr val="accent1"/>
-          </a:effectRef>
-          <a:fontRef idx="minor">
-            <a:schemeClr val="lt1"/>
-          </a:fontRef>
-        </p:style>
-        <p:txBody>
-          <a:bodyPr rtlCol="0" anchor="ctr"/>
-          <a:lstStyle/>
-          <a:p>
-            <a:pPr algn="ctr"/>
-            <a:endParaRPr lang="en-US"/>
-          </a:p>
-        </p:txBody>
-      </p:sp>
       <p:pic>
         <p:nvPicPr>
           <p:cNvPr id="18" name="Picture 17"/>
@@ -4870,7 +3561,7 @@
         </p:nvSpPr>
         <p:spPr>
           <a:xfrm>
-            <a:off x="6238121" y="3073166"/>
+            <a:off x="6238121" y="3204638"/>
             <a:ext cx="1886293" cy="417312"/>
           </a:xfrm>
           <a:prstGeom prst="roundRect">
@@ -4966,59 +3657,20 @@
         <p:nvCxnSpPr>
           <p:cNvPr id="27" name="Straight Arrow Connector 26"/>
           <p:cNvCxnSpPr>
-            <a:stCxn id="23" idx="1"/>
-            <a:endCxn id="5" idx="3"/>
+            <a:stCxn id="16" idx="2"/>
+            <a:endCxn id="23" idx="0"/>
           </p:cNvCxnSpPr>
           <p:nvPr/>
         </p:nvCxnSpPr>
         <p:spPr>
-          <a:xfrm flipH="1" flipV="1">
-            <a:off x="5288068" y="2525487"/>
-            <a:ext cx="950053" cy="756335"/>
+          <a:xfrm>
+            <a:off x="5443550" y="1569512"/>
+            <a:ext cx="1737718" cy="1635126"/>
           </a:xfrm>
           <a:prstGeom prst="straightConnector1">
             <a:avLst/>
           </a:prstGeom>
           <a:ln w="38100">
-            <a:tailEnd type="triangle"/>
-          </a:ln>
-        </p:spPr>
-        <p:style>
-          <a:lnRef idx="1">
-            <a:schemeClr val="accent1"/>
-          </a:lnRef>
-          <a:fillRef idx="0">
-            <a:schemeClr val="accent1"/>
-          </a:fillRef>
-          <a:effectRef idx="0">
-            <a:schemeClr val="accent1"/>
-          </a:effectRef>
-          <a:fontRef idx="minor">
-            <a:schemeClr val="tx1"/>
-          </a:fontRef>
-        </p:style>
-      </p:cxnSp>
-      <p:cxnSp>
-        <p:nvCxnSpPr>
-          <p:cNvPr id="28" name="Straight Arrow Connector 27"/>
-          <p:cNvCxnSpPr>
-            <a:stCxn id="23" idx="0"/>
-            <a:endCxn id="6" idx="3"/>
-          </p:cNvCxnSpPr>
-          <p:nvPr/>
-        </p:nvCxnSpPr>
-        <p:spPr>
-          <a:xfrm flipV="1">
-            <a:off x="7181268" y="2525486"/>
-            <a:ext cx="221249" cy="547680"/>
-          </a:xfrm>
-          <a:prstGeom prst="straightConnector1">
-            <a:avLst/>
-          </a:prstGeom>
-          <a:ln w="38100">
-            <a:solidFill>
-              <a:schemeClr val="accent4"/>
-            </a:solidFill>
             <a:tailEnd type="triangle"/>
           </a:ln>
         </p:spPr>
@@ -5061,20 +3713,50 @@
           </a:prstGeom>
         </p:spPr>
       </p:pic>
-      <p:sp>
-        <p:nvSpPr>
-          <p:cNvPr id="32" name="Left Arrow 31"/>
+      <p:pic>
+        <p:nvPicPr>
+          <p:cNvPr id="34" name="Picture 33"/>
+          <p:cNvPicPr>
+            <a:picLocks noChangeAspect="1"/>
+          </p:cNvPicPr>
+          <p:nvPr/>
+        </p:nvPicPr>
+        <p:blipFill>
+          <a:blip r:embed="rId9"/>
+          <a:stretch>
+            <a:fillRect/>
+          </a:stretch>
+        </p:blipFill>
+        <p:spPr>
+          <a:xfrm>
+            <a:off x="9531964" y="3990680"/>
+            <a:ext cx="479959" cy="403557"/>
+          </a:xfrm>
+          <a:prstGeom prst="rect">
+            <a:avLst/>
+          </a:prstGeom>
+        </p:spPr>
+      </p:pic>
+      <p:sp>
+        <p:nvSpPr>
+          <p:cNvPr id="37" name="Flowchart: Alternate Process 36"/>
           <p:cNvSpPr/>
           <p:nvPr/>
         </p:nvSpPr>
         <p:spPr>
           <a:xfrm>
-            <a:off x="3505651" y="1942011"/>
-            <a:ext cx="825890" cy="551617"/>
-          </a:xfrm>
-          <a:prstGeom prst="leftArrow">
-            <a:avLst/>
-          </a:prstGeom>
+            <a:off x="9531964" y="4483737"/>
+            <a:ext cx="627017" cy="404813"/>
+          </a:xfrm>
+          <a:prstGeom prst="flowChartAlternateProcess">
+            <a:avLst/>
+          </a:prstGeom>
+          <a:solidFill>
+            <a:schemeClr val="accent6"/>
+          </a:solidFill>
+          <a:ln>
+            <a:noFill/>
+          </a:ln>
         </p:spPr>
         <p:style>
           <a:lnRef idx="2">
@@ -5099,7 +3781,7 @@
             <a:pPr algn="ctr"/>
             <a:r>
               <a:rPr lang="en-US" dirty="0" smtClean="0"/>
-              <a:t>APIs</a:t>
+              <a:t>APP</a:t>
             </a:r>
             <a:endParaRPr lang="en-US" dirty="0"/>
           </a:p>
@@ -5107,23 +3789,101 @@
       </p:sp>
       <p:sp>
         <p:nvSpPr>
-          <p:cNvPr id="33" name="Striped Right Arrow 32"/>
+          <p:cNvPr id="39" name="TextBox 38"/>
+          <p:cNvSpPr txBox="1"/>
+          <p:nvPr/>
+        </p:nvSpPr>
+        <p:spPr>
+          <a:xfrm>
+            <a:off x="3284212" y="4944641"/>
+            <a:ext cx="4411977" cy="1569660"/>
+          </a:xfrm>
+          <a:prstGeom prst="rect">
+            <a:avLst/>
+          </a:prstGeom>
+          <a:noFill/>
+        </p:spPr>
+        <p:txBody>
+          <a:bodyPr wrap="none" rtlCol="0">
+            <a:spAutoFit/>
+          </a:bodyPr>
+          <a:lstStyle/>
+          <a:p>
+            <a:pPr marL="342900" indent="-342900">
+              <a:buAutoNum type="arabicParenR"/>
+            </a:pPr>
+            <a:r>
+              <a:rPr lang="en-US" sz="1600" dirty="0" smtClean="0"/>
+              <a:t>Police ask SANE for the contact</a:t>
+            </a:r>
+          </a:p>
+          <a:p>
+            <a:pPr marL="342900" indent="-342900">
+              <a:buAutoNum type="arabicParenR"/>
+            </a:pPr>
+            <a:r>
+              <a:rPr lang="en-US" sz="1600" dirty="0" smtClean="0"/>
+              <a:t>SANE finds the contact from the dispatcher</a:t>
+            </a:r>
+          </a:p>
+          <a:p>
+            <a:pPr marL="342900" indent="-342900">
+              <a:buAutoNum type="arabicParenR"/>
+            </a:pPr>
+            <a:r>
+              <a:rPr lang="en-US" sz="1600" dirty="0" smtClean="0"/>
+              <a:t>Dispatcher contact the app</a:t>
+            </a:r>
+          </a:p>
+          <a:p>
+            <a:pPr marL="342900" indent="-342900">
+              <a:buAutoNum type="arabicParenR"/>
+            </a:pPr>
+            <a:r>
+              <a:rPr lang="en-US" sz="1600" dirty="0" smtClean="0"/>
+              <a:t>When the user approve, </a:t>
+            </a:r>
+          </a:p>
+          <a:p>
+            <a:pPr marL="342900" indent="-342900">
+              <a:buAutoNum type="arabicParenR"/>
+            </a:pPr>
+            <a:r>
+              <a:rPr lang="en-US" sz="1600" dirty="0" smtClean="0"/>
+              <a:t>The dispatcher access to the secured identities</a:t>
+            </a:r>
+          </a:p>
+          <a:p>
+            <a:pPr marL="342900" indent="-342900">
+              <a:buAutoNum type="arabicParenR"/>
+            </a:pPr>
+            <a:r>
+              <a:rPr lang="en-US" sz="1600" dirty="0" smtClean="0"/>
+              <a:t>Chastise the SA case</a:t>
+            </a:r>
+            <a:endParaRPr lang="en-US" sz="1600" dirty="0"/>
+          </a:p>
+        </p:txBody>
+      </p:sp>
+      <p:sp>
+        <p:nvSpPr>
+          <p:cNvPr id="41" name="Oval 40"/>
           <p:cNvSpPr/>
           <p:nvPr/>
         </p:nvSpPr>
         <p:spPr>
-          <a:xfrm rot="12330253">
-            <a:off x="7909448" y="3852185"/>
-            <a:ext cx="1498863" cy="255243"/>
-          </a:xfrm>
-          <a:prstGeom prst="stripedRightArrow">
-            <a:avLst/>
-          </a:prstGeom>
-          <a:solidFill>
-            <a:srgbClr val="FF0000"/>
-          </a:solidFill>
-          <a:ln>
-            <a:noFill/>
+          <a:xfrm>
+            <a:off x="3825265" y="1269711"/>
+            <a:ext cx="283461" cy="302806"/>
+          </a:xfrm>
+          <a:prstGeom prst="ellipse">
+            <a:avLst/>
+          </a:prstGeom>
+          <a:noFill/>
+          <a:ln w="28575">
+            <a:solidFill>
+              <a:srgbClr val="FF0000"/>
+            </a:solidFill>
           </a:ln>
         </p:spPr>
         <p:style>
@@ -5147,13 +3907,2158 @@
           <a:lstStyle/>
           <a:p>
             <a:pPr algn="ctr"/>
-            <a:endParaRPr lang="en-US"/>
+            <a:r>
+              <a:rPr lang="en-US" b="1" dirty="0" smtClean="0">
+                <a:solidFill>
+                  <a:srgbClr val="FF0000"/>
+                </a:solidFill>
+              </a:rPr>
+              <a:t>1</a:t>
+            </a:r>
+            <a:endParaRPr lang="en-US" b="1" dirty="0">
+              <a:solidFill>
+                <a:srgbClr val="FF0000"/>
+              </a:solidFill>
+            </a:endParaRPr>
+          </a:p>
+        </p:txBody>
+      </p:sp>
+      <p:sp>
+        <p:nvSpPr>
+          <p:cNvPr id="42" name="Oval 41"/>
+          <p:cNvSpPr/>
+          <p:nvPr/>
+        </p:nvSpPr>
+        <p:spPr>
+          <a:xfrm>
+            <a:off x="5826414" y="1614521"/>
+            <a:ext cx="283461" cy="302806"/>
+          </a:xfrm>
+          <a:prstGeom prst="ellipse">
+            <a:avLst/>
+          </a:prstGeom>
+          <a:noFill/>
+          <a:ln w="28575">
+            <a:solidFill>
+              <a:srgbClr val="FF0000"/>
+            </a:solidFill>
+          </a:ln>
+        </p:spPr>
+        <p:style>
+          <a:lnRef idx="2">
+            <a:schemeClr val="accent1">
+              <a:shade val="50000"/>
+            </a:schemeClr>
+          </a:lnRef>
+          <a:fillRef idx="1">
+            <a:schemeClr val="accent1"/>
+          </a:fillRef>
+          <a:effectRef idx="0">
+            <a:schemeClr val="accent1"/>
+          </a:effectRef>
+          <a:fontRef idx="minor">
+            <a:schemeClr val="lt1"/>
+          </a:fontRef>
+        </p:style>
+        <p:txBody>
+          <a:bodyPr rtlCol="0" anchor="ctr"/>
+          <a:lstStyle/>
+          <a:p>
+            <a:pPr algn="ctr"/>
+            <a:r>
+              <a:rPr lang="en-US" b="1" dirty="0" smtClean="0">
+                <a:solidFill>
+                  <a:srgbClr val="FF0000"/>
+                </a:solidFill>
+              </a:rPr>
+              <a:t>2</a:t>
+            </a:r>
+            <a:endParaRPr lang="en-US" b="1" dirty="0">
+              <a:solidFill>
+                <a:srgbClr val="FF0000"/>
+              </a:solidFill>
+            </a:endParaRPr>
+          </a:p>
+        </p:txBody>
+      </p:sp>
+      <p:sp>
+        <p:nvSpPr>
+          <p:cNvPr id="43" name="Oval 42"/>
+          <p:cNvSpPr/>
+          <p:nvPr/>
+        </p:nvSpPr>
+        <p:spPr>
+          <a:xfrm>
+            <a:off x="8758695" y="3543091"/>
+            <a:ext cx="283461" cy="302806"/>
+          </a:xfrm>
+          <a:prstGeom prst="ellipse">
+            <a:avLst/>
+          </a:prstGeom>
+          <a:noFill/>
+          <a:ln w="28575">
+            <a:solidFill>
+              <a:srgbClr val="FF0000"/>
+            </a:solidFill>
+          </a:ln>
+        </p:spPr>
+        <p:style>
+          <a:lnRef idx="2">
+            <a:schemeClr val="accent1">
+              <a:shade val="50000"/>
+            </a:schemeClr>
+          </a:lnRef>
+          <a:fillRef idx="1">
+            <a:schemeClr val="accent1"/>
+          </a:fillRef>
+          <a:effectRef idx="0">
+            <a:schemeClr val="accent1"/>
+          </a:effectRef>
+          <a:fontRef idx="minor">
+            <a:schemeClr val="lt1"/>
+          </a:fontRef>
+        </p:style>
+        <p:txBody>
+          <a:bodyPr rtlCol="0" anchor="ctr"/>
+          <a:lstStyle/>
+          <a:p>
+            <a:pPr algn="ctr"/>
+            <a:r>
+              <a:rPr lang="en-US" b="1" dirty="0" smtClean="0">
+                <a:solidFill>
+                  <a:srgbClr val="FF0000"/>
+                </a:solidFill>
+              </a:rPr>
+              <a:t>3</a:t>
+            </a:r>
+            <a:endParaRPr lang="en-US" b="1" dirty="0">
+              <a:solidFill>
+                <a:srgbClr val="FF0000"/>
+              </a:solidFill>
+            </a:endParaRPr>
+          </a:p>
+        </p:txBody>
+      </p:sp>
+      <p:sp>
+        <p:nvSpPr>
+          <p:cNvPr id="44" name="Oval 43"/>
+          <p:cNvSpPr/>
+          <p:nvPr/>
+        </p:nvSpPr>
+        <p:spPr>
+          <a:xfrm>
+            <a:off x="8099594" y="4206427"/>
+            <a:ext cx="283461" cy="302806"/>
+          </a:xfrm>
+          <a:prstGeom prst="ellipse">
+            <a:avLst/>
+          </a:prstGeom>
+          <a:noFill/>
+          <a:ln w="28575">
+            <a:solidFill>
+              <a:srgbClr val="FF0000"/>
+            </a:solidFill>
+          </a:ln>
+        </p:spPr>
+        <p:style>
+          <a:lnRef idx="2">
+            <a:schemeClr val="accent1">
+              <a:shade val="50000"/>
+            </a:schemeClr>
+          </a:lnRef>
+          <a:fillRef idx="1">
+            <a:schemeClr val="accent1"/>
+          </a:fillRef>
+          <a:effectRef idx="0">
+            <a:schemeClr val="accent1"/>
+          </a:effectRef>
+          <a:fontRef idx="minor">
+            <a:schemeClr val="lt1"/>
+          </a:fontRef>
+        </p:style>
+        <p:txBody>
+          <a:bodyPr rtlCol="0" anchor="ctr"/>
+          <a:lstStyle/>
+          <a:p>
+            <a:pPr algn="ctr"/>
+            <a:r>
+              <a:rPr lang="en-US" b="1" dirty="0" smtClean="0">
+                <a:solidFill>
+                  <a:srgbClr val="FF0000"/>
+                </a:solidFill>
+              </a:rPr>
+              <a:t>4</a:t>
+            </a:r>
+            <a:endParaRPr lang="en-US" b="1" dirty="0">
+              <a:solidFill>
+                <a:srgbClr val="FF0000"/>
+              </a:solidFill>
+            </a:endParaRPr>
+          </a:p>
+        </p:txBody>
+      </p:sp>
+      <p:sp>
+        <p:nvSpPr>
+          <p:cNvPr id="2" name="TextBox 1"/>
+          <p:cNvSpPr txBox="1"/>
+          <p:nvPr/>
+        </p:nvSpPr>
+        <p:spPr>
+          <a:xfrm>
+            <a:off x="3239239" y="4482976"/>
+            <a:ext cx="3452805" cy="461665"/>
+          </a:xfrm>
+          <a:prstGeom prst="rect">
+            <a:avLst/>
+          </a:prstGeom>
+          <a:noFill/>
+        </p:spPr>
+        <p:txBody>
+          <a:bodyPr wrap="none" rtlCol="0">
+            <a:spAutoFit/>
+          </a:bodyPr>
+          <a:lstStyle/>
+          <a:p>
+            <a:r>
+              <a:rPr lang="en-US" sz="2400" dirty="0" smtClean="0"/>
+              <a:t>When a symptom is found</a:t>
+            </a:r>
+            <a:endParaRPr lang="en-US" sz="2400" dirty="0"/>
+          </a:p>
+        </p:txBody>
+      </p:sp>
+      <p:sp>
+        <p:nvSpPr>
+          <p:cNvPr id="3" name="TextBox 2"/>
+          <p:cNvSpPr txBox="1"/>
+          <p:nvPr/>
+        </p:nvSpPr>
+        <p:spPr>
+          <a:xfrm>
+            <a:off x="9449118" y="2625016"/>
+            <a:ext cx="2406542" cy="369332"/>
+          </a:xfrm>
+          <a:prstGeom prst="rect">
+            <a:avLst/>
+          </a:prstGeom>
+          <a:noFill/>
+        </p:spPr>
+        <p:txBody>
+          <a:bodyPr wrap="square" rtlCol="0">
+            <a:spAutoFit/>
+          </a:bodyPr>
+          <a:lstStyle/>
+          <a:p>
+            <a:r>
+              <a:rPr lang="en-US" dirty="0" smtClean="0"/>
+              <a:t>Inclusive Cyber bullying </a:t>
+            </a:r>
+            <a:endParaRPr lang="en-US" dirty="0"/>
+          </a:p>
+        </p:txBody>
+      </p:sp>
+      <p:sp>
+        <p:nvSpPr>
+          <p:cNvPr id="9" name="TextBox 8"/>
+          <p:cNvSpPr txBox="1"/>
+          <p:nvPr/>
+        </p:nvSpPr>
+        <p:spPr>
+          <a:xfrm>
+            <a:off x="2036586" y="233639"/>
+            <a:ext cx="2076594" cy="646331"/>
+          </a:xfrm>
+          <a:prstGeom prst="rect">
+            <a:avLst/>
+          </a:prstGeom>
+          <a:noFill/>
+        </p:spPr>
+        <p:txBody>
+          <a:bodyPr wrap="none" rtlCol="0">
+            <a:spAutoFit/>
+          </a:bodyPr>
+          <a:lstStyle/>
+          <a:p>
+            <a:pPr marL="342900" indent="-342900">
+              <a:buAutoNum type="arabicParenR"/>
+            </a:pPr>
+            <a:r>
+              <a:rPr lang="en-US" dirty="0" smtClean="0"/>
+              <a:t>More data</a:t>
+            </a:r>
+          </a:p>
+          <a:p>
+            <a:pPr marL="342900" indent="-342900">
+              <a:buAutoNum type="arabicParenR"/>
+            </a:pPr>
+            <a:r>
+              <a:rPr lang="en-US" dirty="0" smtClean="0"/>
+              <a:t>More protection</a:t>
+            </a:r>
+            <a:endParaRPr lang="en-US" dirty="0"/>
+          </a:p>
+        </p:txBody>
+      </p:sp>
+      <p:sp>
+        <p:nvSpPr>
+          <p:cNvPr id="35" name="TextBox 34"/>
+          <p:cNvSpPr txBox="1"/>
+          <p:nvPr/>
+        </p:nvSpPr>
+        <p:spPr>
+          <a:xfrm>
+            <a:off x="1444837" y="4067478"/>
+            <a:ext cx="1949971" cy="369332"/>
+          </a:xfrm>
+          <a:prstGeom prst="rect">
+            <a:avLst/>
+          </a:prstGeom>
+          <a:noFill/>
+        </p:spPr>
+        <p:txBody>
+          <a:bodyPr wrap="square" rtlCol="0">
+            <a:spAutoFit/>
+          </a:bodyPr>
+          <a:lstStyle/>
+          <a:p>
+            <a:r>
+              <a:rPr lang="en-US" b="1" dirty="0" smtClean="0"/>
+              <a:t>Big Data Analytics</a:t>
+            </a:r>
           </a:p>
         </p:txBody>
       </p:sp>
       <p:pic>
         <p:nvPicPr>
-          <p:cNvPr id="34" name="Picture 33"/>
+          <p:cNvPr id="36" name="Picture 35"/>
+          <p:cNvPicPr>
+            <a:picLocks noChangeAspect="1"/>
+          </p:cNvPicPr>
+          <p:nvPr/>
+        </p:nvPicPr>
+        <p:blipFill rotWithShape="1">
+          <a:blip r:embed="rId12"/>
+          <a:srcRect t="26433" r="58561" b="8275"/>
+          <a:stretch/>
+        </p:blipFill>
+        <p:spPr>
+          <a:xfrm>
+            <a:off x="9723103" y="750236"/>
+            <a:ext cx="1022297" cy="1206501"/>
+          </a:xfrm>
+          <a:prstGeom prst="rect">
+            <a:avLst/>
+          </a:prstGeom>
+        </p:spPr>
+      </p:pic>
+      <p:cxnSp>
+        <p:nvCxnSpPr>
+          <p:cNvPr id="40" name="Straight Arrow Connector 39"/>
+          <p:cNvCxnSpPr>
+            <a:stCxn id="23" idx="3"/>
+            <a:endCxn id="37" idx="1"/>
+          </p:cNvCxnSpPr>
+          <p:nvPr/>
+        </p:nvCxnSpPr>
+        <p:spPr>
+          <a:xfrm>
+            <a:off x="8124414" y="3413294"/>
+            <a:ext cx="1407550" cy="1272850"/>
+          </a:xfrm>
+          <a:prstGeom prst="straightConnector1">
+            <a:avLst/>
+          </a:prstGeom>
+          <a:ln w="38100">
+            <a:solidFill>
+              <a:schemeClr val="accent4"/>
+            </a:solidFill>
+            <a:tailEnd type="triangle"/>
+          </a:ln>
+        </p:spPr>
+        <p:style>
+          <a:lnRef idx="1">
+            <a:schemeClr val="accent1"/>
+          </a:lnRef>
+          <a:fillRef idx="0">
+            <a:schemeClr val="accent1"/>
+          </a:fillRef>
+          <a:effectRef idx="0">
+            <a:schemeClr val="accent1"/>
+          </a:effectRef>
+          <a:fontRef idx="minor">
+            <a:schemeClr val="tx1"/>
+          </a:fontRef>
+        </p:style>
+      </p:cxnSp>
+      <p:cxnSp>
+        <p:nvCxnSpPr>
+          <p:cNvPr id="45" name="Straight Arrow Connector 44"/>
+          <p:cNvCxnSpPr>
+            <a:stCxn id="37" idx="1"/>
+            <a:endCxn id="23" idx="2"/>
+          </p:cNvCxnSpPr>
+          <p:nvPr/>
+        </p:nvCxnSpPr>
+        <p:spPr>
+          <a:xfrm flipH="1" flipV="1">
+            <a:off x="7181268" y="3621950"/>
+            <a:ext cx="2350696" cy="1064194"/>
+          </a:xfrm>
+          <a:prstGeom prst="straightConnector1">
+            <a:avLst/>
+          </a:prstGeom>
+          <a:ln w="38100">
+            <a:solidFill>
+              <a:schemeClr val="accent4"/>
+            </a:solidFill>
+            <a:tailEnd type="triangle"/>
+          </a:ln>
+        </p:spPr>
+        <p:style>
+          <a:lnRef idx="1">
+            <a:schemeClr val="accent1"/>
+          </a:lnRef>
+          <a:fillRef idx="0">
+            <a:schemeClr val="accent1"/>
+          </a:fillRef>
+          <a:effectRef idx="0">
+            <a:schemeClr val="accent1"/>
+          </a:effectRef>
+          <a:fontRef idx="minor">
+            <a:schemeClr val="tx1"/>
+          </a:fontRef>
+        </p:style>
+      </p:cxnSp>
+      <p:cxnSp>
+        <p:nvCxnSpPr>
+          <p:cNvPr id="47" name="Straight Arrow Connector 46"/>
+          <p:cNvCxnSpPr>
+            <a:stCxn id="13" idx="3"/>
+            <a:endCxn id="16" idx="2"/>
+          </p:cNvCxnSpPr>
+          <p:nvPr/>
+        </p:nvCxnSpPr>
+        <p:spPr>
+          <a:xfrm flipV="1">
+            <a:off x="2257677" y="1569512"/>
+            <a:ext cx="3185873" cy="191163"/>
+          </a:xfrm>
+          <a:prstGeom prst="straightConnector1">
+            <a:avLst/>
+          </a:prstGeom>
+          <a:ln w="38100">
+            <a:tailEnd type="triangle"/>
+          </a:ln>
+        </p:spPr>
+        <p:style>
+          <a:lnRef idx="1">
+            <a:schemeClr val="accent1"/>
+          </a:lnRef>
+          <a:fillRef idx="0">
+            <a:schemeClr val="accent1"/>
+          </a:fillRef>
+          <a:effectRef idx="0">
+            <a:schemeClr val="accent1"/>
+          </a:effectRef>
+          <a:fontRef idx="minor">
+            <a:schemeClr val="tx1"/>
+          </a:fontRef>
+        </p:style>
+      </p:cxnSp>
+      <p:cxnSp>
+        <p:nvCxnSpPr>
+          <p:cNvPr id="51" name="Straight Arrow Connector 50"/>
+          <p:cNvCxnSpPr>
+            <a:endCxn id="13" idx="2"/>
+          </p:cNvCxnSpPr>
+          <p:nvPr/>
+        </p:nvCxnSpPr>
+        <p:spPr>
+          <a:xfrm flipH="1" flipV="1">
+            <a:off x="1646644" y="2371708"/>
+            <a:ext cx="4591478" cy="1054030"/>
+          </a:xfrm>
+          <a:prstGeom prst="straightConnector1">
+            <a:avLst/>
+          </a:prstGeom>
+          <a:ln w="38100">
+            <a:tailEnd type="triangle"/>
+          </a:ln>
+        </p:spPr>
+        <p:style>
+          <a:lnRef idx="1">
+            <a:schemeClr val="accent1"/>
+          </a:lnRef>
+          <a:fillRef idx="0">
+            <a:schemeClr val="accent1"/>
+          </a:fillRef>
+          <a:effectRef idx="0">
+            <a:schemeClr val="accent1"/>
+          </a:effectRef>
+          <a:fontRef idx="minor">
+            <a:schemeClr val="tx1"/>
+          </a:fontRef>
+        </p:style>
+      </p:cxnSp>
+      <p:sp>
+        <p:nvSpPr>
+          <p:cNvPr id="56" name="Oval 55"/>
+          <p:cNvSpPr/>
+          <p:nvPr/>
+        </p:nvSpPr>
+        <p:spPr>
+          <a:xfrm>
+            <a:off x="4205482" y="3044724"/>
+            <a:ext cx="283461" cy="302806"/>
+          </a:xfrm>
+          <a:prstGeom prst="ellipse">
+            <a:avLst/>
+          </a:prstGeom>
+          <a:noFill/>
+          <a:ln w="28575">
+            <a:solidFill>
+              <a:srgbClr val="FF0000"/>
+            </a:solidFill>
+          </a:ln>
+        </p:spPr>
+        <p:style>
+          <a:lnRef idx="2">
+            <a:schemeClr val="accent1">
+              <a:shade val="50000"/>
+            </a:schemeClr>
+          </a:lnRef>
+          <a:fillRef idx="1">
+            <a:schemeClr val="accent1"/>
+          </a:fillRef>
+          <a:effectRef idx="0">
+            <a:schemeClr val="accent1"/>
+          </a:effectRef>
+          <a:fontRef idx="minor">
+            <a:schemeClr val="lt1"/>
+          </a:fontRef>
+        </p:style>
+        <p:txBody>
+          <a:bodyPr rtlCol="0" anchor="ctr"/>
+          <a:lstStyle/>
+          <a:p>
+            <a:pPr algn="ctr"/>
+            <a:r>
+              <a:rPr lang="en-US" b="1" dirty="0" smtClean="0">
+                <a:solidFill>
+                  <a:srgbClr val="FF0000"/>
+                </a:solidFill>
+              </a:rPr>
+              <a:t>5</a:t>
+            </a:r>
+            <a:endParaRPr lang="en-US" b="1" dirty="0">
+              <a:solidFill>
+                <a:srgbClr val="FF0000"/>
+              </a:solidFill>
+            </a:endParaRPr>
+          </a:p>
+        </p:txBody>
+      </p:sp>
+      <p:cxnSp>
+        <p:nvCxnSpPr>
+          <p:cNvPr id="57" name="Straight Arrow Connector 56"/>
+          <p:cNvCxnSpPr>
+            <a:stCxn id="13" idx="3"/>
+            <a:endCxn id="7" idx="1"/>
+          </p:cNvCxnSpPr>
+          <p:nvPr/>
+        </p:nvCxnSpPr>
+        <p:spPr>
+          <a:xfrm>
+            <a:off x="2257677" y="1760675"/>
+            <a:ext cx="4440362" cy="500688"/>
+          </a:xfrm>
+          <a:prstGeom prst="straightConnector1">
+            <a:avLst/>
+          </a:prstGeom>
+          <a:ln w="38100">
+            <a:tailEnd type="triangle"/>
+          </a:ln>
+        </p:spPr>
+        <p:style>
+          <a:lnRef idx="1">
+            <a:schemeClr val="accent1"/>
+          </a:lnRef>
+          <a:fillRef idx="0">
+            <a:schemeClr val="accent1"/>
+          </a:fillRef>
+          <a:effectRef idx="0">
+            <a:schemeClr val="accent1"/>
+          </a:effectRef>
+          <a:fontRef idx="minor">
+            <a:schemeClr val="tx1"/>
+          </a:fontRef>
+        </p:style>
+      </p:cxnSp>
+      <p:cxnSp>
+        <p:nvCxnSpPr>
+          <p:cNvPr id="67" name="Straight Arrow Connector 66"/>
+          <p:cNvCxnSpPr>
+            <a:stCxn id="7" idx="1"/>
+            <a:endCxn id="36" idx="1"/>
+          </p:cNvCxnSpPr>
+          <p:nvPr/>
+        </p:nvCxnSpPr>
+        <p:spPr>
+          <a:xfrm flipV="1">
+            <a:off x="6698039" y="1353487"/>
+            <a:ext cx="3025064" cy="907876"/>
+          </a:xfrm>
+          <a:prstGeom prst="straightConnector1">
+            <a:avLst/>
+          </a:prstGeom>
+          <a:ln w="38100">
+            <a:tailEnd type="triangle"/>
+          </a:ln>
+        </p:spPr>
+        <p:style>
+          <a:lnRef idx="1">
+            <a:schemeClr val="accent1"/>
+          </a:lnRef>
+          <a:fillRef idx="0">
+            <a:schemeClr val="accent1"/>
+          </a:fillRef>
+          <a:effectRef idx="0">
+            <a:schemeClr val="accent1"/>
+          </a:effectRef>
+          <a:fontRef idx="minor">
+            <a:schemeClr val="tx1"/>
+          </a:fontRef>
+        </p:style>
+      </p:cxnSp>
+      <p:sp>
+        <p:nvSpPr>
+          <p:cNvPr id="71" name="Oval 70"/>
+          <p:cNvSpPr/>
+          <p:nvPr/>
+        </p:nvSpPr>
+        <p:spPr>
+          <a:xfrm>
+            <a:off x="4407325" y="2068693"/>
+            <a:ext cx="283461" cy="302806"/>
+          </a:xfrm>
+          <a:prstGeom prst="ellipse">
+            <a:avLst/>
+          </a:prstGeom>
+          <a:noFill/>
+          <a:ln w="28575">
+            <a:solidFill>
+              <a:srgbClr val="FF0000"/>
+            </a:solidFill>
+          </a:ln>
+        </p:spPr>
+        <p:style>
+          <a:lnRef idx="2">
+            <a:schemeClr val="accent1">
+              <a:shade val="50000"/>
+            </a:schemeClr>
+          </a:lnRef>
+          <a:fillRef idx="1">
+            <a:schemeClr val="accent1"/>
+          </a:fillRef>
+          <a:effectRef idx="0">
+            <a:schemeClr val="accent1"/>
+          </a:effectRef>
+          <a:fontRef idx="minor">
+            <a:schemeClr val="lt1"/>
+          </a:fontRef>
+        </p:style>
+        <p:txBody>
+          <a:bodyPr rtlCol="0" anchor="ctr"/>
+          <a:lstStyle/>
+          <a:p>
+            <a:pPr algn="ctr"/>
+            <a:r>
+              <a:rPr lang="en-US" b="1" dirty="0" smtClean="0">
+                <a:solidFill>
+                  <a:srgbClr val="FF0000"/>
+                </a:solidFill>
+              </a:rPr>
+              <a:t>6</a:t>
+            </a:r>
+            <a:endParaRPr lang="en-US" b="1" dirty="0">
+              <a:solidFill>
+                <a:srgbClr val="FF0000"/>
+              </a:solidFill>
+            </a:endParaRPr>
+          </a:p>
+        </p:txBody>
+      </p:sp>
+    </p:spTree>
+    <p:extLst>
+      <p:ext uri="{BB962C8B-B14F-4D97-AF65-F5344CB8AC3E}">
+        <p14:creationId xmlns:p14="http://schemas.microsoft.com/office/powerpoint/2010/main" val="840289333"/>
+      </p:ext>
+    </p:extLst>
+  </p:cSld>
+  <p:clrMapOvr>
+    <a:masterClrMapping/>
+  </p:clrMapOvr>
+  <p:timing>
+    <p:tnLst>
+      <p:par>
+        <p:cTn id="1" dur="indefinite" restart="never" nodeType="tmRoot"/>
+      </p:par>
+    </p:tnLst>
+  </p:timing>
+</p:sld>
+</file>
+
+<file path=ppt/slides/slide2.xml><?xml version="1.0" encoding="utf-8"?>
+<p:sld xmlns:a="http://schemas.openxmlformats.org/drawingml/2006/main" xmlns:r="http://schemas.openxmlformats.org/officeDocument/2006/relationships" xmlns:p="http://schemas.openxmlformats.org/presentationml/2006/main">
+  <p:cSld>
+    <p:spTree>
+      <p:nvGrpSpPr>
+        <p:cNvPr id="1" name=""/>
+        <p:cNvGrpSpPr/>
+        <p:nvPr/>
+      </p:nvGrpSpPr>
+      <p:grpSpPr>
+        <a:xfrm>
+          <a:off x="0" y="0"/>
+          <a:ext cx="0" cy="0"/>
+          <a:chOff x="0" y="0"/>
+          <a:chExt cx="0" cy="0"/>
+        </a:xfrm>
+      </p:grpSpPr>
+      <p:pic>
+        <p:nvPicPr>
+          <p:cNvPr id="2" name="Picture 1"/>
+          <p:cNvPicPr>
+            <a:picLocks noChangeAspect="1"/>
+          </p:cNvPicPr>
+          <p:nvPr/>
+        </p:nvPicPr>
+        <p:blipFill>
+          <a:blip r:embed="rId2"/>
+          <a:stretch>
+            <a:fillRect/>
+          </a:stretch>
+        </p:blipFill>
+        <p:spPr>
+          <a:xfrm>
+            <a:off x="489397" y="673159"/>
+            <a:ext cx="7031865" cy="5695643"/>
+          </a:xfrm>
+          <a:prstGeom prst="rect">
+            <a:avLst/>
+          </a:prstGeom>
+        </p:spPr>
+      </p:pic>
+    </p:spTree>
+    <p:extLst>
+      <p:ext uri="{BB962C8B-B14F-4D97-AF65-F5344CB8AC3E}">
+        <p14:creationId xmlns:p14="http://schemas.microsoft.com/office/powerpoint/2010/main" val="3717895693"/>
+      </p:ext>
+    </p:extLst>
+  </p:cSld>
+  <p:clrMapOvr>
+    <a:masterClrMapping/>
+  </p:clrMapOvr>
+  <p:timing>
+    <p:tnLst>
+      <p:par>
+        <p:cTn id="1" dur="indefinite" restart="never" nodeType="tmRoot"/>
+      </p:par>
+    </p:tnLst>
+  </p:timing>
+</p:sld>
+</file>
+
+<file path=ppt/slides/slide3.xml><?xml version="1.0" encoding="utf-8"?>
+<p:sld xmlns:a="http://schemas.openxmlformats.org/drawingml/2006/main" xmlns:r="http://schemas.openxmlformats.org/officeDocument/2006/relationships" xmlns:p="http://schemas.openxmlformats.org/presentationml/2006/main">
+  <p:cSld>
+    <p:spTree>
+      <p:nvGrpSpPr>
+        <p:cNvPr id="1" name=""/>
+        <p:cNvGrpSpPr/>
+        <p:nvPr/>
+      </p:nvGrpSpPr>
+      <p:grpSpPr>
+        <a:xfrm>
+          <a:off x="0" y="0"/>
+          <a:ext cx="0" cy="0"/>
+          <a:chOff x="0" y="0"/>
+          <a:chExt cx="0" cy="0"/>
+        </a:xfrm>
+      </p:grpSpPr>
+      <p:sp>
+        <p:nvSpPr>
+          <p:cNvPr id="2" name="Rectangle 1"/>
+          <p:cNvSpPr/>
+          <p:nvPr/>
+        </p:nvSpPr>
+        <p:spPr>
+          <a:xfrm>
+            <a:off x="419100" y="189789"/>
+            <a:ext cx="9804400" cy="5724644"/>
+          </a:xfrm>
+          <a:prstGeom prst="rect">
+            <a:avLst/>
+          </a:prstGeom>
+        </p:spPr>
+        <p:txBody>
+          <a:bodyPr wrap="square">
+            <a:spAutoFit/>
+          </a:bodyPr>
+          <a:lstStyle/>
+          <a:p>
+            <a:r>
+              <a:rPr lang="en-US" sz="2400" b="1" dirty="0"/>
+              <a:t>What are some common concerns about reporting</a:t>
+            </a:r>
+            <a:r>
+              <a:rPr lang="en-US" sz="2400" b="1" dirty="0" smtClean="0"/>
+              <a:t>?</a:t>
+            </a:r>
+          </a:p>
+          <a:p>
+            <a:endParaRPr lang="en-US" b="1" dirty="0"/>
+          </a:p>
+          <a:p>
+            <a:endParaRPr lang="en-US" b="1" dirty="0" smtClean="0"/>
+          </a:p>
+          <a:p>
+            <a:pPr marL="285750" indent="-285750">
+              <a:buFont typeface="Arial" panose="020B0604020202020204" pitchFamily="34" charset="0"/>
+              <a:buChar char="•"/>
+            </a:pPr>
+            <a:r>
+              <a:rPr lang="en-US" b="1" dirty="0">
+                <a:latin typeface="Calibri" panose="020F0502020204030204" pitchFamily="34" charset="0"/>
+                <a:ea typeface="Malgun Gothic" panose="020B0503020000020004" pitchFamily="34" charset="-127"/>
+                <a:cs typeface="Times New Roman" panose="02020603050405020304" pitchFamily="18" charset="0"/>
+              </a:rPr>
+              <a:t>Fear, embarrassment, and </a:t>
+            </a:r>
+            <a:r>
+              <a:rPr lang="en-US" b="1" dirty="0" smtClean="0">
+                <a:latin typeface="Calibri" panose="020F0502020204030204" pitchFamily="34" charset="0"/>
+                <a:ea typeface="Malgun Gothic" panose="020B0503020000020004" pitchFamily="34" charset="-127"/>
+                <a:cs typeface="Times New Roman" panose="02020603050405020304" pitchFamily="18" charset="0"/>
+              </a:rPr>
+              <a:t>shame.</a:t>
+            </a:r>
+          </a:p>
+          <a:p>
+            <a:pPr marL="285750" indent="-285750">
+              <a:buFont typeface="Arial" panose="020B0604020202020204" pitchFamily="34" charset="0"/>
+              <a:buChar char="•"/>
+            </a:pPr>
+            <a:r>
+              <a:rPr lang="en-US" b="1" dirty="0">
+                <a:latin typeface="Calibri" panose="020F0502020204030204" pitchFamily="34" charset="0"/>
+                <a:ea typeface="Malgun Gothic" panose="020B0503020000020004" pitchFamily="34" charset="-127"/>
+                <a:cs typeface="Times New Roman" panose="02020603050405020304" pitchFamily="18" charset="0"/>
+              </a:rPr>
+              <a:t>Hesitation until the statute of </a:t>
+            </a:r>
+            <a:r>
+              <a:rPr lang="en-US" b="1" dirty="0" smtClean="0">
+                <a:latin typeface="Calibri" panose="020F0502020204030204" pitchFamily="34" charset="0"/>
+                <a:ea typeface="Malgun Gothic" panose="020B0503020000020004" pitchFamily="34" charset="-127"/>
+                <a:cs typeface="Times New Roman" panose="02020603050405020304" pitchFamily="18" charset="0"/>
+              </a:rPr>
+              <a:t>limitations.</a:t>
+            </a:r>
+            <a:endParaRPr lang="en-US" b="1" dirty="0" smtClean="0"/>
+          </a:p>
+          <a:p>
+            <a:pPr marL="285750" indent="-285750">
+              <a:buFont typeface="Arial" panose="020B0604020202020204" pitchFamily="34" charset="0"/>
+              <a:buChar char="•"/>
+            </a:pPr>
+            <a:r>
+              <a:rPr lang="en-US" b="1" dirty="0" smtClean="0"/>
+              <a:t>The </a:t>
+            </a:r>
+            <a:r>
+              <a:rPr lang="en-US" b="1" dirty="0"/>
+              <a:t>perpetrator got scared away or stopped before finishing the assault.</a:t>
+            </a:r>
+            <a:r>
+              <a:rPr lang="en-US" dirty="0"/>
+              <a:t/>
+            </a:r>
+            <a:br>
+              <a:rPr lang="en-US" dirty="0"/>
+            </a:br>
+            <a:r>
+              <a:rPr lang="en-US" dirty="0"/>
+              <a:t>Attempted rape is a serious crime and can be reported. </a:t>
+            </a:r>
+          </a:p>
+          <a:p>
+            <a:pPr marL="285750" lvl="0" indent="-285750">
+              <a:buFont typeface="Arial" panose="020B0604020202020204" pitchFamily="34" charset="0"/>
+              <a:buChar char="•"/>
+            </a:pPr>
+            <a:r>
+              <a:rPr lang="en-US" b="1" dirty="0"/>
+              <a:t>I know the person who hurt me.</a:t>
+            </a:r>
+            <a:r>
+              <a:rPr lang="en-US" dirty="0"/>
+              <a:t/>
+            </a:r>
+            <a:br>
+              <a:rPr lang="en-US" dirty="0"/>
+            </a:br>
+            <a:r>
+              <a:rPr lang="en-US" dirty="0"/>
+              <a:t>About 2/3 of victims know the perpetrator. </a:t>
+            </a:r>
+            <a:endParaRPr lang="en-US" dirty="0" smtClean="0"/>
+          </a:p>
+          <a:p>
+            <a:pPr marL="285750" lvl="0" indent="-285750">
+              <a:buFont typeface="Arial" panose="020B0604020202020204" pitchFamily="34" charset="0"/>
+              <a:buChar char="•"/>
+            </a:pPr>
+            <a:r>
+              <a:rPr lang="en-US" b="1" dirty="0" smtClean="0"/>
+              <a:t>I’ve </a:t>
+            </a:r>
+            <a:r>
+              <a:rPr lang="en-US" b="1" dirty="0"/>
+              <a:t>been intimate with the perpetrator in the past, or am currently in a relationship with the perpetrator.</a:t>
+            </a:r>
+            <a:r>
+              <a:rPr lang="en-US" dirty="0"/>
+              <a:t/>
+            </a:r>
+            <a:br>
+              <a:rPr lang="en-US" dirty="0"/>
+            </a:br>
+            <a:r>
+              <a:rPr lang="en-US" u="sng" dirty="0">
+                <a:hlinkClick r:id="rId2"/>
+              </a:rPr>
+              <a:t>Sexual assault can occur within a relationship</a:t>
+            </a:r>
+            <a:r>
+              <a:rPr lang="en-US" dirty="0"/>
+              <a:t>. </a:t>
+            </a:r>
+            <a:endParaRPr lang="en-US" dirty="0" smtClean="0"/>
+          </a:p>
+          <a:p>
+            <a:pPr marL="285750" lvl="0" indent="-285750">
+              <a:buFont typeface="Arial" panose="020B0604020202020204" pitchFamily="34" charset="0"/>
+              <a:buChar char="•"/>
+            </a:pPr>
+            <a:r>
+              <a:rPr lang="en-US" b="1" dirty="0" smtClean="0"/>
+              <a:t>I </a:t>
+            </a:r>
+            <a:r>
+              <a:rPr lang="en-US" b="1" dirty="0"/>
+              <a:t>have no physical injuries, and I’m worried there’s not enough </a:t>
+            </a:r>
+            <a:r>
+              <a:rPr lang="en-US" b="1" dirty="0" smtClean="0"/>
+              <a:t>proof (ambiguity).</a:t>
+            </a:r>
+            <a:r>
+              <a:rPr lang="en-US" dirty="0"/>
+              <a:t/>
+            </a:r>
+            <a:br>
+              <a:rPr lang="en-US" dirty="0"/>
+            </a:br>
+            <a:r>
+              <a:rPr lang="en-US" dirty="0"/>
+              <a:t>Most sexual assaults do not result in external physical injuries. </a:t>
+            </a:r>
+          </a:p>
+          <a:p>
+            <a:pPr marL="285750" lvl="0" indent="-285750">
+              <a:buFont typeface="Arial" panose="020B0604020202020204" pitchFamily="34" charset="0"/>
+              <a:buChar char="•"/>
+            </a:pPr>
+            <a:r>
+              <a:rPr lang="en-US" b="1" dirty="0"/>
+              <a:t>I’m worried law enforcement won’t believe me (false </a:t>
+            </a:r>
+            <a:r>
+              <a:rPr lang="en-US" b="1" dirty="0" smtClean="0"/>
+              <a:t>accusation).</a:t>
+            </a:r>
+            <a:r>
+              <a:rPr lang="en-US" dirty="0"/>
+              <a:t/>
+            </a:r>
+            <a:br>
+              <a:rPr lang="en-US" dirty="0"/>
+            </a:br>
+            <a:r>
+              <a:rPr lang="en-US" dirty="0"/>
+              <a:t>There has been great investment in police training on this </a:t>
+            </a:r>
+            <a:r>
+              <a:rPr lang="en-US" dirty="0" smtClean="0"/>
+              <a:t>topic.</a:t>
+            </a:r>
+            <a:endParaRPr lang="en-US" dirty="0"/>
+          </a:p>
+          <a:p>
+            <a:pPr marL="285750" indent="-285750">
+              <a:buFont typeface="Arial" panose="020B0604020202020204" pitchFamily="34" charset="0"/>
+              <a:buChar char="•"/>
+            </a:pPr>
+            <a:r>
+              <a:rPr lang="en-US" b="1" dirty="0"/>
+              <a:t>Difficult and tedious process that never experienced </a:t>
+            </a:r>
+            <a:r>
+              <a:rPr lang="en-US" b="1" dirty="0" smtClean="0"/>
+              <a:t>before. I </a:t>
+            </a:r>
+            <a:r>
+              <a:rPr lang="en-US" b="1" dirty="0"/>
+              <a:t>don’t want to get in </a:t>
+            </a:r>
+            <a:r>
+              <a:rPr lang="en-US" b="1" dirty="0" smtClean="0"/>
+              <a:t>trouble.</a:t>
+            </a:r>
+            <a:r>
+              <a:rPr lang="en-US" dirty="0"/>
+              <a:t/>
+            </a:r>
+            <a:br>
+              <a:rPr lang="en-US" dirty="0"/>
+            </a:br>
+            <a:r>
+              <a:rPr lang="en-US" dirty="0"/>
+              <a:t>Sometimes minors are afraid of being disciplined, either by the law or by their parents, because they were doing something they shouldn’t have when the abuse occurred. </a:t>
+            </a:r>
+            <a:endParaRPr lang="en-US" dirty="0" smtClean="0"/>
+          </a:p>
+          <a:p>
+            <a:pPr marL="285750" lvl="0" indent="-285750">
+              <a:buFont typeface="Arial" panose="020B0604020202020204" pitchFamily="34" charset="0"/>
+              <a:buChar char="•"/>
+            </a:pPr>
+            <a:endParaRPr lang="en-US" dirty="0"/>
+          </a:p>
+        </p:txBody>
+      </p:sp>
+      <p:sp>
+        <p:nvSpPr>
+          <p:cNvPr id="3" name="Rectangle 2"/>
+          <p:cNvSpPr/>
+          <p:nvPr/>
+        </p:nvSpPr>
+        <p:spPr>
+          <a:xfrm>
+            <a:off x="3340100" y="6185271"/>
+            <a:ext cx="8293100" cy="388696"/>
+          </a:xfrm>
+          <a:prstGeom prst="rect">
+            <a:avLst/>
+          </a:prstGeom>
+        </p:spPr>
+        <p:txBody>
+          <a:bodyPr wrap="square">
+            <a:spAutoFit/>
+          </a:bodyPr>
+          <a:lstStyle/>
+          <a:p>
+            <a:pPr>
+              <a:lnSpc>
+                <a:spcPct val="107000"/>
+              </a:lnSpc>
+              <a:spcAft>
+                <a:spcPts val="800"/>
+              </a:spcAft>
+            </a:pPr>
+            <a:r>
+              <a:rPr lang="en-US" dirty="0">
+                <a:latin typeface="Calibri" panose="020F0502020204030204" pitchFamily="34" charset="0"/>
+                <a:ea typeface="Malgun Gothic" panose="020B0503020000020004" pitchFamily="34" charset="-127"/>
+                <a:cs typeface="Times New Roman" panose="02020603050405020304" pitchFamily="18" charset="0"/>
+              </a:rPr>
+              <a:t>Articles from </a:t>
+            </a:r>
+            <a:r>
+              <a:rPr lang="en-US" u="sng" dirty="0">
+                <a:solidFill>
+                  <a:srgbClr val="0563C1"/>
+                </a:solidFill>
+                <a:latin typeface="Calibri" panose="020F0502020204030204" pitchFamily="34" charset="0"/>
+                <a:ea typeface="Malgun Gothic" panose="020B0503020000020004" pitchFamily="34" charset="-127"/>
+                <a:cs typeface="Times New Roman" panose="02020603050405020304" pitchFamily="18" charset="0"/>
+                <a:hlinkClick r:id="rId3"/>
+              </a:rPr>
+              <a:t>https://rainn.org/get-information/legal-information/reporting-rape</a:t>
+            </a:r>
+            <a:endParaRPr lang="en-US" dirty="0">
+              <a:effectLst/>
+              <a:latin typeface="Calibri" panose="020F0502020204030204" pitchFamily="34" charset="0"/>
+              <a:ea typeface="Malgun Gothic" panose="020B0503020000020004" pitchFamily="34" charset="-127"/>
+              <a:cs typeface="Times New Roman" panose="02020603050405020304" pitchFamily="18" charset="0"/>
+            </a:endParaRPr>
+          </a:p>
+        </p:txBody>
+      </p:sp>
+    </p:spTree>
+    <p:extLst>
+      <p:ext uri="{BB962C8B-B14F-4D97-AF65-F5344CB8AC3E}">
+        <p14:creationId xmlns:p14="http://schemas.microsoft.com/office/powerpoint/2010/main" val="2776877095"/>
+      </p:ext>
+    </p:extLst>
+  </p:cSld>
+  <p:clrMapOvr>
+    <a:masterClrMapping/>
+  </p:clrMapOvr>
+  <p:timing>
+    <p:tnLst>
+      <p:par>
+        <p:cTn id="1" dur="indefinite" restart="never" nodeType="tmRoot"/>
+      </p:par>
+    </p:tnLst>
+  </p:timing>
+</p:sld>
+</file>
+
+<file path=ppt/slides/slide4.xml><?xml version="1.0" encoding="utf-8"?>
+<p:sld xmlns:a="http://schemas.openxmlformats.org/drawingml/2006/main" xmlns:r="http://schemas.openxmlformats.org/officeDocument/2006/relationships" xmlns:p="http://schemas.openxmlformats.org/presentationml/2006/main">
+  <p:cSld>
+    <p:spTree>
+      <p:nvGrpSpPr>
+        <p:cNvPr id="1" name=""/>
+        <p:cNvGrpSpPr/>
+        <p:nvPr/>
+      </p:nvGrpSpPr>
+      <p:grpSpPr>
+        <a:xfrm>
+          <a:off x="0" y="0"/>
+          <a:ext cx="0" cy="0"/>
+          <a:chOff x="0" y="0"/>
+          <a:chExt cx="0" cy="0"/>
+        </a:xfrm>
+      </p:grpSpPr>
+      <p:pic>
+        <p:nvPicPr>
+          <p:cNvPr id="4" name="Picture 3"/>
+          <p:cNvPicPr>
+            <a:picLocks noChangeAspect="1"/>
+          </p:cNvPicPr>
+          <p:nvPr/>
+        </p:nvPicPr>
+        <p:blipFill>
+          <a:blip r:embed="rId2"/>
+          <a:stretch>
+            <a:fillRect/>
+          </a:stretch>
+        </p:blipFill>
+        <p:spPr>
+          <a:xfrm>
+            <a:off x="10133904" y="919479"/>
+            <a:ext cx="1808525" cy="1203491"/>
+          </a:xfrm>
+          <a:prstGeom prst="rect">
+            <a:avLst/>
+          </a:prstGeom>
+        </p:spPr>
+      </p:pic>
+      <p:pic>
+        <p:nvPicPr>
+          <p:cNvPr id="5" name="Picture 4"/>
+          <p:cNvPicPr>
+            <a:picLocks noChangeAspect="1"/>
+          </p:cNvPicPr>
+          <p:nvPr/>
+        </p:nvPicPr>
+        <p:blipFill>
+          <a:blip r:embed="rId3"/>
+          <a:stretch>
+            <a:fillRect/>
+          </a:stretch>
+        </p:blipFill>
+        <p:spPr>
+          <a:xfrm>
+            <a:off x="9305802" y="2591163"/>
+            <a:ext cx="2127936" cy="1410914"/>
+          </a:xfrm>
+          <a:prstGeom prst="rect">
+            <a:avLst/>
+          </a:prstGeom>
+        </p:spPr>
+      </p:pic>
+      <p:pic>
+        <p:nvPicPr>
+          <p:cNvPr id="7" name="Picture 6"/>
+          <p:cNvPicPr>
+            <a:picLocks noChangeAspect="1"/>
+          </p:cNvPicPr>
+          <p:nvPr/>
+        </p:nvPicPr>
+        <p:blipFill>
+          <a:blip r:embed="rId4"/>
+          <a:stretch>
+            <a:fillRect/>
+          </a:stretch>
+        </p:blipFill>
+        <p:spPr>
+          <a:xfrm>
+            <a:off x="8824216" y="4594949"/>
+            <a:ext cx="2619375" cy="1752600"/>
+          </a:xfrm>
+          <a:prstGeom prst="rect">
+            <a:avLst/>
+          </a:prstGeom>
+        </p:spPr>
+      </p:pic>
+      <p:sp>
+        <p:nvSpPr>
+          <p:cNvPr id="2" name="Rectangle 1"/>
+          <p:cNvSpPr/>
+          <p:nvPr/>
+        </p:nvSpPr>
+        <p:spPr>
+          <a:xfrm>
+            <a:off x="1396303" y="543927"/>
+            <a:ext cx="8737600" cy="470000"/>
+          </a:xfrm>
+          <a:prstGeom prst="rect">
+            <a:avLst/>
+          </a:prstGeom>
+        </p:spPr>
+        <p:txBody>
+          <a:bodyPr wrap="square">
+            <a:spAutoFit/>
+          </a:bodyPr>
+          <a:lstStyle/>
+          <a:p>
+            <a:pPr algn="ctr">
+              <a:lnSpc>
+                <a:spcPct val="107000"/>
+              </a:lnSpc>
+              <a:spcAft>
+                <a:spcPts val="800"/>
+              </a:spcAft>
+            </a:pPr>
+            <a:r>
+              <a:rPr lang="en-US" sz="2400" b="1" dirty="0" smtClean="0">
+                <a:latin typeface="Calibri" panose="020F0502020204030204" pitchFamily="34" charset="0"/>
+                <a:ea typeface="Malgun Gothic" panose="020B0503020000020004" pitchFamily="34" charset="-127"/>
+                <a:cs typeface="Times New Roman" panose="02020603050405020304" pitchFamily="18" charset="0"/>
+              </a:rPr>
+              <a:t>Breaking Down Barriers to Reporting </a:t>
+            </a:r>
+            <a:endParaRPr lang="en-US" sz="2400" b="1" dirty="0">
+              <a:solidFill>
+                <a:srgbClr val="FF0000"/>
+              </a:solidFill>
+              <a:effectLst/>
+              <a:latin typeface="Calibri" panose="020F0502020204030204" pitchFamily="34" charset="0"/>
+              <a:ea typeface="Malgun Gothic" panose="020B0503020000020004" pitchFamily="34" charset="-127"/>
+              <a:cs typeface="Times New Roman" panose="02020603050405020304" pitchFamily="18" charset="0"/>
+            </a:endParaRPr>
+          </a:p>
+        </p:txBody>
+      </p:sp>
+      <p:sp>
+        <p:nvSpPr>
+          <p:cNvPr id="3" name="Rectangle 2"/>
+          <p:cNvSpPr/>
+          <p:nvPr/>
+        </p:nvSpPr>
+        <p:spPr>
+          <a:xfrm>
+            <a:off x="317500" y="1013927"/>
+            <a:ext cx="8307108" cy="3724096"/>
+          </a:xfrm>
+          <a:prstGeom prst="rect">
+            <a:avLst/>
+          </a:prstGeom>
+        </p:spPr>
+        <p:txBody>
+          <a:bodyPr wrap="square">
+            <a:spAutoFit/>
+          </a:bodyPr>
+          <a:lstStyle/>
+          <a:p>
+            <a:endParaRPr lang="en-US" sz="2000" dirty="0" smtClean="0"/>
+          </a:p>
+          <a:p>
+            <a:pPr marL="285750" indent="-285750">
+              <a:buFont typeface="Arial" panose="020B0604020202020204" pitchFamily="34" charset="0"/>
+              <a:buChar char="•"/>
+            </a:pPr>
+            <a:r>
+              <a:rPr lang="en-US" sz="2000" dirty="0" smtClean="0"/>
+              <a:t>Use technology to provide a compelling reason and a safe way to report</a:t>
+            </a:r>
+          </a:p>
+          <a:p>
+            <a:pPr marL="285750" indent="-285750">
+              <a:buFont typeface="Arial" panose="020B0604020202020204" pitchFamily="34" charset="0"/>
+              <a:buChar char="•"/>
+            </a:pPr>
+            <a:endParaRPr lang="en-US" sz="2000" dirty="0" smtClean="0"/>
+          </a:p>
+          <a:p>
+            <a:pPr marL="285750" indent="-285750">
+              <a:buFont typeface="Arial" panose="020B0604020202020204" pitchFamily="34" charset="0"/>
+              <a:buChar char="•"/>
+            </a:pPr>
+            <a:r>
+              <a:rPr lang="en-US" sz="2000" dirty="0" smtClean="0"/>
+              <a:t>We need a system that:</a:t>
+            </a:r>
+          </a:p>
+          <a:p>
+            <a:pPr marL="742950" lvl="1" indent="-285750">
+              <a:buFont typeface="Wingdings" panose="05000000000000000000" pitchFamily="2" charset="2"/>
+              <a:buChar char="ü"/>
+            </a:pPr>
+            <a:r>
+              <a:rPr lang="en-US" sz="2000" dirty="0">
+                <a:solidFill>
+                  <a:srgbClr val="FF0000"/>
+                </a:solidFill>
+              </a:rPr>
+              <a:t>P</a:t>
+            </a:r>
+            <a:r>
+              <a:rPr lang="en-US" sz="2000" dirty="0" smtClean="0">
+                <a:solidFill>
+                  <a:srgbClr val="FF0000"/>
+                </a:solidFill>
+              </a:rPr>
+              <a:t>rovides easy-to-use diary style access</a:t>
+            </a:r>
+          </a:p>
+          <a:p>
+            <a:pPr marL="742950" lvl="1" indent="-285750">
+              <a:buFont typeface="Wingdings" panose="05000000000000000000" pitchFamily="2" charset="2"/>
+              <a:buChar char="ü"/>
+            </a:pPr>
+            <a:r>
+              <a:rPr lang="en-US" sz="2000" dirty="0" smtClean="0">
+                <a:solidFill>
+                  <a:srgbClr val="FF0000"/>
+                </a:solidFill>
+              </a:rPr>
+              <a:t>Educates victims</a:t>
+            </a:r>
+          </a:p>
+          <a:p>
+            <a:pPr marL="742950" lvl="1" indent="-285750">
+              <a:buFont typeface="Wingdings" panose="05000000000000000000" pitchFamily="2" charset="2"/>
+              <a:buChar char="ü"/>
+            </a:pPr>
+            <a:r>
+              <a:rPr lang="en-US" sz="2000" dirty="0">
+                <a:solidFill>
+                  <a:srgbClr val="FF0000"/>
+                </a:solidFill>
+              </a:rPr>
+              <a:t>E</a:t>
+            </a:r>
+            <a:r>
+              <a:rPr lang="en-US" sz="2000" dirty="0" smtClean="0">
+                <a:solidFill>
+                  <a:srgbClr val="FF0000"/>
+                </a:solidFill>
+              </a:rPr>
+              <a:t>nsures the privacy</a:t>
+            </a:r>
+          </a:p>
+          <a:p>
+            <a:pPr marL="742950" lvl="1" indent="-285750">
+              <a:buFont typeface="Wingdings" panose="05000000000000000000" pitchFamily="2" charset="2"/>
+              <a:buChar char="ü"/>
+            </a:pPr>
+            <a:r>
+              <a:rPr lang="en-US" sz="2000" dirty="0">
+                <a:solidFill>
+                  <a:srgbClr val="FF0000"/>
+                </a:solidFill>
+              </a:rPr>
+              <a:t>C</a:t>
+            </a:r>
+            <a:r>
+              <a:rPr lang="en-US" sz="2000" dirty="0" smtClean="0">
+                <a:solidFill>
+                  <a:srgbClr val="FF0000"/>
+                </a:solidFill>
+              </a:rPr>
+              <a:t>reates anonymized information</a:t>
+            </a:r>
+          </a:p>
+          <a:p>
+            <a:pPr marL="742950" lvl="1" indent="-285750">
+              <a:buFont typeface="Wingdings" panose="05000000000000000000" pitchFamily="2" charset="2"/>
+              <a:buChar char="ü"/>
+            </a:pPr>
+            <a:endParaRPr lang="en-US" sz="1600" dirty="0"/>
+          </a:p>
+          <a:p>
+            <a:pPr marL="285750" indent="-285750">
+              <a:buFont typeface="Arial" panose="020B0604020202020204" pitchFamily="34" charset="0"/>
+              <a:buChar char="•"/>
+            </a:pPr>
+            <a:r>
+              <a:rPr lang="en-US" sz="2000" dirty="0" smtClean="0"/>
+              <a:t>Smartphone application front end</a:t>
+            </a:r>
+          </a:p>
+          <a:p>
+            <a:pPr marL="285750" indent="-285750">
+              <a:buFont typeface="Arial" panose="020B0604020202020204" pitchFamily="34" charset="0"/>
+              <a:buChar char="•"/>
+            </a:pPr>
+            <a:r>
+              <a:rPr lang="en-US" sz="2000" dirty="0"/>
+              <a:t>S</a:t>
+            </a:r>
+            <a:r>
+              <a:rPr lang="en-US" sz="2000" dirty="0" smtClean="0"/>
+              <a:t>ecure </a:t>
+            </a:r>
+            <a:r>
+              <a:rPr lang="en-US" sz="2000" dirty="0"/>
+              <a:t>cloud </a:t>
+            </a:r>
+            <a:r>
+              <a:rPr lang="en-US" sz="2000" dirty="0" smtClean="0"/>
+              <a:t>server</a:t>
+            </a:r>
+          </a:p>
+          <a:p>
+            <a:pPr marL="285750" indent="-285750">
+              <a:buFont typeface="Arial" panose="020B0604020202020204" pitchFamily="34" charset="0"/>
+              <a:buChar char="•"/>
+            </a:pPr>
+            <a:r>
+              <a:rPr lang="en-US" sz="2000" dirty="0"/>
+              <a:t>I</a:t>
+            </a:r>
+            <a:r>
+              <a:rPr lang="en-US" sz="2000" dirty="0" smtClean="0"/>
+              <a:t>ntelligent </a:t>
+            </a:r>
+            <a:r>
+              <a:rPr lang="en-US" sz="2000" dirty="0"/>
+              <a:t>analysis </a:t>
+            </a:r>
+            <a:r>
+              <a:rPr lang="en-US" sz="2000" dirty="0" smtClean="0"/>
+              <a:t>tool as the backend system</a:t>
+            </a:r>
+            <a:endParaRPr lang="en-US" sz="2000" dirty="0"/>
+          </a:p>
+        </p:txBody>
+      </p:sp>
+    </p:spTree>
+    <p:extLst>
+      <p:ext uri="{BB962C8B-B14F-4D97-AF65-F5344CB8AC3E}">
+        <p14:creationId xmlns:p14="http://schemas.microsoft.com/office/powerpoint/2010/main" val="2073218152"/>
+      </p:ext>
+    </p:extLst>
+  </p:cSld>
+  <p:clrMapOvr>
+    <a:masterClrMapping/>
+  </p:clrMapOvr>
+  <p:timing>
+    <p:tnLst>
+      <p:par>
+        <p:cTn id="1" dur="indefinite" restart="never" nodeType="tmRoot"/>
+      </p:par>
+    </p:tnLst>
+  </p:timing>
+</p:sld>
+</file>
+
+<file path=ppt/slides/slide5.xml><?xml version="1.0" encoding="utf-8"?>
+<p:sld xmlns:a="http://schemas.openxmlformats.org/drawingml/2006/main" xmlns:r="http://schemas.openxmlformats.org/officeDocument/2006/relationships" xmlns:p="http://schemas.openxmlformats.org/presentationml/2006/main">
+  <p:cSld>
+    <p:spTree>
+      <p:nvGrpSpPr>
+        <p:cNvPr id="1" name=""/>
+        <p:cNvGrpSpPr/>
+        <p:nvPr/>
+      </p:nvGrpSpPr>
+      <p:grpSpPr>
+        <a:xfrm>
+          <a:off x="0" y="0"/>
+          <a:ext cx="0" cy="0"/>
+          <a:chOff x="0" y="0"/>
+          <a:chExt cx="0" cy="0"/>
+        </a:xfrm>
+      </p:grpSpPr>
+      <p:sp>
+        <p:nvSpPr>
+          <p:cNvPr id="2" name="TextBox 1"/>
+          <p:cNvSpPr txBox="1"/>
+          <p:nvPr/>
+        </p:nvSpPr>
+        <p:spPr>
+          <a:xfrm>
+            <a:off x="495300" y="621632"/>
+            <a:ext cx="11013776" cy="5663089"/>
+          </a:xfrm>
+          <a:prstGeom prst="rect">
+            <a:avLst/>
+          </a:prstGeom>
+          <a:noFill/>
+        </p:spPr>
+        <p:txBody>
+          <a:bodyPr wrap="square" rtlCol="0">
+            <a:spAutoFit/>
+          </a:bodyPr>
+          <a:lstStyle/>
+          <a:p>
+            <a:r>
+              <a:rPr lang="en-US" sz="2000" b="1" dirty="0" smtClean="0"/>
+              <a:t>The SANE App Requirements</a:t>
+            </a:r>
+            <a:r>
+              <a:rPr lang="en-US" sz="2000" dirty="0" smtClean="0"/>
+              <a:t>:</a:t>
+            </a:r>
+          </a:p>
+          <a:p>
+            <a:endParaRPr lang="en-US" sz="2000" dirty="0" smtClean="0"/>
+          </a:p>
+          <a:p>
+            <a:pPr marL="285750" indent="-285750">
+              <a:buFont typeface="Arial" panose="020B0604020202020204" pitchFamily="34" charset="0"/>
+              <a:buChar char="•"/>
+            </a:pPr>
+            <a:r>
+              <a:rPr lang="en-US" dirty="0" smtClean="0"/>
+              <a:t>The </a:t>
+            </a:r>
+            <a:r>
+              <a:rPr lang="en-US" dirty="0"/>
+              <a:t>privacy of both assaults and victims should be kept until a case is officially activated (by victims or law enforcement</a:t>
+            </a:r>
+            <a:r>
+              <a:rPr lang="en-US" dirty="0" smtClean="0"/>
+              <a:t>).</a:t>
+            </a:r>
+          </a:p>
+          <a:p>
+            <a:pPr marL="742950" lvl="1" indent="-285750">
+              <a:buFont typeface="Wingdings" panose="05000000000000000000" pitchFamily="2" charset="2"/>
+              <a:buChar char="ü"/>
+            </a:pPr>
+            <a:r>
+              <a:rPr lang="en-US" sz="1600" dirty="0" smtClean="0"/>
+              <a:t>The victim/reporter’s secrete key can be deposited into the Cloud (to retrieve the data in case of the reporter’s absence due to the crime).</a:t>
+            </a:r>
+          </a:p>
+          <a:p>
+            <a:pPr marL="742950" lvl="1" indent="-285750">
+              <a:buFont typeface="Wingdings" panose="05000000000000000000" pitchFamily="2" charset="2"/>
+              <a:buChar char="ü"/>
+            </a:pPr>
+            <a:endParaRPr lang="en-US" sz="1600" dirty="0" smtClean="0"/>
+          </a:p>
+          <a:p>
+            <a:pPr marL="285750" indent="-285750">
+              <a:buFont typeface="Arial" panose="020B0604020202020204" pitchFamily="34" charset="0"/>
+              <a:buChar char="•"/>
+            </a:pPr>
+            <a:r>
+              <a:rPr lang="en-US" dirty="0" smtClean="0"/>
+              <a:t>The data should be kept in the Cloud</a:t>
+            </a:r>
+          </a:p>
+          <a:p>
+            <a:pPr marL="742950" lvl="1" indent="-285750">
+              <a:buFont typeface="Wingdings" panose="05000000000000000000" pitchFamily="2" charset="2"/>
+              <a:buChar char="ü"/>
+            </a:pPr>
+            <a:r>
+              <a:rPr lang="en-US" sz="1600" dirty="0"/>
+              <a:t>Make sure no data or secret information remained in the user’s smartphone.</a:t>
+            </a:r>
+          </a:p>
+          <a:p>
+            <a:pPr marL="742950" lvl="1" indent="-285750">
+              <a:buFont typeface="Wingdings" panose="05000000000000000000" pitchFamily="2" charset="2"/>
+              <a:buChar char="ü"/>
+            </a:pPr>
+            <a:r>
+              <a:rPr lang="en-US" sz="1600" dirty="0"/>
+              <a:t>The information will be loaded and decrypted after a proper login.</a:t>
+            </a:r>
+          </a:p>
+          <a:p>
+            <a:pPr marL="742950" lvl="1" indent="-285750">
+              <a:buFont typeface="Wingdings" panose="05000000000000000000" pitchFamily="2" charset="2"/>
+              <a:buChar char="ü"/>
+            </a:pPr>
+            <a:r>
+              <a:rPr lang="en-US" sz="1600" dirty="0"/>
+              <a:t>Log out is required</a:t>
+            </a:r>
+            <a:r>
+              <a:rPr lang="en-US" sz="1600" dirty="0" smtClean="0"/>
+              <a:t>.</a:t>
+            </a:r>
+          </a:p>
+          <a:p>
+            <a:pPr marL="742950" lvl="1" indent="-285750">
+              <a:buFont typeface="Wingdings" panose="05000000000000000000" pitchFamily="2" charset="2"/>
+              <a:buChar char="ü"/>
+            </a:pPr>
+            <a:endParaRPr lang="en-US" sz="1600" dirty="0"/>
+          </a:p>
+          <a:p>
+            <a:pPr marL="285750" indent="-285750">
+              <a:buFont typeface="Arial" panose="020B0604020202020204" pitchFamily="34" charset="0"/>
+              <a:buChar char="•"/>
+            </a:pPr>
+            <a:r>
+              <a:rPr lang="en-US" dirty="0" smtClean="0"/>
+              <a:t>The </a:t>
+            </a:r>
+            <a:r>
+              <a:rPr lang="en-US" dirty="0"/>
+              <a:t>data in the Cloud should be maintained in a strong </a:t>
+            </a:r>
+            <a:r>
+              <a:rPr lang="en-US" dirty="0" smtClean="0"/>
+              <a:t>security </a:t>
+            </a:r>
+            <a:r>
+              <a:rPr lang="en-US" dirty="0"/>
+              <a:t>(even some hackers steal the data, they are not supposed to be able to identify/alter any the meaningful case</a:t>
+            </a:r>
+            <a:r>
+              <a:rPr lang="en-US" dirty="0" smtClean="0"/>
+              <a:t>).</a:t>
+            </a:r>
+          </a:p>
+          <a:p>
+            <a:pPr marL="742950" lvl="1" indent="-285750">
+              <a:buFont typeface="Wingdings" panose="05000000000000000000" pitchFamily="2" charset="2"/>
+              <a:buChar char="ü"/>
+            </a:pPr>
+            <a:r>
+              <a:rPr lang="en-US" sz="1600" dirty="0"/>
+              <a:t>the SANE system as a distributed security system. As an analogy, it is very similar to the (private vaults) Bank Safe Deposit Box Rentals. Using one key (either a client or banker) alone, one cannot access to the deposits. Only if both the bank and renter agree, the box can be accessed.</a:t>
+            </a:r>
+          </a:p>
+          <a:p>
+            <a:pPr marL="742950" lvl="1" indent="-285750">
+              <a:buFont typeface="Arial" panose="020B0604020202020204" pitchFamily="34" charset="0"/>
+              <a:buChar char="•"/>
+            </a:pPr>
+            <a:endParaRPr lang="en-US" dirty="0"/>
+          </a:p>
+          <a:p>
+            <a:pPr marL="285750" indent="-285750">
+              <a:buFont typeface="Arial" panose="020B0604020202020204" pitchFamily="34" charset="0"/>
+              <a:buChar char="•"/>
+            </a:pPr>
+            <a:r>
+              <a:rPr lang="en-US" dirty="0" smtClean="0"/>
+              <a:t>The </a:t>
+            </a:r>
+            <a:r>
+              <a:rPr lang="en-US" dirty="0"/>
+              <a:t>data should be also handled with a strong privacy. Any researcher’s access to the data should not be directed to compromise the privacy (the researcher should not be able to find the identity by analyzing the data alone).</a:t>
+            </a:r>
+          </a:p>
+          <a:p>
+            <a:pPr marL="285750" indent="-285750">
+              <a:buFont typeface="Arial" panose="020B0604020202020204" pitchFamily="34" charset="0"/>
+              <a:buChar char="•"/>
+            </a:pPr>
+            <a:endParaRPr lang="en-US" dirty="0" smtClean="0"/>
+          </a:p>
+        </p:txBody>
+      </p:sp>
+    </p:spTree>
+    <p:extLst>
+      <p:ext uri="{BB962C8B-B14F-4D97-AF65-F5344CB8AC3E}">
+        <p14:creationId xmlns:p14="http://schemas.microsoft.com/office/powerpoint/2010/main" val="3601444379"/>
+      </p:ext>
+    </p:extLst>
+  </p:cSld>
+  <p:clrMapOvr>
+    <a:masterClrMapping/>
+  </p:clrMapOvr>
+  <p:timing>
+    <p:tnLst>
+      <p:par>
+        <p:cTn id="1" dur="indefinite" restart="never" nodeType="tmRoot"/>
+      </p:par>
+    </p:tnLst>
+  </p:timing>
+</p:sld>
+</file>
+
+<file path=ppt/slides/slide6.xml><?xml version="1.0" encoding="utf-8"?>
+<p:sld xmlns:a="http://schemas.openxmlformats.org/drawingml/2006/main" xmlns:r="http://schemas.openxmlformats.org/officeDocument/2006/relationships" xmlns:p="http://schemas.openxmlformats.org/presentationml/2006/main">
+  <p:cSld>
+    <p:spTree>
+      <p:nvGrpSpPr>
+        <p:cNvPr id="1" name=""/>
+        <p:cNvGrpSpPr/>
+        <p:nvPr/>
+      </p:nvGrpSpPr>
+      <p:grpSpPr>
+        <a:xfrm>
+          <a:off x="0" y="0"/>
+          <a:ext cx="0" cy="0"/>
+          <a:chOff x="0" y="0"/>
+          <a:chExt cx="0" cy="0"/>
+        </a:xfrm>
+      </p:grpSpPr>
+      <p:sp>
+        <p:nvSpPr>
+          <p:cNvPr id="2" name="TextBox 1"/>
+          <p:cNvSpPr txBox="1"/>
+          <p:nvPr/>
+        </p:nvSpPr>
+        <p:spPr>
+          <a:xfrm>
+            <a:off x="741872" y="735933"/>
+            <a:ext cx="10843404" cy="4585871"/>
+          </a:xfrm>
+          <a:prstGeom prst="rect">
+            <a:avLst/>
+          </a:prstGeom>
+          <a:noFill/>
+        </p:spPr>
+        <p:txBody>
+          <a:bodyPr wrap="square" rtlCol="0">
+            <a:spAutoFit/>
+          </a:bodyPr>
+          <a:lstStyle/>
+          <a:p>
+            <a:r>
+              <a:rPr lang="en-US" sz="2800" dirty="0" smtClean="0"/>
+              <a:t>The SANE App functionalities:</a:t>
+            </a:r>
+          </a:p>
+          <a:p>
+            <a:endParaRPr lang="en-US" sz="2000" dirty="0" smtClean="0"/>
+          </a:p>
+          <a:p>
+            <a:pPr marL="285750" indent="-285750">
+              <a:buFont typeface="Arial" panose="020B0604020202020204" pitchFamily="34" charset="0"/>
+              <a:buChar char="•"/>
+            </a:pPr>
+            <a:r>
+              <a:rPr lang="en-US" sz="2000" dirty="0" smtClean="0"/>
+              <a:t>Nickname and profile setup (one time setup)</a:t>
+            </a:r>
+          </a:p>
+          <a:p>
+            <a:pPr marL="285750" indent="-285750">
+              <a:buFont typeface="Arial" panose="020B0604020202020204" pitchFamily="34" charset="0"/>
+              <a:buChar char="•"/>
+            </a:pPr>
+            <a:r>
+              <a:rPr lang="en-US" sz="2000" dirty="0" smtClean="0"/>
+              <a:t>Key deposit agreement (just incase of the absence of reporter (i.e., due to death, etc.), law enforcement can look up the record with warrant)</a:t>
+            </a:r>
+          </a:p>
+          <a:p>
+            <a:pPr marL="285750" indent="-285750">
+              <a:buFont typeface="Arial" panose="020B0604020202020204" pitchFamily="34" charset="0"/>
+              <a:buChar char="•"/>
+            </a:pPr>
+            <a:r>
+              <a:rPr lang="en-US" sz="2000" dirty="0" smtClean="0"/>
+              <a:t>Agreement of some of anonymized information sharing (for the prevention and protection research purpose)</a:t>
+            </a:r>
+          </a:p>
+          <a:p>
+            <a:pPr marL="285750" indent="-285750">
+              <a:buFont typeface="Arial" panose="020B0604020202020204" pitchFamily="34" charset="0"/>
+              <a:buChar char="•"/>
+            </a:pPr>
+            <a:r>
+              <a:rPr lang="en-US" sz="2000" dirty="0" smtClean="0"/>
+              <a:t>Diary (easy to record, texting style with some tagging (#”…”))</a:t>
+            </a:r>
+          </a:p>
+          <a:p>
+            <a:pPr marL="285750" indent="-285750">
+              <a:buFont typeface="Arial" panose="020B0604020202020204" pitchFamily="34" charset="0"/>
+              <a:buChar char="•"/>
+            </a:pPr>
+            <a:r>
+              <a:rPr lang="en-US" sz="2000" dirty="0" smtClean="0"/>
+              <a:t>Evidence recording (voice recording and picture)</a:t>
+            </a:r>
+          </a:p>
+          <a:p>
+            <a:pPr marL="285750" indent="-285750">
+              <a:buFont typeface="Arial" panose="020B0604020202020204" pitchFamily="34" charset="0"/>
+              <a:buChar char="•"/>
+            </a:pPr>
+            <a:r>
+              <a:rPr lang="en-US" sz="2000" dirty="0" smtClean="0"/>
+              <a:t>Q&amp;A (survey style to begin with, but Siri or Alexa Style after all)</a:t>
+            </a:r>
+          </a:p>
+          <a:p>
+            <a:pPr marL="285750" indent="-285750">
+              <a:buFont typeface="Arial" panose="020B0604020202020204" pitchFamily="34" charset="0"/>
+              <a:buChar char="•"/>
+            </a:pPr>
+            <a:r>
+              <a:rPr lang="en-US" sz="2000" dirty="0" smtClean="0"/>
+              <a:t>Need a good app name and mascot.</a:t>
+            </a:r>
+          </a:p>
+          <a:p>
+            <a:pPr marL="285750" indent="-285750">
+              <a:buFont typeface="Arial" panose="020B0604020202020204" pitchFamily="34" charset="0"/>
+              <a:buChar char="•"/>
+            </a:pPr>
+            <a:endParaRPr lang="en-US" sz="2000" dirty="0"/>
+          </a:p>
+          <a:p>
+            <a:pPr marL="285750" indent="-285750">
+              <a:buFont typeface="Arial" panose="020B0604020202020204" pitchFamily="34" charset="0"/>
+              <a:buChar char="•"/>
+            </a:pPr>
+            <a:endParaRPr lang="en-US" sz="1600" dirty="0" smtClean="0"/>
+          </a:p>
+          <a:p>
+            <a:pPr marL="285750" indent="-285750">
+              <a:buFont typeface="Arial" panose="020B0604020202020204" pitchFamily="34" charset="0"/>
+              <a:buChar char="•"/>
+            </a:pPr>
+            <a:endParaRPr lang="en-US" sz="1400" dirty="0"/>
+          </a:p>
+          <a:p>
+            <a:pPr marL="285750" indent="-285750">
+              <a:buFont typeface="Arial" panose="020B0604020202020204" pitchFamily="34" charset="0"/>
+              <a:buChar char="•"/>
+            </a:pPr>
+            <a:endParaRPr lang="en-US" sz="1400" dirty="0"/>
+          </a:p>
+        </p:txBody>
+      </p:sp>
+    </p:spTree>
+    <p:extLst>
+      <p:ext uri="{BB962C8B-B14F-4D97-AF65-F5344CB8AC3E}">
+        <p14:creationId xmlns:p14="http://schemas.microsoft.com/office/powerpoint/2010/main" val="1272998325"/>
+      </p:ext>
+    </p:extLst>
+  </p:cSld>
+  <p:clrMapOvr>
+    <a:masterClrMapping/>
+  </p:clrMapOvr>
+  <p:timing>
+    <p:tnLst>
+      <p:par>
+        <p:cTn id="1" dur="indefinite" restart="never" nodeType="tmRoot"/>
+      </p:par>
+    </p:tnLst>
+  </p:timing>
+</p:sld>
+</file>
+
+<file path=ppt/slides/slide7.xml><?xml version="1.0" encoding="utf-8"?>
+<p:sld xmlns:a="http://schemas.openxmlformats.org/drawingml/2006/main" xmlns:r="http://schemas.openxmlformats.org/officeDocument/2006/relationships" xmlns:p="http://schemas.openxmlformats.org/presentationml/2006/main">
+  <p:cSld>
+    <p:spTree>
+      <p:nvGrpSpPr>
+        <p:cNvPr id="1" name=""/>
+        <p:cNvGrpSpPr/>
+        <p:nvPr/>
+      </p:nvGrpSpPr>
+      <p:grpSpPr>
+        <a:xfrm>
+          <a:off x="0" y="0"/>
+          <a:ext cx="0" cy="0"/>
+          <a:chOff x="0" y="0"/>
+          <a:chExt cx="0" cy="0"/>
+        </a:xfrm>
+      </p:grpSpPr>
+      <p:sp>
+        <p:nvSpPr>
+          <p:cNvPr id="2" name="Title 1"/>
+          <p:cNvSpPr>
+            <a:spLocks noGrp="1"/>
+          </p:cNvSpPr>
+          <p:nvPr>
+            <p:ph type="title"/>
+          </p:nvPr>
+        </p:nvSpPr>
+        <p:spPr>
+          <a:xfrm>
+            <a:off x="1713781" y="317739"/>
+            <a:ext cx="8534400" cy="838200"/>
+          </a:xfrm>
+        </p:spPr>
+        <p:txBody>
+          <a:bodyPr>
+            <a:normAutofit fontScale="90000"/>
+          </a:bodyPr>
+          <a:lstStyle/>
+          <a:p>
+            <a:r>
+              <a:rPr lang="en-US" sz="3600" dirty="0"/>
+              <a:t>SAPE: Sexual Assault (SA) Protection, Prediction, and Education Service</a:t>
+            </a:r>
+          </a:p>
+        </p:txBody>
+      </p:sp>
+      <p:sp>
+        <p:nvSpPr>
+          <p:cNvPr id="3" name="TextBox 2"/>
+          <p:cNvSpPr txBox="1"/>
+          <p:nvPr/>
+        </p:nvSpPr>
+        <p:spPr>
+          <a:xfrm>
+            <a:off x="1557699" y="6319548"/>
+            <a:ext cx="8344620" cy="276999"/>
+          </a:xfrm>
+          <a:prstGeom prst="rect">
+            <a:avLst/>
+          </a:prstGeom>
+          <a:noFill/>
+        </p:spPr>
+        <p:txBody>
+          <a:bodyPr wrap="square" rtlCol="0">
+            <a:spAutoFit/>
+          </a:bodyPr>
+          <a:lstStyle/>
+          <a:p>
+            <a:r>
+              <a:rPr lang="en-US" sz="1200" dirty="0"/>
+              <a:t>Led by School of Computer Engineering, School of Nursing, School of Medicine, and School of Law</a:t>
+            </a:r>
+          </a:p>
+        </p:txBody>
+      </p:sp>
+      <p:sp>
+        <p:nvSpPr>
+          <p:cNvPr id="4" name="Down Arrow 3"/>
+          <p:cNvSpPr/>
+          <p:nvPr/>
+        </p:nvSpPr>
+        <p:spPr>
+          <a:xfrm rot="16200000">
+            <a:off x="5938969" y="1129091"/>
+            <a:ext cx="279440" cy="4310216"/>
+          </a:xfrm>
+          <a:prstGeom prst="downArrow">
+            <a:avLst/>
+          </a:prstGeom>
+          <a:solidFill>
+            <a:schemeClr val="accent6"/>
+          </a:solidFill>
+          <a:ln>
+            <a:noFill/>
+          </a:ln>
+        </p:spPr>
+        <p:style>
+          <a:lnRef idx="2">
+            <a:schemeClr val="accent1">
+              <a:shade val="50000"/>
+            </a:schemeClr>
+          </a:lnRef>
+          <a:fillRef idx="1">
+            <a:schemeClr val="accent1"/>
+          </a:fillRef>
+          <a:effectRef idx="0">
+            <a:schemeClr val="accent1"/>
+          </a:effectRef>
+          <a:fontRef idx="minor">
+            <a:schemeClr val="lt1"/>
+          </a:fontRef>
+        </p:style>
+        <p:txBody>
+          <a:bodyPr rtlCol="0" anchor="ctr"/>
+          <a:lstStyle/>
+          <a:p>
+            <a:pPr algn="ctr"/>
+            <a:endParaRPr lang="en-US"/>
+          </a:p>
+        </p:txBody>
+      </p:sp>
+      <p:pic>
+        <p:nvPicPr>
+          <p:cNvPr id="5" name="Picture 4"/>
+          <p:cNvPicPr>
+            <a:picLocks noChangeAspect="1"/>
+          </p:cNvPicPr>
+          <p:nvPr/>
+        </p:nvPicPr>
+        <p:blipFill>
+          <a:blip r:embed="rId2"/>
+          <a:stretch>
+            <a:fillRect/>
+          </a:stretch>
+        </p:blipFill>
+        <p:spPr>
+          <a:xfrm>
+            <a:off x="6988993" y="5026002"/>
+            <a:ext cx="479959" cy="403557"/>
+          </a:xfrm>
+          <a:prstGeom prst="rect">
+            <a:avLst/>
+          </a:prstGeom>
+        </p:spPr>
+      </p:pic>
+      <p:pic>
+        <p:nvPicPr>
+          <p:cNvPr id="7" name="Picture 6"/>
+          <p:cNvPicPr>
+            <a:picLocks noChangeAspect="1"/>
+          </p:cNvPicPr>
+          <p:nvPr/>
+        </p:nvPicPr>
+        <p:blipFill>
+          <a:blip r:embed="rId3"/>
+          <a:stretch>
+            <a:fillRect/>
+          </a:stretch>
+        </p:blipFill>
+        <p:spPr>
+          <a:xfrm>
+            <a:off x="2865448" y="2835032"/>
+            <a:ext cx="1057565" cy="1057565"/>
+          </a:xfrm>
+          <a:prstGeom prst="rect">
+            <a:avLst/>
+          </a:prstGeom>
+        </p:spPr>
+      </p:pic>
+      <p:pic>
+        <p:nvPicPr>
+          <p:cNvPr id="8" name="Picture 7"/>
+          <p:cNvPicPr>
+            <a:picLocks noChangeAspect="1"/>
+          </p:cNvPicPr>
+          <p:nvPr/>
+        </p:nvPicPr>
+        <p:blipFill>
+          <a:blip r:embed="rId4"/>
+          <a:stretch>
+            <a:fillRect/>
+          </a:stretch>
+        </p:blipFill>
+        <p:spPr>
+          <a:xfrm>
+            <a:off x="2670499" y="4299656"/>
+            <a:ext cx="750581" cy="905782"/>
+          </a:xfrm>
+          <a:prstGeom prst="rect">
+            <a:avLst/>
+          </a:prstGeom>
+        </p:spPr>
+      </p:pic>
+      <p:pic>
+        <p:nvPicPr>
+          <p:cNvPr id="9" name="Picture 8"/>
+          <p:cNvPicPr>
+            <a:picLocks noChangeAspect="1"/>
+          </p:cNvPicPr>
+          <p:nvPr/>
+        </p:nvPicPr>
+        <p:blipFill>
+          <a:blip r:embed="rId5"/>
+          <a:stretch>
+            <a:fillRect/>
+          </a:stretch>
+        </p:blipFill>
+        <p:spPr>
+          <a:xfrm>
+            <a:off x="1666008" y="5299337"/>
+            <a:ext cx="855280" cy="641460"/>
+          </a:xfrm>
+          <a:prstGeom prst="rect">
+            <a:avLst/>
+          </a:prstGeom>
+        </p:spPr>
+      </p:pic>
+      <p:pic>
+        <p:nvPicPr>
+          <p:cNvPr id="10" name="Picture 9"/>
+          <p:cNvPicPr>
+            <a:picLocks noChangeAspect="1"/>
+          </p:cNvPicPr>
+          <p:nvPr/>
+        </p:nvPicPr>
+        <p:blipFill>
+          <a:blip r:embed="rId6"/>
+          <a:stretch>
+            <a:fillRect/>
+          </a:stretch>
+        </p:blipFill>
+        <p:spPr>
+          <a:xfrm>
+            <a:off x="2625450" y="5335845"/>
+            <a:ext cx="597548" cy="597548"/>
+          </a:xfrm>
+          <a:prstGeom prst="rect">
+            <a:avLst/>
+          </a:prstGeom>
+        </p:spPr>
+      </p:pic>
+      <p:pic>
+        <p:nvPicPr>
+          <p:cNvPr id="11" name="Picture 10"/>
+          <p:cNvPicPr>
+            <a:picLocks noChangeAspect="1"/>
+          </p:cNvPicPr>
+          <p:nvPr/>
+        </p:nvPicPr>
+        <p:blipFill>
+          <a:blip r:embed="rId7"/>
+          <a:stretch>
+            <a:fillRect/>
+          </a:stretch>
+        </p:blipFill>
+        <p:spPr>
+          <a:xfrm>
+            <a:off x="1846433" y="3155760"/>
+            <a:ext cx="972394" cy="729295"/>
+          </a:xfrm>
+          <a:prstGeom prst="rect">
+            <a:avLst/>
+          </a:prstGeom>
+        </p:spPr>
+      </p:pic>
+      <p:pic>
+        <p:nvPicPr>
+          <p:cNvPr id="12" name="Picture 11"/>
+          <p:cNvPicPr>
+            <a:picLocks noChangeAspect="1"/>
+          </p:cNvPicPr>
+          <p:nvPr/>
+        </p:nvPicPr>
+        <p:blipFill rotWithShape="1">
+          <a:blip r:embed="rId8"/>
+          <a:srcRect l="7433" r="9047" b="29601"/>
+          <a:stretch/>
+        </p:blipFill>
+        <p:spPr>
+          <a:xfrm>
+            <a:off x="8495582" y="4756776"/>
+            <a:ext cx="1312793" cy="1481888"/>
+          </a:xfrm>
+          <a:prstGeom prst="rect">
+            <a:avLst/>
+          </a:prstGeom>
+        </p:spPr>
+      </p:pic>
+      <p:pic>
+        <p:nvPicPr>
+          <p:cNvPr id="13" name="Picture 12"/>
           <p:cNvPicPr>
             <a:picLocks noChangeAspect="1"/>
           </p:cNvPicPr>
@@ -5167,7 +6072,474 @@
         </p:blipFill>
         <p:spPr>
           <a:xfrm>
-            <a:off x="9372490" y="3880096"/>
+            <a:off x="1783834" y="4120657"/>
+            <a:ext cx="509855" cy="946588"/>
+          </a:xfrm>
+          <a:prstGeom prst="rect">
+            <a:avLst/>
+          </a:prstGeom>
+        </p:spPr>
+      </p:pic>
+      <p:sp>
+        <p:nvSpPr>
+          <p:cNvPr id="14" name="TextBox 13"/>
+          <p:cNvSpPr txBox="1"/>
+          <p:nvPr/>
+        </p:nvSpPr>
+        <p:spPr>
+          <a:xfrm>
+            <a:off x="3497923" y="5724729"/>
+            <a:ext cx="1949971" cy="276999"/>
+          </a:xfrm>
+          <a:prstGeom prst="rect">
+            <a:avLst/>
+          </a:prstGeom>
+          <a:noFill/>
+        </p:spPr>
+        <p:txBody>
+          <a:bodyPr wrap="square" rtlCol="0">
+            <a:spAutoFit/>
+          </a:bodyPr>
+          <a:lstStyle/>
+          <a:p>
+            <a:r>
+              <a:rPr lang="en-US" sz="1200" b="1" dirty="0"/>
+              <a:t>Big Data Analytics</a:t>
+            </a:r>
+          </a:p>
+        </p:txBody>
+      </p:sp>
+      <p:sp>
+        <p:nvSpPr>
+          <p:cNvPr id="15" name="Cloud 100"/>
+          <p:cNvSpPr>
+            <a:spLocks noChangeArrowheads="1"/>
+          </p:cNvSpPr>
+          <p:nvPr/>
+        </p:nvSpPr>
+        <p:spPr bwMode="auto">
+          <a:xfrm>
+            <a:off x="4050240" y="3083245"/>
+            <a:ext cx="3725878" cy="2543185"/>
+          </a:xfrm>
+          <a:custGeom>
+            <a:avLst/>
+            <a:gdLst>
+              <a:gd name="T0" fmla="*/ 3165712 w 43200"/>
+              <a:gd name="T1" fmla="*/ 1026114 h 43200"/>
+              <a:gd name="T2" fmla="*/ 1584176 w 43200"/>
+              <a:gd name="T3" fmla="*/ 2050043 h 43200"/>
+              <a:gd name="T4" fmla="*/ 9828 w 43200"/>
+              <a:gd name="T5" fmla="*/ 1026114 h 43200"/>
+              <a:gd name="T6" fmla="*/ 1584176 w 43200"/>
+              <a:gd name="T7" fmla="*/ 117338 h 43200"/>
+              <a:gd name="T8" fmla="*/ 0 60000 65536"/>
+              <a:gd name="T9" fmla="*/ 5898240 60000 65536"/>
+              <a:gd name="T10" fmla="*/ 11796480 60000 65536"/>
+              <a:gd name="T11" fmla="*/ 17694720 60000 65536"/>
+              <a:gd name="T12" fmla="*/ 5954 w 43200"/>
+              <a:gd name="T13" fmla="*/ 6524 h 43200"/>
+              <a:gd name="T14" fmla="*/ 34174 w 43200"/>
+              <a:gd name="T15" fmla="*/ 34674 h 43200"/>
+            </a:gdLst>
+            <a:ahLst/>
+            <a:cxnLst>
+              <a:cxn ang="T8">
+                <a:pos x="T0" y="T1"/>
+              </a:cxn>
+              <a:cxn ang="T9">
+                <a:pos x="T2" y="T3"/>
+              </a:cxn>
+              <a:cxn ang="T10">
+                <a:pos x="T4" y="T5"/>
+              </a:cxn>
+              <a:cxn ang="T11">
+                <a:pos x="T6" y="T7"/>
+              </a:cxn>
+            </a:cxnLst>
+            <a:rect l="T12" t="T13" r="T14" b="T15"/>
+            <a:pathLst>
+              <a:path w="43200" h="43200">
+                <a:moveTo>
+                  <a:pt x="3900" y="14370"/>
+                </a:moveTo>
+                <a:lnTo>
+                  <a:pt x="3899" y="14370"/>
+                </a:lnTo>
+                <a:cubicBezTo>
+                  <a:pt x="3858" y="13959"/>
+                  <a:pt x="3838" y="13545"/>
+                  <a:pt x="3838" y="13131"/>
+                </a:cubicBezTo>
+                <a:cubicBezTo>
+                  <a:pt x="3838" y="8055"/>
+                  <a:pt x="6861" y="3941"/>
+                  <a:pt x="10591" y="3941"/>
+                </a:cubicBezTo>
+                <a:cubicBezTo>
+                  <a:pt x="11791" y="3940"/>
+                  <a:pt x="12969" y="4376"/>
+                  <a:pt x="14005" y="5201"/>
+                </a:cubicBezTo>
+                <a:lnTo>
+                  <a:pt x="14005" y="5202"/>
+                </a:lnTo>
+                <a:cubicBezTo>
+                  <a:pt x="14930" y="2828"/>
+                  <a:pt x="16742" y="1343"/>
+                  <a:pt x="18715" y="1344"/>
+                </a:cubicBezTo>
+                <a:cubicBezTo>
+                  <a:pt x="20114" y="1344"/>
+                  <a:pt x="21458" y="2093"/>
+                  <a:pt x="22456" y="3431"/>
+                </a:cubicBezTo>
+                <a:lnTo>
+                  <a:pt x="22456" y="3432"/>
+                </a:lnTo>
+                <a:cubicBezTo>
+                  <a:pt x="23194" y="1415"/>
+                  <a:pt x="24707" y="140"/>
+                  <a:pt x="26362" y="141"/>
+                </a:cubicBezTo>
+                <a:cubicBezTo>
+                  <a:pt x="27723" y="141"/>
+                  <a:pt x="29007" y="1006"/>
+                  <a:pt x="29832" y="2481"/>
+                </a:cubicBezTo>
+                <a:lnTo>
+                  <a:pt x="29832" y="2480"/>
+                </a:lnTo>
+                <a:cubicBezTo>
+                  <a:pt x="30755" y="1002"/>
+                  <a:pt x="32110" y="149"/>
+                  <a:pt x="33538" y="150"/>
+                </a:cubicBezTo>
+                <a:cubicBezTo>
+                  <a:pt x="35888" y="150"/>
+                  <a:pt x="37901" y="2435"/>
+                  <a:pt x="38318" y="5575"/>
+                </a:cubicBezTo>
+                <a:lnTo>
+                  <a:pt x="38317" y="5576"/>
+                </a:lnTo>
+                <a:cubicBezTo>
+                  <a:pt x="40639" y="6438"/>
+                  <a:pt x="42250" y="9313"/>
+                  <a:pt x="42250" y="12594"/>
+                </a:cubicBezTo>
+                <a:cubicBezTo>
+                  <a:pt x="42250" y="13579"/>
+                  <a:pt x="42103" y="14554"/>
+                  <a:pt x="41818" y="15460"/>
+                </a:cubicBezTo>
+                <a:lnTo>
+                  <a:pt x="41818" y="15459"/>
+                </a:lnTo>
+                <a:cubicBezTo>
+                  <a:pt x="42727" y="17070"/>
+                  <a:pt x="43220" y="19044"/>
+                  <a:pt x="43220" y="21076"/>
+                </a:cubicBezTo>
+                <a:cubicBezTo>
+                  <a:pt x="43220" y="25663"/>
+                  <a:pt x="40741" y="29553"/>
+                  <a:pt x="37404" y="30203"/>
+                </a:cubicBezTo>
+                <a:lnTo>
+                  <a:pt x="37403" y="30202"/>
+                </a:lnTo>
+                <a:cubicBezTo>
+                  <a:pt x="37378" y="34523"/>
+                  <a:pt x="34795" y="38006"/>
+                  <a:pt x="31619" y="38007"/>
+                </a:cubicBezTo>
+                <a:cubicBezTo>
+                  <a:pt x="30535" y="38007"/>
+                  <a:pt x="29474" y="37593"/>
+                  <a:pt x="28555" y="36813"/>
+                </a:cubicBezTo>
+                <a:lnTo>
+                  <a:pt x="28556" y="36813"/>
+                </a:lnTo>
+                <a:cubicBezTo>
+                  <a:pt x="27694" y="40699"/>
+                  <a:pt x="25069" y="43357"/>
+                  <a:pt x="22094" y="43358"/>
+                </a:cubicBezTo>
+                <a:cubicBezTo>
+                  <a:pt x="19839" y="43358"/>
+                  <a:pt x="17733" y="41821"/>
+                  <a:pt x="16480" y="39263"/>
+                </a:cubicBezTo>
+                <a:lnTo>
+                  <a:pt x="16480" y="39264"/>
+                </a:lnTo>
+                <a:cubicBezTo>
+                  <a:pt x="15279" y="40250"/>
+                  <a:pt x="13904" y="40770"/>
+                  <a:pt x="12503" y="40771"/>
+                </a:cubicBezTo>
+                <a:cubicBezTo>
+                  <a:pt x="9735" y="40771"/>
+                  <a:pt x="7180" y="38748"/>
+                  <a:pt x="5804" y="35469"/>
+                </a:cubicBezTo>
+                <a:lnTo>
+                  <a:pt x="5803" y="35469"/>
+                </a:lnTo>
+                <a:cubicBezTo>
+                  <a:pt x="5635" y="35496"/>
+                  <a:pt x="5465" y="35509"/>
+                  <a:pt x="5296" y="35510"/>
+                </a:cubicBezTo>
+                <a:cubicBezTo>
+                  <a:pt x="2888" y="35510"/>
+                  <a:pt x="936" y="32860"/>
+                  <a:pt x="936" y="29592"/>
+                </a:cubicBezTo>
+                <a:cubicBezTo>
+                  <a:pt x="935" y="28090"/>
+                  <a:pt x="1356" y="26644"/>
+                  <a:pt x="2112" y="25547"/>
+                </a:cubicBezTo>
+                <a:lnTo>
+                  <a:pt x="2113" y="25547"/>
+                </a:lnTo>
+                <a:cubicBezTo>
+                  <a:pt x="781" y="24481"/>
+                  <a:pt x="-36" y="22528"/>
+                  <a:pt x="-36" y="20418"/>
+                </a:cubicBezTo>
+                <a:cubicBezTo>
+                  <a:pt x="-37" y="17370"/>
+                  <a:pt x="1647" y="14817"/>
+                  <a:pt x="3863" y="14504"/>
+                </a:cubicBezTo>
+                <a:close/>
+              </a:path>
+              <a:path w="43200" h="43200" fill="none">
+                <a:moveTo>
+                  <a:pt x="4693" y="26177"/>
+                </a:moveTo>
+                <a:lnTo>
+                  <a:pt x="4693" y="26177"/>
+                </a:lnTo>
+                <a:cubicBezTo>
+                  <a:pt x="4580" y="26189"/>
+                  <a:pt x="4468" y="26194"/>
+                  <a:pt x="4356" y="26195"/>
+                </a:cubicBezTo>
+                <a:cubicBezTo>
+                  <a:pt x="3584" y="26195"/>
+                  <a:pt x="2826" y="25913"/>
+                  <a:pt x="2160" y="25379"/>
+                </a:cubicBezTo>
+                <a:moveTo>
+                  <a:pt x="6928" y="34899"/>
+                </a:moveTo>
+                <a:lnTo>
+                  <a:pt x="6927" y="34898"/>
+                </a:lnTo>
+                <a:cubicBezTo>
+                  <a:pt x="6572" y="35091"/>
+                  <a:pt x="6200" y="35219"/>
+                  <a:pt x="5820" y="35280"/>
+                </a:cubicBezTo>
+                <a:moveTo>
+                  <a:pt x="16478" y="39090"/>
+                </a:moveTo>
+                <a:lnTo>
+                  <a:pt x="16477" y="39090"/>
+                </a:lnTo>
+                <a:cubicBezTo>
+                  <a:pt x="16210" y="38544"/>
+                  <a:pt x="15986" y="37960"/>
+                  <a:pt x="15809" y="37350"/>
+                </a:cubicBezTo>
+                <a:moveTo>
+                  <a:pt x="28827" y="34751"/>
+                </a:moveTo>
+                <a:lnTo>
+                  <a:pt x="28826" y="34750"/>
+                </a:lnTo>
+                <a:cubicBezTo>
+                  <a:pt x="28787" y="35398"/>
+                  <a:pt x="28698" y="36038"/>
+                  <a:pt x="28560" y="36660"/>
+                </a:cubicBezTo>
+                <a:moveTo>
+                  <a:pt x="34129" y="22954"/>
+                </a:moveTo>
+                <a:lnTo>
+                  <a:pt x="34128" y="22954"/>
+                </a:lnTo>
+                <a:cubicBezTo>
+                  <a:pt x="36118" y="24271"/>
+                  <a:pt x="37381" y="27017"/>
+                  <a:pt x="37381" y="30027"/>
+                </a:cubicBezTo>
+                <a:cubicBezTo>
+                  <a:pt x="37381" y="30048"/>
+                  <a:pt x="37380" y="30069"/>
+                  <a:pt x="37380" y="30090"/>
+                </a:cubicBezTo>
+                <a:moveTo>
+                  <a:pt x="41798" y="15354"/>
+                </a:moveTo>
+                <a:lnTo>
+                  <a:pt x="41798" y="15354"/>
+                </a:lnTo>
+                <a:cubicBezTo>
+                  <a:pt x="41473" y="16386"/>
+                  <a:pt x="40978" y="17302"/>
+                  <a:pt x="40350" y="18030"/>
+                </a:cubicBezTo>
+                <a:moveTo>
+                  <a:pt x="38324" y="5426"/>
+                </a:moveTo>
+                <a:lnTo>
+                  <a:pt x="38324" y="5425"/>
+                </a:lnTo>
+                <a:cubicBezTo>
+                  <a:pt x="38375" y="5811"/>
+                  <a:pt x="38401" y="6202"/>
+                  <a:pt x="38401" y="6595"/>
+                </a:cubicBezTo>
+                <a:cubicBezTo>
+                  <a:pt x="38401" y="6626"/>
+                  <a:pt x="38400" y="6658"/>
+                  <a:pt x="38400" y="6690"/>
+                </a:cubicBezTo>
+                <a:moveTo>
+                  <a:pt x="29078" y="3952"/>
+                </a:moveTo>
+                <a:lnTo>
+                  <a:pt x="29078" y="3952"/>
+                </a:lnTo>
+                <a:cubicBezTo>
+                  <a:pt x="29266" y="3369"/>
+                  <a:pt x="29516" y="2826"/>
+                  <a:pt x="29820" y="2340"/>
+                </a:cubicBezTo>
+                <a:moveTo>
+                  <a:pt x="22141" y="4720"/>
+                </a:moveTo>
+                <a:lnTo>
+                  <a:pt x="22140" y="4719"/>
+                </a:lnTo>
+                <a:cubicBezTo>
+                  <a:pt x="22217" y="4238"/>
+                  <a:pt x="22338" y="3771"/>
+                  <a:pt x="22500" y="3330"/>
+                </a:cubicBezTo>
+                <a:moveTo>
+                  <a:pt x="14000" y="5192"/>
+                </a:moveTo>
+                <a:lnTo>
+                  <a:pt x="14000" y="5191"/>
+                </a:lnTo>
+                <a:cubicBezTo>
+                  <a:pt x="14471" y="5568"/>
+                  <a:pt x="14908" y="6020"/>
+                  <a:pt x="15299" y="6540"/>
+                </a:cubicBezTo>
+                <a:moveTo>
+                  <a:pt x="4127" y="15789"/>
+                </a:moveTo>
+                <a:lnTo>
+                  <a:pt x="4127" y="15788"/>
+                </a:lnTo>
+                <a:cubicBezTo>
+                  <a:pt x="4024" y="15324"/>
+                  <a:pt x="3948" y="14850"/>
+                  <a:pt x="3900" y="14369"/>
+                </a:cubicBezTo>
+              </a:path>
+            </a:pathLst>
+          </a:custGeom>
+          <a:solidFill>
+            <a:srgbClr val="DFF1CB"/>
+          </a:solidFill>
+          <a:ln w="25400" algn="ctr">
+            <a:noFill/>
+            <a:miter lim="800000"/>
+            <a:headEnd/>
+            <a:tailEnd/>
+          </a:ln>
+          <a:effectLst>
+            <a:prstShdw prst="shdw17" dist="17961" dir="2700000">
+              <a:srgbClr val="D7EEAA">
+                <a:gamma/>
+                <a:shade val="60000"/>
+                <a:invGamma/>
+              </a:srgbClr>
+            </a:prstShdw>
+          </a:effectLst>
+        </p:spPr>
+        <p:txBody>
+          <a:bodyPr anchor="ctr"/>
+          <a:lstStyle/>
+          <a:p>
+            <a:pPr algn="ctr">
+              <a:defRPr/>
+            </a:pPr>
+            <a:endParaRPr lang="en-GB" sz="4000" dirty="0">
+              <a:solidFill>
+                <a:schemeClr val="lt1"/>
+              </a:solidFill>
+              <a:latin typeface="Arial" pitchFamily="34" charset="0"/>
+              <a:cs typeface="Arial" pitchFamily="34" charset="0"/>
+            </a:endParaRPr>
+          </a:p>
+        </p:txBody>
+      </p:sp>
+      <p:sp>
+        <p:nvSpPr>
+          <p:cNvPr id="16" name="TextBox 15"/>
+          <p:cNvSpPr txBox="1"/>
+          <p:nvPr/>
+        </p:nvSpPr>
+        <p:spPr>
+          <a:xfrm>
+            <a:off x="5161166" y="4095100"/>
+            <a:ext cx="1293239" cy="338554"/>
+          </a:xfrm>
+          <a:prstGeom prst="rect">
+            <a:avLst/>
+          </a:prstGeom>
+          <a:noFill/>
+        </p:spPr>
+        <p:txBody>
+          <a:bodyPr wrap="none" rtlCol="0">
+            <a:spAutoFit/>
+          </a:bodyPr>
+          <a:lstStyle/>
+          <a:p>
+            <a:r>
+              <a:rPr lang="en-US" sz="1600" b="1" dirty="0"/>
+              <a:t>Secure Cloud</a:t>
+            </a:r>
+          </a:p>
+        </p:txBody>
+      </p:sp>
+      <p:pic>
+        <p:nvPicPr>
+          <p:cNvPr id="17" name="Picture 16"/>
+          <p:cNvPicPr>
+            <a:picLocks noChangeAspect="1"/>
+          </p:cNvPicPr>
+          <p:nvPr/>
+        </p:nvPicPr>
+        <p:blipFill>
+          <a:blip r:embed="rId2"/>
+          <a:stretch>
+            <a:fillRect/>
+          </a:stretch>
+        </p:blipFill>
+        <p:spPr>
+          <a:xfrm rot="21172985">
+            <a:off x="8036549" y="5756204"/>
             <a:ext cx="479959" cy="403557"/>
           </a:xfrm>
           <a:prstGeom prst="rect">
@@ -5175,25 +6547,48 @@
           </a:prstGeom>
         </p:spPr>
       </p:pic>
-      <p:sp>
-        <p:nvSpPr>
-          <p:cNvPr id="37" name="Flowchart: Alternate Process 36"/>
+      <p:pic>
+        <p:nvPicPr>
+          <p:cNvPr id="18" name="Picture 17"/>
+          <p:cNvPicPr>
+            <a:picLocks noChangeAspect="1"/>
+          </p:cNvPicPr>
+          <p:nvPr/>
+        </p:nvPicPr>
+        <p:blipFill>
+          <a:blip r:embed="rId10"/>
+          <a:stretch>
+            <a:fillRect/>
+          </a:stretch>
+        </p:blipFill>
+        <p:spPr>
+          <a:xfrm>
+            <a:off x="5522235" y="3463531"/>
+            <a:ext cx="612976" cy="536354"/>
+          </a:xfrm>
+          <a:prstGeom prst="rect">
+            <a:avLst/>
+          </a:prstGeom>
+        </p:spPr>
+      </p:pic>
+      <p:sp>
+        <p:nvSpPr>
+          <p:cNvPr id="19" name="Can 18"/>
           <p:cNvSpPr/>
           <p:nvPr/>
         </p:nvSpPr>
         <p:spPr>
           <a:xfrm>
-            <a:off x="9531964" y="4483737"/>
-            <a:ext cx="627017" cy="404813"/>
-          </a:xfrm>
-          <a:prstGeom prst="flowChartAlternateProcess">
-            <a:avLst/>
-          </a:prstGeom>
-          <a:solidFill>
-            <a:schemeClr val="accent6"/>
-          </a:solidFill>
+            <a:off x="4972688" y="4674133"/>
+            <a:ext cx="583989" cy="338076"/>
+          </a:xfrm>
+          <a:prstGeom prst="can">
+            <a:avLst/>
+          </a:prstGeom>
           <a:ln>
-            <a:noFill/>
+            <a:solidFill>
+              <a:schemeClr val="tx1"/>
+            </a:solidFill>
           </a:ln>
         </p:spPr>
         <p:style>
@@ -5217,92 +6612,30 @@
           <a:lstStyle/>
           <a:p>
             <a:pPr algn="ctr"/>
-            <a:r>
-              <a:rPr lang="en-US" dirty="0" smtClean="0"/>
-              <a:t>APP</a:t>
-            </a:r>
-            <a:endParaRPr lang="en-US" dirty="0"/>
-          </a:p>
-        </p:txBody>
-      </p:sp>
-      <p:sp>
-        <p:nvSpPr>
-          <p:cNvPr id="39" name="TextBox 38"/>
-          <p:cNvSpPr txBox="1"/>
-          <p:nvPr/>
-        </p:nvSpPr>
-        <p:spPr>
-          <a:xfrm>
-            <a:off x="3687528" y="4923373"/>
-            <a:ext cx="6223691" cy="1200329"/>
-          </a:xfrm>
-          <a:prstGeom prst="rect">
-            <a:avLst/>
-          </a:prstGeom>
-          <a:noFill/>
-        </p:spPr>
-        <p:txBody>
-          <a:bodyPr wrap="none" rtlCol="0">
-            <a:spAutoFit/>
-          </a:bodyPr>
-          <a:lstStyle/>
-          <a:p>
-            <a:pPr marL="342900" indent="-342900">
-              <a:buAutoNum type="arabicParenR"/>
-            </a:pPr>
-            <a:r>
-              <a:rPr lang="en-US" dirty="0" smtClean="0"/>
-              <a:t>User Report App (easy-to-use, encrypt, picture, voice record)</a:t>
-            </a:r>
-          </a:p>
-          <a:p>
-            <a:pPr marL="342900" indent="-342900">
-              <a:buAutoNum type="arabicParenR"/>
-            </a:pPr>
-            <a:r>
-              <a:rPr lang="en-US" dirty="0" smtClean="0"/>
-              <a:t>Dispatcher (filter, classify, and encrypt)</a:t>
-            </a:r>
-          </a:p>
-          <a:p>
-            <a:pPr marL="342900" indent="-342900">
-              <a:buAutoNum type="arabicParenR"/>
-            </a:pPr>
-            <a:r>
-              <a:rPr lang="en-US" dirty="0" smtClean="0"/>
-              <a:t>Two data bases (general data and secured identities)</a:t>
-            </a:r>
-          </a:p>
-          <a:p>
-            <a:pPr marL="342900" indent="-342900">
-              <a:buAutoNum type="arabicParenR"/>
-            </a:pPr>
-            <a:r>
-              <a:rPr lang="en-US" dirty="0" smtClean="0"/>
-              <a:t>APIs for researchers and public officers</a:t>
-            </a:r>
-            <a:endParaRPr lang="en-US" dirty="0"/>
-          </a:p>
-        </p:txBody>
-      </p:sp>
-      <p:sp>
-        <p:nvSpPr>
-          <p:cNvPr id="41" name="Oval 40"/>
+            <a:endParaRPr lang="en-US"/>
+          </a:p>
+        </p:txBody>
+      </p:sp>
+      <p:sp>
+        <p:nvSpPr>
+          <p:cNvPr id="20" name="Can 19"/>
           <p:cNvSpPr/>
           <p:nvPr/>
         </p:nvSpPr>
         <p:spPr>
           <a:xfrm>
-            <a:off x="9248503" y="4519750"/>
-            <a:ext cx="283461" cy="302806"/>
-          </a:xfrm>
-          <a:prstGeom prst="ellipse">
-            <a:avLst/>
-          </a:prstGeom>
-          <a:noFill/>
-          <a:ln w="28575">
+            <a:off x="6194849" y="4661748"/>
+            <a:ext cx="583989" cy="338076"/>
+          </a:xfrm>
+          <a:prstGeom prst="can">
+            <a:avLst/>
+          </a:prstGeom>
+          <a:solidFill>
+            <a:srgbClr val="FFC000"/>
+          </a:solidFill>
+          <a:ln>
             <a:solidFill>
-              <a:srgbClr val="FF0000"/>
+              <a:schemeClr val="tx1"/>
             </a:solidFill>
           </a:ln>
         </p:spPr>
@@ -5327,41 +6660,179 @@
           <a:lstStyle/>
           <a:p>
             <a:pPr algn="ctr"/>
-            <a:r>
-              <a:rPr lang="en-US" b="1" dirty="0" smtClean="0">
-                <a:solidFill>
-                  <a:srgbClr val="FF0000"/>
-                </a:solidFill>
-              </a:rPr>
-              <a:t>1</a:t>
-            </a:r>
-            <a:endParaRPr lang="en-US" b="1" dirty="0">
-              <a:solidFill>
-                <a:srgbClr val="FF0000"/>
-              </a:solidFill>
-            </a:endParaRPr>
-          </a:p>
-        </p:txBody>
-      </p:sp>
-      <p:sp>
-        <p:nvSpPr>
-          <p:cNvPr id="42" name="Oval 41"/>
+            <a:endParaRPr lang="en-US"/>
+          </a:p>
+        </p:txBody>
+      </p:sp>
+      <p:cxnSp>
+        <p:nvCxnSpPr>
+          <p:cNvPr id="21" name="Straight Arrow Connector 20"/>
+          <p:cNvCxnSpPr>
+            <a:stCxn id="20" idx="2"/>
+            <a:endCxn id="19" idx="4"/>
+          </p:cNvCxnSpPr>
+          <p:nvPr/>
+        </p:nvCxnSpPr>
+        <p:spPr>
+          <a:xfrm flipH="1">
+            <a:off x="5556676" y="4830787"/>
+            <a:ext cx="638172" cy="12385"/>
+          </a:xfrm>
+          <a:prstGeom prst="straightConnector1">
+            <a:avLst/>
+          </a:prstGeom>
+          <a:ln>
+            <a:solidFill>
+              <a:schemeClr val="tx1"/>
+            </a:solidFill>
+            <a:prstDash val="dash"/>
+            <a:tailEnd type="triangle"/>
+          </a:ln>
+        </p:spPr>
+        <p:style>
+          <a:lnRef idx="1">
+            <a:schemeClr val="accent1"/>
+          </a:lnRef>
+          <a:fillRef idx="0">
+            <a:schemeClr val="accent1"/>
+          </a:fillRef>
+          <a:effectRef idx="0">
+            <a:schemeClr val="accent1"/>
+          </a:effectRef>
+          <a:fontRef idx="minor">
+            <a:schemeClr val="tx1"/>
+          </a:fontRef>
+        </p:style>
+      </p:cxnSp>
+      <p:grpSp>
+        <p:nvGrpSpPr>
+          <p:cNvPr id="22" name="Group 21"/>
+          <p:cNvGrpSpPr/>
+          <p:nvPr/>
+        </p:nvGrpSpPr>
+        <p:grpSpPr>
+          <a:xfrm>
+            <a:off x="8524396" y="2809038"/>
+            <a:ext cx="1447434" cy="1467320"/>
+            <a:chOff x="8558188" y="355292"/>
+            <a:chExt cx="2100143" cy="2379081"/>
+          </a:xfrm>
+        </p:grpSpPr>
+        <p:pic>
+          <p:nvPicPr>
+            <p:cNvPr id="23" name="Picture 22"/>
+            <p:cNvPicPr>
+              <a:picLocks noChangeAspect="1"/>
+            </p:cNvPicPr>
+            <p:nvPr/>
+          </p:nvPicPr>
+          <p:blipFill>
+            <a:blip r:embed="rId11"/>
+            <a:stretch>
+              <a:fillRect/>
+            </a:stretch>
+          </p:blipFill>
+          <p:spPr>
+            <a:xfrm>
+              <a:off x="8851486" y="363967"/>
+              <a:ext cx="1775358" cy="1187875"/>
+            </a:xfrm>
+            <a:prstGeom prst="rect">
+              <a:avLst/>
+            </a:prstGeom>
+          </p:spPr>
+        </p:pic>
+        <p:pic>
+          <p:nvPicPr>
+            <p:cNvPr id="24" name="Picture 23"/>
+            <p:cNvPicPr>
+              <a:picLocks noChangeAspect="1"/>
+            </p:cNvPicPr>
+            <p:nvPr/>
+          </p:nvPicPr>
+          <p:blipFill rotWithShape="1">
+            <a:blip r:embed="rId12"/>
+            <a:srcRect t="26433" r="58561" b="8275"/>
+            <a:stretch/>
+          </p:blipFill>
+          <p:spPr>
+            <a:xfrm>
+              <a:off x="8558188" y="355292"/>
+              <a:ext cx="1022297" cy="1206501"/>
+            </a:xfrm>
+            <a:prstGeom prst="rect">
+              <a:avLst/>
+            </a:prstGeom>
+          </p:spPr>
+        </p:pic>
+        <p:pic>
+          <p:nvPicPr>
+            <p:cNvPr id="25" name="Picture 24"/>
+            <p:cNvPicPr>
+              <a:picLocks noChangeAspect="1"/>
+            </p:cNvPicPr>
+            <p:nvPr/>
+          </p:nvPicPr>
+          <p:blipFill>
+            <a:blip r:embed="rId13"/>
+            <a:stretch>
+              <a:fillRect/>
+            </a:stretch>
+          </p:blipFill>
+          <p:spPr>
+            <a:xfrm>
+              <a:off x="8558188" y="1569177"/>
+              <a:ext cx="2100143" cy="1165196"/>
+            </a:xfrm>
+            <a:prstGeom prst="rect">
+              <a:avLst/>
+            </a:prstGeom>
+          </p:spPr>
+        </p:pic>
+      </p:grpSp>
+      <p:pic>
+        <p:nvPicPr>
+          <p:cNvPr id="26" name="Picture 25"/>
+          <p:cNvPicPr>
+            <a:picLocks noChangeAspect="1"/>
+          </p:cNvPicPr>
+          <p:nvPr/>
+        </p:nvPicPr>
+        <p:blipFill>
+          <a:blip r:embed="rId14"/>
+          <a:stretch>
+            <a:fillRect/>
+          </a:stretch>
+        </p:blipFill>
+        <p:spPr>
+          <a:xfrm>
+            <a:off x="8938695" y="5880529"/>
+            <a:ext cx="909732" cy="704758"/>
+          </a:xfrm>
+          <a:prstGeom prst="rect">
+            <a:avLst/>
+          </a:prstGeom>
+        </p:spPr>
+      </p:pic>
+      <p:sp>
+        <p:nvSpPr>
+          <p:cNvPr id="27" name="Flowchart: Alternate Process 26"/>
           <p:cNvSpPr/>
           <p:nvPr/>
         </p:nvSpPr>
         <p:spPr>
           <a:xfrm>
-            <a:off x="5910021" y="3234747"/>
-            <a:ext cx="283461" cy="302806"/>
-          </a:xfrm>
-          <a:prstGeom prst="ellipse">
-            <a:avLst/>
-          </a:prstGeom>
-          <a:noFill/>
-          <a:ln w="28575">
-            <a:solidFill>
-              <a:srgbClr val="FF0000"/>
-            </a:solidFill>
+            <a:off x="8567503" y="5708374"/>
+            <a:ext cx="627017" cy="404813"/>
+          </a:xfrm>
+          <a:prstGeom prst="flowChartAlternateProcess">
+            <a:avLst/>
+          </a:prstGeom>
+          <a:solidFill>
+            <a:srgbClr val="92D050"/>
+          </a:solidFill>
+          <a:ln>
+            <a:noFill/>
           </a:ln>
         </p:spPr>
         <p:style>
@@ -5386,40 +6857,71 @@
           <a:p>
             <a:pPr algn="ctr"/>
             <a:r>
-              <a:rPr lang="en-US" b="1" dirty="0" smtClean="0">
-                <a:solidFill>
-                  <a:srgbClr val="FF0000"/>
-                </a:solidFill>
-              </a:rPr>
-              <a:t>2</a:t>
-            </a:r>
-            <a:endParaRPr lang="en-US" b="1" dirty="0">
-              <a:solidFill>
-                <a:srgbClr val="FF0000"/>
-              </a:solidFill>
-            </a:endParaRPr>
-          </a:p>
-        </p:txBody>
-      </p:sp>
-      <p:sp>
-        <p:nvSpPr>
-          <p:cNvPr id="43" name="Oval 42"/>
-          <p:cNvSpPr/>
-          <p:nvPr/>
-        </p:nvSpPr>
-        <p:spPr>
-          <a:xfrm>
-            <a:off x="6215075" y="1337465"/>
-            <a:ext cx="283461" cy="302806"/>
-          </a:xfrm>
-          <a:prstGeom prst="ellipse">
-            <a:avLst/>
-          </a:prstGeom>
-          <a:noFill/>
+              <a:rPr lang="en-US" sz="800" b="1" dirty="0"/>
+              <a:t>SAVE</a:t>
+            </a:r>
+          </a:p>
+        </p:txBody>
+      </p:sp>
+      <p:cxnSp>
+        <p:nvCxnSpPr>
+          <p:cNvPr id="28" name="Straight Arrow Connector 27"/>
+          <p:cNvCxnSpPr>
+            <a:stCxn id="27" idx="3"/>
+            <a:endCxn id="29" idx="1"/>
+          </p:cNvCxnSpPr>
+          <p:nvPr/>
+        </p:nvCxnSpPr>
+        <p:spPr>
+          <a:xfrm flipV="1">
+            <a:off x="9194519" y="5910780"/>
+            <a:ext cx="287078" cy="1"/>
+          </a:xfrm>
+          <a:prstGeom prst="straightConnector1">
+            <a:avLst/>
+          </a:prstGeom>
           <a:ln w="28575">
             <a:solidFill>
               <a:srgbClr val="FF0000"/>
             </a:solidFill>
+            <a:prstDash val="solid"/>
+            <a:tailEnd type="triangle"/>
+          </a:ln>
+        </p:spPr>
+        <p:style>
+          <a:lnRef idx="1">
+            <a:schemeClr val="accent1"/>
+          </a:lnRef>
+          <a:fillRef idx="0">
+            <a:schemeClr val="accent1"/>
+          </a:fillRef>
+          <a:effectRef idx="0">
+            <a:schemeClr val="accent1"/>
+          </a:effectRef>
+          <a:fontRef idx="minor">
+            <a:schemeClr val="tx1"/>
+          </a:fontRef>
+        </p:style>
+      </p:cxnSp>
+      <p:sp>
+        <p:nvSpPr>
+          <p:cNvPr id="29" name="Flowchart: Alternate Process 28"/>
+          <p:cNvSpPr/>
+          <p:nvPr/>
+        </p:nvSpPr>
+        <p:spPr>
+          <a:xfrm>
+            <a:off x="9481598" y="5708373"/>
+            <a:ext cx="627017" cy="404813"/>
+          </a:xfrm>
+          <a:prstGeom prst="flowChartAlternateProcess">
+            <a:avLst/>
+          </a:prstGeom>
+          <a:solidFill>
+            <a:srgbClr val="FF0000"/>
+          </a:solidFill>
+          <a:ln>
+            <a:noFill/>
           </a:ln>
         </p:spPr>
         <p:style>
@@ -5444,40 +6946,31 @@
           <a:p>
             <a:pPr algn="ctr"/>
             <a:r>
-              <a:rPr lang="en-US" b="1" dirty="0" smtClean="0">
-                <a:solidFill>
-                  <a:srgbClr val="FF0000"/>
-                </a:solidFill>
-              </a:rPr>
-              <a:t>3</a:t>
-            </a:r>
-            <a:endParaRPr lang="en-US" b="1" dirty="0">
-              <a:solidFill>
-                <a:srgbClr val="FF0000"/>
-              </a:solidFill>
-            </a:endParaRPr>
-          </a:p>
-        </p:txBody>
-      </p:sp>
-      <p:sp>
-        <p:nvSpPr>
-          <p:cNvPr id="44" name="Oval 43"/>
+              <a:rPr lang="en-US" sz="800" b="1" dirty="0"/>
+              <a:t>Report</a:t>
+            </a:r>
+          </a:p>
+        </p:txBody>
+      </p:sp>
+      <p:sp>
+        <p:nvSpPr>
+          <p:cNvPr id="30" name="Down Arrow 29"/>
           <p:cNvSpPr/>
           <p:nvPr/>
         </p:nvSpPr>
         <p:spPr>
           <a:xfrm>
-            <a:off x="3865660" y="1774838"/>
-            <a:ext cx="283461" cy="302806"/>
-          </a:xfrm>
-          <a:prstGeom prst="ellipse">
-            <a:avLst/>
-          </a:prstGeom>
-          <a:noFill/>
-          <a:ln w="28575">
-            <a:solidFill>
-              <a:srgbClr val="FF0000"/>
-            </a:solidFill>
+            <a:off x="9121273" y="4329461"/>
+            <a:ext cx="279440" cy="468476"/>
+          </a:xfrm>
+          <a:prstGeom prst="downArrow">
+            <a:avLst/>
+          </a:prstGeom>
+          <a:solidFill>
+            <a:srgbClr val="FF0000"/>
+          </a:solidFill>
+          <a:ln>
+            <a:noFill/>
           </a:ln>
         </p:spPr>
         <p:style>
@@ -5501,50 +6994,318 @@
           <a:lstStyle/>
           <a:p>
             <a:pPr algn="ctr"/>
-            <a:r>
-              <a:rPr lang="en-US" b="1" dirty="0" smtClean="0">
+            <a:endParaRPr lang="en-US"/>
+          </a:p>
+        </p:txBody>
+      </p:sp>
+      <p:sp>
+        <p:nvSpPr>
+          <p:cNvPr id="31" name="TextBox 30"/>
+          <p:cNvSpPr txBox="1"/>
+          <p:nvPr/>
+        </p:nvSpPr>
+        <p:spPr>
+          <a:xfrm>
+            <a:off x="9460431" y="4959615"/>
+            <a:ext cx="819712" cy="276999"/>
+          </a:xfrm>
+          <a:prstGeom prst="rect">
+            <a:avLst/>
+          </a:prstGeom>
+          <a:noFill/>
+        </p:spPr>
+        <p:txBody>
+          <a:bodyPr wrap="none" rtlCol="0">
+            <a:spAutoFit/>
+          </a:bodyPr>
+          <a:lstStyle/>
+          <a:p>
+            <a:r>
+              <a:rPr lang="en-US" sz="1200" b="1" dirty="0"/>
+              <a:t>Education</a:t>
+            </a:r>
+          </a:p>
+        </p:txBody>
+      </p:sp>
+      <p:sp>
+        <p:nvSpPr>
+          <p:cNvPr id="32" name="Down Arrow 31"/>
+          <p:cNvSpPr/>
+          <p:nvPr/>
+        </p:nvSpPr>
+        <p:spPr>
+          <a:xfrm rot="7771335">
+            <a:off x="7640335" y="5101741"/>
+            <a:ext cx="279440" cy="1004775"/>
+          </a:xfrm>
+          <a:prstGeom prst="downArrow">
+            <a:avLst/>
+          </a:prstGeom>
+          <a:solidFill>
+            <a:schemeClr val="accent6"/>
+          </a:solidFill>
+          <a:ln>
+            <a:noFill/>
+          </a:ln>
+        </p:spPr>
+        <p:style>
+          <a:lnRef idx="2">
+            <a:schemeClr val="accent1">
+              <a:shade val="50000"/>
+            </a:schemeClr>
+          </a:lnRef>
+          <a:fillRef idx="1">
+            <a:schemeClr val="accent1"/>
+          </a:fillRef>
+          <a:effectRef idx="0">
+            <a:schemeClr val="accent1"/>
+          </a:effectRef>
+          <a:fontRef idx="minor">
+            <a:schemeClr val="lt1"/>
+          </a:fontRef>
+        </p:style>
+        <p:txBody>
+          <a:bodyPr rtlCol="0" anchor="ctr"/>
+          <a:lstStyle/>
+          <a:p>
+            <a:pPr algn="ctr"/>
+            <a:endParaRPr lang="en-US"/>
+          </a:p>
+        </p:txBody>
+      </p:sp>
+      <p:sp>
+        <p:nvSpPr>
+          <p:cNvPr id="33" name="TextBox 32"/>
+          <p:cNvSpPr txBox="1"/>
+          <p:nvPr/>
+        </p:nvSpPr>
+        <p:spPr>
+          <a:xfrm>
+            <a:off x="7303610" y="4959523"/>
+            <a:ext cx="1310439" cy="461665"/>
+          </a:xfrm>
+          <a:prstGeom prst="rect">
+            <a:avLst/>
+          </a:prstGeom>
+          <a:noFill/>
+        </p:spPr>
+        <p:txBody>
+          <a:bodyPr wrap="square" rtlCol="0">
+            <a:spAutoFit/>
+          </a:bodyPr>
+          <a:lstStyle/>
+          <a:p>
+            <a:pPr algn="r"/>
+            <a:r>
+              <a:rPr lang="en-US" sz="1200" b="1" dirty="0"/>
+              <a:t>Secret Diary, Report</a:t>
+            </a:r>
+          </a:p>
+        </p:txBody>
+      </p:sp>
+      <p:sp>
+        <p:nvSpPr>
+          <p:cNvPr id="34" name="Down Arrow 33"/>
+          <p:cNvSpPr/>
+          <p:nvPr/>
+        </p:nvSpPr>
+        <p:spPr>
+          <a:xfrm rot="3534601">
+            <a:off x="3621845" y="4900103"/>
+            <a:ext cx="279440" cy="1015475"/>
+          </a:xfrm>
+          <a:prstGeom prst="downArrow">
+            <a:avLst/>
+          </a:prstGeom>
+          <a:solidFill>
+            <a:schemeClr val="accent6"/>
+          </a:solidFill>
+          <a:ln>
+            <a:noFill/>
+          </a:ln>
+        </p:spPr>
+        <p:style>
+          <a:lnRef idx="2">
+            <a:schemeClr val="accent1">
+              <a:shade val="50000"/>
+            </a:schemeClr>
+          </a:lnRef>
+          <a:fillRef idx="1">
+            <a:schemeClr val="accent1"/>
+          </a:fillRef>
+          <a:effectRef idx="0">
+            <a:schemeClr val="accent1"/>
+          </a:effectRef>
+          <a:fontRef idx="minor">
+            <a:schemeClr val="lt1"/>
+          </a:fontRef>
+        </p:style>
+        <p:txBody>
+          <a:bodyPr rtlCol="0" anchor="ctr"/>
+          <a:lstStyle/>
+          <a:p>
+            <a:pPr algn="ctr"/>
+            <a:endParaRPr lang="en-US"/>
+          </a:p>
+        </p:txBody>
+      </p:sp>
+      <p:sp>
+        <p:nvSpPr>
+          <p:cNvPr id="35" name="TextBox 34"/>
+          <p:cNvSpPr txBox="1"/>
+          <p:nvPr/>
+        </p:nvSpPr>
+        <p:spPr>
+          <a:xfrm>
+            <a:off x="3882361" y="2806246"/>
+            <a:ext cx="4289891" cy="276999"/>
+          </a:xfrm>
+          <a:prstGeom prst="rect">
+            <a:avLst/>
+          </a:prstGeom>
+          <a:noFill/>
+        </p:spPr>
+        <p:txBody>
+          <a:bodyPr wrap="square" rtlCol="0">
+            <a:spAutoFit/>
+          </a:bodyPr>
+          <a:lstStyle/>
+          <a:p>
+            <a:r>
+              <a:rPr lang="en-US" sz="1200" b="1" dirty="0"/>
+              <a:t>Protection, Investigation, Intervention, and Correction </a:t>
+            </a:r>
+          </a:p>
+        </p:txBody>
+      </p:sp>
+      <p:sp>
+        <p:nvSpPr>
+          <p:cNvPr id="6" name="TextBox 5"/>
+          <p:cNvSpPr txBox="1"/>
+          <p:nvPr/>
+        </p:nvSpPr>
+        <p:spPr>
+          <a:xfrm>
+            <a:off x="2827577" y="4661749"/>
+            <a:ext cx="396262" cy="276999"/>
+          </a:xfrm>
+          <a:prstGeom prst="rect">
+            <a:avLst/>
+          </a:prstGeom>
+          <a:solidFill>
+            <a:schemeClr val="bg1"/>
+          </a:solidFill>
+        </p:spPr>
+        <p:txBody>
+          <a:bodyPr wrap="none" rtlCol="0">
+            <a:spAutoFit/>
+          </a:bodyPr>
+          <a:lstStyle/>
+          <a:p>
+            <a:r>
+              <a:rPr lang="en-US" sz="1200" b="1" dirty="0"/>
+              <a:t>GIS</a:t>
+            </a:r>
+          </a:p>
+        </p:txBody>
+      </p:sp>
+      <p:sp>
+        <p:nvSpPr>
+          <p:cNvPr id="36" name="Rectangle 35"/>
+          <p:cNvSpPr/>
+          <p:nvPr/>
+        </p:nvSpPr>
+        <p:spPr>
+          <a:xfrm>
+            <a:off x="1402332" y="1349167"/>
+            <a:ext cx="8836408" cy="1323439"/>
+          </a:xfrm>
+          <a:prstGeom prst="rect">
+            <a:avLst/>
+          </a:prstGeom>
+        </p:spPr>
+        <p:txBody>
+          <a:bodyPr wrap="square">
+            <a:spAutoFit/>
+          </a:bodyPr>
+          <a:lstStyle/>
+          <a:p>
+            <a:pPr marL="285750" indent="-285750">
+              <a:buFont typeface="Arial" panose="020B0604020202020204" pitchFamily="34" charset="0"/>
+              <a:buChar char="•"/>
+            </a:pPr>
+            <a:r>
+              <a:rPr lang="en-US" sz="1600" dirty="0"/>
+              <a:t>The system consists of a front-end smartphone application, intelligent </a:t>
+            </a:r>
+            <a:r>
+              <a:rPr lang="en-US" sz="1600" dirty="0">
                 <a:solidFill>
                   <a:srgbClr val="FF0000"/>
                 </a:solidFill>
               </a:rPr>
-              <a:t>4</a:t>
-            </a:r>
-            <a:endParaRPr lang="en-US" b="1" dirty="0">
-              <a:solidFill>
-                <a:srgbClr val="FF0000"/>
-              </a:solidFill>
-            </a:endParaRPr>
-          </a:p>
-        </p:txBody>
-      </p:sp>
-      <p:pic>
-        <p:nvPicPr>
-          <p:cNvPr id="35" name="Picture 34"/>
-          <p:cNvPicPr>
-            <a:picLocks noChangeAspect="1"/>
-          </p:cNvPicPr>
-          <p:nvPr/>
-        </p:nvPicPr>
-        <p:blipFill>
-          <a:blip r:embed="rId9"/>
-          <a:stretch>
-            <a:fillRect/>
-          </a:stretch>
-        </p:blipFill>
-        <p:spPr>
-          <a:xfrm>
-            <a:off x="4550874" y="3184371"/>
-            <a:ext cx="479959" cy="403557"/>
-          </a:xfrm>
-          <a:prstGeom prst="rect">
-            <a:avLst/>
-          </a:prstGeom>
-        </p:spPr>
-      </p:pic>
+              <a:t>big data analysis </a:t>
+            </a:r>
+            <a:r>
+              <a:rPr lang="en-US" sz="1600" dirty="0"/>
+              <a:t>tools, and a secure back-end cloud system. </a:t>
+            </a:r>
+          </a:p>
+          <a:p>
+            <a:pPr marL="285750" indent="-285750">
+              <a:buFont typeface="Arial" panose="020B0604020202020204" pitchFamily="34" charset="0"/>
+              <a:buChar char="•"/>
+            </a:pPr>
+            <a:r>
+              <a:rPr lang="en-US" sz="1600" dirty="0"/>
+              <a:t>The service enables easy-to-use </a:t>
+            </a:r>
+            <a:r>
+              <a:rPr lang="en-US" sz="1600" dirty="0">
+                <a:solidFill>
+                  <a:srgbClr val="FF0000"/>
+                </a:solidFill>
+              </a:rPr>
+              <a:t>secret diary </a:t>
+            </a:r>
+            <a:r>
+              <a:rPr lang="en-US" sz="1600" dirty="0"/>
+              <a:t>and  </a:t>
+            </a:r>
+            <a:r>
+              <a:rPr lang="en-US" sz="1600" dirty="0">
+                <a:solidFill>
+                  <a:srgbClr val="FF0000"/>
+                </a:solidFill>
+              </a:rPr>
+              <a:t>subject-matter expert (SME) led education </a:t>
+            </a:r>
+            <a:r>
+              <a:rPr lang="en-US" sz="1600" dirty="0"/>
+              <a:t>for potential victims as well as generates SA related big data while ensuring the </a:t>
+            </a:r>
+            <a:r>
+              <a:rPr lang="en-US" sz="1600" dirty="0">
+                <a:solidFill>
+                  <a:srgbClr val="FF0000"/>
+                </a:solidFill>
+              </a:rPr>
+              <a:t>privacy &amp; security</a:t>
+            </a:r>
+            <a:r>
+              <a:rPr lang="en-US" sz="1600" dirty="0"/>
+              <a:t>.</a:t>
+            </a:r>
+          </a:p>
+          <a:p>
+            <a:endParaRPr lang="en-US" sz="1600" dirty="0"/>
+          </a:p>
+        </p:txBody>
+      </p:sp>
     </p:spTree>
     <p:extLst>
       <p:ext uri="{BB962C8B-B14F-4D97-AF65-F5344CB8AC3E}">
-        <p14:creationId xmlns:p14="http://schemas.microsoft.com/office/powerpoint/2010/main" val="3618688566"/>
+        <p14:creationId xmlns:p14="http://schemas.microsoft.com/office/powerpoint/2010/main" val="3926410095"/>
       </p:ext>
     </p:extLst>
   </p:cSld>
@@ -5580,143 +7341,18 @@
       </p:grpSpPr>
       <p:sp>
         <p:nvSpPr>
-          <p:cNvPr id="2" name="TextBox 1"/>
-          <p:cNvSpPr txBox="1"/>
-          <p:nvPr/>
-        </p:nvSpPr>
-        <p:spPr>
-          <a:xfrm>
-            <a:off x="1009290" y="546152"/>
-            <a:ext cx="9118121" cy="1631216"/>
-          </a:xfrm>
-          <a:prstGeom prst="rect">
-            <a:avLst/>
-          </a:prstGeom>
-          <a:noFill/>
-        </p:spPr>
-        <p:txBody>
-          <a:bodyPr wrap="square" rtlCol="0">
-            <a:spAutoFit/>
-          </a:bodyPr>
-          <a:lstStyle/>
-          <a:p>
-            <a:r>
-              <a:rPr lang="en-US" sz="2000" dirty="0" smtClean="0"/>
-              <a:t>The SANE app can be used for the </a:t>
-            </a:r>
-            <a:r>
-              <a:rPr lang="en-US" sz="2000" dirty="0" smtClean="0"/>
-              <a:t>educational purposes:</a:t>
-            </a:r>
-            <a:endParaRPr lang="en-US" sz="2000" dirty="0" smtClean="0"/>
-          </a:p>
-          <a:p>
-            <a:pPr marL="285750" indent="-285750">
-              <a:buFont typeface="Arial" panose="020B0604020202020204" pitchFamily="34" charset="0"/>
-              <a:buChar char="•"/>
-            </a:pPr>
-            <a:r>
-              <a:rPr lang="en-US" sz="2000" dirty="0" smtClean="0"/>
-              <a:t>Minors may not understand consent and what </a:t>
-            </a:r>
-            <a:r>
-              <a:rPr lang="en-US" sz="2000" dirty="0" smtClean="0"/>
-              <a:t>sexual assault is</a:t>
-            </a:r>
-            <a:r>
-              <a:rPr lang="en-US" sz="2000" dirty="0" smtClean="0"/>
-              <a:t> </a:t>
-            </a:r>
-            <a:endParaRPr lang="en-US" sz="2000" dirty="0" smtClean="0"/>
-          </a:p>
-          <a:p>
-            <a:pPr marL="285750" indent="-285750">
-              <a:buFont typeface="Arial" panose="020B0604020202020204" pitchFamily="34" charset="0"/>
-              <a:buChar char="•"/>
-            </a:pPr>
-            <a:r>
-              <a:rPr lang="en-US" sz="2000" dirty="0" smtClean="0"/>
-              <a:t>It </a:t>
-            </a:r>
-            <a:r>
-              <a:rPr lang="en-US" sz="2000" dirty="0" smtClean="0"/>
-              <a:t>starts </a:t>
-            </a:r>
-            <a:r>
-              <a:rPr lang="en-US" sz="2000" dirty="0" smtClean="0"/>
-              <a:t>with </a:t>
-            </a:r>
-            <a:r>
-              <a:rPr lang="en-US" sz="2000" dirty="0" smtClean="0"/>
-              <a:t>simple </a:t>
-            </a:r>
-            <a:r>
-              <a:rPr lang="en-US" sz="2000" dirty="0" smtClean="0"/>
-              <a:t>questions, leading to more targeted questions</a:t>
-            </a:r>
-            <a:endParaRPr lang="en-US" sz="2000" dirty="0" smtClean="0"/>
-          </a:p>
-          <a:p>
-            <a:pPr marL="285750" indent="-285750">
-              <a:buFont typeface="Arial" panose="020B0604020202020204" pitchFamily="34" charset="0"/>
-              <a:buChar char="•"/>
-            </a:pPr>
-            <a:r>
-              <a:rPr lang="en-US" sz="2000" dirty="0" smtClean="0"/>
-              <a:t>During the Q&amp;A process the screen color will </a:t>
-            </a:r>
-            <a:r>
-              <a:rPr lang="en-US" sz="2000" dirty="0" smtClean="0"/>
-              <a:t>turn</a:t>
-            </a:r>
-            <a:r>
-              <a:rPr lang="en-US" sz="2000" dirty="0" smtClean="0"/>
-              <a:t> </a:t>
-            </a:r>
-            <a:r>
-              <a:rPr lang="en-US" sz="2000" dirty="0" smtClean="0"/>
-              <a:t>“</a:t>
-            </a:r>
-            <a:r>
-              <a:rPr lang="en-US" sz="2000" dirty="0" smtClean="0">
-                <a:solidFill>
-                  <a:srgbClr val="FF0000"/>
-                </a:solidFill>
-              </a:rPr>
-              <a:t>RED</a:t>
-            </a:r>
-            <a:r>
-              <a:rPr lang="en-US" sz="2000" dirty="0" smtClean="0"/>
-              <a:t>” </a:t>
-            </a:r>
-            <a:r>
-              <a:rPr lang="en-US" sz="2000" dirty="0" smtClean="0"/>
-              <a:t>as the situation becomes serious enough </a:t>
-            </a:r>
-            <a:r>
-              <a:rPr lang="en-US" sz="2000" dirty="0" smtClean="0"/>
-              <a:t>to report</a:t>
-            </a:r>
-          </a:p>
-        </p:txBody>
-      </p:sp>
-      <p:sp>
-        <p:nvSpPr>
-          <p:cNvPr id="3" name="Rounded Rectangle 2"/>
+          <p:cNvPr id="5" name="Can 4"/>
           <p:cNvSpPr/>
           <p:nvPr/>
         </p:nvSpPr>
         <p:spPr>
           <a:xfrm>
-            <a:off x="1500995" y="2587924"/>
-            <a:ext cx="2147978" cy="1880558"/>
-          </a:xfrm>
-          <a:prstGeom prst="roundRect">
-            <a:avLst/>
-          </a:prstGeom>
-          <a:solidFill>
-            <a:srgbClr val="92D050"/>
-          </a:solidFill>
+            <a:off x="4488382" y="1684199"/>
+            <a:ext cx="1599372" cy="841288"/>
+          </a:xfrm>
+          <a:prstGeom prst="can">
+            <a:avLst/>
+          </a:prstGeom>
         </p:spPr>
         <p:style>
           <a:lnRef idx="2">
@@ -5739,72 +7375,27 @@
           <a:lstStyle/>
           <a:p>
             <a:pPr algn="ctr"/>
-            <a:endParaRPr lang="en-US" dirty="0"/>
-          </a:p>
-        </p:txBody>
-      </p:sp>
-      <p:sp>
-        <p:nvSpPr>
-          <p:cNvPr id="10" name="TextBox 9"/>
-          <p:cNvSpPr txBox="1"/>
-          <p:nvPr/>
-        </p:nvSpPr>
-        <p:spPr>
-          <a:xfrm>
-            <a:off x="1500995" y="2905042"/>
-            <a:ext cx="2070760" cy="1015663"/>
-          </a:xfrm>
-          <a:prstGeom prst="rect">
-            <a:avLst/>
-          </a:prstGeom>
-          <a:noFill/>
-        </p:spPr>
-        <p:txBody>
-          <a:bodyPr wrap="none" rtlCol="0">
-            <a:spAutoFit/>
-          </a:bodyPr>
-          <a:lstStyle/>
-          <a:p>
-            <a:r>
-              <a:rPr lang="en-US" sz="1200" b="1" dirty="0" smtClean="0"/>
-              <a:t>Q1. do you know the person?</a:t>
-            </a:r>
-          </a:p>
-          <a:p>
-            <a:endParaRPr lang="en-US" sz="1200" b="1" dirty="0"/>
-          </a:p>
-          <a:p>
-            <a:r>
-              <a:rPr lang="en-US" sz="1200" b="1" dirty="0" smtClean="0"/>
-              <a:t>Q2. How long …?</a:t>
-            </a:r>
-          </a:p>
-          <a:p>
-            <a:endParaRPr lang="en-US" sz="1200" b="1" dirty="0"/>
-          </a:p>
-          <a:p>
-            <a:r>
-              <a:rPr lang="en-US" sz="1200" b="1" dirty="0" smtClean="0"/>
-              <a:t>…. </a:t>
-            </a:r>
-            <a:endParaRPr lang="en-US" sz="1200" b="1" dirty="0"/>
-          </a:p>
-        </p:txBody>
-      </p:sp>
-      <p:sp>
-        <p:nvSpPr>
-          <p:cNvPr id="11" name="Right Arrow 10"/>
+            <a:endParaRPr lang="en-US"/>
+          </a:p>
+        </p:txBody>
+      </p:sp>
+      <p:sp>
+        <p:nvSpPr>
+          <p:cNvPr id="6" name="Can 5"/>
           <p:cNvSpPr/>
           <p:nvPr/>
         </p:nvSpPr>
         <p:spPr>
           <a:xfrm>
-            <a:off x="4071666" y="3342735"/>
-            <a:ext cx="681487" cy="370936"/>
-          </a:xfrm>
-          <a:prstGeom prst="rightArrow">
-            <a:avLst/>
-          </a:prstGeom>
+            <a:off x="6680620" y="1881051"/>
+            <a:ext cx="1443793" cy="644435"/>
+          </a:xfrm>
+          <a:prstGeom prst="can">
+            <a:avLst/>
+          </a:prstGeom>
+          <a:solidFill>
+            <a:srgbClr val="FFC000"/>
+          </a:solidFill>
         </p:spPr>
         <p:style>
           <a:lnRef idx="2">
@@ -5833,24 +7424,187 @@
       </p:sp>
       <p:sp>
         <p:nvSpPr>
-          <p:cNvPr id="12" name="Rounded Rectangle 11"/>
+          <p:cNvPr id="7" name="TextBox 6"/>
+          <p:cNvSpPr txBox="1"/>
+          <p:nvPr/>
+        </p:nvSpPr>
+        <p:spPr>
+          <a:xfrm>
+            <a:off x="6698039" y="2107474"/>
+            <a:ext cx="1538370" cy="307777"/>
+          </a:xfrm>
+          <a:prstGeom prst="rect">
+            <a:avLst/>
+          </a:prstGeom>
+          <a:noFill/>
+        </p:spPr>
+        <p:txBody>
+          <a:bodyPr wrap="none" rtlCol="0">
+            <a:spAutoFit/>
+          </a:bodyPr>
+          <a:lstStyle/>
+          <a:p>
+            <a:r>
+              <a:rPr lang="en-US" sz="1400" dirty="0" smtClean="0"/>
+              <a:t>Secured Identities </a:t>
+            </a:r>
+            <a:endParaRPr lang="en-US" sz="1400" dirty="0"/>
+          </a:p>
+        </p:txBody>
+      </p:sp>
+      <p:sp>
+        <p:nvSpPr>
+          <p:cNvPr id="8" name="TextBox 7"/>
+          <p:cNvSpPr txBox="1"/>
+          <p:nvPr/>
+        </p:nvSpPr>
+        <p:spPr>
+          <a:xfrm>
+            <a:off x="4693074" y="2029097"/>
+            <a:ext cx="1180644" cy="307777"/>
+          </a:xfrm>
+          <a:prstGeom prst="rect">
+            <a:avLst/>
+          </a:prstGeom>
+          <a:noFill/>
+        </p:spPr>
+        <p:txBody>
+          <a:bodyPr wrap="none" rtlCol="0">
+            <a:spAutoFit/>
+          </a:bodyPr>
+          <a:lstStyle/>
+          <a:p>
+            <a:r>
+              <a:rPr lang="en-US" sz="1400" dirty="0" smtClean="0"/>
+              <a:t>General Data </a:t>
+            </a:r>
+            <a:endParaRPr lang="en-US" sz="1400" dirty="0"/>
+          </a:p>
+        </p:txBody>
+      </p:sp>
+      <p:sp>
+        <p:nvSpPr>
+          <p:cNvPr id="11" name="TextBox 10"/>
+          <p:cNvSpPr txBox="1"/>
+          <p:nvPr/>
+        </p:nvSpPr>
+        <p:spPr>
+          <a:xfrm>
+            <a:off x="6015688" y="798329"/>
+            <a:ext cx="683136" cy="369332"/>
+          </a:xfrm>
+          <a:prstGeom prst="rect">
+            <a:avLst/>
+          </a:prstGeom>
+          <a:noFill/>
+        </p:spPr>
+        <p:txBody>
+          <a:bodyPr wrap="none" rtlCol="0">
+            <a:spAutoFit/>
+          </a:bodyPr>
+          <a:lstStyle/>
+          <a:p>
+            <a:r>
+              <a:rPr lang="en-US" dirty="0" smtClean="0"/>
+              <a:t>SANE</a:t>
+            </a:r>
+            <a:endParaRPr lang="en-US" dirty="0"/>
+          </a:p>
+        </p:txBody>
+      </p:sp>
+      <p:pic>
+        <p:nvPicPr>
+          <p:cNvPr id="13" name="Picture 12"/>
+          <p:cNvPicPr>
+            <a:picLocks noChangeAspect="1"/>
+          </p:cNvPicPr>
+          <p:nvPr/>
+        </p:nvPicPr>
+        <p:blipFill>
+          <a:blip r:embed="rId2"/>
+          <a:stretch>
+            <a:fillRect/>
+          </a:stretch>
+        </p:blipFill>
+        <p:spPr>
+          <a:xfrm>
+            <a:off x="1035610" y="1149641"/>
+            <a:ext cx="1222067" cy="1222067"/>
+          </a:xfrm>
+          <a:prstGeom prst="rect">
+            <a:avLst/>
+          </a:prstGeom>
+        </p:spPr>
+      </p:pic>
+      <p:pic>
+        <p:nvPicPr>
+          <p:cNvPr id="14" name="Picture 13"/>
+          <p:cNvPicPr>
+            <a:picLocks noChangeAspect="1"/>
+          </p:cNvPicPr>
+          <p:nvPr/>
+        </p:nvPicPr>
+        <p:blipFill>
+          <a:blip r:embed="rId3"/>
+          <a:stretch>
+            <a:fillRect/>
+          </a:stretch>
+        </p:blipFill>
+        <p:spPr>
+          <a:xfrm>
+            <a:off x="2681773" y="1654025"/>
+            <a:ext cx="750581" cy="1340323"/>
+          </a:xfrm>
+          <a:prstGeom prst="rect">
+            <a:avLst/>
+          </a:prstGeom>
+        </p:spPr>
+      </p:pic>
+      <p:pic>
+        <p:nvPicPr>
+          <p:cNvPr id="15" name="Picture 14"/>
+          <p:cNvPicPr>
+            <a:picLocks noChangeAspect="1"/>
+          </p:cNvPicPr>
+          <p:nvPr/>
+        </p:nvPicPr>
+        <p:blipFill>
+          <a:blip r:embed="rId4"/>
+          <a:stretch>
+            <a:fillRect/>
+          </a:stretch>
+        </p:blipFill>
+        <p:spPr>
+          <a:xfrm>
+            <a:off x="980566" y="2792570"/>
+            <a:ext cx="1534576" cy="1150932"/>
+          </a:xfrm>
+          <a:prstGeom prst="rect">
+            <a:avLst/>
+          </a:prstGeom>
+        </p:spPr>
+      </p:pic>
+      <p:sp>
+        <p:nvSpPr>
+          <p:cNvPr id="17" name="Oval 16"/>
           <p:cNvSpPr/>
           <p:nvPr/>
         </p:nvSpPr>
         <p:spPr>
           <a:xfrm>
-            <a:off x="5069456" y="2587924"/>
-            <a:ext cx="2147978" cy="1880558"/>
-          </a:xfrm>
-          <a:prstGeom prst="roundRect">
-            <a:avLst/>
-          </a:prstGeom>
-          <a:solidFill>
-            <a:schemeClr val="accent2">
-              <a:lumMod val="40000"/>
-              <a:lumOff val="60000"/>
-            </a:schemeClr>
-          </a:solidFill>
+            <a:off x="3997234" y="1282347"/>
+            <a:ext cx="4720045" cy="1958029"/>
+          </a:xfrm>
+          <a:prstGeom prst="ellipse">
+            <a:avLst/>
+          </a:prstGeom>
+          <a:noFill/>
+          <a:ln>
+            <a:solidFill>
+              <a:srgbClr val="FF0000"/>
+            </a:solidFill>
+            <a:prstDash val="dash"/>
+          </a:ln>
         </p:spPr>
         <p:style>
           <a:lnRef idx="2">
@@ -5873,778 +7627,10 @@
           <a:lstStyle/>
           <a:p>
             <a:pPr algn="ctr"/>
-            <a:endParaRPr lang="en-US" dirty="0"/>
-          </a:p>
-        </p:txBody>
-      </p:sp>
-      <p:sp>
-        <p:nvSpPr>
-          <p:cNvPr id="13" name="TextBox 12"/>
-          <p:cNvSpPr txBox="1"/>
-          <p:nvPr/>
-        </p:nvSpPr>
-        <p:spPr>
-          <a:xfrm>
-            <a:off x="5103960" y="2905042"/>
-            <a:ext cx="1809726" cy="1015663"/>
-          </a:xfrm>
-          <a:prstGeom prst="rect">
-            <a:avLst/>
-          </a:prstGeom>
-          <a:solidFill>
-            <a:schemeClr val="accent2">
-              <a:lumMod val="40000"/>
-              <a:lumOff val="60000"/>
-            </a:schemeClr>
-          </a:solidFill>
-        </p:spPr>
-        <p:txBody>
-          <a:bodyPr wrap="none" rtlCol="0">
-            <a:spAutoFit/>
-          </a:bodyPr>
-          <a:lstStyle/>
-          <a:p>
-            <a:r>
-              <a:rPr lang="en-US" sz="1200" b="1" dirty="0" smtClean="0"/>
-              <a:t>Q1. How open do you …?</a:t>
-            </a:r>
-          </a:p>
-          <a:p>
-            <a:endParaRPr lang="en-US" sz="1200" b="1" dirty="0"/>
-          </a:p>
-          <a:p>
-            <a:r>
-              <a:rPr lang="en-US" sz="1200" b="1" dirty="0" smtClean="0"/>
-              <a:t>Q2. How long …?</a:t>
-            </a:r>
-          </a:p>
-          <a:p>
-            <a:endParaRPr lang="en-US" sz="1200" b="1" dirty="0"/>
-          </a:p>
-          <a:p>
-            <a:r>
-              <a:rPr lang="en-US" sz="1200" b="1" dirty="0" smtClean="0"/>
-              <a:t>…. </a:t>
-            </a:r>
-            <a:endParaRPr lang="en-US" sz="1200" b="1" dirty="0"/>
-          </a:p>
-        </p:txBody>
-      </p:sp>
-      <p:sp>
-        <p:nvSpPr>
-          <p:cNvPr id="14" name="Right Arrow 13"/>
-          <p:cNvSpPr/>
-          <p:nvPr/>
-        </p:nvSpPr>
-        <p:spPr>
-          <a:xfrm>
-            <a:off x="7648753" y="3342735"/>
-            <a:ext cx="681487" cy="370936"/>
-          </a:xfrm>
-          <a:prstGeom prst="rightArrow">
-            <a:avLst/>
-          </a:prstGeom>
-        </p:spPr>
-        <p:style>
-          <a:lnRef idx="2">
-            <a:schemeClr val="accent1">
-              <a:shade val="50000"/>
-            </a:schemeClr>
-          </a:lnRef>
-          <a:fillRef idx="1">
-            <a:schemeClr val="accent1"/>
-          </a:fillRef>
-          <a:effectRef idx="0">
-            <a:schemeClr val="accent1"/>
-          </a:effectRef>
-          <a:fontRef idx="minor">
-            <a:schemeClr val="lt1"/>
-          </a:fontRef>
-        </p:style>
-        <p:txBody>
-          <a:bodyPr rtlCol="0" anchor="ctr"/>
-          <a:lstStyle/>
-          <a:p>
-            <a:pPr algn="ctr"/>
             <a:endParaRPr lang="en-US"/>
           </a:p>
         </p:txBody>
       </p:sp>
-      <p:sp>
-        <p:nvSpPr>
-          <p:cNvPr id="15" name="Rounded Rectangle 14"/>
-          <p:cNvSpPr/>
-          <p:nvPr/>
-        </p:nvSpPr>
-        <p:spPr>
-          <a:xfrm>
-            <a:off x="8637917" y="2587924"/>
-            <a:ext cx="2147978" cy="1880558"/>
-          </a:xfrm>
-          <a:prstGeom prst="roundRect">
-            <a:avLst/>
-          </a:prstGeom>
-          <a:solidFill>
-            <a:srgbClr val="FF0000"/>
-          </a:solidFill>
-        </p:spPr>
-        <p:style>
-          <a:lnRef idx="2">
-            <a:schemeClr val="accent1">
-              <a:shade val="50000"/>
-            </a:schemeClr>
-          </a:lnRef>
-          <a:fillRef idx="1">
-            <a:schemeClr val="accent1"/>
-          </a:fillRef>
-          <a:effectRef idx="0">
-            <a:schemeClr val="accent1"/>
-          </a:effectRef>
-          <a:fontRef idx="minor">
-            <a:schemeClr val="lt1"/>
-          </a:fontRef>
-        </p:style>
-        <p:txBody>
-          <a:bodyPr rtlCol="0" anchor="ctr"/>
-          <a:lstStyle/>
-          <a:p>
-            <a:pPr algn="ctr"/>
-            <a:endParaRPr lang="en-US" dirty="0"/>
-          </a:p>
-        </p:txBody>
-      </p:sp>
-      <p:sp>
-        <p:nvSpPr>
-          <p:cNvPr id="16" name="TextBox 15"/>
-          <p:cNvSpPr txBox="1"/>
-          <p:nvPr/>
-        </p:nvSpPr>
-        <p:spPr>
-          <a:xfrm>
-            <a:off x="8672421" y="2905042"/>
-            <a:ext cx="1271182" cy="1015663"/>
-          </a:xfrm>
-          <a:prstGeom prst="rect">
-            <a:avLst/>
-          </a:prstGeom>
-          <a:solidFill>
-            <a:srgbClr val="FF0000"/>
-          </a:solidFill>
-          <a:ln>
-            <a:noFill/>
-          </a:ln>
-        </p:spPr>
-        <p:txBody>
-          <a:bodyPr wrap="none" rtlCol="0">
-            <a:spAutoFit/>
-          </a:bodyPr>
-          <a:lstStyle/>
-          <a:p>
-            <a:r>
-              <a:rPr lang="en-US" sz="1200" b="1" dirty="0" smtClean="0"/>
-              <a:t>Q1. Are you …?</a:t>
-            </a:r>
-          </a:p>
-          <a:p>
-            <a:endParaRPr lang="en-US" sz="1200" b="1" dirty="0"/>
-          </a:p>
-          <a:p>
-            <a:r>
-              <a:rPr lang="en-US" sz="1200" b="1" dirty="0" smtClean="0"/>
-              <a:t>Q2. How long …?</a:t>
-            </a:r>
-          </a:p>
-          <a:p>
-            <a:endParaRPr lang="en-US" sz="1200" b="1" dirty="0"/>
-          </a:p>
-          <a:p>
-            <a:r>
-              <a:rPr lang="en-US" sz="1200" b="1" dirty="0" smtClean="0"/>
-              <a:t>…. </a:t>
-            </a:r>
-            <a:endParaRPr lang="en-US" sz="1200" b="1" dirty="0"/>
-          </a:p>
-        </p:txBody>
-      </p:sp>
-      <p:sp>
-        <p:nvSpPr>
-          <p:cNvPr id="17" name="Rounded Rectangle 16"/>
-          <p:cNvSpPr/>
-          <p:nvPr/>
-        </p:nvSpPr>
-        <p:spPr>
-          <a:xfrm>
-            <a:off x="9325154" y="4054414"/>
-            <a:ext cx="793630" cy="284672"/>
-          </a:xfrm>
-          <a:prstGeom prst="roundRect">
-            <a:avLst/>
-          </a:prstGeom>
-        </p:spPr>
-        <p:style>
-          <a:lnRef idx="2">
-            <a:schemeClr val="accent1">
-              <a:shade val="50000"/>
-            </a:schemeClr>
-          </a:lnRef>
-          <a:fillRef idx="1">
-            <a:schemeClr val="accent1"/>
-          </a:fillRef>
-          <a:effectRef idx="0">
-            <a:schemeClr val="accent1"/>
-          </a:effectRef>
-          <a:fontRef idx="minor">
-            <a:schemeClr val="lt1"/>
-          </a:fontRef>
-        </p:style>
-        <p:txBody>
-          <a:bodyPr rtlCol="0" anchor="ctr"/>
-          <a:lstStyle/>
-          <a:p>
-            <a:pPr algn="ctr"/>
-            <a:r>
-              <a:rPr lang="en-US" sz="1200" dirty="0" smtClean="0"/>
-              <a:t>Report</a:t>
-            </a:r>
-            <a:endParaRPr lang="en-US" sz="1200" dirty="0"/>
-          </a:p>
-        </p:txBody>
-      </p:sp>
-      <p:sp>
-        <p:nvSpPr>
-          <p:cNvPr id="18" name="Rounded Rectangle 17"/>
-          <p:cNvSpPr/>
-          <p:nvPr/>
-        </p:nvSpPr>
-        <p:spPr>
-          <a:xfrm>
-            <a:off x="5746630" y="4095487"/>
-            <a:ext cx="793630" cy="284672"/>
-          </a:xfrm>
-          <a:prstGeom prst="roundRect">
-            <a:avLst/>
-          </a:prstGeom>
-        </p:spPr>
-        <p:style>
-          <a:lnRef idx="2">
-            <a:schemeClr val="accent1">
-              <a:shade val="50000"/>
-            </a:schemeClr>
-          </a:lnRef>
-          <a:fillRef idx="1">
-            <a:schemeClr val="accent1"/>
-          </a:fillRef>
-          <a:effectRef idx="0">
-            <a:schemeClr val="accent1"/>
-          </a:effectRef>
-          <a:fontRef idx="minor">
-            <a:schemeClr val="lt1"/>
-          </a:fontRef>
-        </p:style>
-        <p:txBody>
-          <a:bodyPr rtlCol="0" anchor="ctr"/>
-          <a:lstStyle/>
-          <a:p>
-            <a:pPr algn="ctr"/>
-            <a:r>
-              <a:rPr lang="en-US" sz="1200" dirty="0" smtClean="0"/>
-              <a:t>Save</a:t>
-            </a:r>
-            <a:endParaRPr lang="en-US" sz="1200" dirty="0"/>
-          </a:p>
-        </p:txBody>
-      </p:sp>
-      <p:sp>
-        <p:nvSpPr>
-          <p:cNvPr id="19" name="Rounded Rectangle 18"/>
-          <p:cNvSpPr/>
-          <p:nvPr/>
-        </p:nvSpPr>
-        <p:spPr>
-          <a:xfrm>
-            <a:off x="2139560" y="4090144"/>
-            <a:ext cx="793630" cy="284672"/>
-          </a:xfrm>
-          <a:prstGeom prst="roundRect">
-            <a:avLst/>
-          </a:prstGeom>
-        </p:spPr>
-        <p:style>
-          <a:lnRef idx="2">
-            <a:schemeClr val="accent1">
-              <a:shade val="50000"/>
-            </a:schemeClr>
-          </a:lnRef>
-          <a:fillRef idx="1">
-            <a:schemeClr val="accent1"/>
-          </a:fillRef>
-          <a:effectRef idx="0">
-            <a:schemeClr val="accent1"/>
-          </a:effectRef>
-          <a:fontRef idx="minor">
-            <a:schemeClr val="lt1"/>
-          </a:fontRef>
-        </p:style>
-        <p:txBody>
-          <a:bodyPr rtlCol="0" anchor="ctr"/>
-          <a:lstStyle/>
-          <a:p>
-            <a:pPr algn="ctr"/>
-            <a:r>
-              <a:rPr lang="en-US" sz="1200" dirty="0" smtClean="0"/>
-              <a:t>Save</a:t>
-            </a:r>
-            <a:endParaRPr lang="en-US" sz="1200" dirty="0"/>
-          </a:p>
-        </p:txBody>
-      </p:sp>
-      <p:sp>
-        <p:nvSpPr>
-          <p:cNvPr id="20" name="Rounded Rectangle 19"/>
-          <p:cNvSpPr/>
-          <p:nvPr/>
-        </p:nvSpPr>
-        <p:spPr>
-          <a:xfrm>
-            <a:off x="1197248" y="3114135"/>
-            <a:ext cx="2147978" cy="1880558"/>
-          </a:xfrm>
-          <a:prstGeom prst="roundRect">
-            <a:avLst/>
-          </a:prstGeom>
-          <a:solidFill>
-            <a:srgbClr val="92D050"/>
-          </a:solidFill>
-        </p:spPr>
-        <p:style>
-          <a:lnRef idx="2">
-            <a:schemeClr val="accent1">
-              <a:shade val="50000"/>
-            </a:schemeClr>
-          </a:lnRef>
-          <a:fillRef idx="1">
-            <a:schemeClr val="accent1"/>
-          </a:fillRef>
-          <a:effectRef idx="0">
-            <a:schemeClr val="accent1"/>
-          </a:effectRef>
-          <a:fontRef idx="minor">
-            <a:schemeClr val="lt1"/>
-          </a:fontRef>
-        </p:style>
-        <p:txBody>
-          <a:bodyPr rtlCol="0" anchor="ctr"/>
-          <a:lstStyle/>
-          <a:p>
-            <a:pPr algn="ctr"/>
-            <a:endParaRPr lang="en-US" dirty="0"/>
-          </a:p>
-        </p:txBody>
-      </p:sp>
-      <p:sp>
-        <p:nvSpPr>
-          <p:cNvPr id="21" name="TextBox 20"/>
-          <p:cNvSpPr txBox="1"/>
-          <p:nvPr/>
-        </p:nvSpPr>
-        <p:spPr>
-          <a:xfrm>
-            <a:off x="1197248" y="3431253"/>
-            <a:ext cx="2070760" cy="1015663"/>
-          </a:xfrm>
-          <a:prstGeom prst="rect">
-            <a:avLst/>
-          </a:prstGeom>
-          <a:noFill/>
-        </p:spPr>
-        <p:txBody>
-          <a:bodyPr wrap="none" rtlCol="0">
-            <a:spAutoFit/>
-          </a:bodyPr>
-          <a:lstStyle/>
-          <a:p>
-            <a:r>
-              <a:rPr lang="en-US" sz="1200" b="1" dirty="0" smtClean="0"/>
-              <a:t>Q1. do you know the person?</a:t>
-            </a:r>
-          </a:p>
-          <a:p>
-            <a:endParaRPr lang="en-US" sz="1200" b="1" dirty="0"/>
-          </a:p>
-          <a:p>
-            <a:r>
-              <a:rPr lang="en-US" sz="1200" b="1" dirty="0" smtClean="0"/>
-              <a:t>Q2. How long …?</a:t>
-            </a:r>
-          </a:p>
-          <a:p>
-            <a:endParaRPr lang="en-US" sz="1200" b="1" dirty="0"/>
-          </a:p>
-          <a:p>
-            <a:r>
-              <a:rPr lang="en-US" sz="1200" b="1" dirty="0" smtClean="0"/>
-              <a:t>…. </a:t>
-            </a:r>
-            <a:endParaRPr lang="en-US" sz="1200" b="1" dirty="0"/>
-          </a:p>
-        </p:txBody>
-      </p:sp>
-      <p:sp>
-        <p:nvSpPr>
-          <p:cNvPr id="22" name="Rounded Rectangle 21"/>
-          <p:cNvSpPr/>
-          <p:nvPr/>
-        </p:nvSpPr>
-        <p:spPr>
-          <a:xfrm>
-            <a:off x="1835813" y="4616355"/>
-            <a:ext cx="793630" cy="284672"/>
-          </a:xfrm>
-          <a:prstGeom prst="roundRect">
-            <a:avLst/>
-          </a:prstGeom>
-        </p:spPr>
-        <p:style>
-          <a:lnRef idx="2">
-            <a:schemeClr val="accent1">
-              <a:shade val="50000"/>
-            </a:schemeClr>
-          </a:lnRef>
-          <a:fillRef idx="1">
-            <a:schemeClr val="accent1"/>
-          </a:fillRef>
-          <a:effectRef idx="0">
-            <a:schemeClr val="accent1"/>
-          </a:effectRef>
-          <a:fontRef idx="minor">
-            <a:schemeClr val="lt1"/>
-          </a:fontRef>
-        </p:style>
-        <p:txBody>
-          <a:bodyPr rtlCol="0" anchor="ctr"/>
-          <a:lstStyle/>
-          <a:p>
-            <a:pPr algn="ctr"/>
-            <a:r>
-              <a:rPr lang="en-US" sz="1200" dirty="0" smtClean="0"/>
-              <a:t>Save</a:t>
-            </a:r>
-            <a:endParaRPr lang="en-US" sz="1200" dirty="0"/>
-          </a:p>
-        </p:txBody>
-      </p:sp>
-      <p:sp>
-        <p:nvSpPr>
-          <p:cNvPr id="23" name="TextBox 22"/>
-          <p:cNvSpPr txBox="1"/>
-          <p:nvPr/>
-        </p:nvSpPr>
-        <p:spPr>
-          <a:xfrm>
-            <a:off x="1197248" y="5162875"/>
-            <a:ext cx="2014398" cy="307777"/>
-          </a:xfrm>
-          <a:prstGeom prst="rect">
-            <a:avLst/>
-          </a:prstGeom>
-          <a:noFill/>
-        </p:spPr>
-        <p:txBody>
-          <a:bodyPr wrap="none" rtlCol="0">
-            <a:spAutoFit/>
-          </a:bodyPr>
-          <a:lstStyle/>
-          <a:p>
-            <a:r>
-              <a:rPr lang="en-US" sz="1400" dirty="0" smtClean="0"/>
-              <a:t>Several related occasions</a:t>
-            </a:r>
-            <a:endParaRPr lang="en-US" sz="1400" dirty="0"/>
-          </a:p>
-        </p:txBody>
-      </p:sp>
-    </p:spTree>
-    <p:extLst>
-      <p:ext uri="{BB962C8B-B14F-4D97-AF65-F5344CB8AC3E}">
-        <p14:creationId xmlns:p14="http://schemas.microsoft.com/office/powerpoint/2010/main" val="1460937914"/>
-      </p:ext>
-    </p:extLst>
-  </p:cSld>
-  <p:clrMapOvr>
-    <a:masterClrMapping/>
-  </p:clrMapOvr>
-  <p:timing>
-    <p:tnLst>
-      <p:par>
-        <p:cTn id="1" dur="indefinite" restart="never" nodeType="tmRoot"/>
-      </p:par>
-    </p:tnLst>
-  </p:timing>
-</p:sld>
-</file>
-
-<file path=ppt/slides/slide9.xml><?xml version="1.0" encoding="utf-8"?>
-<p:sld xmlns:a="http://schemas.openxmlformats.org/drawingml/2006/main" xmlns:r="http://schemas.openxmlformats.org/officeDocument/2006/relationships" xmlns:p="http://schemas.openxmlformats.org/presentationml/2006/main">
-  <p:cSld>
-    <p:spTree>
-      <p:nvGrpSpPr>
-        <p:cNvPr id="1" name=""/>
-        <p:cNvGrpSpPr/>
-        <p:nvPr/>
-      </p:nvGrpSpPr>
-      <p:grpSpPr>
-        <a:xfrm>
-          <a:off x="0" y="0"/>
-          <a:ext cx="0" cy="0"/>
-          <a:chOff x="0" y="0"/>
-          <a:chExt cx="0" cy="0"/>
-        </a:xfrm>
-      </p:grpSpPr>
-      <p:sp>
-        <p:nvSpPr>
-          <p:cNvPr id="5" name="Can 4"/>
-          <p:cNvSpPr/>
-          <p:nvPr/>
-        </p:nvSpPr>
-        <p:spPr>
-          <a:xfrm>
-            <a:off x="4755244" y="2344644"/>
-            <a:ext cx="1562777" cy="676152"/>
-          </a:xfrm>
-          <a:prstGeom prst="can">
-            <a:avLst/>
-          </a:prstGeom>
-        </p:spPr>
-        <p:style>
-          <a:lnRef idx="2">
-            <a:schemeClr val="accent1">
-              <a:shade val="50000"/>
-            </a:schemeClr>
-          </a:lnRef>
-          <a:fillRef idx="1">
-            <a:schemeClr val="accent1"/>
-          </a:fillRef>
-          <a:effectRef idx="0">
-            <a:schemeClr val="accent1"/>
-          </a:effectRef>
-          <a:fontRef idx="minor">
-            <a:schemeClr val="lt1"/>
-          </a:fontRef>
-        </p:style>
-        <p:txBody>
-          <a:bodyPr rtlCol="0" anchor="ctr"/>
-          <a:lstStyle/>
-          <a:p>
-            <a:pPr algn="ctr"/>
-            <a:endParaRPr lang="en-US"/>
-          </a:p>
-        </p:txBody>
-      </p:sp>
-      <p:sp>
-        <p:nvSpPr>
-          <p:cNvPr id="6" name="Can 5"/>
-          <p:cNvSpPr/>
-          <p:nvPr/>
-        </p:nvSpPr>
-        <p:spPr>
-          <a:xfrm>
-            <a:off x="6680620" y="1881051"/>
-            <a:ext cx="1443793" cy="644435"/>
-          </a:xfrm>
-          <a:prstGeom prst="can">
-            <a:avLst/>
-          </a:prstGeom>
-          <a:solidFill>
-            <a:srgbClr val="FFC000"/>
-          </a:solidFill>
-        </p:spPr>
-        <p:style>
-          <a:lnRef idx="2">
-            <a:schemeClr val="accent1">
-              <a:shade val="50000"/>
-            </a:schemeClr>
-          </a:lnRef>
-          <a:fillRef idx="1">
-            <a:schemeClr val="accent1"/>
-          </a:fillRef>
-          <a:effectRef idx="0">
-            <a:schemeClr val="accent1"/>
-          </a:effectRef>
-          <a:fontRef idx="minor">
-            <a:schemeClr val="lt1"/>
-          </a:fontRef>
-        </p:style>
-        <p:txBody>
-          <a:bodyPr rtlCol="0" anchor="ctr"/>
-          <a:lstStyle/>
-          <a:p>
-            <a:pPr algn="ctr"/>
-            <a:endParaRPr lang="en-US"/>
-          </a:p>
-        </p:txBody>
-      </p:sp>
-      <p:sp>
-        <p:nvSpPr>
-          <p:cNvPr id="7" name="TextBox 6"/>
-          <p:cNvSpPr txBox="1"/>
-          <p:nvPr/>
-        </p:nvSpPr>
-        <p:spPr>
-          <a:xfrm>
-            <a:off x="6698039" y="2107474"/>
-            <a:ext cx="1538370" cy="307777"/>
-          </a:xfrm>
-          <a:prstGeom prst="rect">
-            <a:avLst/>
-          </a:prstGeom>
-          <a:noFill/>
-        </p:spPr>
-        <p:txBody>
-          <a:bodyPr wrap="none" rtlCol="0">
-            <a:spAutoFit/>
-          </a:bodyPr>
-          <a:lstStyle/>
-          <a:p>
-            <a:r>
-              <a:rPr lang="en-US" sz="1400" dirty="0" smtClean="0"/>
-              <a:t>Secured Identities </a:t>
-            </a:r>
-            <a:endParaRPr lang="en-US" sz="1400" dirty="0"/>
-          </a:p>
-        </p:txBody>
-      </p:sp>
-      <p:sp>
-        <p:nvSpPr>
-          <p:cNvPr id="8" name="TextBox 7"/>
-          <p:cNvSpPr txBox="1"/>
-          <p:nvPr/>
-        </p:nvSpPr>
-        <p:spPr>
-          <a:xfrm>
-            <a:off x="4907504" y="2596118"/>
-            <a:ext cx="1153631" cy="307777"/>
-          </a:xfrm>
-          <a:prstGeom prst="rect">
-            <a:avLst/>
-          </a:prstGeom>
-          <a:noFill/>
-        </p:spPr>
-        <p:txBody>
-          <a:bodyPr wrap="square" rtlCol="0">
-            <a:spAutoFit/>
-          </a:bodyPr>
-          <a:lstStyle/>
-          <a:p>
-            <a:r>
-              <a:rPr lang="en-US" sz="1400" dirty="0" smtClean="0"/>
-              <a:t>General Data </a:t>
-            </a:r>
-            <a:endParaRPr lang="en-US" sz="1400" dirty="0"/>
-          </a:p>
-        </p:txBody>
-      </p:sp>
-      <p:sp>
-        <p:nvSpPr>
-          <p:cNvPr id="11" name="TextBox 10"/>
-          <p:cNvSpPr txBox="1"/>
-          <p:nvPr/>
-        </p:nvSpPr>
-        <p:spPr>
-          <a:xfrm>
-            <a:off x="6015688" y="798329"/>
-            <a:ext cx="683136" cy="369332"/>
-          </a:xfrm>
-          <a:prstGeom prst="rect">
-            <a:avLst/>
-          </a:prstGeom>
-          <a:noFill/>
-        </p:spPr>
-        <p:txBody>
-          <a:bodyPr wrap="none" rtlCol="0">
-            <a:spAutoFit/>
-          </a:bodyPr>
-          <a:lstStyle/>
-          <a:p>
-            <a:r>
-              <a:rPr lang="en-US" dirty="0" smtClean="0"/>
-              <a:t>SANE</a:t>
-            </a:r>
-            <a:endParaRPr lang="en-US" dirty="0"/>
-          </a:p>
-        </p:txBody>
-      </p:sp>
-      <p:pic>
-        <p:nvPicPr>
-          <p:cNvPr id="13" name="Picture 12"/>
-          <p:cNvPicPr>
-            <a:picLocks noChangeAspect="1"/>
-          </p:cNvPicPr>
-          <p:nvPr/>
-        </p:nvPicPr>
-        <p:blipFill>
-          <a:blip r:embed="rId2"/>
-          <a:stretch>
-            <a:fillRect/>
-          </a:stretch>
-        </p:blipFill>
-        <p:spPr>
-          <a:xfrm>
-            <a:off x="1035610" y="1149641"/>
-            <a:ext cx="1222067" cy="1222067"/>
-          </a:xfrm>
-          <a:prstGeom prst="rect">
-            <a:avLst/>
-          </a:prstGeom>
-        </p:spPr>
-      </p:pic>
-      <p:pic>
-        <p:nvPicPr>
-          <p:cNvPr id="14" name="Picture 13"/>
-          <p:cNvPicPr>
-            <a:picLocks noChangeAspect="1"/>
-          </p:cNvPicPr>
-          <p:nvPr/>
-        </p:nvPicPr>
-        <p:blipFill>
-          <a:blip r:embed="rId3"/>
-          <a:stretch>
-            <a:fillRect/>
-          </a:stretch>
-        </p:blipFill>
-        <p:spPr>
-          <a:xfrm>
-            <a:off x="2681773" y="1654025"/>
-            <a:ext cx="750581" cy="1340323"/>
-          </a:xfrm>
-          <a:prstGeom prst="rect">
-            <a:avLst/>
-          </a:prstGeom>
-        </p:spPr>
-      </p:pic>
-      <p:pic>
-        <p:nvPicPr>
-          <p:cNvPr id="15" name="Picture 14"/>
-          <p:cNvPicPr>
-            <a:picLocks noChangeAspect="1"/>
-          </p:cNvPicPr>
-          <p:nvPr/>
-        </p:nvPicPr>
-        <p:blipFill>
-          <a:blip r:embed="rId4"/>
-          <a:stretch>
-            <a:fillRect/>
-          </a:stretch>
-        </p:blipFill>
-        <p:spPr>
-          <a:xfrm>
-            <a:off x="980566" y="2792570"/>
-            <a:ext cx="1534576" cy="1150932"/>
-          </a:xfrm>
-          <a:prstGeom prst="rect">
-            <a:avLst/>
-          </a:prstGeom>
-        </p:spPr>
-      </p:pic>
       <p:pic>
         <p:nvPicPr>
           <p:cNvPr id="18" name="Picture 17"/>
@@ -6786,7 +7772,7 @@
         </p:nvSpPr>
         <p:spPr>
           <a:xfrm>
-            <a:off x="6238121" y="3204638"/>
+            <a:off x="6238121" y="3073166"/>
             <a:ext cx="1886293" cy="417312"/>
           </a:xfrm>
           <a:prstGeom prst="roundRect">
@@ -6882,20 +7868,59 @@
         <p:nvCxnSpPr>
           <p:cNvPr id="27" name="Straight Arrow Connector 26"/>
           <p:cNvCxnSpPr>
-            <a:stCxn id="16" idx="2"/>
-            <a:endCxn id="23" idx="0"/>
+            <a:stCxn id="23" idx="1"/>
+            <a:endCxn id="5" idx="3"/>
           </p:cNvCxnSpPr>
           <p:nvPr/>
         </p:nvCxnSpPr>
         <p:spPr>
-          <a:xfrm>
-            <a:off x="5443550" y="1569512"/>
-            <a:ext cx="1737718" cy="1635126"/>
+          <a:xfrm flipH="1" flipV="1">
+            <a:off x="5288068" y="2525487"/>
+            <a:ext cx="950053" cy="756335"/>
           </a:xfrm>
           <a:prstGeom prst="straightConnector1">
             <a:avLst/>
           </a:prstGeom>
           <a:ln w="38100">
+            <a:tailEnd type="triangle"/>
+          </a:ln>
+        </p:spPr>
+        <p:style>
+          <a:lnRef idx="1">
+            <a:schemeClr val="accent1"/>
+          </a:lnRef>
+          <a:fillRef idx="0">
+            <a:schemeClr val="accent1"/>
+          </a:fillRef>
+          <a:effectRef idx="0">
+            <a:schemeClr val="accent1"/>
+          </a:effectRef>
+          <a:fontRef idx="minor">
+            <a:schemeClr val="tx1"/>
+          </a:fontRef>
+        </p:style>
+      </p:cxnSp>
+      <p:cxnSp>
+        <p:nvCxnSpPr>
+          <p:cNvPr id="28" name="Straight Arrow Connector 27"/>
+          <p:cNvCxnSpPr>
+            <a:stCxn id="23" idx="0"/>
+            <a:endCxn id="6" idx="3"/>
+          </p:cNvCxnSpPr>
+          <p:nvPr/>
+        </p:nvCxnSpPr>
+        <p:spPr>
+          <a:xfrm flipV="1">
+            <a:off x="7181268" y="2525486"/>
+            <a:ext cx="221249" cy="547680"/>
+          </a:xfrm>
+          <a:prstGeom prst="straightConnector1">
+            <a:avLst/>
+          </a:prstGeom>
+          <a:ln w="38100">
+            <a:solidFill>
+              <a:schemeClr val="accent4"/>
+            </a:solidFill>
             <a:tailEnd type="triangle"/>
           </a:ln>
         </p:spPr>
@@ -6938,6 +7963,96 @@
           </a:prstGeom>
         </p:spPr>
       </p:pic>
+      <p:sp>
+        <p:nvSpPr>
+          <p:cNvPr id="32" name="Left Arrow 31"/>
+          <p:cNvSpPr/>
+          <p:nvPr/>
+        </p:nvSpPr>
+        <p:spPr>
+          <a:xfrm>
+            <a:off x="3505651" y="1942011"/>
+            <a:ext cx="825890" cy="551617"/>
+          </a:xfrm>
+          <a:prstGeom prst="leftArrow">
+            <a:avLst/>
+          </a:prstGeom>
+        </p:spPr>
+        <p:style>
+          <a:lnRef idx="2">
+            <a:schemeClr val="accent1">
+              <a:shade val="50000"/>
+            </a:schemeClr>
+          </a:lnRef>
+          <a:fillRef idx="1">
+            <a:schemeClr val="accent1"/>
+          </a:fillRef>
+          <a:effectRef idx="0">
+            <a:schemeClr val="accent1"/>
+          </a:effectRef>
+          <a:fontRef idx="minor">
+            <a:schemeClr val="lt1"/>
+          </a:fontRef>
+        </p:style>
+        <p:txBody>
+          <a:bodyPr rtlCol="0" anchor="ctr"/>
+          <a:lstStyle/>
+          <a:p>
+            <a:pPr algn="ctr"/>
+            <a:r>
+              <a:rPr lang="en-US" dirty="0" smtClean="0"/>
+              <a:t>APIs</a:t>
+            </a:r>
+            <a:endParaRPr lang="en-US" dirty="0"/>
+          </a:p>
+        </p:txBody>
+      </p:sp>
+      <p:sp>
+        <p:nvSpPr>
+          <p:cNvPr id="33" name="Striped Right Arrow 32"/>
+          <p:cNvSpPr/>
+          <p:nvPr/>
+        </p:nvSpPr>
+        <p:spPr>
+          <a:xfrm rot="12330253">
+            <a:off x="7909448" y="3852185"/>
+            <a:ext cx="1498863" cy="255243"/>
+          </a:xfrm>
+          <a:prstGeom prst="stripedRightArrow">
+            <a:avLst/>
+          </a:prstGeom>
+          <a:solidFill>
+            <a:srgbClr val="FF0000"/>
+          </a:solidFill>
+          <a:ln>
+            <a:noFill/>
+          </a:ln>
+        </p:spPr>
+        <p:style>
+          <a:lnRef idx="2">
+            <a:schemeClr val="accent1">
+              <a:shade val="50000"/>
+            </a:schemeClr>
+          </a:lnRef>
+          <a:fillRef idx="1">
+            <a:schemeClr val="accent1"/>
+          </a:fillRef>
+          <a:effectRef idx="0">
+            <a:schemeClr val="accent1"/>
+          </a:effectRef>
+          <a:fontRef idx="minor">
+            <a:schemeClr val="lt1"/>
+          </a:fontRef>
+        </p:style>
+        <p:txBody>
+          <a:bodyPr rtlCol="0" anchor="ctr"/>
+          <a:lstStyle/>
+          <a:p>
+            <a:pPr algn="ctr"/>
+            <a:endParaRPr lang="en-US"/>
+          </a:p>
+        </p:txBody>
+      </p:sp>
       <p:pic>
         <p:nvPicPr>
           <p:cNvPr id="34" name="Picture 33"/>
@@ -6954,7 +8069,7 @@
         </p:blipFill>
         <p:spPr>
           <a:xfrm>
-            <a:off x="9531964" y="3990680"/>
+            <a:off x="9372490" y="3880096"/>
             <a:ext cx="479959" cy="403557"/>
           </a:xfrm>
           <a:prstGeom prst="rect">
@@ -7020,8 +8135,8 @@
         </p:nvSpPr>
         <p:spPr>
           <a:xfrm>
-            <a:off x="3284212" y="4944641"/>
-            <a:ext cx="4411977" cy="1569660"/>
+            <a:off x="3687528" y="4923373"/>
+            <a:ext cx="6223691" cy="1200329"/>
           </a:xfrm>
           <a:prstGeom prst="rect">
             <a:avLst/>
@@ -7038,8 +8153,8 @@
               <a:buAutoNum type="arabicParenR"/>
             </a:pPr>
             <a:r>
-              <a:rPr lang="en-US" sz="1600" dirty="0" smtClean="0"/>
-              <a:t>Police ask SANE for the contact</a:t>
+              <a:rPr lang="en-US" dirty="0" smtClean="0"/>
+              <a:t>User Report App (easy-to-use, encrypt, picture, voice record)</a:t>
             </a:r>
           </a:p>
           <a:p>
@@ -7047,8 +8162,8 @@
               <a:buAutoNum type="arabicParenR"/>
             </a:pPr>
             <a:r>
-              <a:rPr lang="en-US" sz="1600" dirty="0" smtClean="0"/>
-              <a:t>SANE finds the contact from the dispatcher</a:t>
+              <a:rPr lang="en-US" dirty="0" smtClean="0"/>
+              <a:t>Dispatcher (filter, classify, and encrypt)</a:t>
             </a:r>
           </a:p>
           <a:p>
@@ -7056,8 +8171,8 @@
               <a:buAutoNum type="arabicParenR"/>
             </a:pPr>
             <a:r>
-              <a:rPr lang="en-US" sz="1600" dirty="0" smtClean="0"/>
-              <a:t>Dispatcher contact the app</a:t>
+              <a:rPr lang="en-US" dirty="0" smtClean="0"/>
+              <a:t>Two data bases (general data and secured identities)</a:t>
             </a:r>
           </a:p>
           <a:p>
@@ -7065,28 +8180,10 @@
               <a:buAutoNum type="arabicParenR"/>
             </a:pPr>
             <a:r>
-              <a:rPr lang="en-US" sz="1600" dirty="0" smtClean="0"/>
-              <a:t>When the user approve, </a:t>
-            </a:r>
-          </a:p>
-          <a:p>
-            <a:pPr marL="342900" indent="-342900">
-              <a:buAutoNum type="arabicParenR"/>
-            </a:pPr>
-            <a:r>
-              <a:rPr lang="en-US" sz="1600" dirty="0" smtClean="0"/>
-              <a:t>The dispatcher access to the secured identities</a:t>
-            </a:r>
-          </a:p>
-          <a:p>
-            <a:pPr marL="342900" indent="-342900">
-              <a:buAutoNum type="arabicParenR"/>
-            </a:pPr>
-            <a:r>
-              <a:rPr lang="en-US" sz="1600" dirty="0" smtClean="0"/>
-              <a:t>Chastise the SA case</a:t>
-            </a:r>
-            <a:endParaRPr lang="en-US" sz="1600" dirty="0"/>
+              <a:rPr lang="en-US" dirty="0" smtClean="0"/>
+              <a:t>APIs for researchers and public officers</a:t>
+            </a:r>
+            <a:endParaRPr lang="en-US" dirty="0"/>
           </a:p>
         </p:txBody>
       </p:sp>
@@ -7098,7 +8195,7 @@
         </p:nvSpPr>
         <p:spPr>
           <a:xfrm>
-            <a:off x="3825265" y="1269711"/>
+            <a:off x="9248503" y="4519750"/>
             <a:ext cx="283461" cy="302806"/>
           </a:xfrm>
           <a:prstGeom prst="ellipse">
@@ -7156,7 +8253,7 @@
         </p:nvSpPr>
         <p:spPr>
           <a:xfrm>
-            <a:off x="5826414" y="1614521"/>
+            <a:off x="5910021" y="3234747"/>
             <a:ext cx="283461" cy="302806"/>
           </a:xfrm>
           <a:prstGeom prst="ellipse">
@@ -7214,7 +8311,7 @@
         </p:nvSpPr>
         <p:spPr>
           <a:xfrm>
-            <a:off x="8758695" y="3543091"/>
+            <a:off x="6215075" y="1337465"/>
             <a:ext cx="283461" cy="302806"/>
           </a:xfrm>
           <a:prstGeom prst="ellipse">
@@ -7272,7 +8369,7 @@
         </p:nvSpPr>
         <p:spPr>
           <a:xfrm>
-            <a:off x="8099594" y="4206427"/>
+            <a:off x="3865660" y="1774838"/>
             <a:ext cx="283461" cy="302806"/>
           </a:xfrm>
           <a:prstGeom prst="ellipse">
@@ -7322,6 +8419,67 @@
           </a:p>
         </p:txBody>
       </p:sp>
+      <p:pic>
+        <p:nvPicPr>
+          <p:cNvPr id="35" name="Picture 34"/>
+          <p:cNvPicPr>
+            <a:picLocks noChangeAspect="1"/>
+          </p:cNvPicPr>
+          <p:nvPr/>
+        </p:nvPicPr>
+        <p:blipFill>
+          <a:blip r:embed="rId9"/>
+          <a:stretch>
+            <a:fillRect/>
+          </a:stretch>
+        </p:blipFill>
+        <p:spPr>
+          <a:xfrm>
+            <a:off x="4550874" y="3184371"/>
+            <a:ext cx="479959" cy="403557"/>
+          </a:xfrm>
+          <a:prstGeom prst="rect">
+            <a:avLst/>
+          </a:prstGeom>
+        </p:spPr>
+      </p:pic>
+    </p:spTree>
+    <p:extLst>
+      <p:ext uri="{BB962C8B-B14F-4D97-AF65-F5344CB8AC3E}">
+        <p14:creationId xmlns:p14="http://schemas.microsoft.com/office/powerpoint/2010/main" val="3618688566"/>
+      </p:ext>
+    </p:extLst>
+  </p:cSld>
+  <p:clrMapOvr>
+    <a:masterClrMapping/>
+  </p:clrMapOvr>
+  <p:timing>
+    <p:tnLst>
+      <p:par>
+        <p:cTn id="1" dur="indefinite" restart="never" nodeType="tmRoot"/>
+      </p:par>
+    </p:tnLst>
+  </p:timing>
+</p:sld>
+</file>
+
+<file path=ppt/slides/slide9.xml><?xml version="1.0" encoding="utf-8"?>
+<p:sld xmlns:a="http://schemas.openxmlformats.org/drawingml/2006/main" xmlns:r="http://schemas.openxmlformats.org/officeDocument/2006/relationships" xmlns:p="http://schemas.openxmlformats.org/presentationml/2006/main">
+  <p:cSld>
+    <p:spTree>
+      <p:nvGrpSpPr>
+        <p:cNvPr id="1" name=""/>
+        <p:cNvGrpSpPr/>
+        <p:nvPr/>
+      </p:nvGrpSpPr>
+      <p:grpSpPr>
+        <a:xfrm>
+          <a:off x="0" y="0"/>
+          <a:ext cx="0" cy="0"/>
+          <a:chOff x="0" y="0"/>
+          <a:chExt cx="0" cy="0"/>
+        </a:xfrm>
+      </p:grpSpPr>
       <p:sp>
         <p:nvSpPr>
           <p:cNvPr id="2" name="TextBox 1"/>
@@ -7330,38 +8488,8 @@
         </p:nvSpPr>
         <p:spPr>
           <a:xfrm>
-            <a:off x="3239239" y="4482976"/>
-            <a:ext cx="3452805" cy="461665"/>
-          </a:xfrm>
-          <a:prstGeom prst="rect">
-            <a:avLst/>
-          </a:prstGeom>
-          <a:noFill/>
-        </p:spPr>
-        <p:txBody>
-          <a:bodyPr wrap="none" rtlCol="0">
-            <a:spAutoFit/>
-          </a:bodyPr>
-          <a:lstStyle/>
-          <a:p>
-            <a:r>
-              <a:rPr lang="en-US" sz="2400" dirty="0" smtClean="0"/>
-              <a:t>When a symptom is found</a:t>
-            </a:r>
-            <a:endParaRPr lang="en-US" sz="2400" dirty="0"/>
-          </a:p>
-        </p:txBody>
-      </p:sp>
-      <p:sp>
-        <p:nvSpPr>
-          <p:cNvPr id="3" name="TextBox 2"/>
-          <p:cNvSpPr txBox="1"/>
-          <p:nvPr/>
-        </p:nvSpPr>
-        <p:spPr>
-          <a:xfrm>
-            <a:off x="9449118" y="2625016"/>
-            <a:ext cx="2406542" cy="369332"/>
+            <a:off x="1009290" y="546152"/>
+            <a:ext cx="9118121" cy="1631216"/>
           </a:xfrm>
           <a:prstGeom prst="rect">
             <a:avLst/>
@@ -7375,276 +8503,71 @@
           <a:lstStyle/>
           <a:p>
             <a:r>
-              <a:rPr lang="en-US" dirty="0" smtClean="0"/>
-              <a:t>Inclusive Cyber bullying </a:t>
-            </a:r>
-            <a:endParaRPr lang="en-US" dirty="0"/>
-          </a:p>
-        </p:txBody>
-      </p:sp>
-      <p:sp>
-        <p:nvSpPr>
-          <p:cNvPr id="9" name="TextBox 8"/>
-          <p:cNvSpPr txBox="1"/>
-          <p:nvPr/>
-        </p:nvSpPr>
-        <p:spPr>
-          <a:xfrm>
-            <a:off x="2036586" y="233639"/>
-            <a:ext cx="2076594" cy="646331"/>
-          </a:xfrm>
-          <a:prstGeom prst="rect">
-            <a:avLst/>
-          </a:prstGeom>
-          <a:noFill/>
-        </p:spPr>
-        <p:txBody>
-          <a:bodyPr wrap="none" rtlCol="0">
-            <a:spAutoFit/>
-          </a:bodyPr>
-          <a:lstStyle/>
-          <a:p>
-            <a:pPr marL="342900" indent="-342900">
-              <a:buAutoNum type="arabicParenR"/>
+              <a:rPr lang="en-US" sz="2000" dirty="0" smtClean="0"/>
+              <a:t>The SANE app can be used for the educational purposes:</a:t>
+            </a:r>
+          </a:p>
+          <a:p>
+            <a:pPr marL="285750" indent="-285750">
+              <a:buFont typeface="Arial" panose="020B0604020202020204" pitchFamily="34" charset="0"/>
+              <a:buChar char="•"/>
             </a:pPr>
             <a:r>
-              <a:rPr lang="en-US" dirty="0" smtClean="0"/>
-              <a:t>More data</a:t>
-            </a:r>
-          </a:p>
-          <a:p>
-            <a:pPr marL="342900" indent="-342900">
-              <a:buAutoNum type="arabicParenR"/>
+              <a:rPr lang="en-US" sz="2000" dirty="0" smtClean="0"/>
+              <a:t>Minors may not understand consent and what sexual assault is </a:t>
+            </a:r>
+          </a:p>
+          <a:p>
+            <a:pPr marL="285750" indent="-285750">
+              <a:buFont typeface="Arial" panose="020B0604020202020204" pitchFamily="34" charset="0"/>
+              <a:buChar char="•"/>
             </a:pPr>
             <a:r>
-              <a:rPr lang="en-US" dirty="0" smtClean="0"/>
-              <a:t>More protection</a:t>
-            </a:r>
-            <a:endParaRPr lang="en-US" dirty="0"/>
-          </a:p>
-        </p:txBody>
-      </p:sp>
-      <p:sp>
-        <p:nvSpPr>
-          <p:cNvPr id="35" name="TextBox 34"/>
-          <p:cNvSpPr txBox="1"/>
-          <p:nvPr/>
-        </p:nvSpPr>
-        <p:spPr>
-          <a:xfrm>
-            <a:off x="1444837" y="4067478"/>
-            <a:ext cx="1949971" cy="369332"/>
-          </a:xfrm>
-          <a:prstGeom prst="rect">
-            <a:avLst/>
-          </a:prstGeom>
-          <a:noFill/>
-        </p:spPr>
-        <p:txBody>
-          <a:bodyPr wrap="square" rtlCol="0">
-            <a:spAutoFit/>
-          </a:bodyPr>
-          <a:lstStyle/>
-          <a:p>
-            <a:r>
-              <a:rPr lang="en-US" b="1" dirty="0" smtClean="0"/>
-              <a:t>Big Data Analytics</a:t>
-            </a:r>
-          </a:p>
-        </p:txBody>
-      </p:sp>
-      <p:pic>
-        <p:nvPicPr>
-          <p:cNvPr id="36" name="Picture 35"/>
-          <p:cNvPicPr>
-            <a:picLocks noChangeAspect="1"/>
-          </p:cNvPicPr>
-          <p:nvPr/>
-        </p:nvPicPr>
-        <p:blipFill rotWithShape="1">
-          <a:blip r:embed="rId12"/>
-          <a:srcRect t="26433" r="58561" b="8275"/>
-          <a:stretch/>
-        </p:blipFill>
-        <p:spPr>
-          <a:xfrm>
-            <a:off x="9723103" y="750236"/>
-            <a:ext cx="1022297" cy="1206501"/>
-          </a:xfrm>
-          <a:prstGeom prst="rect">
-            <a:avLst/>
-          </a:prstGeom>
-        </p:spPr>
-      </p:pic>
-      <p:cxnSp>
-        <p:nvCxnSpPr>
-          <p:cNvPr id="40" name="Straight Arrow Connector 39"/>
-          <p:cNvCxnSpPr>
-            <a:stCxn id="23" idx="3"/>
-            <a:endCxn id="37" idx="1"/>
-          </p:cNvCxnSpPr>
-          <p:nvPr/>
-        </p:nvCxnSpPr>
-        <p:spPr>
-          <a:xfrm>
-            <a:off x="8124414" y="3413294"/>
-            <a:ext cx="1407550" cy="1272850"/>
-          </a:xfrm>
-          <a:prstGeom prst="straightConnector1">
-            <a:avLst/>
-          </a:prstGeom>
-          <a:ln w="38100">
-            <a:solidFill>
-              <a:schemeClr val="accent4"/>
-            </a:solidFill>
-            <a:tailEnd type="triangle"/>
-          </a:ln>
-        </p:spPr>
-        <p:style>
-          <a:lnRef idx="1">
-            <a:schemeClr val="accent1"/>
-          </a:lnRef>
-          <a:fillRef idx="0">
-            <a:schemeClr val="accent1"/>
-          </a:fillRef>
-          <a:effectRef idx="0">
-            <a:schemeClr val="accent1"/>
-          </a:effectRef>
-          <a:fontRef idx="minor">
-            <a:schemeClr val="tx1"/>
-          </a:fontRef>
-        </p:style>
-      </p:cxnSp>
-      <p:cxnSp>
-        <p:nvCxnSpPr>
-          <p:cNvPr id="45" name="Straight Arrow Connector 44"/>
-          <p:cNvCxnSpPr>
-            <a:stCxn id="37" idx="1"/>
-            <a:endCxn id="23" idx="2"/>
-          </p:cNvCxnSpPr>
-          <p:nvPr/>
-        </p:nvCxnSpPr>
-        <p:spPr>
-          <a:xfrm flipH="1" flipV="1">
-            <a:off x="7181268" y="3621950"/>
-            <a:ext cx="2350696" cy="1064194"/>
-          </a:xfrm>
-          <a:prstGeom prst="straightConnector1">
-            <a:avLst/>
-          </a:prstGeom>
-          <a:ln w="38100">
-            <a:solidFill>
-              <a:schemeClr val="accent4"/>
-            </a:solidFill>
-            <a:tailEnd type="triangle"/>
-          </a:ln>
-        </p:spPr>
-        <p:style>
-          <a:lnRef idx="1">
-            <a:schemeClr val="accent1"/>
-          </a:lnRef>
-          <a:fillRef idx="0">
-            <a:schemeClr val="accent1"/>
-          </a:fillRef>
-          <a:effectRef idx="0">
-            <a:schemeClr val="accent1"/>
-          </a:effectRef>
-          <a:fontRef idx="minor">
-            <a:schemeClr val="tx1"/>
-          </a:fontRef>
-        </p:style>
-      </p:cxnSp>
-      <p:cxnSp>
-        <p:nvCxnSpPr>
-          <p:cNvPr id="47" name="Straight Arrow Connector 46"/>
-          <p:cNvCxnSpPr>
-            <a:stCxn id="13" idx="3"/>
-            <a:endCxn id="16" idx="2"/>
-          </p:cNvCxnSpPr>
-          <p:nvPr/>
-        </p:nvCxnSpPr>
-        <p:spPr>
-          <a:xfrm flipV="1">
-            <a:off x="2257677" y="1569512"/>
-            <a:ext cx="3185873" cy="191163"/>
-          </a:xfrm>
-          <a:prstGeom prst="straightConnector1">
-            <a:avLst/>
-          </a:prstGeom>
-          <a:ln w="38100">
-            <a:tailEnd type="triangle"/>
-          </a:ln>
-        </p:spPr>
-        <p:style>
-          <a:lnRef idx="1">
-            <a:schemeClr val="accent1"/>
-          </a:lnRef>
-          <a:fillRef idx="0">
-            <a:schemeClr val="accent1"/>
-          </a:fillRef>
-          <a:effectRef idx="0">
-            <a:schemeClr val="accent1"/>
-          </a:effectRef>
-          <a:fontRef idx="minor">
-            <a:schemeClr val="tx1"/>
-          </a:fontRef>
-        </p:style>
-      </p:cxnSp>
-      <p:cxnSp>
-        <p:nvCxnSpPr>
-          <p:cNvPr id="51" name="Straight Arrow Connector 50"/>
-          <p:cNvCxnSpPr>
-            <a:endCxn id="13" idx="2"/>
-          </p:cNvCxnSpPr>
-          <p:nvPr/>
-        </p:nvCxnSpPr>
-        <p:spPr>
-          <a:xfrm flipH="1" flipV="1">
-            <a:off x="1646644" y="2371708"/>
-            <a:ext cx="4591478" cy="1054030"/>
-          </a:xfrm>
-          <a:prstGeom prst="straightConnector1">
-            <a:avLst/>
-          </a:prstGeom>
-          <a:ln w="38100">
-            <a:tailEnd type="triangle"/>
-          </a:ln>
-        </p:spPr>
-        <p:style>
-          <a:lnRef idx="1">
-            <a:schemeClr val="accent1"/>
-          </a:lnRef>
-          <a:fillRef idx="0">
-            <a:schemeClr val="accent1"/>
-          </a:fillRef>
-          <a:effectRef idx="0">
-            <a:schemeClr val="accent1"/>
-          </a:effectRef>
-          <a:fontRef idx="minor">
-            <a:schemeClr val="tx1"/>
-          </a:fontRef>
-        </p:style>
-      </p:cxnSp>
-      <p:sp>
-        <p:nvSpPr>
-          <p:cNvPr id="56" name="Oval 55"/>
+              <a:rPr lang="en-US" sz="2000" dirty="0" smtClean="0"/>
+              <a:t>It starts with simple questions, leading to more targeted questions</a:t>
+            </a:r>
+          </a:p>
+          <a:p>
+            <a:pPr marL="285750" indent="-285750">
+              <a:buFont typeface="Arial" panose="020B0604020202020204" pitchFamily="34" charset="0"/>
+              <a:buChar char="•"/>
+            </a:pPr>
+            <a:r>
+              <a:rPr lang="en-US" sz="2000" dirty="0" smtClean="0"/>
+              <a:t>During the Q&amp;A process the screen color will turn “</a:t>
+            </a:r>
+            <a:r>
+              <a:rPr lang="en-US" sz="2000" dirty="0" smtClean="0">
+                <a:solidFill>
+                  <a:srgbClr val="FF0000"/>
+                </a:solidFill>
+              </a:rPr>
+              <a:t>RED</a:t>
+            </a:r>
+            <a:r>
+              <a:rPr lang="en-US" sz="2000" dirty="0" smtClean="0"/>
+              <a:t>” as the situation becomes serious enough to report</a:t>
+            </a:r>
+          </a:p>
+        </p:txBody>
+      </p:sp>
+      <p:sp>
+        <p:nvSpPr>
+          <p:cNvPr id="3" name="Rounded Rectangle 2"/>
           <p:cNvSpPr/>
           <p:nvPr/>
         </p:nvSpPr>
         <p:spPr>
           <a:xfrm>
-            <a:off x="4205482" y="3044724"/>
-            <a:ext cx="283461" cy="302806"/>
-          </a:xfrm>
-          <a:prstGeom prst="ellipse">
-            <a:avLst/>
-          </a:prstGeom>
-          <a:noFill/>
-          <a:ln w="28575">
-            <a:solidFill>
-              <a:srgbClr val="FF0000"/>
-            </a:solidFill>
-          </a:ln>
+            <a:off x="1500995" y="2587924"/>
+            <a:ext cx="2147978" cy="1880558"/>
+          </a:xfrm>
+          <a:prstGeom prst="roundRect">
+            <a:avLst/>
+          </a:prstGeom>
+          <a:solidFill>
+            <a:srgbClr val="92D050"/>
+          </a:solidFill>
         </p:spPr>
         <p:style>
           <a:lnRef idx="2">
@@ -7667,114 +8590,72 @@
           <a:lstStyle/>
           <a:p>
             <a:pPr algn="ctr"/>
-            <a:r>
-              <a:rPr lang="en-US" b="1" dirty="0" smtClean="0">
-                <a:solidFill>
-                  <a:srgbClr val="FF0000"/>
-                </a:solidFill>
-              </a:rPr>
-              <a:t>5</a:t>
-            </a:r>
-            <a:endParaRPr lang="en-US" b="1" dirty="0">
-              <a:solidFill>
-                <a:srgbClr val="FF0000"/>
-              </a:solidFill>
-            </a:endParaRPr>
-          </a:p>
-        </p:txBody>
-      </p:sp>
-      <p:cxnSp>
-        <p:nvCxnSpPr>
-          <p:cNvPr id="57" name="Straight Arrow Connector 56"/>
-          <p:cNvCxnSpPr>
-            <a:stCxn id="13" idx="3"/>
-            <a:endCxn id="7" idx="1"/>
-          </p:cNvCxnSpPr>
-          <p:nvPr/>
-        </p:nvCxnSpPr>
-        <p:spPr>
-          <a:xfrm>
-            <a:off x="2257677" y="1760675"/>
-            <a:ext cx="4440362" cy="500688"/>
-          </a:xfrm>
-          <a:prstGeom prst="straightConnector1">
-            <a:avLst/>
-          </a:prstGeom>
-          <a:ln w="38100">
-            <a:tailEnd type="triangle"/>
-          </a:ln>
-        </p:spPr>
-        <p:style>
-          <a:lnRef idx="1">
-            <a:schemeClr val="accent1"/>
-          </a:lnRef>
-          <a:fillRef idx="0">
-            <a:schemeClr val="accent1"/>
-          </a:fillRef>
-          <a:effectRef idx="0">
-            <a:schemeClr val="accent1"/>
-          </a:effectRef>
-          <a:fontRef idx="minor">
-            <a:schemeClr val="tx1"/>
-          </a:fontRef>
-        </p:style>
-      </p:cxnSp>
-      <p:cxnSp>
-        <p:nvCxnSpPr>
-          <p:cNvPr id="67" name="Straight Arrow Connector 66"/>
-          <p:cNvCxnSpPr>
-            <a:stCxn id="7" idx="1"/>
-            <a:endCxn id="36" idx="1"/>
-          </p:cNvCxnSpPr>
-          <p:nvPr/>
-        </p:nvCxnSpPr>
-        <p:spPr>
-          <a:xfrm flipV="1">
-            <a:off x="6698039" y="1353487"/>
-            <a:ext cx="3025064" cy="907876"/>
-          </a:xfrm>
-          <a:prstGeom prst="straightConnector1">
-            <a:avLst/>
-          </a:prstGeom>
-          <a:ln w="38100">
-            <a:tailEnd type="triangle"/>
-          </a:ln>
-        </p:spPr>
-        <p:style>
-          <a:lnRef idx="1">
-            <a:schemeClr val="accent1"/>
-          </a:lnRef>
-          <a:fillRef idx="0">
-            <a:schemeClr val="accent1"/>
-          </a:fillRef>
-          <a:effectRef idx="0">
-            <a:schemeClr val="accent1"/>
-          </a:effectRef>
-          <a:fontRef idx="minor">
-            <a:schemeClr val="tx1"/>
-          </a:fontRef>
-        </p:style>
-      </p:cxnSp>
-      <p:sp>
-        <p:nvSpPr>
-          <p:cNvPr id="71" name="Oval 70"/>
+            <a:endParaRPr lang="en-US" dirty="0"/>
+          </a:p>
+        </p:txBody>
+      </p:sp>
+      <p:sp>
+        <p:nvSpPr>
+          <p:cNvPr id="10" name="TextBox 9"/>
+          <p:cNvSpPr txBox="1"/>
+          <p:nvPr/>
+        </p:nvSpPr>
+        <p:spPr>
+          <a:xfrm>
+            <a:off x="1500995" y="2905042"/>
+            <a:ext cx="2070760" cy="1015663"/>
+          </a:xfrm>
+          <a:prstGeom prst="rect">
+            <a:avLst/>
+          </a:prstGeom>
+          <a:noFill/>
+        </p:spPr>
+        <p:txBody>
+          <a:bodyPr wrap="none" rtlCol="0">
+            <a:spAutoFit/>
+          </a:bodyPr>
+          <a:lstStyle/>
+          <a:p>
+            <a:r>
+              <a:rPr lang="en-US" sz="1200" b="1" dirty="0" smtClean="0"/>
+              <a:t>Q1. do you know the person?</a:t>
+            </a:r>
+          </a:p>
+          <a:p>
+            <a:endParaRPr lang="en-US" sz="1200" b="1" dirty="0"/>
+          </a:p>
+          <a:p>
+            <a:r>
+              <a:rPr lang="en-US" sz="1200" b="1" dirty="0" smtClean="0"/>
+              <a:t>Q2. How long …?</a:t>
+            </a:r>
+          </a:p>
+          <a:p>
+            <a:endParaRPr lang="en-US" sz="1200" b="1" dirty="0"/>
+          </a:p>
+          <a:p>
+            <a:r>
+              <a:rPr lang="en-US" sz="1200" b="1" dirty="0" smtClean="0"/>
+              <a:t>…. </a:t>
+            </a:r>
+            <a:endParaRPr lang="en-US" sz="1200" b="1" dirty="0"/>
+          </a:p>
+        </p:txBody>
+      </p:sp>
+      <p:sp>
+        <p:nvSpPr>
+          <p:cNvPr id="11" name="Right Arrow 10"/>
           <p:cNvSpPr/>
           <p:nvPr/>
         </p:nvSpPr>
         <p:spPr>
           <a:xfrm>
-            <a:off x="4407325" y="2068693"/>
-            <a:ext cx="283461" cy="302806"/>
-          </a:xfrm>
-          <a:prstGeom prst="ellipse">
-            <a:avLst/>
-          </a:prstGeom>
-          <a:noFill/>
-          <a:ln w="28575">
-            <a:solidFill>
-              <a:srgbClr val="FF0000"/>
-            </a:solidFill>
-          </a:ln>
+            <a:off x="4071666" y="3342735"/>
+            <a:ext cx="681487" cy="370936"/>
+          </a:xfrm>
+          <a:prstGeom prst="rightArrow">
+            <a:avLst/>
+          </a:prstGeom>
         </p:spPr>
         <p:style>
           <a:lnRef idx="2">
@@ -7797,26 +8678,546 @@
           <a:lstStyle/>
           <a:p>
             <a:pPr algn="ctr"/>
-            <a:r>
-              <a:rPr lang="en-US" b="1" dirty="0" smtClean="0">
-                <a:solidFill>
-                  <a:srgbClr val="FF0000"/>
-                </a:solidFill>
-              </a:rPr>
-              <a:t>6</a:t>
-            </a:r>
-            <a:endParaRPr lang="en-US" b="1" dirty="0">
-              <a:solidFill>
-                <a:srgbClr val="FF0000"/>
-              </a:solidFill>
-            </a:endParaRPr>
+            <a:endParaRPr lang="en-US"/>
+          </a:p>
+        </p:txBody>
+      </p:sp>
+      <p:sp>
+        <p:nvSpPr>
+          <p:cNvPr id="12" name="Rounded Rectangle 11"/>
+          <p:cNvSpPr/>
+          <p:nvPr/>
+        </p:nvSpPr>
+        <p:spPr>
+          <a:xfrm>
+            <a:off x="5069456" y="2587924"/>
+            <a:ext cx="2147978" cy="1880558"/>
+          </a:xfrm>
+          <a:prstGeom prst="roundRect">
+            <a:avLst/>
+          </a:prstGeom>
+          <a:solidFill>
+            <a:schemeClr val="accent2">
+              <a:lumMod val="40000"/>
+              <a:lumOff val="60000"/>
+            </a:schemeClr>
+          </a:solidFill>
+        </p:spPr>
+        <p:style>
+          <a:lnRef idx="2">
+            <a:schemeClr val="accent1">
+              <a:shade val="50000"/>
+            </a:schemeClr>
+          </a:lnRef>
+          <a:fillRef idx="1">
+            <a:schemeClr val="accent1"/>
+          </a:fillRef>
+          <a:effectRef idx="0">
+            <a:schemeClr val="accent1"/>
+          </a:effectRef>
+          <a:fontRef idx="minor">
+            <a:schemeClr val="lt1"/>
+          </a:fontRef>
+        </p:style>
+        <p:txBody>
+          <a:bodyPr rtlCol="0" anchor="ctr"/>
+          <a:lstStyle/>
+          <a:p>
+            <a:pPr algn="ctr"/>
+            <a:endParaRPr lang="en-US" dirty="0"/>
+          </a:p>
+        </p:txBody>
+      </p:sp>
+      <p:sp>
+        <p:nvSpPr>
+          <p:cNvPr id="13" name="TextBox 12"/>
+          <p:cNvSpPr txBox="1"/>
+          <p:nvPr/>
+        </p:nvSpPr>
+        <p:spPr>
+          <a:xfrm>
+            <a:off x="5103960" y="2905042"/>
+            <a:ext cx="1809726" cy="1015663"/>
+          </a:xfrm>
+          <a:prstGeom prst="rect">
+            <a:avLst/>
+          </a:prstGeom>
+          <a:solidFill>
+            <a:schemeClr val="accent2">
+              <a:lumMod val="40000"/>
+              <a:lumOff val="60000"/>
+            </a:schemeClr>
+          </a:solidFill>
+        </p:spPr>
+        <p:txBody>
+          <a:bodyPr wrap="none" rtlCol="0">
+            <a:spAutoFit/>
+          </a:bodyPr>
+          <a:lstStyle/>
+          <a:p>
+            <a:r>
+              <a:rPr lang="en-US" sz="1200" b="1" dirty="0" smtClean="0"/>
+              <a:t>Q1. How open do you …?</a:t>
+            </a:r>
+          </a:p>
+          <a:p>
+            <a:endParaRPr lang="en-US" sz="1200" b="1" dirty="0"/>
+          </a:p>
+          <a:p>
+            <a:r>
+              <a:rPr lang="en-US" sz="1200" b="1" dirty="0" smtClean="0"/>
+              <a:t>Q2. How long …?</a:t>
+            </a:r>
+          </a:p>
+          <a:p>
+            <a:endParaRPr lang="en-US" sz="1200" b="1" dirty="0"/>
+          </a:p>
+          <a:p>
+            <a:r>
+              <a:rPr lang="en-US" sz="1200" b="1" dirty="0" smtClean="0"/>
+              <a:t>…. </a:t>
+            </a:r>
+            <a:endParaRPr lang="en-US" sz="1200" b="1" dirty="0"/>
+          </a:p>
+        </p:txBody>
+      </p:sp>
+      <p:sp>
+        <p:nvSpPr>
+          <p:cNvPr id="14" name="Right Arrow 13"/>
+          <p:cNvSpPr/>
+          <p:nvPr/>
+        </p:nvSpPr>
+        <p:spPr>
+          <a:xfrm>
+            <a:off x="7648753" y="3342735"/>
+            <a:ext cx="681487" cy="370936"/>
+          </a:xfrm>
+          <a:prstGeom prst="rightArrow">
+            <a:avLst/>
+          </a:prstGeom>
+        </p:spPr>
+        <p:style>
+          <a:lnRef idx="2">
+            <a:schemeClr val="accent1">
+              <a:shade val="50000"/>
+            </a:schemeClr>
+          </a:lnRef>
+          <a:fillRef idx="1">
+            <a:schemeClr val="accent1"/>
+          </a:fillRef>
+          <a:effectRef idx="0">
+            <a:schemeClr val="accent1"/>
+          </a:effectRef>
+          <a:fontRef idx="minor">
+            <a:schemeClr val="lt1"/>
+          </a:fontRef>
+        </p:style>
+        <p:txBody>
+          <a:bodyPr rtlCol="0" anchor="ctr"/>
+          <a:lstStyle/>
+          <a:p>
+            <a:pPr algn="ctr"/>
+            <a:endParaRPr lang="en-US"/>
+          </a:p>
+        </p:txBody>
+      </p:sp>
+      <p:sp>
+        <p:nvSpPr>
+          <p:cNvPr id="15" name="Rounded Rectangle 14"/>
+          <p:cNvSpPr/>
+          <p:nvPr/>
+        </p:nvSpPr>
+        <p:spPr>
+          <a:xfrm>
+            <a:off x="8637917" y="2587924"/>
+            <a:ext cx="2147978" cy="1880558"/>
+          </a:xfrm>
+          <a:prstGeom prst="roundRect">
+            <a:avLst/>
+          </a:prstGeom>
+          <a:solidFill>
+            <a:srgbClr val="FF0000"/>
+          </a:solidFill>
+        </p:spPr>
+        <p:style>
+          <a:lnRef idx="2">
+            <a:schemeClr val="accent1">
+              <a:shade val="50000"/>
+            </a:schemeClr>
+          </a:lnRef>
+          <a:fillRef idx="1">
+            <a:schemeClr val="accent1"/>
+          </a:fillRef>
+          <a:effectRef idx="0">
+            <a:schemeClr val="accent1"/>
+          </a:effectRef>
+          <a:fontRef idx="minor">
+            <a:schemeClr val="lt1"/>
+          </a:fontRef>
+        </p:style>
+        <p:txBody>
+          <a:bodyPr rtlCol="0" anchor="ctr"/>
+          <a:lstStyle/>
+          <a:p>
+            <a:pPr algn="ctr"/>
+            <a:endParaRPr lang="en-US" dirty="0"/>
+          </a:p>
+        </p:txBody>
+      </p:sp>
+      <p:sp>
+        <p:nvSpPr>
+          <p:cNvPr id="16" name="TextBox 15"/>
+          <p:cNvSpPr txBox="1"/>
+          <p:nvPr/>
+        </p:nvSpPr>
+        <p:spPr>
+          <a:xfrm>
+            <a:off x="8672421" y="2905042"/>
+            <a:ext cx="1271182" cy="1015663"/>
+          </a:xfrm>
+          <a:prstGeom prst="rect">
+            <a:avLst/>
+          </a:prstGeom>
+          <a:solidFill>
+            <a:srgbClr val="FF0000"/>
+          </a:solidFill>
+          <a:ln>
+            <a:noFill/>
+          </a:ln>
+        </p:spPr>
+        <p:txBody>
+          <a:bodyPr wrap="none" rtlCol="0">
+            <a:spAutoFit/>
+          </a:bodyPr>
+          <a:lstStyle/>
+          <a:p>
+            <a:r>
+              <a:rPr lang="en-US" sz="1200" b="1" dirty="0" smtClean="0"/>
+              <a:t>Q1. Are you …?</a:t>
+            </a:r>
+          </a:p>
+          <a:p>
+            <a:endParaRPr lang="en-US" sz="1200" b="1" dirty="0"/>
+          </a:p>
+          <a:p>
+            <a:r>
+              <a:rPr lang="en-US" sz="1200" b="1" dirty="0" smtClean="0"/>
+              <a:t>Q2. How long …?</a:t>
+            </a:r>
+          </a:p>
+          <a:p>
+            <a:endParaRPr lang="en-US" sz="1200" b="1" dirty="0"/>
+          </a:p>
+          <a:p>
+            <a:r>
+              <a:rPr lang="en-US" sz="1200" b="1" dirty="0" smtClean="0"/>
+              <a:t>…. </a:t>
+            </a:r>
+            <a:endParaRPr lang="en-US" sz="1200" b="1" dirty="0"/>
+          </a:p>
+        </p:txBody>
+      </p:sp>
+      <p:sp>
+        <p:nvSpPr>
+          <p:cNvPr id="17" name="Rounded Rectangle 16"/>
+          <p:cNvSpPr/>
+          <p:nvPr/>
+        </p:nvSpPr>
+        <p:spPr>
+          <a:xfrm>
+            <a:off x="9325154" y="4054414"/>
+            <a:ext cx="793630" cy="284672"/>
+          </a:xfrm>
+          <a:prstGeom prst="roundRect">
+            <a:avLst/>
+          </a:prstGeom>
+        </p:spPr>
+        <p:style>
+          <a:lnRef idx="2">
+            <a:schemeClr val="accent1">
+              <a:shade val="50000"/>
+            </a:schemeClr>
+          </a:lnRef>
+          <a:fillRef idx="1">
+            <a:schemeClr val="accent1"/>
+          </a:fillRef>
+          <a:effectRef idx="0">
+            <a:schemeClr val="accent1"/>
+          </a:effectRef>
+          <a:fontRef idx="minor">
+            <a:schemeClr val="lt1"/>
+          </a:fontRef>
+        </p:style>
+        <p:txBody>
+          <a:bodyPr rtlCol="0" anchor="ctr"/>
+          <a:lstStyle/>
+          <a:p>
+            <a:pPr algn="ctr"/>
+            <a:r>
+              <a:rPr lang="en-US" sz="1200" dirty="0" smtClean="0"/>
+              <a:t>Report</a:t>
+            </a:r>
+            <a:endParaRPr lang="en-US" sz="1200" dirty="0"/>
+          </a:p>
+        </p:txBody>
+      </p:sp>
+      <p:sp>
+        <p:nvSpPr>
+          <p:cNvPr id="18" name="Rounded Rectangle 17"/>
+          <p:cNvSpPr/>
+          <p:nvPr/>
+        </p:nvSpPr>
+        <p:spPr>
+          <a:xfrm>
+            <a:off x="5746630" y="4095487"/>
+            <a:ext cx="793630" cy="284672"/>
+          </a:xfrm>
+          <a:prstGeom prst="roundRect">
+            <a:avLst/>
+          </a:prstGeom>
+        </p:spPr>
+        <p:style>
+          <a:lnRef idx="2">
+            <a:schemeClr val="accent1">
+              <a:shade val="50000"/>
+            </a:schemeClr>
+          </a:lnRef>
+          <a:fillRef idx="1">
+            <a:schemeClr val="accent1"/>
+          </a:fillRef>
+          <a:effectRef idx="0">
+            <a:schemeClr val="accent1"/>
+          </a:effectRef>
+          <a:fontRef idx="minor">
+            <a:schemeClr val="lt1"/>
+          </a:fontRef>
+        </p:style>
+        <p:txBody>
+          <a:bodyPr rtlCol="0" anchor="ctr"/>
+          <a:lstStyle/>
+          <a:p>
+            <a:pPr algn="ctr"/>
+            <a:r>
+              <a:rPr lang="en-US" sz="1200" dirty="0" smtClean="0"/>
+              <a:t>Save</a:t>
+            </a:r>
+            <a:endParaRPr lang="en-US" sz="1200" dirty="0"/>
+          </a:p>
+        </p:txBody>
+      </p:sp>
+      <p:sp>
+        <p:nvSpPr>
+          <p:cNvPr id="19" name="Rounded Rectangle 18"/>
+          <p:cNvSpPr/>
+          <p:nvPr/>
+        </p:nvSpPr>
+        <p:spPr>
+          <a:xfrm>
+            <a:off x="2139560" y="4090144"/>
+            <a:ext cx="793630" cy="284672"/>
+          </a:xfrm>
+          <a:prstGeom prst="roundRect">
+            <a:avLst/>
+          </a:prstGeom>
+        </p:spPr>
+        <p:style>
+          <a:lnRef idx="2">
+            <a:schemeClr val="accent1">
+              <a:shade val="50000"/>
+            </a:schemeClr>
+          </a:lnRef>
+          <a:fillRef idx="1">
+            <a:schemeClr val="accent1"/>
+          </a:fillRef>
+          <a:effectRef idx="0">
+            <a:schemeClr val="accent1"/>
+          </a:effectRef>
+          <a:fontRef idx="minor">
+            <a:schemeClr val="lt1"/>
+          </a:fontRef>
+        </p:style>
+        <p:txBody>
+          <a:bodyPr rtlCol="0" anchor="ctr"/>
+          <a:lstStyle/>
+          <a:p>
+            <a:pPr algn="ctr"/>
+            <a:r>
+              <a:rPr lang="en-US" sz="1200" dirty="0" smtClean="0"/>
+              <a:t>Save</a:t>
+            </a:r>
+            <a:endParaRPr lang="en-US" sz="1200" dirty="0"/>
+          </a:p>
+        </p:txBody>
+      </p:sp>
+      <p:sp>
+        <p:nvSpPr>
+          <p:cNvPr id="20" name="Rounded Rectangle 19"/>
+          <p:cNvSpPr/>
+          <p:nvPr/>
+        </p:nvSpPr>
+        <p:spPr>
+          <a:xfrm>
+            <a:off x="1197248" y="3114135"/>
+            <a:ext cx="2147978" cy="1880558"/>
+          </a:xfrm>
+          <a:prstGeom prst="roundRect">
+            <a:avLst/>
+          </a:prstGeom>
+          <a:solidFill>
+            <a:srgbClr val="92D050"/>
+          </a:solidFill>
+        </p:spPr>
+        <p:style>
+          <a:lnRef idx="2">
+            <a:schemeClr val="accent1">
+              <a:shade val="50000"/>
+            </a:schemeClr>
+          </a:lnRef>
+          <a:fillRef idx="1">
+            <a:schemeClr val="accent1"/>
+          </a:fillRef>
+          <a:effectRef idx="0">
+            <a:schemeClr val="accent1"/>
+          </a:effectRef>
+          <a:fontRef idx="minor">
+            <a:schemeClr val="lt1"/>
+          </a:fontRef>
+        </p:style>
+        <p:txBody>
+          <a:bodyPr rtlCol="0" anchor="ctr"/>
+          <a:lstStyle/>
+          <a:p>
+            <a:pPr algn="ctr"/>
+            <a:endParaRPr lang="en-US" dirty="0"/>
+          </a:p>
+        </p:txBody>
+      </p:sp>
+      <p:sp>
+        <p:nvSpPr>
+          <p:cNvPr id="21" name="TextBox 20"/>
+          <p:cNvSpPr txBox="1"/>
+          <p:nvPr/>
+        </p:nvSpPr>
+        <p:spPr>
+          <a:xfrm>
+            <a:off x="1197248" y="3431253"/>
+            <a:ext cx="2070760" cy="1015663"/>
+          </a:xfrm>
+          <a:prstGeom prst="rect">
+            <a:avLst/>
+          </a:prstGeom>
+          <a:noFill/>
+        </p:spPr>
+        <p:txBody>
+          <a:bodyPr wrap="none" rtlCol="0">
+            <a:spAutoFit/>
+          </a:bodyPr>
+          <a:lstStyle/>
+          <a:p>
+            <a:r>
+              <a:rPr lang="en-US" sz="1200" b="1" dirty="0" smtClean="0"/>
+              <a:t>Q1. do you know the person?</a:t>
+            </a:r>
+          </a:p>
+          <a:p>
+            <a:endParaRPr lang="en-US" sz="1200" b="1" dirty="0"/>
+          </a:p>
+          <a:p>
+            <a:r>
+              <a:rPr lang="en-US" sz="1200" b="1" dirty="0" smtClean="0"/>
+              <a:t>Q2. How long …?</a:t>
+            </a:r>
+          </a:p>
+          <a:p>
+            <a:endParaRPr lang="en-US" sz="1200" b="1" dirty="0"/>
+          </a:p>
+          <a:p>
+            <a:r>
+              <a:rPr lang="en-US" sz="1200" b="1" dirty="0" smtClean="0"/>
+              <a:t>…. </a:t>
+            </a:r>
+            <a:endParaRPr lang="en-US" sz="1200" b="1" dirty="0"/>
+          </a:p>
+        </p:txBody>
+      </p:sp>
+      <p:sp>
+        <p:nvSpPr>
+          <p:cNvPr id="22" name="Rounded Rectangle 21"/>
+          <p:cNvSpPr/>
+          <p:nvPr/>
+        </p:nvSpPr>
+        <p:spPr>
+          <a:xfrm>
+            <a:off x="1835813" y="4616355"/>
+            <a:ext cx="793630" cy="284672"/>
+          </a:xfrm>
+          <a:prstGeom prst="roundRect">
+            <a:avLst/>
+          </a:prstGeom>
+        </p:spPr>
+        <p:style>
+          <a:lnRef idx="2">
+            <a:schemeClr val="accent1">
+              <a:shade val="50000"/>
+            </a:schemeClr>
+          </a:lnRef>
+          <a:fillRef idx="1">
+            <a:schemeClr val="accent1"/>
+          </a:fillRef>
+          <a:effectRef idx="0">
+            <a:schemeClr val="accent1"/>
+          </a:effectRef>
+          <a:fontRef idx="minor">
+            <a:schemeClr val="lt1"/>
+          </a:fontRef>
+        </p:style>
+        <p:txBody>
+          <a:bodyPr rtlCol="0" anchor="ctr"/>
+          <a:lstStyle/>
+          <a:p>
+            <a:pPr algn="ctr"/>
+            <a:r>
+              <a:rPr lang="en-US" sz="1200" dirty="0" smtClean="0"/>
+              <a:t>Save</a:t>
+            </a:r>
+            <a:endParaRPr lang="en-US" sz="1200" dirty="0"/>
+          </a:p>
+        </p:txBody>
+      </p:sp>
+      <p:sp>
+        <p:nvSpPr>
+          <p:cNvPr id="23" name="TextBox 22"/>
+          <p:cNvSpPr txBox="1"/>
+          <p:nvPr/>
+        </p:nvSpPr>
+        <p:spPr>
+          <a:xfrm>
+            <a:off x="1197248" y="5162875"/>
+            <a:ext cx="2014398" cy="307777"/>
+          </a:xfrm>
+          <a:prstGeom prst="rect">
+            <a:avLst/>
+          </a:prstGeom>
+          <a:noFill/>
+        </p:spPr>
+        <p:txBody>
+          <a:bodyPr wrap="none" rtlCol="0">
+            <a:spAutoFit/>
+          </a:bodyPr>
+          <a:lstStyle/>
+          <a:p>
+            <a:r>
+              <a:rPr lang="en-US" sz="1400" dirty="0" smtClean="0"/>
+              <a:t>Several related occasions</a:t>
+            </a:r>
+            <a:endParaRPr lang="en-US" sz="1400" dirty="0"/>
           </a:p>
         </p:txBody>
       </p:sp>
     </p:spTree>
     <p:extLst>
       <p:ext uri="{BB962C8B-B14F-4D97-AF65-F5344CB8AC3E}">
-        <p14:creationId xmlns:p14="http://schemas.microsoft.com/office/powerpoint/2010/main" val="840289333"/>
+        <p14:creationId xmlns:p14="http://schemas.microsoft.com/office/powerpoint/2010/main" val="1460937914"/>
       </p:ext>
     </p:extLst>
   </p:cSld>
